--- a/811M-Ch07_ClassificationModels.pptx
+++ b/811M-Ch07_ClassificationModels.pptx
@@ -5,10 +5,10 @@
     <p:sldMasterId id="2147483684" r:id="rId4"/>
   </p:sldMasterIdLst>
   <p:notesMasterIdLst>
-    <p:notesMasterId r:id="rId40"/>
+    <p:notesMasterId r:id="rId42"/>
   </p:notesMasterIdLst>
   <p:handoutMasterIdLst>
-    <p:handoutMasterId r:id="rId41"/>
+    <p:handoutMasterId r:id="rId43"/>
   </p:handoutMasterIdLst>
   <p:sldIdLst>
     <p:sldId id="257" r:id="rId5"/>
@@ -27,25 +27,27 @@
     <p:sldId id="339" r:id="rId18"/>
     <p:sldId id="340" r:id="rId19"/>
     <p:sldId id="341" r:id="rId20"/>
-    <p:sldId id="342" r:id="rId21"/>
-    <p:sldId id="355" r:id="rId22"/>
-    <p:sldId id="343" r:id="rId23"/>
-    <p:sldId id="353" r:id="rId24"/>
-    <p:sldId id="344" r:id="rId25"/>
-    <p:sldId id="360" r:id="rId26"/>
-    <p:sldId id="345" r:id="rId27"/>
-    <p:sldId id="346" r:id="rId28"/>
-    <p:sldId id="347" r:id="rId29"/>
-    <p:sldId id="359" r:id="rId30"/>
-    <p:sldId id="348" r:id="rId31"/>
-    <p:sldId id="361" r:id="rId32"/>
-    <p:sldId id="356" r:id="rId33"/>
-    <p:sldId id="357" r:id="rId34"/>
-    <p:sldId id="358" r:id="rId35"/>
-    <p:sldId id="330" r:id="rId36"/>
-    <p:sldId id="349" r:id="rId37"/>
-    <p:sldId id="354" r:id="rId38"/>
-    <p:sldId id="351" r:id="rId39"/>
+    <p:sldId id="362" r:id="rId21"/>
+    <p:sldId id="363" r:id="rId22"/>
+    <p:sldId id="342" r:id="rId23"/>
+    <p:sldId id="355" r:id="rId24"/>
+    <p:sldId id="343" r:id="rId25"/>
+    <p:sldId id="353" r:id="rId26"/>
+    <p:sldId id="344" r:id="rId27"/>
+    <p:sldId id="360" r:id="rId28"/>
+    <p:sldId id="345" r:id="rId29"/>
+    <p:sldId id="346" r:id="rId30"/>
+    <p:sldId id="347" r:id="rId31"/>
+    <p:sldId id="359" r:id="rId32"/>
+    <p:sldId id="348" r:id="rId33"/>
+    <p:sldId id="361" r:id="rId34"/>
+    <p:sldId id="356" r:id="rId35"/>
+    <p:sldId id="357" r:id="rId36"/>
+    <p:sldId id="358" r:id="rId37"/>
+    <p:sldId id="330" r:id="rId38"/>
+    <p:sldId id="349" r:id="rId39"/>
+    <p:sldId id="354" r:id="rId40"/>
+    <p:sldId id="351" r:id="rId41"/>
   </p:sldIdLst>
   <p:sldSz cx="9144000" cy="6858000" type="screen4x3"/>
   <p:notesSz cx="7053263" cy="9356725"/>
@@ -1753,7 +1755,7 @@
     </p:spTree>
     <p:extLst>
       <p:ext uri="{BB962C8B-B14F-4D97-AF65-F5344CB8AC3E}">
-        <p14:creationId xmlns:p14="http://schemas.microsoft.com/office/powerpoint/2010/main" val="662896443"/>
+        <p14:creationId xmlns:p14="http://schemas.microsoft.com/office/powerpoint/2010/main" val="2329670748"/>
       </p:ext>
     </p:extLst>
   </p:cSld>
@@ -1819,7 +1821,7 @@
     </p:spTree>
     <p:extLst>
       <p:ext uri="{BB962C8B-B14F-4D97-AF65-F5344CB8AC3E}">
-        <p14:creationId xmlns:p14="http://schemas.microsoft.com/office/powerpoint/2010/main" val="719987584"/>
+        <p14:creationId xmlns:p14="http://schemas.microsoft.com/office/powerpoint/2010/main" val="4131700859"/>
       </p:ext>
     </p:extLst>
   </p:cSld>
@@ -1885,7 +1887,7 @@
     </p:spTree>
     <p:extLst>
       <p:ext uri="{BB962C8B-B14F-4D97-AF65-F5344CB8AC3E}">
-        <p14:creationId xmlns:p14="http://schemas.microsoft.com/office/powerpoint/2010/main" val="1890198950"/>
+        <p14:creationId xmlns:p14="http://schemas.microsoft.com/office/powerpoint/2010/main" val="662896443"/>
       </p:ext>
     </p:extLst>
   </p:cSld>
@@ -2017,7 +2019,7 @@
     </p:spTree>
     <p:extLst>
       <p:ext uri="{BB962C8B-B14F-4D97-AF65-F5344CB8AC3E}">
-        <p14:creationId xmlns:p14="http://schemas.microsoft.com/office/powerpoint/2010/main" val="92123394"/>
+        <p14:creationId xmlns:p14="http://schemas.microsoft.com/office/powerpoint/2010/main" val="719987584"/>
       </p:ext>
     </p:extLst>
   </p:cSld>
@@ -2083,7 +2085,7 @@
     </p:spTree>
     <p:extLst>
       <p:ext uri="{BB962C8B-B14F-4D97-AF65-F5344CB8AC3E}">
-        <p14:creationId xmlns:p14="http://schemas.microsoft.com/office/powerpoint/2010/main" val="72016467"/>
+        <p14:creationId xmlns:p14="http://schemas.microsoft.com/office/powerpoint/2010/main" val="1890198950"/>
       </p:ext>
     </p:extLst>
   </p:cSld>
@@ -2149,7 +2151,7 @@
     </p:spTree>
     <p:extLst>
       <p:ext uri="{BB962C8B-B14F-4D97-AF65-F5344CB8AC3E}">
-        <p14:creationId xmlns:p14="http://schemas.microsoft.com/office/powerpoint/2010/main" val="591980088"/>
+        <p14:creationId xmlns:p14="http://schemas.microsoft.com/office/powerpoint/2010/main" val="92123394"/>
       </p:ext>
     </p:extLst>
   </p:cSld>
@@ -2215,7 +2217,7 @@
     </p:spTree>
     <p:extLst>
       <p:ext uri="{BB962C8B-B14F-4D97-AF65-F5344CB8AC3E}">
-        <p14:creationId xmlns:p14="http://schemas.microsoft.com/office/powerpoint/2010/main" val="2012379047"/>
+        <p14:creationId xmlns:p14="http://schemas.microsoft.com/office/powerpoint/2010/main" val="72016467"/>
       </p:ext>
     </p:extLst>
   </p:cSld>
@@ -2281,7 +2283,7 @@
     </p:spTree>
     <p:extLst>
       <p:ext uri="{BB962C8B-B14F-4D97-AF65-F5344CB8AC3E}">
-        <p14:creationId xmlns:p14="http://schemas.microsoft.com/office/powerpoint/2010/main" val="76209708"/>
+        <p14:creationId xmlns:p14="http://schemas.microsoft.com/office/powerpoint/2010/main" val="591980088"/>
       </p:ext>
     </p:extLst>
   </p:cSld>
@@ -2347,7 +2349,7 @@
     </p:spTree>
     <p:extLst>
       <p:ext uri="{BB962C8B-B14F-4D97-AF65-F5344CB8AC3E}">
-        <p14:creationId xmlns:p14="http://schemas.microsoft.com/office/powerpoint/2010/main" val="1437364188"/>
+        <p14:creationId xmlns:p14="http://schemas.microsoft.com/office/powerpoint/2010/main" val="2012379047"/>
       </p:ext>
     </p:extLst>
   </p:cSld>
@@ -2406,14 +2408,14 @@
           <a:bodyPr/>
           <a:lstStyle/>
           <a:p>
-            <a:endParaRPr lang="en-US"/>
+            <a:endParaRPr lang="en-US" dirty="0"/>
           </a:p>
         </p:txBody>
       </p:sp>
     </p:spTree>
     <p:extLst>
       <p:ext uri="{BB962C8B-B14F-4D97-AF65-F5344CB8AC3E}">
-        <p14:creationId xmlns:p14="http://schemas.microsoft.com/office/powerpoint/2010/main" val="3722880229"/>
+        <p14:creationId xmlns:p14="http://schemas.microsoft.com/office/powerpoint/2010/main" val="76209708"/>
       </p:ext>
     </p:extLst>
   </p:cSld>
@@ -2442,37 +2444,6 @@
       </p:grpSpPr>
       <p:sp>
         <p:nvSpPr>
-          <p:cNvPr id="3" name="Notes Placeholder 2"/>
-          <p:cNvSpPr>
-            <a:spLocks noGrp="1"/>
-          </p:cNvSpPr>
-          <p:nvPr>
-            <p:ph type="body" idx="1"/>
-          </p:nvPr>
-        </p:nvSpPr>
-        <p:spPr/>
-        <p:txBody>
-          <a:bodyPr/>
-          <a:lstStyle/>
-          <a:p>
-            <a:r>
-              <a:rPr lang="en-US" dirty="0"/>
-              <a:t>Highlight the topic that follows this page, and place the delta arrow next to it by moving vertically, but maintain the horizontal placement.</a:t>
-            </a:r>
-          </a:p>
-          <a:p>
-            <a:endParaRPr lang="en-US" dirty="0"/>
-          </a:p>
-          <a:p>
-            <a:r>
-              <a:rPr lang="en-US" dirty="0"/>
-              <a:t>If there are too many topics to fit on the page, reduce the line spacing to fit.</a:t>
-            </a:r>
-          </a:p>
-        </p:txBody>
-      </p:sp>
-      <p:sp>
-        <p:nvSpPr>
           <p:cNvPr id="4" name="Slide Image Placeholder 3"/>
           <p:cNvSpPr>
             <a:spLocks noGrp="1" noRot="1" noChangeAspect="1"/>
@@ -2488,10 +2459,29 @@
           </a:xfrm>
         </p:spPr>
       </p:sp>
+      <p:sp>
+        <p:nvSpPr>
+          <p:cNvPr id="5" name="Notes Placeholder 4"/>
+          <p:cNvSpPr>
+            <a:spLocks noGrp="1"/>
+          </p:cNvSpPr>
+          <p:nvPr>
+            <p:ph type="body" idx="1"/>
+          </p:nvPr>
+        </p:nvSpPr>
+        <p:spPr/>
+        <p:txBody>
+          <a:bodyPr/>
+          <a:lstStyle/>
+          <a:p>
+            <a:endParaRPr lang="en-US" dirty="0"/>
+          </a:p>
+        </p:txBody>
+      </p:sp>
     </p:spTree>
     <p:extLst>
       <p:ext uri="{BB962C8B-B14F-4D97-AF65-F5344CB8AC3E}">
-        <p14:creationId xmlns:p14="http://schemas.microsoft.com/office/powerpoint/2010/main" val="561715035"/>
+        <p14:creationId xmlns:p14="http://schemas.microsoft.com/office/powerpoint/2010/main" val="1437364188"/>
       </p:ext>
     </p:extLst>
   </p:cSld>
@@ -2550,14 +2540,14 @@
           <a:bodyPr/>
           <a:lstStyle/>
           <a:p>
-            <a:endParaRPr lang="en-US" dirty="0"/>
+            <a:endParaRPr lang="en-US"/>
           </a:p>
         </p:txBody>
       </p:sp>
     </p:spTree>
     <p:extLst>
       <p:ext uri="{BB962C8B-B14F-4D97-AF65-F5344CB8AC3E}">
-        <p14:creationId xmlns:p14="http://schemas.microsoft.com/office/powerpoint/2010/main" val="339578072"/>
+        <p14:creationId xmlns:p14="http://schemas.microsoft.com/office/powerpoint/2010/main" val="3722880229"/>
       </p:ext>
     </p:extLst>
   </p:cSld>
@@ -2568,6 +2558,162 @@
 </file>
 
 <file path=ppt/notesSlides/notesSlide29.xml><?xml version="1.0" encoding="utf-8"?>
+<p:notes xmlns:a="http://schemas.openxmlformats.org/drawingml/2006/main" xmlns:r="http://schemas.openxmlformats.org/officeDocument/2006/relationships" xmlns:p="http://schemas.openxmlformats.org/presentationml/2006/main">
+  <p:cSld>
+    <p:spTree>
+      <p:nvGrpSpPr>
+        <p:cNvPr id="1" name=""/>
+        <p:cNvGrpSpPr/>
+        <p:nvPr/>
+      </p:nvGrpSpPr>
+      <p:grpSpPr>
+        <a:xfrm>
+          <a:off x="0" y="0"/>
+          <a:ext cx="0" cy="0"/>
+          <a:chOff x="0" y="0"/>
+          <a:chExt cx="0" cy="0"/>
+        </a:xfrm>
+      </p:grpSpPr>
+      <p:sp>
+        <p:nvSpPr>
+          <p:cNvPr id="3" name="Notes Placeholder 2"/>
+          <p:cNvSpPr>
+            <a:spLocks noGrp="1"/>
+          </p:cNvSpPr>
+          <p:nvPr>
+            <p:ph type="body" idx="1"/>
+          </p:nvPr>
+        </p:nvSpPr>
+        <p:spPr/>
+        <p:txBody>
+          <a:bodyPr/>
+          <a:lstStyle/>
+          <a:p>
+            <a:r>
+              <a:rPr lang="en-US" dirty="0"/>
+              <a:t>Highlight the topic that follows this page, and place the delta arrow next to it by moving vertically, but maintain the horizontal placement.</a:t>
+            </a:r>
+          </a:p>
+          <a:p>
+            <a:endParaRPr lang="en-US" dirty="0"/>
+          </a:p>
+          <a:p>
+            <a:r>
+              <a:rPr lang="en-US" dirty="0"/>
+              <a:t>If there are too many topics to fit on the page, reduce the line spacing to fit.</a:t>
+            </a:r>
+          </a:p>
+        </p:txBody>
+      </p:sp>
+      <p:sp>
+        <p:nvSpPr>
+          <p:cNvPr id="4" name="Slide Image Placeholder 3"/>
+          <p:cNvSpPr>
+            <a:spLocks noGrp="1" noRot="1" noChangeAspect="1"/>
+          </p:cNvSpPr>
+          <p:nvPr>
+            <p:ph type="sldImg"/>
+          </p:nvPr>
+        </p:nvSpPr>
+        <p:spPr>
+          <a:xfrm>
+            <a:off x="1189038" y="701675"/>
+            <a:ext cx="4676775" cy="3508375"/>
+          </a:xfrm>
+        </p:spPr>
+      </p:sp>
+    </p:spTree>
+    <p:extLst>
+      <p:ext uri="{BB962C8B-B14F-4D97-AF65-F5344CB8AC3E}">
+        <p14:creationId xmlns:p14="http://schemas.microsoft.com/office/powerpoint/2010/main" val="561715035"/>
+      </p:ext>
+    </p:extLst>
+  </p:cSld>
+  <p:clrMapOvr>
+    <a:masterClrMapping/>
+  </p:clrMapOvr>
+</p:notes>
+</file>
+
+<file path=ppt/notesSlides/notesSlide3.xml><?xml version="1.0" encoding="utf-8"?>
+<p:notes xmlns:a="http://schemas.openxmlformats.org/drawingml/2006/main" xmlns:r="http://schemas.openxmlformats.org/officeDocument/2006/relationships" xmlns:p="http://schemas.openxmlformats.org/presentationml/2006/main">
+  <p:cSld>
+    <p:spTree>
+      <p:nvGrpSpPr>
+        <p:cNvPr id="1" name=""/>
+        <p:cNvGrpSpPr/>
+        <p:nvPr/>
+      </p:nvGrpSpPr>
+      <p:grpSpPr>
+        <a:xfrm>
+          <a:off x="0" y="0"/>
+          <a:ext cx="0" cy="0"/>
+          <a:chOff x="0" y="0"/>
+          <a:chExt cx="0" cy="0"/>
+        </a:xfrm>
+      </p:grpSpPr>
+      <p:sp>
+        <p:nvSpPr>
+          <p:cNvPr id="3" name="Notes Placeholder 2"/>
+          <p:cNvSpPr>
+            <a:spLocks noGrp="1"/>
+          </p:cNvSpPr>
+          <p:nvPr>
+            <p:ph type="body" idx="1"/>
+          </p:nvPr>
+        </p:nvSpPr>
+        <p:spPr/>
+        <p:txBody>
+          <a:bodyPr/>
+          <a:lstStyle/>
+          <a:p>
+            <a:r>
+              <a:rPr lang="en-US" dirty="0"/>
+              <a:t>Highlight the topic that follows this page, and place the delta arrow next to it by moving vertically, but maintain the horizontal placement.</a:t>
+            </a:r>
+          </a:p>
+          <a:p>
+            <a:endParaRPr lang="en-US" dirty="0"/>
+          </a:p>
+          <a:p>
+            <a:r>
+              <a:rPr lang="en-US" dirty="0"/>
+              <a:t>If there are too many topics to fit on the page, reduce the line spacing to fit.</a:t>
+            </a:r>
+          </a:p>
+        </p:txBody>
+      </p:sp>
+      <p:sp>
+        <p:nvSpPr>
+          <p:cNvPr id="4" name="Slide Image Placeholder 3"/>
+          <p:cNvSpPr>
+            <a:spLocks noGrp="1" noRot="1" noChangeAspect="1"/>
+          </p:cNvSpPr>
+          <p:nvPr>
+            <p:ph type="sldImg"/>
+          </p:nvPr>
+        </p:nvSpPr>
+        <p:spPr>
+          <a:xfrm>
+            <a:off x="1189038" y="701675"/>
+            <a:ext cx="4676775" cy="3508375"/>
+          </a:xfrm>
+        </p:spPr>
+      </p:sp>
+    </p:spTree>
+    <p:extLst>
+      <p:ext uri="{BB962C8B-B14F-4D97-AF65-F5344CB8AC3E}">
+        <p14:creationId xmlns:p14="http://schemas.microsoft.com/office/powerpoint/2010/main" val="176521003"/>
+      </p:ext>
+    </p:extLst>
+  </p:cSld>
+  <p:clrMapOvr>
+    <a:masterClrMapping/>
+  </p:clrMapOvr>
+</p:notes>
+</file>
+
+<file path=ppt/notesSlides/notesSlide30.xml><?xml version="1.0" encoding="utf-8"?>
 <p:notes xmlns:a="http://schemas.openxmlformats.org/drawingml/2006/main" xmlns:r="http://schemas.openxmlformats.org/officeDocument/2006/relationships" xmlns:p="http://schemas.openxmlformats.org/presentationml/2006/main">
   <p:cSld>
     <p:spTree>
@@ -2623,7 +2769,7 @@
     </p:spTree>
     <p:extLst>
       <p:ext uri="{BB962C8B-B14F-4D97-AF65-F5344CB8AC3E}">
-        <p14:creationId xmlns:p14="http://schemas.microsoft.com/office/powerpoint/2010/main" val="1016140467"/>
+        <p14:creationId xmlns:p14="http://schemas.microsoft.com/office/powerpoint/2010/main" val="339578072"/>
       </p:ext>
     </p:extLst>
   </p:cSld>
@@ -2633,7 +2779,7 @@
 </p:notes>
 </file>
 
-<file path=ppt/notesSlides/notesSlide3.xml><?xml version="1.0" encoding="utf-8"?>
+<file path=ppt/notesSlides/notesSlide31.xml><?xml version="1.0" encoding="utf-8"?>
 <p:notes xmlns:a="http://schemas.openxmlformats.org/drawingml/2006/main" xmlns:r="http://schemas.openxmlformats.org/officeDocument/2006/relationships" xmlns:p="http://schemas.openxmlformats.org/presentationml/2006/main">
   <p:cSld>
     <p:spTree>
@@ -2652,37 +2798,6 @@
       </p:grpSpPr>
       <p:sp>
         <p:nvSpPr>
-          <p:cNvPr id="3" name="Notes Placeholder 2"/>
-          <p:cNvSpPr>
-            <a:spLocks noGrp="1"/>
-          </p:cNvSpPr>
-          <p:nvPr>
-            <p:ph type="body" idx="1"/>
-          </p:nvPr>
-        </p:nvSpPr>
-        <p:spPr/>
-        <p:txBody>
-          <a:bodyPr/>
-          <a:lstStyle/>
-          <a:p>
-            <a:r>
-              <a:rPr lang="en-US" dirty="0"/>
-              <a:t>Highlight the topic that follows this page, and place the delta arrow next to it by moving vertically, but maintain the horizontal placement.</a:t>
-            </a:r>
-          </a:p>
-          <a:p>
-            <a:endParaRPr lang="en-US" dirty="0"/>
-          </a:p>
-          <a:p>
-            <a:r>
-              <a:rPr lang="en-US" dirty="0"/>
-              <a:t>If there are too many topics to fit on the page, reduce the line spacing to fit.</a:t>
-            </a:r>
-          </a:p>
-        </p:txBody>
-      </p:sp>
-      <p:sp>
-        <p:nvSpPr>
           <p:cNvPr id="4" name="Slide Image Placeholder 3"/>
           <p:cNvSpPr>
             <a:spLocks noGrp="1" noRot="1" noChangeAspect="1"/>
@@ -2698,10 +2813,29 @@
           </a:xfrm>
         </p:spPr>
       </p:sp>
+      <p:sp>
+        <p:nvSpPr>
+          <p:cNvPr id="5" name="Notes Placeholder 4"/>
+          <p:cNvSpPr>
+            <a:spLocks noGrp="1"/>
+          </p:cNvSpPr>
+          <p:nvPr>
+            <p:ph type="body" idx="1"/>
+          </p:nvPr>
+        </p:nvSpPr>
+        <p:spPr/>
+        <p:txBody>
+          <a:bodyPr/>
+          <a:lstStyle/>
+          <a:p>
+            <a:endParaRPr lang="en-US" dirty="0"/>
+          </a:p>
+        </p:txBody>
+      </p:sp>
     </p:spTree>
     <p:extLst>
       <p:ext uri="{BB962C8B-B14F-4D97-AF65-F5344CB8AC3E}">
-        <p14:creationId xmlns:p14="http://schemas.microsoft.com/office/powerpoint/2010/main" val="176521003"/>
+        <p14:creationId xmlns:p14="http://schemas.microsoft.com/office/powerpoint/2010/main" val="1016140467"/>
       </p:ext>
     </p:extLst>
   </p:cSld>
@@ -2711,7 +2845,7 @@
 </p:notes>
 </file>
 
-<file path=ppt/notesSlides/notesSlide30.xml><?xml version="1.0" encoding="utf-8"?>
+<file path=ppt/notesSlides/notesSlide32.xml><?xml version="1.0" encoding="utf-8"?>
 <p:notes xmlns:a="http://schemas.openxmlformats.org/drawingml/2006/main" xmlns:r="http://schemas.openxmlformats.org/officeDocument/2006/relationships" xmlns:p="http://schemas.openxmlformats.org/presentationml/2006/main">
   <p:cSld>
     <p:spTree>
@@ -11193,6 +11327,790 @@
           <a:p>
             <a:r>
               <a:rPr lang="en-US" dirty="0"/>
+              <a:t>Creates Decision Trees on randomly selected samples of the training set</a:t>
+            </a:r>
+          </a:p>
+          <a:p>
+            <a:r>
+              <a:rPr lang="en-US" dirty="0"/>
+              <a:t>Performs multiple iterations and gets prediction results</a:t>
+            </a:r>
+          </a:p>
+          <a:p>
+            <a:r>
+              <a:rPr lang="en-US" dirty="0"/>
+              <a:t>Votes on the best random sample</a:t>
+            </a:r>
+          </a:p>
+          <a:p>
+            <a:r>
+              <a:rPr lang="en-US" dirty="0"/>
+              <a:t>Pros</a:t>
+            </a:r>
+          </a:p>
+          <a:p>
+            <a:pPr lvl="1"/>
+            <a:r>
+              <a:rPr lang="en-US" dirty="0"/>
+              <a:t>Often highly accurate due to the strength of multiple predictions</a:t>
+            </a:r>
+          </a:p>
+          <a:p>
+            <a:pPr lvl="1"/>
+            <a:r>
+              <a:rPr lang="en-US" dirty="0"/>
+              <a:t>Usually does not suffer from overfitting</a:t>
+            </a:r>
+          </a:p>
+          <a:p>
+            <a:pPr lvl="1"/>
+            <a:r>
+              <a:rPr lang="en-US" dirty="0"/>
+              <a:t>Can see the relative feature importance which is useful in revising the model</a:t>
+            </a:r>
+          </a:p>
+          <a:p>
+            <a:r>
+              <a:rPr lang="en-US" dirty="0"/>
+              <a:t>Cons</a:t>
+            </a:r>
+          </a:p>
+          <a:p>
+            <a:pPr lvl="1"/>
+            <a:r>
+              <a:rPr lang="en-US" dirty="0"/>
+              <a:t>Slow to generate because of multiple iterations</a:t>
+            </a:r>
+          </a:p>
+          <a:p>
+            <a:pPr lvl="1"/>
+            <a:r>
+              <a:rPr lang="en-US" dirty="0"/>
+              <a:t>Compared to a Decision Tree you cannot really see the path of the tree</a:t>
+            </a:r>
+          </a:p>
+        </p:txBody>
+      </p:sp>
+      <p:sp>
+        <p:nvSpPr>
+          <p:cNvPr id="2" name="Title 1"/>
+          <p:cNvSpPr>
+            <a:spLocks noGrp="1"/>
+          </p:cNvSpPr>
+          <p:nvPr>
+            <p:ph type="title"/>
+          </p:nvPr>
+        </p:nvSpPr>
+        <p:spPr/>
+        <p:txBody>
+          <a:bodyPr/>
+          <a:lstStyle/>
+          <a:p>
+            <a:r>
+              <a:rPr lang="en-US" dirty="0"/>
+              <a:t>Random Forest</a:t>
+            </a:r>
+          </a:p>
+        </p:txBody>
+      </p:sp>
+    </p:spTree>
+    <p:extLst>
+      <p:ext uri="{BB962C8B-B14F-4D97-AF65-F5344CB8AC3E}">
+        <p14:creationId xmlns:p14="http://schemas.microsoft.com/office/powerpoint/2010/main" val="412271066"/>
+      </p:ext>
+    </p:extLst>
+  </p:cSld>
+  <p:clrMapOvr>
+    <a:masterClrMapping/>
+  </p:clrMapOvr>
+</p:sld>
+</file>
+
+<file path=ppt/slides/slide18.xml><?xml version="1.0" encoding="utf-8"?>
+<p:sld xmlns:a="http://schemas.openxmlformats.org/drawingml/2006/main" xmlns:r="http://schemas.openxmlformats.org/officeDocument/2006/relationships" xmlns:p="http://schemas.openxmlformats.org/presentationml/2006/main">
+  <p:cSld>
+    <p:spTree>
+      <p:nvGrpSpPr>
+        <p:cNvPr id="1" name=""/>
+        <p:cNvGrpSpPr/>
+        <p:nvPr/>
+      </p:nvGrpSpPr>
+      <p:grpSpPr>
+        <a:xfrm>
+          <a:off x="0" y="0"/>
+          <a:ext cx="0" cy="0"/>
+          <a:chOff x="0" y="0"/>
+          <a:chExt cx="0" cy="0"/>
+        </a:xfrm>
+      </p:grpSpPr>
+      <p:sp>
+        <p:nvSpPr>
+          <p:cNvPr id="3" name="Content Placeholder 2"/>
+          <p:cNvSpPr>
+            <a:spLocks noGrp="1"/>
+          </p:cNvSpPr>
+          <p:nvPr>
+            <p:ph idx="1"/>
+          </p:nvPr>
+        </p:nvSpPr>
+        <p:spPr/>
+        <p:txBody>
+          <a:bodyPr/>
+          <a:lstStyle/>
+          <a:p>
+            <a:r>
+              <a:rPr lang="en-US" dirty="0"/>
+              <a:t>Load the module, create a model and train it</a:t>
+            </a:r>
+          </a:p>
+          <a:p>
+            <a:endParaRPr lang="en-US" dirty="0"/>
+          </a:p>
+          <a:p>
+            <a:endParaRPr lang="en-US" dirty="0"/>
+          </a:p>
+          <a:p>
+            <a:r>
+              <a:rPr lang="en-US" dirty="0"/>
+              <a:t>Run a prediction on the reserved testing set and compare the predicted values to the known values</a:t>
+            </a:r>
+          </a:p>
+          <a:p>
+            <a:pPr marL="0" indent="0">
+              <a:buNone/>
+            </a:pPr>
+            <a:endParaRPr lang="en-US" dirty="0"/>
+          </a:p>
+          <a:p>
+            <a:pPr lvl="1"/>
+            <a:endParaRPr lang="en-US" dirty="0"/>
+          </a:p>
+        </p:txBody>
+      </p:sp>
+      <p:sp>
+        <p:nvSpPr>
+          <p:cNvPr id="2" name="Title 1"/>
+          <p:cNvSpPr>
+            <a:spLocks noGrp="1"/>
+          </p:cNvSpPr>
+          <p:nvPr>
+            <p:ph type="title"/>
+          </p:nvPr>
+        </p:nvSpPr>
+        <p:spPr/>
+        <p:txBody>
+          <a:bodyPr/>
+          <a:lstStyle/>
+          <a:p>
+            <a:r>
+              <a:rPr lang="en-US" dirty="0"/>
+              <a:t>Apply Random Forest</a:t>
+            </a:r>
+          </a:p>
+        </p:txBody>
+      </p:sp>
+      <p:sp>
+        <p:nvSpPr>
+          <p:cNvPr id="4" name="TextBox 3">
+            <a:extLst>
+              <a:ext uri="{FF2B5EF4-FFF2-40B4-BE49-F238E27FC236}">
+                <a16:creationId xmlns:a16="http://schemas.microsoft.com/office/drawing/2014/main" id="{B25BD5BC-E8B9-4540-A404-A5C6B4AFC25D}"/>
+              </a:ext>
+            </a:extLst>
+          </p:cNvPr>
+          <p:cNvSpPr txBox="1"/>
+          <p:nvPr/>
+        </p:nvSpPr>
+        <p:spPr>
+          <a:xfrm>
+            <a:off x="1078400" y="1564752"/>
+            <a:ext cx="6987201" cy="830997"/>
+          </a:xfrm>
+          <a:prstGeom prst="rect">
+            <a:avLst/>
+          </a:prstGeom>
+          <a:noFill/>
+          <a:ln w="28575" algn="ctr">
+            <a:solidFill>
+              <a:schemeClr val="accent2">
+                <a:lumMod val="20000"/>
+                <a:lumOff val="80000"/>
+              </a:schemeClr>
+            </a:solidFill>
+            <a:miter lim="800000"/>
+            <a:headEnd/>
+            <a:tailEnd/>
+          </a:ln>
+          <a:effectLst/>
+        </p:spPr>
+        <p:txBody>
+          <a:bodyPr wrap="square">
+            <a:spAutoFit/>
+          </a:bodyPr>
+          <a:lstStyle>
+            <a:defPPr>
+              <a:defRPr lang="en-US"/>
+            </a:defPPr>
+            <a:lvl1pPr marL="0" defTabSz="914400" eaLnBrk="1" latinLnBrk="0" hangingPunct="1">
+              <a:defRPr sz="1400">
+                <a:solidFill>
+                  <a:schemeClr val="tx1"/>
+                </a:solidFill>
+                <a:latin typeface="Courier New" pitchFamily="49" charset="0"/>
+                <a:cs typeface="+mn-cs"/>
+              </a:defRPr>
+            </a:lvl1pPr>
+            <a:lvl2pPr marL="742950" indent="-285750" defTabSz="914400" latinLnBrk="0">
+              <a:defRPr sz="1400">
+                <a:solidFill>
+                  <a:schemeClr val="tx1"/>
+                </a:solidFill>
+                <a:latin typeface="Arial" charset="0"/>
+                <a:cs typeface="+mn-cs"/>
+              </a:defRPr>
+            </a:lvl2pPr>
+            <a:lvl3pPr marL="1143000" indent="-228600" defTabSz="914400" latinLnBrk="0">
+              <a:defRPr sz="1400">
+                <a:solidFill>
+                  <a:schemeClr val="tx1"/>
+                </a:solidFill>
+                <a:latin typeface="Arial" charset="0"/>
+                <a:cs typeface="+mn-cs"/>
+              </a:defRPr>
+            </a:lvl3pPr>
+            <a:lvl4pPr marL="1600200" indent="-228600" defTabSz="914400" latinLnBrk="0">
+              <a:defRPr sz="1400">
+                <a:solidFill>
+                  <a:schemeClr val="tx1"/>
+                </a:solidFill>
+                <a:latin typeface="Arial" charset="0"/>
+                <a:cs typeface="+mn-cs"/>
+              </a:defRPr>
+            </a:lvl4pPr>
+            <a:lvl5pPr marL="2057400" indent="-228600" defTabSz="914400" latinLnBrk="0">
+              <a:defRPr sz="1400">
+                <a:solidFill>
+                  <a:schemeClr val="tx1"/>
+                </a:solidFill>
+                <a:latin typeface="Arial" charset="0"/>
+                <a:cs typeface="+mn-cs"/>
+              </a:defRPr>
+            </a:lvl5pPr>
+            <a:lvl6pPr marL="2514600" indent="-228600" eaLnBrk="0" fontAlgn="base" hangingPunct="0">
+              <a:spcBef>
+                <a:spcPct val="0"/>
+              </a:spcBef>
+              <a:spcAft>
+                <a:spcPct val="0"/>
+              </a:spcAft>
+              <a:defRPr sz="1400">
+                <a:solidFill>
+                  <a:schemeClr val="tx1"/>
+                </a:solidFill>
+                <a:latin typeface="Arial" charset="0"/>
+                <a:cs typeface="+mn-cs"/>
+              </a:defRPr>
+            </a:lvl6pPr>
+            <a:lvl7pPr marL="2971800" indent="-228600" eaLnBrk="0" fontAlgn="base" hangingPunct="0">
+              <a:spcBef>
+                <a:spcPct val="0"/>
+              </a:spcBef>
+              <a:spcAft>
+                <a:spcPct val="0"/>
+              </a:spcAft>
+              <a:defRPr sz="1400">
+                <a:solidFill>
+                  <a:schemeClr val="tx1"/>
+                </a:solidFill>
+                <a:latin typeface="Arial" charset="0"/>
+                <a:cs typeface="+mn-cs"/>
+              </a:defRPr>
+            </a:lvl7pPr>
+            <a:lvl8pPr marL="3429000" indent="-228600" eaLnBrk="0" fontAlgn="base" hangingPunct="0">
+              <a:spcBef>
+                <a:spcPct val="0"/>
+              </a:spcBef>
+              <a:spcAft>
+                <a:spcPct val="0"/>
+              </a:spcAft>
+              <a:defRPr sz="1400">
+                <a:solidFill>
+                  <a:schemeClr val="tx1"/>
+                </a:solidFill>
+                <a:latin typeface="Arial" charset="0"/>
+                <a:cs typeface="+mn-cs"/>
+              </a:defRPr>
+            </a:lvl8pPr>
+            <a:lvl9pPr marL="3886200" indent="-228600" eaLnBrk="0" fontAlgn="base" hangingPunct="0">
+              <a:spcBef>
+                <a:spcPct val="0"/>
+              </a:spcBef>
+              <a:spcAft>
+                <a:spcPct val="0"/>
+              </a:spcAft>
+              <a:defRPr sz="1400">
+                <a:solidFill>
+                  <a:schemeClr val="tx1"/>
+                </a:solidFill>
+                <a:latin typeface="Arial" charset="0"/>
+                <a:cs typeface="+mn-cs"/>
+              </a:defRPr>
+            </a:lvl9pPr>
+          </a:lstStyle>
+          <a:p>
+            <a:r>
+              <a:rPr lang="en-US" sz="1600" b="1" dirty="0"/>
+              <a:t>from </a:t>
+            </a:r>
+            <a:r>
+              <a:rPr lang="en-US" sz="1600" b="1" dirty="0" err="1"/>
+              <a:t>sklearn.ensemble</a:t>
+            </a:r>
+            <a:r>
+              <a:rPr lang="en-US" sz="1600" b="1" dirty="0"/>
+              <a:t> import </a:t>
+            </a:r>
+            <a:r>
+              <a:rPr lang="en-US" sz="1600" b="1" dirty="0" err="1"/>
+              <a:t>RandomForestClassifier</a:t>
+            </a:r>
+            <a:endParaRPr lang="en-US" sz="1600" b="1" dirty="0"/>
+          </a:p>
+          <a:p>
+            <a:r>
+              <a:rPr lang="en-US" sz="1600" b="1" dirty="0" err="1"/>
+              <a:t>modelRF</a:t>
+            </a:r>
+            <a:r>
+              <a:rPr lang="en-US" sz="1600" b="1" dirty="0"/>
+              <a:t> = </a:t>
+            </a:r>
+            <a:r>
+              <a:rPr lang="en-US" sz="1600" b="1" dirty="0" err="1"/>
+              <a:t>RandomForestClassifier</a:t>
+            </a:r>
+            <a:r>
+              <a:rPr lang="en-US" sz="1600" b="1" dirty="0"/>
+              <a:t>(</a:t>
+            </a:r>
+            <a:r>
+              <a:rPr lang="en-US" sz="1600" b="1" dirty="0" err="1"/>
+              <a:t>n_estimators</a:t>
+            </a:r>
+            <a:r>
+              <a:rPr lang="en-US" sz="1600" b="1" dirty="0"/>
+              <a:t>=10)</a:t>
+            </a:r>
+          </a:p>
+          <a:p>
+            <a:r>
+              <a:rPr lang="en-US" sz="1600" b="1" dirty="0" err="1"/>
+              <a:t>modelRF.fit</a:t>
+            </a:r>
+            <a:r>
+              <a:rPr lang="en-US" sz="1600" b="1" dirty="0"/>
+              <a:t>(</a:t>
+            </a:r>
+            <a:r>
+              <a:rPr lang="en-US" sz="1600" b="1" dirty="0" err="1"/>
+              <a:t>trainX</a:t>
+            </a:r>
+            <a:r>
+              <a:rPr lang="en-US" sz="1600" b="1" dirty="0"/>
+              <a:t>, </a:t>
+            </a:r>
+            <a:r>
+              <a:rPr lang="en-US" sz="1600" b="1" dirty="0" err="1"/>
+              <a:t>trainY</a:t>
+            </a:r>
+            <a:r>
+              <a:rPr lang="en-US" sz="1600" b="1" dirty="0"/>
+              <a:t>)</a:t>
+            </a:r>
+            <a:endParaRPr lang="en-US" sz="1600" dirty="0"/>
+          </a:p>
+        </p:txBody>
+      </p:sp>
+      <p:sp>
+        <p:nvSpPr>
+          <p:cNvPr id="5" name="TextBox 4">
+            <a:extLst>
+              <a:ext uri="{FF2B5EF4-FFF2-40B4-BE49-F238E27FC236}">
+                <a16:creationId xmlns:a16="http://schemas.microsoft.com/office/drawing/2014/main" id="{B25BD5BC-E8B9-4540-A404-A5C6B4AFC25D}"/>
+              </a:ext>
+            </a:extLst>
+          </p:cNvPr>
+          <p:cNvSpPr txBox="1"/>
+          <p:nvPr/>
+        </p:nvSpPr>
+        <p:spPr>
+          <a:xfrm>
+            <a:off x="1078400" y="3081912"/>
+            <a:ext cx="6987201" cy="2554545"/>
+          </a:xfrm>
+          <a:prstGeom prst="rect">
+            <a:avLst/>
+          </a:prstGeom>
+          <a:noFill/>
+          <a:ln w="28575" algn="ctr">
+            <a:solidFill>
+              <a:schemeClr val="accent2">
+                <a:lumMod val="20000"/>
+                <a:lumOff val="80000"/>
+              </a:schemeClr>
+            </a:solidFill>
+            <a:miter lim="800000"/>
+            <a:headEnd/>
+            <a:tailEnd/>
+          </a:ln>
+          <a:effectLst/>
+        </p:spPr>
+        <p:txBody>
+          <a:bodyPr wrap="square">
+            <a:spAutoFit/>
+          </a:bodyPr>
+          <a:lstStyle>
+            <a:defPPr>
+              <a:defRPr lang="en-US"/>
+            </a:defPPr>
+            <a:lvl1pPr marL="0" defTabSz="914400" eaLnBrk="1" latinLnBrk="0" hangingPunct="1">
+              <a:defRPr sz="1400">
+                <a:solidFill>
+                  <a:schemeClr val="tx1"/>
+                </a:solidFill>
+                <a:latin typeface="Courier New" pitchFamily="49" charset="0"/>
+                <a:cs typeface="+mn-cs"/>
+              </a:defRPr>
+            </a:lvl1pPr>
+            <a:lvl2pPr marL="742950" indent="-285750" defTabSz="914400" latinLnBrk="0">
+              <a:defRPr sz="1400">
+                <a:solidFill>
+                  <a:schemeClr val="tx1"/>
+                </a:solidFill>
+                <a:latin typeface="Arial" charset="0"/>
+                <a:cs typeface="+mn-cs"/>
+              </a:defRPr>
+            </a:lvl2pPr>
+            <a:lvl3pPr marL="1143000" indent="-228600" defTabSz="914400" latinLnBrk="0">
+              <a:defRPr sz="1400">
+                <a:solidFill>
+                  <a:schemeClr val="tx1"/>
+                </a:solidFill>
+                <a:latin typeface="Arial" charset="0"/>
+                <a:cs typeface="+mn-cs"/>
+              </a:defRPr>
+            </a:lvl3pPr>
+            <a:lvl4pPr marL="1600200" indent="-228600" defTabSz="914400" latinLnBrk="0">
+              <a:defRPr sz="1400">
+                <a:solidFill>
+                  <a:schemeClr val="tx1"/>
+                </a:solidFill>
+                <a:latin typeface="Arial" charset="0"/>
+                <a:cs typeface="+mn-cs"/>
+              </a:defRPr>
+            </a:lvl4pPr>
+            <a:lvl5pPr marL="2057400" indent="-228600" defTabSz="914400" latinLnBrk="0">
+              <a:defRPr sz="1400">
+                <a:solidFill>
+                  <a:schemeClr val="tx1"/>
+                </a:solidFill>
+                <a:latin typeface="Arial" charset="0"/>
+                <a:cs typeface="+mn-cs"/>
+              </a:defRPr>
+            </a:lvl5pPr>
+            <a:lvl6pPr marL="2514600" indent="-228600" eaLnBrk="0" fontAlgn="base" hangingPunct="0">
+              <a:spcBef>
+                <a:spcPct val="0"/>
+              </a:spcBef>
+              <a:spcAft>
+                <a:spcPct val="0"/>
+              </a:spcAft>
+              <a:defRPr sz="1400">
+                <a:solidFill>
+                  <a:schemeClr val="tx1"/>
+                </a:solidFill>
+                <a:latin typeface="Arial" charset="0"/>
+                <a:cs typeface="+mn-cs"/>
+              </a:defRPr>
+            </a:lvl6pPr>
+            <a:lvl7pPr marL="2971800" indent="-228600" eaLnBrk="0" fontAlgn="base" hangingPunct="0">
+              <a:spcBef>
+                <a:spcPct val="0"/>
+              </a:spcBef>
+              <a:spcAft>
+                <a:spcPct val="0"/>
+              </a:spcAft>
+              <a:defRPr sz="1400">
+                <a:solidFill>
+                  <a:schemeClr val="tx1"/>
+                </a:solidFill>
+                <a:latin typeface="Arial" charset="0"/>
+                <a:cs typeface="+mn-cs"/>
+              </a:defRPr>
+            </a:lvl7pPr>
+            <a:lvl8pPr marL="3429000" indent="-228600" eaLnBrk="0" fontAlgn="base" hangingPunct="0">
+              <a:spcBef>
+                <a:spcPct val="0"/>
+              </a:spcBef>
+              <a:spcAft>
+                <a:spcPct val="0"/>
+              </a:spcAft>
+              <a:defRPr sz="1400">
+                <a:solidFill>
+                  <a:schemeClr val="tx1"/>
+                </a:solidFill>
+                <a:latin typeface="Arial" charset="0"/>
+                <a:cs typeface="+mn-cs"/>
+              </a:defRPr>
+            </a:lvl8pPr>
+            <a:lvl9pPr marL="3886200" indent="-228600" eaLnBrk="0" fontAlgn="base" hangingPunct="0">
+              <a:spcBef>
+                <a:spcPct val="0"/>
+              </a:spcBef>
+              <a:spcAft>
+                <a:spcPct val="0"/>
+              </a:spcAft>
+              <a:defRPr sz="1400">
+                <a:solidFill>
+                  <a:schemeClr val="tx1"/>
+                </a:solidFill>
+                <a:latin typeface="Arial" charset="0"/>
+                <a:cs typeface="+mn-cs"/>
+              </a:defRPr>
+            </a:lvl9pPr>
+          </a:lstStyle>
+          <a:p>
+            <a:r>
+              <a:rPr lang="en-US" sz="1600" b="1" dirty="0" err="1"/>
+              <a:t>predY</a:t>
+            </a:r>
+            <a:r>
+              <a:rPr lang="en-US" sz="1600" b="1" dirty="0"/>
+              <a:t> = </a:t>
+            </a:r>
+            <a:r>
+              <a:rPr lang="en-US" sz="1600" b="1" dirty="0" err="1"/>
+              <a:t>modelRF.predict</a:t>
+            </a:r>
+            <a:r>
+              <a:rPr lang="en-US" sz="1600" b="1" dirty="0"/>
+              <a:t>(</a:t>
+            </a:r>
+            <a:r>
+              <a:rPr lang="en-US" sz="1600" b="1" dirty="0" err="1"/>
+              <a:t>testX</a:t>
+            </a:r>
+            <a:r>
+              <a:rPr lang="en-US" sz="1600" b="1" dirty="0"/>
+              <a:t>)</a:t>
+            </a:r>
+          </a:p>
+          <a:p>
+            <a:r>
+              <a:rPr lang="en-US" sz="1600" b="1" dirty="0"/>
+              <a:t>from </a:t>
+            </a:r>
+            <a:r>
+              <a:rPr lang="en-US" sz="1600" b="1" dirty="0" err="1"/>
+              <a:t>sklearn</a:t>
+            </a:r>
+            <a:r>
+              <a:rPr lang="en-US" sz="1600" b="1" dirty="0"/>
+              <a:t> import metrics</a:t>
+            </a:r>
+          </a:p>
+          <a:p>
+            <a:r>
+              <a:rPr lang="en-US" sz="1600" b="1" dirty="0"/>
+              <a:t>print("Accuracy:",</a:t>
+            </a:r>
+            <a:r>
+              <a:rPr lang="en-US" sz="1600" b="1" dirty="0" err="1"/>
+              <a:t>metrics.accuracy_score</a:t>
+            </a:r>
+            <a:r>
+              <a:rPr lang="en-US" sz="1600" b="1" dirty="0"/>
+              <a:t>(</a:t>
+            </a:r>
+            <a:r>
+              <a:rPr lang="en-US" sz="1600" b="1" dirty="0" err="1"/>
+              <a:t>testY</a:t>
+            </a:r>
+            <a:r>
+              <a:rPr lang="en-US" sz="1600" b="1" dirty="0"/>
+              <a:t>, </a:t>
+            </a:r>
+            <a:r>
+              <a:rPr lang="en-US" sz="1600" b="1" dirty="0" err="1"/>
+              <a:t>predY</a:t>
+            </a:r>
+            <a:r>
+              <a:rPr lang="en-US" sz="1600" b="1" dirty="0"/>
+              <a:t>))</a:t>
+            </a:r>
+          </a:p>
+          <a:p>
+            <a:r>
+              <a:rPr lang="en-US" sz="1600" b="1" dirty="0"/>
+              <a:t>cm = </a:t>
+            </a:r>
+            <a:r>
+              <a:rPr lang="en-US" sz="1600" b="1" dirty="0" err="1"/>
+              <a:t>confusion_matrix</a:t>
+            </a:r>
+            <a:r>
+              <a:rPr lang="en-US" sz="1600" b="1" dirty="0"/>
+              <a:t>(</a:t>
+            </a:r>
+            <a:r>
+              <a:rPr lang="en-US" sz="1600" b="1" dirty="0" err="1"/>
+              <a:t>testY</a:t>
+            </a:r>
+            <a:r>
+              <a:rPr lang="en-US" sz="1600" b="1" dirty="0"/>
+              <a:t>, </a:t>
+            </a:r>
+            <a:r>
+              <a:rPr lang="en-US" sz="1600" b="1" dirty="0" err="1"/>
+              <a:t>predY</a:t>
+            </a:r>
+            <a:r>
+              <a:rPr lang="en-US" sz="1600" b="1" dirty="0"/>
+              <a:t>)</a:t>
+            </a:r>
+          </a:p>
+          <a:p>
+            <a:r>
+              <a:rPr lang="en-US" sz="1600" b="1" dirty="0"/>
+              <a:t>print(cm)</a:t>
+            </a:r>
+          </a:p>
+          <a:p>
+            <a:endParaRPr lang="en-US" sz="1600" b="1" dirty="0"/>
+          </a:p>
+          <a:p>
+            <a:r>
+              <a:rPr lang="en-US" sz="1600" b="1" dirty="0"/>
+              <a:t>import pandas as </a:t>
+            </a:r>
+            <a:r>
+              <a:rPr lang="en-US" sz="1600" b="1" dirty="0" err="1"/>
+              <a:t>pd</a:t>
+            </a:r>
+            <a:endParaRPr lang="en-US" sz="1600" b="1" dirty="0"/>
+          </a:p>
+          <a:p>
+            <a:r>
+              <a:rPr lang="en-US" sz="1600" b="1" dirty="0" err="1"/>
+              <a:t>feature_imp</a:t>
+            </a:r>
+            <a:r>
+              <a:rPr lang="en-US" sz="1600" b="1" dirty="0"/>
+              <a:t> = </a:t>
+            </a:r>
+            <a:r>
+              <a:rPr lang="en-US" sz="1600" b="1" dirty="0" err="1"/>
+              <a:t>pd.Series</a:t>
+            </a:r>
+            <a:r>
+              <a:rPr lang="en-US" sz="1600" b="1" dirty="0"/>
+              <a:t>(</a:t>
+            </a:r>
+            <a:r>
+              <a:rPr lang="en-US" sz="1600" b="1" dirty="0" err="1"/>
+              <a:t>modelRF.feature_importances</a:t>
+            </a:r>
+            <a:r>
+              <a:rPr lang="en-US" sz="1600" b="1" dirty="0"/>
+              <a:t>_,\    </a:t>
+            </a:r>
+            <a:br>
+              <a:rPr lang="en-US" sz="1600" b="1" dirty="0"/>
+            </a:br>
+            <a:r>
+              <a:rPr lang="en-US" sz="1600" b="1" dirty="0"/>
+              <a:t>    index=</a:t>
+            </a:r>
+            <a:r>
+              <a:rPr lang="en-US" sz="1600" b="1" dirty="0" err="1"/>
+              <a:t>trainX.columns</a:t>
+            </a:r>
+            <a:r>
+              <a:rPr lang="en-US" sz="1600" b="1" dirty="0"/>
+              <a:t>).</a:t>
+            </a:r>
+            <a:r>
+              <a:rPr lang="en-US" sz="1600" b="1" dirty="0" err="1"/>
+              <a:t>sort_values</a:t>
+            </a:r>
+            <a:r>
+              <a:rPr lang="en-US" sz="1600" b="1" dirty="0"/>
+              <a:t>(ascending=False)</a:t>
+            </a:r>
+          </a:p>
+          <a:p>
+            <a:r>
+              <a:rPr lang="en-US" sz="1600" b="1" dirty="0"/>
+              <a:t>print(</a:t>
+            </a:r>
+            <a:r>
+              <a:rPr lang="en-US" sz="1600" b="1" dirty="0" err="1"/>
+              <a:t>feature_imp</a:t>
+            </a:r>
+            <a:r>
+              <a:rPr lang="en-US" sz="1600" b="1" dirty="0"/>
+              <a:t>)</a:t>
+            </a:r>
+          </a:p>
+        </p:txBody>
+      </p:sp>
+    </p:spTree>
+    <p:extLst>
+      <p:ext uri="{BB962C8B-B14F-4D97-AF65-F5344CB8AC3E}">
+        <p14:creationId xmlns:p14="http://schemas.microsoft.com/office/powerpoint/2010/main" val="3391049089"/>
+      </p:ext>
+    </p:extLst>
+  </p:cSld>
+  <p:clrMapOvr>
+    <a:masterClrMapping/>
+  </p:clrMapOvr>
+</p:sld>
+</file>
+
+<file path=ppt/slides/slide19.xml><?xml version="1.0" encoding="utf-8"?>
+<p:sld xmlns:a="http://schemas.openxmlformats.org/drawingml/2006/main" xmlns:r="http://schemas.openxmlformats.org/officeDocument/2006/relationships" xmlns:p="http://schemas.openxmlformats.org/presentationml/2006/main">
+  <p:cSld>
+    <p:spTree>
+      <p:nvGrpSpPr>
+        <p:cNvPr id="1" name=""/>
+        <p:cNvGrpSpPr/>
+        <p:nvPr/>
+      </p:nvGrpSpPr>
+      <p:grpSpPr>
+        <a:xfrm>
+          <a:off x="0" y="0"/>
+          <a:ext cx="0" cy="0"/>
+          <a:chOff x="0" y="0"/>
+          <a:chExt cx="0" cy="0"/>
+        </a:xfrm>
+      </p:grpSpPr>
+      <p:sp>
+        <p:nvSpPr>
+          <p:cNvPr id="3" name="Content Placeholder 2"/>
+          <p:cNvSpPr>
+            <a:spLocks noGrp="1"/>
+          </p:cNvSpPr>
+          <p:nvPr>
+            <p:ph idx="1"/>
+          </p:nvPr>
+        </p:nvSpPr>
+        <p:spPr/>
+        <p:txBody>
+          <a:bodyPr/>
+          <a:lstStyle/>
+          <a:p>
+            <a:r>
+              <a:rPr lang="en-US" dirty="0"/>
               <a:t>Yet another alternative to categorizing, but with a twist</a:t>
             </a:r>
           </a:p>
@@ -11331,7 +12249,139 @@
 </p:sld>
 </file>
 
-<file path=ppt/slides/slide18.xml><?xml version="1.0" encoding="utf-8"?>
+<file path=ppt/slides/slide2.xml><?xml version="1.0" encoding="utf-8"?>
+<p:sld xmlns:a="http://schemas.openxmlformats.org/drawingml/2006/main" xmlns:r="http://schemas.openxmlformats.org/officeDocument/2006/relationships" xmlns:p="http://schemas.openxmlformats.org/presentationml/2006/main">
+  <p:cSld>
+    <p:spTree>
+      <p:nvGrpSpPr>
+        <p:cNvPr id="1" name=""/>
+        <p:cNvGrpSpPr/>
+        <p:nvPr/>
+      </p:nvGrpSpPr>
+      <p:grpSpPr>
+        <a:xfrm>
+          <a:off x="0" y="0"/>
+          <a:ext cx="0" cy="0"/>
+          <a:chOff x="0" y="0"/>
+          <a:chExt cx="0" cy="0"/>
+        </a:xfrm>
+      </p:grpSpPr>
+      <p:sp>
+        <p:nvSpPr>
+          <p:cNvPr id="5" name="Content Placeholder 4"/>
+          <p:cNvSpPr>
+            <a:spLocks noGrp="1"/>
+          </p:cNvSpPr>
+          <p:nvPr>
+            <p:ph idx="1"/>
+          </p:nvPr>
+        </p:nvSpPr>
+        <p:spPr/>
+        <p:txBody>
+          <a:bodyPr/>
+          <a:lstStyle/>
+          <a:p>
+            <a:pPr marL="0" indent="0">
+              <a:buNone/>
+            </a:pPr>
+            <a:r>
+              <a:rPr lang="en-US" dirty="0"/>
+              <a:t>In this chapter, we will:</a:t>
+            </a:r>
+          </a:p>
+          <a:p>
+            <a:r>
+              <a:rPr lang="en-US" dirty="0"/>
+              <a:t>Understand the use cases for Classification models</a:t>
+            </a:r>
+          </a:p>
+          <a:p>
+            <a:r>
+              <a:rPr lang="en-US" dirty="0"/>
+              <a:t>Discuss and compare various algorithms</a:t>
+            </a:r>
+          </a:p>
+          <a:p>
+            <a:pPr lvl="1"/>
+            <a:r>
+              <a:rPr lang="en-US" dirty="0"/>
+              <a:t>Naïve Bayes</a:t>
+            </a:r>
+          </a:p>
+          <a:p>
+            <a:pPr lvl="1"/>
+            <a:r>
+              <a:rPr lang="en-US" dirty="0"/>
+              <a:t>Decision Tree</a:t>
+            </a:r>
+          </a:p>
+          <a:p>
+            <a:pPr lvl="1"/>
+            <a:r>
+              <a:rPr lang="en-US" dirty="0"/>
+              <a:t>Logistic Regression</a:t>
+            </a:r>
+          </a:p>
+          <a:p>
+            <a:pPr lvl="1"/>
+            <a:r>
+              <a:rPr lang="en-US" dirty="0"/>
+              <a:t>Neural Network</a:t>
+            </a:r>
+          </a:p>
+          <a:p>
+            <a:pPr marL="0" indent="0">
+              <a:buNone/>
+            </a:pPr>
+            <a:endParaRPr lang="en-US" dirty="0"/>
+          </a:p>
+          <a:p>
+            <a:endParaRPr lang="en-US" dirty="0"/>
+          </a:p>
+          <a:p>
+            <a:pPr marL="0" indent="0">
+              <a:buNone/>
+            </a:pPr>
+            <a:endParaRPr lang="en-US" dirty="0"/>
+          </a:p>
+        </p:txBody>
+      </p:sp>
+      <p:sp>
+        <p:nvSpPr>
+          <p:cNvPr id="4" name="Title 3"/>
+          <p:cNvSpPr>
+            <a:spLocks noGrp="1"/>
+          </p:cNvSpPr>
+          <p:nvPr>
+            <p:ph type="title"/>
+          </p:nvPr>
+        </p:nvSpPr>
+        <p:spPr/>
+        <p:txBody>
+          <a:bodyPr/>
+          <a:lstStyle/>
+          <a:p>
+            <a:r>
+              <a:rPr lang="en-US" dirty="0"/>
+              <a:t>Chapter Objectives</a:t>
+            </a:r>
+          </a:p>
+        </p:txBody>
+      </p:sp>
+    </p:spTree>
+    <p:extLst>
+      <p:ext uri="{BB962C8B-B14F-4D97-AF65-F5344CB8AC3E}">
+        <p14:creationId xmlns:p14="http://schemas.microsoft.com/office/powerpoint/2010/main" val="1685483045"/>
+      </p:ext>
+    </p:extLst>
+  </p:cSld>
+  <p:clrMapOvr>
+    <a:masterClrMapping/>
+  </p:clrMapOvr>
+</p:sld>
+</file>
+
+<file path=ppt/slides/slide20.xml><?xml version="1.0" encoding="utf-8"?>
 <p:sld xmlns:a="http://schemas.openxmlformats.org/drawingml/2006/main" xmlns:r="http://schemas.openxmlformats.org/officeDocument/2006/relationships" xmlns:p="http://schemas.openxmlformats.org/presentationml/2006/main">
   <p:cSld>
     <p:spTree>
@@ -11456,7 +12506,7 @@
 </p:sld>
 </file>
 
-<file path=ppt/slides/slide19.xml><?xml version="1.0" encoding="utf-8"?>
+<file path=ppt/slides/slide21.xml><?xml version="1.0" encoding="utf-8"?>
 <p:sld xmlns:a="http://schemas.openxmlformats.org/drawingml/2006/main" xmlns:r="http://schemas.openxmlformats.org/officeDocument/2006/relationships" xmlns:p="http://schemas.openxmlformats.org/presentationml/2006/main">
   <p:cSld>
     <p:spTree>
@@ -11821,139 +12871,7 @@
 </p:sld>
 </file>
 
-<file path=ppt/slides/slide2.xml><?xml version="1.0" encoding="utf-8"?>
-<p:sld xmlns:a="http://schemas.openxmlformats.org/drawingml/2006/main" xmlns:r="http://schemas.openxmlformats.org/officeDocument/2006/relationships" xmlns:p="http://schemas.openxmlformats.org/presentationml/2006/main">
-  <p:cSld>
-    <p:spTree>
-      <p:nvGrpSpPr>
-        <p:cNvPr id="1" name=""/>
-        <p:cNvGrpSpPr/>
-        <p:nvPr/>
-      </p:nvGrpSpPr>
-      <p:grpSpPr>
-        <a:xfrm>
-          <a:off x="0" y="0"/>
-          <a:ext cx="0" cy="0"/>
-          <a:chOff x="0" y="0"/>
-          <a:chExt cx="0" cy="0"/>
-        </a:xfrm>
-      </p:grpSpPr>
-      <p:sp>
-        <p:nvSpPr>
-          <p:cNvPr id="5" name="Content Placeholder 4"/>
-          <p:cNvSpPr>
-            <a:spLocks noGrp="1"/>
-          </p:cNvSpPr>
-          <p:nvPr>
-            <p:ph idx="1"/>
-          </p:nvPr>
-        </p:nvSpPr>
-        <p:spPr/>
-        <p:txBody>
-          <a:bodyPr/>
-          <a:lstStyle/>
-          <a:p>
-            <a:pPr marL="0" indent="0">
-              <a:buNone/>
-            </a:pPr>
-            <a:r>
-              <a:rPr lang="en-US" dirty="0"/>
-              <a:t>In this chapter, we will:</a:t>
-            </a:r>
-          </a:p>
-          <a:p>
-            <a:r>
-              <a:rPr lang="en-US" dirty="0"/>
-              <a:t>Understand the use cases for Classification models</a:t>
-            </a:r>
-          </a:p>
-          <a:p>
-            <a:r>
-              <a:rPr lang="en-US" dirty="0"/>
-              <a:t>Discuss and compare various algorithms</a:t>
-            </a:r>
-          </a:p>
-          <a:p>
-            <a:pPr lvl="1"/>
-            <a:r>
-              <a:rPr lang="en-US" dirty="0"/>
-              <a:t>Naïve Bayes</a:t>
-            </a:r>
-          </a:p>
-          <a:p>
-            <a:pPr lvl="1"/>
-            <a:r>
-              <a:rPr lang="en-US" dirty="0"/>
-              <a:t>Decision Tree</a:t>
-            </a:r>
-          </a:p>
-          <a:p>
-            <a:pPr lvl="1"/>
-            <a:r>
-              <a:rPr lang="en-US" dirty="0"/>
-              <a:t>Logistic Regression</a:t>
-            </a:r>
-          </a:p>
-          <a:p>
-            <a:pPr lvl="1"/>
-            <a:r>
-              <a:rPr lang="en-US" dirty="0"/>
-              <a:t>Neural Network</a:t>
-            </a:r>
-          </a:p>
-          <a:p>
-            <a:pPr marL="0" indent="0">
-              <a:buNone/>
-            </a:pPr>
-            <a:endParaRPr lang="en-US" dirty="0"/>
-          </a:p>
-          <a:p>
-            <a:endParaRPr lang="en-US" dirty="0"/>
-          </a:p>
-          <a:p>
-            <a:pPr marL="0" indent="0">
-              <a:buNone/>
-            </a:pPr>
-            <a:endParaRPr lang="en-US" dirty="0"/>
-          </a:p>
-        </p:txBody>
-      </p:sp>
-      <p:sp>
-        <p:nvSpPr>
-          <p:cNvPr id="4" name="Title 3"/>
-          <p:cNvSpPr>
-            <a:spLocks noGrp="1"/>
-          </p:cNvSpPr>
-          <p:nvPr>
-            <p:ph type="title"/>
-          </p:nvPr>
-        </p:nvSpPr>
-        <p:spPr/>
-        <p:txBody>
-          <a:bodyPr/>
-          <a:lstStyle/>
-          <a:p>
-            <a:r>
-              <a:rPr lang="en-US" dirty="0"/>
-              <a:t>Chapter Objectives</a:t>
-            </a:r>
-          </a:p>
-        </p:txBody>
-      </p:sp>
-    </p:spTree>
-    <p:extLst>
-      <p:ext uri="{BB962C8B-B14F-4D97-AF65-F5344CB8AC3E}">
-        <p14:creationId xmlns:p14="http://schemas.microsoft.com/office/powerpoint/2010/main" val="1685483045"/>
-      </p:ext>
-    </p:extLst>
-  </p:cSld>
-  <p:clrMapOvr>
-    <a:masterClrMapping/>
-  </p:clrMapOvr>
-</p:sld>
-</file>
-
-<file path=ppt/slides/slide20.xml><?xml version="1.0" encoding="utf-8"?>
+<file path=ppt/slides/slide22.xml><?xml version="1.0" encoding="utf-8"?>
 <p:sld xmlns:a="http://schemas.openxmlformats.org/drawingml/2006/main" xmlns:r="http://schemas.openxmlformats.org/officeDocument/2006/relationships" xmlns:p="http://schemas.openxmlformats.org/presentationml/2006/main">
   <p:cSld>
     <p:spTree>
@@ -12298,7 +13216,7 @@
 </p:sld>
 </file>
 
-<file path=ppt/slides/slide21.xml><?xml version="1.0" encoding="utf-8"?>
+<file path=ppt/slides/slide23.xml><?xml version="1.0" encoding="utf-8"?>
 <p:sld xmlns:a="http://schemas.openxmlformats.org/drawingml/2006/main" xmlns:r="http://schemas.openxmlformats.org/officeDocument/2006/relationships" xmlns:p="http://schemas.openxmlformats.org/presentationml/2006/main">
   <p:cSld>
     <p:spTree>
@@ -12673,7 +13591,7 @@
 </p:sld>
 </file>
 
-<file path=ppt/slides/slide22.xml><?xml version="1.0" encoding="utf-8"?>
+<file path=ppt/slides/slide24.xml><?xml version="1.0" encoding="utf-8"?>
 <p:sld xmlns:a="http://schemas.openxmlformats.org/drawingml/2006/main" xmlns:r="http://schemas.openxmlformats.org/officeDocument/2006/relationships" xmlns:p="http://schemas.openxmlformats.org/presentationml/2006/main">
   <p:cSld>
     <p:spTree>
@@ -13437,7 +14355,7 @@
 </p:sld>
 </file>
 
-<file path=ppt/slides/slide23.xml><?xml version="1.0" encoding="utf-8"?>
+<file path=ppt/slides/slide25.xml><?xml version="1.0" encoding="utf-8"?>
 <p:sld xmlns:a="http://schemas.openxmlformats.org/drawingml/2006/main" xmlns:r="http://schemas.openxmlformats.org/officeDocument/2006/relationships" xmlns:p="http://schemas.openxmlformats.org/presentationml/2006/main">
   <p:cSld>
     <p:spTree>
@@ -13889,7 +14807,7 @@
 </p:sld>
 </file>
 
-<file path=ppt/slides/slide24.xml><?xml version="1.0" encoding="utf-8"?>
+<file path=ppt/slides/slide26.xml><?xml version="1.0" encoding="utf-8"?>
 <p:sld xmlns:a="http://schemas.openxmlformats.org/drawingml/2006/main" xmlns:r="http://schemas.openxmlformats.org/officeDocument/2006/relationships" xmlns:p="http://schemas.openxmlformats.org/presentationml/2006/main">
   <p:cSld>
     <p:spTree>
@@ -14733,7 +15651,7 @@
 </p:sld>
 </file>
 
-<file path=ppt/slides/slide25.xml><?xml version="1.0" encoding="utf-8"?>
+<file path=ppt/slides/slide27.xml><?xml version="1.0" encoding="utf-8"?>
 <p:sld xmlns:a="http://schemas.openxmlformats.org/drawingml/2006/main" xmlns:r="http://schemas.openxmlformats.org/officeDocument/2006/relationships" xmlns:p="http://schemas.openxmlformats.org/presentationml/2006/main">
   <p:cSld>
     <p:spTree>
@@ -14911,7 +15829,7 @@
 </p:sld>
 </file>
 
-<file path=ppt/slides/slide26.xml><?xml version="1.0" encoding="utf-8"?>
+<file path=ppt/slides/slide28.xml><?xml version="1.0" encoding="utf-8"?>
 <p:sld xmlns:a="http://schemas.openxmlformats.org/drawingml/2006/main" xmlns:r="http://schemas.openxmlformats.org/officeDocument/2006/relationships" xmlns:p="http://schemas.openxmlformats.org/presentationml/2006/main">
   <p:cSld>
     <p:spTree>
@@ -16953,7 +17871,7 @@
 </p:sld>
 </file>
 
-<file path=ppt/slides/slide27.xml><?xml version="1.0" encoding="utf-8"?>
+<file path=ppt/slides/slide29.xml><?xml version="1.0" encoding="utf-8"?>
 <p:sld xmlns:a="http://schemas.openxmlformats.org/drawingml/2006/main" xmlns:r="http://schemas.openxmlformats.org/officeDocument/2006/relationships" xmlns:p="http://schemas.openxmlformats.org/presentationml/2006/main">
   <p:cSld>
     <p:spTree>
@@ -17297,7 +18215,450 @@
 </p:sld>
 </file>
 
-<file path=ppt/slides/slide28.xml><?xml version="1.0" encoding="utf-8"?>
+<file path=ppt/slides/slide3.xml><?xml version="1.0" encoding="utf-8"?>
+<p:sld xmlns:a="http://schemas.openxmlformats.org/drawingml/2006/main" xmlns:r="http://schemas.openxmlformats.org/officeDocument/2006/relationships" xmlns:p="http://schemas.openxmlformats.org/presentationml/2006/main">
+  <p:cSld>
+    <p:spTree>
+      <p:nvGrpSpPr>
+        <p:cNvPr id="1" name=""/>
+        <p:cNvGrpSpPr/>
+        <p:nvPr/>
+      </p:nvGrpSpPr>
+      <p:grpSpPr>
+        <a:xfrm>
+          <a:off x="0" y="0"/>
+          <a:ext cx="0" cy="0"/>
+          <a:chOff x="0" y="0"/>
+          <a:chExt cx="0" cy="0"/>
+        </a:xfrm>
+      </p:grpSpPr>
+      <p:sp>
+        <p:nvSpPr>
+          <p:cNvPr id="3" name="Text Placeholder 2"/>
+          <p:cNvSpPr>
+            <a:spLocks noGrp="1"/>
+          </p:cNvSpPr>
+          <p:nvPr>
+            <p:ph type="body" sz="quarter" idx="11"/>
+          </p:nvPr>
+        </p:nvSpPr>
+        <p:spPr/>
+        <p:txBody>
+          <a:bodyPr/>
+          <a:lstStyle/>
+          <a:p>
+            <a:r>
+              <a:rPr lang="en-US" b="1" dirty="0"/>
+              <a:t>Classification Model</a:t>
+            </a:r>
+          </a:p>
+          <a:p>
+            <a:pPr lvl="1"/>
+            <a:r>
+              <a:rPr lang="en-US" dirty="0"/>
+              <a:t>Algorithms</a:t>
+            </a:r>
+          </a:p>
+          <a:p>
+            <a:pPr lvl="1"/>
+            <a:r>
+              <a:rPr lang="en-US" dirty="0"/>
+              <a:t>Chapter Summary</a:t>
+            </a:r>
+          </a:p>
+        </p:txBody>
+      </p:sp>
+      <p:sp>
+        <p:nvSpPr>
+          <p:cNvPr id="2" name="Title 1"/>
+          <p:cNvSpPr>
+            <a:spLocks noGrp="1"/>
+          </p:cNvSpPr>
+          <p:nvPr>
+            <p:ph type="title"/>
+          </p:nvPr>
+        </p:nvSpPr>
+        <p:spPr/>
+        <p:txBody>
+          <a:bodyPr/>
+          <a:lstStyle/>
+          <a:p>
+            <a:r>
+              <a:rPr lang="en-US" dirty="0"/>
+              <a:t>Chapter Concepts</a:t>
+            </a:r>
+          </a:p>
+        </p:txBody>
+      </p:sp>
+      <p:grpSp>
+        <p:nvGrpSpPr>
+          <p:cNvPr id="13" name="Group 12"/>
+          <p:cNvGrpSpPr/>
+          <p:nvPr/>
+        </p:nvGrpSpPr>
+        <p:grpSpPr>
+          <a:xfrm>
+            <a:off x="2932771" y="1705147"/>
+            <a:ext cx="410322" cy="377482"/>
+            <a:chOff x="1766887" y="1515010"/>
+            <a:chExt cx="741316" cy="700622"/>
+          </a:xfrm>
+          <a:solidFill>
+            <a:schemeClr val="accent4"/>
+          </a:solidFill>
+          <a:scene3d>
+            <a:camera prst="orthographicFront">
+              <a:rot lat="0" lon="0" rev="0"/>
+            </a:camera>
+            <a:lightRig rig="balanced" dir="t">
+              <a:rot lat="0" lon="0" rev="8700000"/>
+            </a:lightRig>
+          </a:scene3d>
+        </p:grpSpPr>
+        <p:sp>
+          <p:nvSpPr>
+            <p:cNvPr id="16" name="AutoShape 10"/>
+            <p:cNvSpPr>
+              <a:spLocks noChangeArrowheads="1"/>
+            </p:cNvSpPr>
+            <p:nvPr/>
+          </p:nvSpPr>
+          <p:spPr bwMode="black">
+            <a:xfrm rot="5400000">
+              <a:off x="1787234" y="1494663"/>
+              <a:ext cx="700622" cy="741316"/>
+            </a:xfrm>
+            <a:custGeom>
+              <a:avLst/>
+              <a:gdLst>
+                <a:gd name="connsiteX0" fmla="*/ 0 w 264955"/>
+                <a:gd name="connsiteY0" fmla="*/ 311498 h 311498"/>
+                <a:gd name="connsiteX1" fmla="*/ 132478 w 264955"/>
+                <a:gd name="connsiteY1" fmla="*/ 0 h 311498"/>
+                <a:gd name="connsiteX2" fmla="*/ 264955 w 264955"/>
+                <a:gd name="connsiteY2" fmla="*/ 311498 h 311498"/>
+                <a:gd name="connsiteX3" fmla="*/ 0 w 264955"/>
+                <a:gd name="connsiteY3" fmla="*/ 311498 h 311498"/>
+                <a:gd name="connsiteX0" fmla="*/ 0 w 264955"/>
+                <a:gd name="connsiteY0" fmla="*/ 311498 h 312908"/>
+                <a:gd name="connsiteX1" fmla="*/ 132478 w 264955"/>
+                <a:gd name="connsiteY1" fmla="*/ 0 h 312908"/>
+                <a:gd name="connsiteX2" fmla="*/ 264955 w 264955"/>
+                <a:gd name="connsiteY2" fmla="*/ 311498 h 312908"/>
+                <a:gd name="connsiteX3" fmla="*/ 124553 w 264955"/>
+                <a:gd name="connsiteY3" fmla="*/ 312908 h 312908"/>
+                <a:gd name="connsiteX4" fmla="*/ 0 w 264955"/>
+                <a:gd name="connsiteY4" fmla="*/ 311498 h 312908"/>
+                <a:gd name="connsiteX0" fmla="*/ 0 w 264955"/>
+                <a:gd name="connsiteY0" fmla="*/ 311498 h 311498"/>
+                <a:gd name="connsiteX1" fmla="*/ 132478 w 264955"/>
+                <a:gd name="connsiteY1" fmla="*/ 0 h 311498"/>
+                <a:gd name="connsiteX2" fmla="*/ 264955 w 264955"/>
+                <a:gd name="connsiteY2" fmla="*/ 311498 h 311498"/>
+                <a:gd name="connsiteX3" fmla="*/ 138844 w 264955"/>
+                <a:gd name="connsiteY3" fmla="*/ 253377 h 311498"/>
+                <a:gd name="connsiteX4" fmla="*/ 0 w 264955"/>
+                <a:gd name="connsiteY4" fmla="*/ 311498 h 311498"/>
+              </a:gdLst>
+              <a:ahLst/>
+              <a:cxnLst>
+                <a:cxn ang="0">
+                  <a:pos x="connsiteX0" y="connsiteY0"/>
+                </a:cxn>
+                <a:cxn ang="0">
+                  <a:pos x="connsiteX1" y="connsiteY1"/>
+                </a:cxn>
+                <a:cxn ang="0">
+                  <a:pos x="connsiteX2" y="connsiteY2"/>
+                </a:cxn>
+                <a:cxn ang="0">
+                  <a:pos x="connsiteX3" y="connsiteY3"/>
+                </a:cxn>
+                <a:cxn ang="0">
+                  <a:pos x="connsiteX4" y="connsiteY4"/>
+                </a:cxn>
+              </a:cxnLst>
+              <a:rect l="l" t="t" r="r" b="b"/>
+              <a:pathLst>
+                <a:path w="264955" h="311498">
+                  <a:moveTo>
+                    <a:pt x="0" y="311498"/>
+                  </a:moveTo>
+                  <a:lnTo>
+                    <a:pt x="132478" y="0"/>
+                  </a:lnTo>
+                  <a:lnTo>
+                    <a:pt x="264955" y="311498"/>
+                  </a:lnTo>
+                  <a:lnTo>
+                    <a:pt x="138844" y="253377"/>
+                  </a:lnTo>
+                  <a:lnTo>
+                    <a:pt x="0" y="311498"/>
+                  </a:lnTo>
+                  <a:close/>
+                </a:path>
+              </a:pathLst>
+            </a:custGeom>
+            <a:grpFill/>
+            <a:ln w="19050">
+              <a:noFill/>
+              <a:miter lim="800000"/>
+              <a:headEnd/>
+              <a:tailEnd/>
+            </a:ln>
+            <a:effectLst>
+              <a:outerShdw blurRad="44450" dist="27940" dir="5400000" algn="ctr">
+                <a:srgbClr val="000000">
+                  <a:alpha val="32000"/>
+                </a:srgbClr>
+              </a:outerShdw>
+            </a:effectLst>
+            <a:sp3d>
+              <a:bevelT w="190500" h="38100"/>
+            </a:sp3d>
+          </p:spPr>
+          <p:txBody>
+            <a:bodyPr rot="10800000" vert="eaVert" wrap="none" anchor="ctr"/>
+            <a:lstStyle/>
+            <a:p>
+              <a:endParaRPr lang="en-GB" dirty="0">
+                <a:solidFill>
+                  <a:schemeClr val="accent6"/>
+                </a:solidFill>
+              </a:endParaRPr>
+            </a:p>
+          </p:txBody>
+        </p:sp>
+        <p:sp>
+          <p:nvSpPr>
+            <p:cNvPr id="17" name="Freeform 11"/>
+            <p:cNvSpPr>
+              <a:spLocks/>
+            </p:cNvSpPr>
+            <p:nvPr/>
+          </p:nvSpPr>
+          <p:spPr bwMode="hidden">
+            <a:xfrm>
+              <a:off x="1802606" y="1545430"/>
+              <a:ext cx="701117" cy="344477"/>
+            </a:xfrm>
+            <a:custGeom>
+              <a:avLst/>
+              <a:gdLst>
+                <a:gd name="T0" fmla="*/ 0 w 245"/>
+                <a:gd name="T1" fmla="*/ 0 h 158"/>
+                <a:gd name="T2" fmla="*/ 245 w 245"/>
+                <a:gd name="T3" fmla="*/ 146 h 158"/>
+                <a:gd name="T4" fmla="*/ 226 w 245"/>
+                <a:gd name="T5" fmla="*/ 158 h 158"/>
+                <a:gd name="T6" fmla="*/ 0 w 245"/>
+                <a:gd name="T7" fmla="*/ 23 h 158"/>
+                <a:gd name="T8" fmla="*/ 0 w 245"/>
+                <a:gd name="T9" fmla="*/ 0 h 158"/>
+                <a:gd name="T10" fmla="*/ 0 60000 65536"/>
+                <a:gd name="T11" fmla="*/ 0 60000 65536"/>
+                <a:gd name="T12" fmla="*/ 0 60000 65536"/>
+                <a:gd name="T13" fmla="*/ 0 60000 65536"/>
+                <a:gd name="T14" fmla="*/ 0 60000 65536"/>
+                <a:gd name="T15" fmla="*/ 0 w 245"/>
+                <a:gd name="T16" fmla="*/ 0 h 158"/>
+                <a:gd name="T17" fmla="*/ 245 w 245"/>
+                <a:gd name="T18" fmla="*/ 158 h 158"/>
+              </a:gdLst>
+              <a:ahLst/>
+              <a:cxnLst>
+                <a:cxn ang="T10">
+                  <a:pos x="T0" y="T1"/>
+                </a:cxn>
+                <a:cxn ang="T11">
+                  <a:pos x="T2" y="T3"/>
+                </a:cxn>
+                <a:cxn ang="T12">
+                  <a:pos x="T4" y="T5"/>
+                </a:cxn>
+                <a:cxn ang="T13">
+                  <a:pos x="T6" y="T7"/>
+                </a:cxn>
+                <a:cxn ang="T14">
+                  <a:pos x="T8" y="T9"/>
+                </a:cxn>
+              </a:cxnLst>
+              <a:rect l="T15" t="T16" r="T17" b="T18"/>
+              <a:pathLst>
+                <a:path w="245" h="158">
+                  <a:moveTo>
+                    <a:pt x="0" y="0"/>
+                  </a:moveTo>
+                  <a:lnTo>
+                    <a:pt x="245" y="146"/>
+                  </a:lnTo>
+                  <a:lnTo>
+                    <a:pt x="226" y="158"/>
+                  </a:lnTo>
+                  <a:lnTo>
+                    <a:pt x="0" y="23"/>
+                  </a:lnTo>
+                  <a:lnTo>
+                    <a:pt x="0" y="0"/>
+                  </a:lnTo>
+                  <a:close/>
+                </a:path>
+              </a:pathLst>
+            </a:custGeom>
+            <a:grpFill/>
+            <a:ln w="28575" cap="flat" cmpd="sng">
+              <a:noFill/>
+              <a:prstDash val="solid"/>
+              <a:round/>
+              <a:headEnd type="none" w="med" len="med"/>
+              <a:tailEnd type="none" w="med" len="med"/>
+            </a:ln>
+            <a:effectLst>
+              <a:outerShdw blurRad="44450" dist="27940" dir="5400000" algn="ctr">
+                <a:srgbClr val="000000">
+                  <a:alpha val="32000"/>
+                </a:srgbClr>
+              </a:outerShdw>
+            </a:effectLst>
+            <a:sp3d>
+              <a:bevelT w="190500" h="38100"/>
+            </a:sp3d>
+          </p:spPr>
+          <p:txBody>
+            <a:bodyPr/>
+            <a:lstStyle/>
+            <a:p>
+              <a:endParaRPr lang="en-US" dirty="0">
+                <a:solidFill>
+                  <a:schemeClr val="accent6"/>
+                </a:solidFill>
+              </a:endParaRPr>
+            </a:p>
+          </p:txBody>
+        </p:sp>
+        <p:sp>
+          <p:nvSpPr>
+            <p:cNvPr id="18" name="Freeform 12"/>
+            <p:cNvSpPr>
+              <a:spLocks/>
+            </p:cNvSpPr>
+            <p:nvPr/>
+          </p:nvSpPr>
+          <p:spPr bwMode="hidden">
+            <a:xfrm>
+              <a:off x="1797843" y="1840589"/>
+              <a:ext cx="710079" cy="357304"/>
+            </a:xfrm>
+            <a:custGeom>
+              <a:avLst/>
+              <a:gdLst>
+                <a:gd name="T0" fmla="*/ 248 w 248"/>
+                <a:gd name="T1" fmla="*/ 12 h 156"/>
+                <a:gd name="T2" fmla="*/ 0 w 248"/>
+                <a:gd name="T3" fmla="*/ 156 h 156"/>
+                <a:gd name="T4" fmla="*/ 3 w 248"/>
+                <a:gd name="T5" fmla="*/ 131 h 156"/>
+                <a:gd name="T6" fmla="*/ 229 w 248"/>
+                <a:gd name="T7" fmla="*/ 0 h 156"/>
+                <a:gd name="T8" fmla="*/ 248 w 248"/>
+                <a:gd name="T9" fmla="*/ 12 h 156"/>
+                <a:gd name="T10" fmla="*/ 0 60000 65536"/>
+                <a:gd name="T11" fmla="*/ 0 60000 65536"/>
+                <a:gd name="T12" fmla="*/ 0 60000 65536"/>
+                <a:gd name="T13" fmla="*/ 0 60000 65536"/>
+                <a:gd name="T14" fmla="*/ 0 60000 65536"/>
+                <a:gd name="T15" fmla="*/ 0 w 248"/>
+                <a:gd name="T16" fmla="*/ 0 h 156"/>
+                <a:gd name="T17" fmla="*/ 248 w 248"/>
+                <a:gd name="T18" fmla="*/ 156 h 156"/>
+              </a:gdLst>
+              <a:ahLst/>
+              <a:cxnLst>
+                <a:cxn ang="T10">
+                  <a:pos x="T0" y="T1"/>
+                </a:cxn>
+                <a:cxn ang="T11">
+                  <a:pos x="T2" y="T3"/>
+                </a:cxn>
+                <a:cxn ang="T12">
+                  <a:pos x="T4" y="T5"/>
+                </a:cxn>
+                <a:cxn ang="T13">
+                  <a:pos x="T6" y="T7"/>
+                </a:cxn>
+                <a:cxn ang="T14">
+                  <a:pos x="T8" y="T9"/>
+                </a:cxn>
+              </a:cxnLst>
+              <a:rect l="T15" t="T16" r="T17" b="T18"/>
+              <a:pathLst>
+                <a:path w="248" h="156">
+                  <a:moveTo>
+                    <a:pt x="248" y="12"/>
+                  </a:moveTo>
+                  <a:lnTo>
+                    <a:pt x="0" y="156"/>
+                  </a:lnTo>
+                  <a:lnTo>
+                    <a:pt x="3" y="131"/>
+                  </a:lnTo>
+                  <a:lnTo>
+                    <a:pt x="229" y="0"/>
+                  </a:lnTo>
+                  <a:lnTo>
+                    <a:pt x="248" y="12"/>
+                  </a:lnTo>
+                  <a:close/>
+                </a:path>
+              </a:pathLst>
+            </a:custGeom>
+            <a:grpFill/>
+            <a:ln w="28575" cap="flat" cmpd="sng">
+              <a:noFill/>
+              <a:prstDash val="solid"/>
+              <a:round/>
+              <a:headEnd type="none" w="med" len="med"/>
+              <a:tailEnd type="none" w="med" len="med"/>
+            </a:ln>
+            <a:effectLst>
+              <a:outerShdw blurRad="44450" dist="27940" dir="5400000" algn="ctr">
+                <a:srgbClr val="000000">
+                  <a:alpha val="32000"/>
+                </a:srgbClr>
+              </a:outerShdw>
+            </a:effectLst>
+            <a:sp3d>
+              <a:bevelT w="190500" h="38100"/>
+            </a:sp3d>
+          </p:spPr>
+          <p:txBody>
+            <a:bodyPr/>
+            <a:lstStyle/>
+            <a:p>
+              <a:endParaRPr lang="en-US" dirty="0">
+                <a:solidFill>
+                  <a:schemeClr val="accent6"/>
+                </a:solidFill>
+              </a:endParaRPr>
+            </a:p>
+          </p:txBody>
+        </p:sp>
+      </p:grpSp>
+    </p:spTree>
+    <p:extLst>
+      <p:ext uri="{BB962C8B-B14F-4D97-AF65-F5344CB8AC3E}">
+        <p14:creationId xmlns:p14="http://schemas.microsoft.com/office/powerpoint/2010/main" val="207521694"/>
+      </p:ext>
+    </p:extLst>
+  </p:cSld>
+  <p:clrMapOvr>
+    <a:masterClrMapping/>
+  </p:clrMapOvr>
+</p:sld>
+</file>
+
+<file path=ppt/slides/slide30.xml><?xml version="1.0" encoding="utf-8"?>
 <p:sld xmlns:a="http://schemas.openxmlformats.org/drawingml/2006/main" xmlns:r="http://schemas.openxmlformats.org/officeDocument/2006/relationships" xmlns:p="http://schemas.openxmlformats.org/presentationml/2006/main">
   <p:cSld>
     <p:spTree>
@@ -20108,7 +21469,7 @@
 </p:sld>
 </file>
 
-<file path=ppt/slides/slide29.xml><?xml version="1.0" encoding="utf-8"?>
+<file path=ppt/slides/slide31.xml><?xml version="1.0" encoding="utf-8"?>
 <p:sld xmlns:a="http://schemas.openxmlformats.org/drawingml/2006/main" xmlns:r="http://schemas.openxmlformats.org/officeDocument/2006/relationships" xmlns:p="http://schemas.openxmlformats.org/presentationml/2006/main">
   <p:cSld>
     <p:spTree>
@@ -22667,450 +24028,7 @@
 </p:sld>
 </file>
 
-<file path=ppt/slides/slide3.xml><?xml version="1.0" encoding="utf-8"?>
-<p:sld xmlns:a="http://schemas.openxmlformats.org/drawingml/2006/main" xmlns:r="http://schemas.openxmlformats.org/officeDocument/2006/relationships" xmlns:p="http://schemas.openxmlformats.org/presentationml/2006/main">
-  <p:cSld>
-    <p:spTree>
-      <p:nvGrpSpPr>
-        <p:cNvPr id="1" name=""/>
-        <p:cNvGrpSpPr/>
-        <p:nvPr/>
-      </p:nvGrpSpPr>
-      <p:grpSpPr>
-        <a:xfrm>
-          <a:off x="0" y="0"/>
-          <a:ext cx="0" cy="0"/>
-          <a:chOff x="0" y="0"/>
-          <a:chExt cx="0" cy="0"/>
-        </a:xfrm>
-      </p:grpSpPr>
-      <p:sp>
-        <p:nvSpPr>
-          <p:cNvPr id="3" name="Text Placeholder 2"/>
-          <p:cNvSpPr>
-            <a:spLocks noGrp="1"/>
-          </p:cNvSpPr>
-          <p:nvPr>
-            <p:ph type="body" sz="quarter" idx="11"/>
-          </p:nvPr>
-        </p:nvSpPr>
-        <p:spPr/>
-        <p:txBody>
-          <a:bodyPr/>
-          <a:lstStyle/>
-          <a:p>
-            <a:r>
-              <a:rPr lang="en-US" b="1" dirty="0"/>
-              <a:t>Classification Model</a:t>
-            </a:r>
-          </a:p>
-          <a:p>
-            <a:pPr lvl="1"/>
-            <a:r>
-              <a:rPr lang="en-US" dirty="0"/>
-              <a:t>Algorithms</a:t>
-            </a:r>
-          </a:p>
-          <a:p>
-            <a:pPr lvl="1"/>
-            <a:r>
-              <a:rPr lang="en-US" dirty="0"/>
-              <a:t>Chapter Summary</a:t>
-            </a:r>
-          </a:p>
-        </p:txBody>
-      </p:sp>
-      <p:sp>
-        <p:nvSpPr>
-          <p:cNvPr id="2" name="Title 1"/>
-          <p:cNvSpPr>
-            <a:spLocks noGrp="1"/>
-          </p:cNvSpPr>
-          <p:nvPr>
-            <p:ph type="title"/>
-          </p:nvPr>
-        </p:nvSpPr>
-        <p:spPr/>
-        <p:txBody>
-          <a:bodyPr/>
-          <a:lstStyle/>
-          <a:p>
-            <a:r>
-              <a:rPr lang="en-US" dirty="0"/>
-              <a:t>Chapter Concepts</a:t>
-            </a:r>
-          </a:p>
-        </p:txBody>
-      </p:sp>
-      <p:grpSp>
-        <p:nvGrpSpPr>
-          <p:cNvPr id="13" name="Group 12"/>
-          <p:cNvGrpSpPr/>
-          <p:nvPr/>
-        </p:nvGrpSpPr>
-        <p:grpSpPr>
-          <a:xfrm>
-            <a:off x="2932771" y="1705147"/>
-            <a:ext cx="410322" cy="377482"/>
-            <a:chOff x="1766887" y="1515010"/>
-            <a:chExt cx="741316" cy="700622"/>
-          </a:xfrm>
-          <a:solidFill>
-            <a:schemeClr val="accent4"/>
-          </a:solidFill>
-          <a:scene3d>
-            <a:camera prst="orthographicFront">
-              <a:rot lat="0" lon="0" rev="0"/>
-            </a:camera>
-            <a:lightRig rig="balanced" dir="t">
-              <a:rot lat="0" lon="0" rev="8700000"/>
-            </a:lightRig>
-          </a:scene3d>
-        </p:grpSpPr>
-        <p:sp>
-          <p:nvSpPr>
-            <p:cNvPr id="16" name="AutoShape 10"/>
-            <p:cNvSpPr>
-              <a:spLocks noChangeArrowheads="1"/>
-            </p:cNvSpPr>
-            <p:nvPr/>
-          </p:nvSpPr>
-          <p:spPr bwMode="black">
-            <a:xfrm rot="5400000">
-              <a:off x="1787234" y="1494663"/>
-              <a:ext cx="700622" cy="741316"/>
-            </a:xfrm>
-            <a:custGeom>
-              <a:avLst/>
-              <a:gdLst>
-                <a:gd name="connsiteX0" fmla="*/ 0 w 264955"/>
-                <a:gd name="connsiteY0" fmla="*/ 311498 h 311498"/>
-                <a:gd name="connsiteX1" fmla="*/ 132478 w 264955"/>
-                <a:gd name="connsiteY1" fmla="*/ 0 h 311498"/>
-                <a:gd name="connsiteX2" fmla="*/ 264955 w 264955"/>
-                <a:gd name="connsiteY2" fmla="*/ 311498 h 311498"/>
-                <a:gd name="connsiteX3" fmla="*/ 0 w 264955"/>
-                <a:gd name="connsiteY3" fmla="*/ 311498 h 311498"/>
-                <a:gd name="connsiteX0" fmla="*/ 0 w 264955"/>
-                <a:gd name="connsiteY0" fmla="*/ 311498 h 312908"/>
-                <a:gd name="connsiteX1" fmla="*/ 132478 w 264955"/>
-                <a:gd name="connsiteY1" fmla="*/ 0 h 312908"/>
-                <a:gd name="connsiteX2" fmla="*/ 264955 w 264955"/>
-                <a:gd name="connsiteY2" fmla="*/ 311498 h 312908"/>
-                <a:gd name="connsiteX3" fmla="*/ 124553 w 264955"/>
-                <a:gd name="connsiteY3" fmla="*/ 312908 h 312908"/>
-                <a:gd name="connsiteX4" fmla="*/ 0 w 264955"/>
-                <a:gd name="connsiteY4" fmla="*/ 311498 h 312908"/>
-                <a:gd name="connsiteX0" fmla="*/ 0 w 264955"/>
-                <a:gd name="connsiteY0" fmla="*/ 311498 h 311498"/>
-                <a:gd name="connsiteX1" fmla="*/ 132478 w 264955"/>
-                <a:gd name="connsiteY1" fmla="*/ 0 h 311498"/>
-                <a:gd name="connsiteX2" fmla="*/ 264955 w 264955"/>
-                <a:gd name="connsiteY2" fmla="*/ 311498 h 311498"/>
-                <a:gd name="connsiteX3" fmla="*/ 138844 w 264955"/>
-                <a:gd name="connsiteY3" fmla="*/ 253377 h 311498"/>
-                <a:gd name="connsiteX4" fmla="*/ 0 w 264955"/>
-                <a:gd name="connsiteY4" fmla="*/ 311498 h 311498"/>
-              </a:gdLst>
-              <a:ahLst/>
-              <a:cxnLst>
-                <a:cxn ang="0">
-                  <a:pos x="connsiteX0" y="connsiteY0"/>
-                </a:cxn>
-                <a:cxn ang="0">
-                  <a:pos x="connsiteX1" y="connsiteY1"/>
-                </a:cxn>
-                <a:cxn ang="0">
-                  <a:pos x="connsiteX2" y="connsiteY2"/>
-                </a:cxn>
-                <a:cxn ang="0">
-                  <a:pos x="connsiteX3" y="connsiteY3"/>
-                </a:cxn>
-                <a:cxn ang="0">
-                  <a:pos x="connsiteX4" y="connsiteY4"/>
-                </a:cxn>
-              </a:cxnLst>
-              <a:rect l="l" t="t" r="r" b="b"/>
-              <a:pathLst>
-                <a:path w="264955" h="311498">
-                  <a:moveTo>
-                    <a:pt x="0" y="311498"/>
-                  </a:moveTo>
-                  <a:lnTo>
-                    <a:pt x="132478" y="0"/>
-                  </a:lnTo>
-                  <a:lnTo>
-                    <a:pt x="264955" y="311498"/>
-                  </a:lnTo>
-                  <a:lnTo>
-                    <a:pt x="138844" y="253377"/>
-                  </a:lnTo>
-                  <a:lnTo>
-                    <a:pt x="0" y="311498"/>
-                  </a:lnTo>
-                  <a:close/>
-                </a:path>
-              </a:pathLst>
-            </a:custGeom>
-            <a:grpFill/>
-            <a:ln w="19050">
-              <a:noFill/>
-              <a:miter lim="800000"/>
-              <a:headEnd/>
-              <a:tailEnd/>
-            </a:ln>
-            <a:effectLst>
-              <a:outerShdw blurRad="44450" dist="27940" dir="5400000" algn="ctr">
-                <a:srgbClr val="000000">
-                  <a:alpha val="32000"/>
-                </a:srgbClr>
-              </a:outerShdw>
-            </a:effectLst>
-            <a:sp3d>
-              <a:bevelT w="190500" h="38100"/>
-            </a:sp3d>
-          </p:spPr>
-          <p:txBody>
-            <a:bodyPr rot="10800000" vert="eaVert" wrap="none" anchor="ctr"/>
-            <a:lstStyle/>
-            <a:p>
-              <a:endParaRPr lang="en-GB" dirty="0">
-                <a:solidFill>
-                  <a:schemeClr val="accent6"/>
-                </a:solidFill>
-              </a:endParaRPr>
-            </a:p>
-          </p:txBody>
-        </p:sp>
-        <p:sp>
-          <p:nvSpPr>
-            <p:cNvPr id="17" name="Freeform 11"/>
-            <p:cNvSpPr>
-              <a:spLocks/>
-            </p:cNvSpPr>
-            <p:nvPr/>
-          </p:nvSpPr>
-          <p:spPr bwMode="hidden">
-            <a:xfrm>
-              <a:off x="1802606" y="1545430"/>
-              <a:ext cx="701117" cy="344477"/>
-            </a:xfrm>
-            <a:custGeom>
-              <a:avLst/>
-              <a:gdLst>
-                <a:gd name="T0" fmla="*/ 0 w 245"/>
-                <a:gd name="T1" fmla="*/ 0 h 158"/>
-                <a:gd name="T2" fmla="*/ 245 w 245"/>
-                <a:gd name="T3" fmla="*/ 146 h 158"/>
-                <a:gd name="T4" fmla="*/ 226 w 245"/>
-                <a:gd name="T5" fmla="*/ 158 h 158"/>
-                <a:gd name="T6" fmla="*/ 0 w 245"/>
-                <a:gd name="T7" fmla="*/ 23 h 158"/>
-                <a:gd name="T8" fmla="*/ 0 w 245"/>
-                <a:gd name="T9" fmla="*/ 0 h 158"/>
-                <a:gd name="T10" fmla="*/ 0 60000 65536"/>
-                <a:gd name="T11" fmla="*/ 0 60000 65536"/>
-                <a:gd name="T12" fmla="*/ 0 60000 65536"/>
-                <a:gd name="T13" fmla="*/ 0 60000 65536"/>
-                <a:gd name="T14" fmla="*/ 0 60000 65536"/>
-                <a:gd name="T15" fmla="*/ 0 w 245"/>
-                <a:gd name="T16" fmla="*/ 0 h 158"/>
-                <a:gd name="T17" fmla="*/ 245 w 245"/>
-                <a:gd name="T18" fmla="*/ 158 h 158"/>
-              </a:gdLst>
-              <a:ahLst/>
-              <a:cxnLst>
-                <a:cxn ang="T10">
-                  <a:pos x="T0" y="T1"/>
-                </a:cxn>
-                <a:cxn ang="T11">
-                  <a:pos x="T2" y="T3"/>
-                </a:cxn>
-                <a:cxn ang="T12">
-                  <a:pos x="T4" y="T5"/>
-                </a:cxn>
-                <a:cxn ang="T13">
-                  <a:pos x="T6" y="T7"/>
-                </a:cxn>
-                <a:cxn ang="T14">
-                  <a:pos x="T8" y="T9"/>
-                </a:cxn>
-              </a:cxnLst>
-              <a:rect l="T15" t="T16" r="T17" b="T18"/>
-              <a:pathLst>
-                <a:path w="245" h="158">
-                  <a:moveTo>
-                    <a:pt x="0" y="0"/>
-                  </a:moveTo>
-                  <a:lnTo>
-                    <a:pt x="245" y="146"/>
-                  </a:lnTo>
-                  <a:lnTo>
-                    <a:pt x="226" y="158"/>
-                  </a:lnTo>
-                  <a:lnTo>
-                    <a:pt x="0" y="23"/>
-                  </a:lnTo>
-                  <a:lnTo>
-                    <a:pt x="0" y="0"/>
-                  </a:lnTo>
-                  <a:close/>
-                </a:path>
-              </a:pathLst>
-            </a:custGeom>
-            <a:grpFill/>
-            <a:ln w="28575" cap="flat" cmpd="sng">
-              <a:noFill/>
-              <a:prstDash val="solid"/>
-              <a:round/>
-              <a:headEnd type="none" w="med" len="med"/>
-              <a:tailEnd type="none" w="med" len="med"/>
-            </a:ln>
-            <a:effectLst>
-              <a:outerShdw blurRad="44450" dist="27940" dir="5400000" algn="ctr">
-                <a:srgbClr val="000000">
-                  <a:alpha val="32000"/>
-                </a:srgbClr>
-              </a:outerShdw>
-            </a:effectLst>
-            <a:sp3d>
-              <a:bevelT w="190500" h="38100"/>
-            </a:sp3d>
-          </p:spPr>
-          <p:txBody>
-            <a:bodyPr/>
-            <a:lstStyle/>
-            <a:p>
-              <a:endParaRPr lang="en-US" dirty="0">
-                <a:solidFill>
-                  <a:schemeClr val="accent6"/>
-                </a:solidFill>
-              </a:endParaRPr>
-            </a:p>
-          </p:txBody>
-        </p:sp>
-        <p:sp>
-          <p:nvSpPr>
-            <p:cNvPr id="18" name="Freeform 12"/>
-            <p:cNvSpPr>
-              <a:spLocks/>
-            </p:cNvSpPr>
-            <p:nvPr/>
-          </p:nvSpPr>
-          <p:spPr bwMode="hidden">
-            <a:xfrm>
-              <a:off x="1797843" y="1840589"/>
-              <a:ext cx="710079" cy="357304"/>
-            </a:xfrm>
-            <a:custGeom>
-              <a:avLst/>
-              <a:gdLst>
-                <a:gd name="T0" fmla="*/ 248 w 248"/>
-                <a:gd name="T1" fmla="*/ 12 h 156"/>
-                <a:gd name="T2" fmla="*/ 0 w 248"/>
-                <a:gd name="T3" fmla="*/ 156 h 156"/>
-                <a:gd name="T4" fmla="*/ 3 w 248"/>
-                <a:gd name="T5" fmla="*/ 131 h 156"/>
-                <a:gd name="T6" fmla="*/ 229 w 248"/>
-                <a:gd name="T7" fmla="*/ 0 h 156"/>
-                <a:gd name="T8" fmla="*/ 248 w 248"/>
-                <a:gd name="T9" fmla="*/ 12 h 156"/>
-                <a:gd name="T10" fmla="*/ 0 60000 65536"/>
-                <a:gd name="T11" fmla="*/ 0 60000 65536"/>
-                <a:gd name="T12" fmla="*/ 0 60000 65536"/>
-                <a:gd name="T13" fmla="*/ 0 60000 65536"/>
-                <a:gd name="T14" fmla="*/ 0 60000 65536"/>
-                <a:gd name="T15" fmla="*/ 0 w 248"/>
-                <a:gd name="T16" fmla="*/ 0 h 156"/>
-                <a:gd name="T17" fmla="*/ 248 w 248"/>
-                <a:gd name="T18" fmla="*/ 156 h 156"/>
-              </a:gdLst>
-              <a:ahLst/>
-              <a:cxnLst>
-                <a:cxn ang="T10">
-                  <a:pos x="T0" y="T1"/>
-                </a:cxn>
-                <a:cxn ang="T11">
-                  <a:pos x="T2" y="T3"/>
-                </a:cxn>
-                <a:cxn ang="T12">
-                  <a:pos x="T4" y="T5"/>
-                </a:cxn>
-                <a:cxn ang="T13">
-                  <a:pos x="T6" y="T7"/>
-                </a:cxn>
-                <a:cxn ang="T14">
-                  <a:pos x="T8" y="T9"/>
-                </a:cxn>
-              </a:cxnLst>
-              <a:rect l="T15" t="T16" r="T17" b="T18"/>
-              <a:pathLst>
-                <a:path w="248" h="156">
-                  <a:moveTo>
-                    <a:pt x="248" y="12"/>
-                  </a:moveTo>
-                  <a:lnTo>
-                    <a:pt x="0" y="156"/>
-                  </a:lnTo>
-                  <a:lnTo>
-                    <a:pt x="3" y="131"/>
-                  </a:lnTo>
-                  <a:lnTo>
-                    <a:pt x="229" y="0"/>
-                  </a:lnTo>
-                  <a:lnTo>
-                    <a:pt x="248" y="12"/>
-                  </a:lnTo>
-                  <a:close/>
-                </a:path>
-              </a:pathLst>
-            </a:custGeom>
-            <a:grpFill/>
-            <a:ln w="28575" cap="flat" cmpd="sng">
-              <a:noFill/>
-              <a:prstDash val="solid"/>
-              <a:round/>
-              <a:headEnd type="none" w="med" len="med"/>
-              <a:tailEnd type="none" w="med" len="med"/>
-            </a:ln>
-            <a:effectLst>
-              <a:outerShdw blurRad="44450" dist="27940" dir="5400000" algn="ctr">
-                <a:srgbClr val="000000">
-                  <a:alpha val="32000"/>
-                </a:srgbClr>
-              </a:outerShdw>
-            </a:effectLst>
-            <a:sp3d>
-              <a:bevelT w="190500" h="38100"/>
-            </a:sp3d>
-          </p:spPr>
-          <p:txBody>
-            <a:bodyPr/>
-            <a:lstStyle/>
-            <a:p>
-              <a:endParaRPr lang="en-US" dirty="0">
-                <a:solidFill>
-                  <a:schemeClr val="accent6"/>
-                </a:solidFill>
-              </a:endParaRPr>
-            </a:p>
-          </p:txBody>
-        </p:sp>
-      </p:grpSp>
-    </p:spTree>
-    <p:extLst>
-      <p:ext uri="{BB962C8B-B14F-4D97-AF65-F5344CB8AC3E}">
-        <p14:creationId xmlns:p14="http://schemas.microsoft.com/office/powerpoint/2010/main" val="207521694"/>
-      </p:ext>
-    </p:extLst>
-  </p:cSld>
-  <p:clrMapOvr>
-    <a:masterClrMapping/>
-  </p:clrMapOvr>
-</p:sld>
-</file>
-
-<file path=ppt/slides/slide30.xml><?xml version="1.0" encoding="utf-8"?>
+<file path=ppt/slides/slide32.xml><?xml version="1.0" encoding="utf-8"?>
 <p:sld xmlns:a="http://schemas.openxmlformats.org/drawingml/2006/main" xmlns:r="http://schemas.openxmlformats.org/officeDocument/2006/relationships" xmlns:p="http://schemas.openxmlformats.org/presentationml/2006/main">
   <p:cSld>
     <p:spTree>
@@ -25785,7 +26703,7 @@
 </p:sld>
 </file>
 
-<file path=ppt/slides/slide31.xml><?xml version="1.0" encoding="utf-8"?>
+<file path=ppt/slides/slide33.xml><?xml version="1.0" encoding="utf-8"?>
 <p:sld xmlns:a="http://schemas.openxmlformats.org/drawingml/2006/main" xmlns:r="http://schemas.openxmlformats.org/officeDocument/2006/relationships" xmlns:p="http://schemas.openxmlformats.org/presentationml/2006/main">
   <p:cSld>
     <p:spTree>
@@ -26420,7 +27338,7 @@
 </p:sld>
 </file>
 
-<file path=ppt/slides/slide32.xml><?xml version="1.0" encoding="utf-8"?>
+<file path=ppt/slides/slide34.xml><?xml version="1.0" encoding="utf-8"?>
 <p:sld xmlns:a="http://schemas.openxmlformats.org/drawingml/2006/main" xmlns:r="http://schemas.openxmlformats.org/officeDocument/2006/relationships" xmlns:p="http://schemas.openxmlformats.org/presentationml/2006/main">
   <p:cSld>
     <p:spTree>
@@ -26863,7 +27781,7 @@
 </p:sld>
 </file>
 
-<file path=ppt/slides/slide33.xml><?xml version="1.0" encoding="utf-8"?>
+<file path=ppt/slides/slide35.xml><?xml version="1.0" encoding="utf-8"?>
 <p:sld xmlns:a="http://schemas.openxmlformats.org/drawingml/2006/main" xmlns:r="http://schemas.openxmlformats.org/officeDocument/2006/relationships" xmlns:p="http://schemas.openxmlformats.org/presentationml/2006/main">
   <p:cSld>
     <p:spTree>
@@ -26967,7 +27885,7 @@
 </p:sld>
 </file>
 
-<file path=ppt/slides/slide34.xml><?xml version="1.0" encoding="utf-8"?>
+<file path=ppt/slides/slide36.xml><?xml version="1.0" encoding="utf-8"?>
 <p:sld xmlns:a="http://schemas.openxmlformats.org/drawingml/2006/main" xmlns:r="http://schemas.openxmlformats.org/officeDocument/2006/relationships" xmlns:p="http://schemas.openxmlformats.org/presentationml/2006/main">
   <p:cSld>
     <p:spTree>
@@ -27088,7 +28006,7 @@
 </p:sld>
 </file>
 
-<file path=ppt/slides/slide35.xml><?xml version="1.0" encoding="utf-8"?>
+<file path=ppt/slides/slide37.xml><?xml version="1.0" encoding="utf-8"?>
 <p:sld xmlns:a="http://schemas.openxmlformats.org/drawingml/2006/main" xmlns:r="http://schemas.openxmlformats.org/officeDocument/2006/relationships" xmlns:p="http://schemas.openxmlformats.org/presentationml/2006/main">
   <p:cSld>
     <p:spTree>
@@ -30089,18 +31007,18 @@
 </file>
 
 <file path=customXml/item1.xml><?xml version="1.0" encoding="utf-8"?>
-<p:properties xmlns:p="http://schemas.microsoft.com/office/2006/metadata/properties" xmlns:xsi="http://www.w3.org/2001/XMLSchema-instance" xmlns:pc="http://schemas.microsoft.com/office/infopath/2007/PartnerControls">
-  <documentManagement/>
-</p:properties>
-</file>
-
-<file path=customXml/item2.xml><?xml version="1.0" encoding="utf-8"?>
 <?mso-contentType ?>
 <FormTemplates xmlns="http://schemas.microsoft.com/sharepoint/v3/contenttype/forms">
   <Display>DocumentLibraryForm</Display>
   <Edit>DocumentLibraryForm</Edit>
   <New>DocumentLibraryForm</New>
 </FormTemplates>
+</file>
+
+<file path=customXml/item2.xml><?xml version="1.0" encoding="utf-8"?>
+<p:properties xmlns:p="http://schemas.microsoft.com/office/2006/metadata/properties" xmlns:xsi="http://www.w3.org/2001/XMLSchema-instance" xmlns:pc="http://schemas.microsoft.com/office/infopath/2007/PartnerControls">
+  <documentManagement/>
+</p:properties>
 </file>
 
 <file path=customXml/item3.xml><?xml version="1.0" encoding="utf-8"?>
@@ -30256,18 +31174,18 @@
 </file>
 
 <file path=customXml/itemProps1.xml><?xml version="1.0" encoding="utf-8"?>
-<ds:datastoreItem xmlns:ds="http://schemas.openxmlformats.org/officeDocument/2006/customXml" ds:itemID="{F47B9207-CE5C-49AD-B414-15CBFA246D65}">
+<ds:datastoreItem xmlns:ds="http://schemas.openxmlformats.org/officeDocument/2006/customXml" ds:itemID="{2DA015F3-603C-4688-A5F3-81D587DAB8C9}">
   <ds:schemaRefs>
-    <ds:schemaRef ds:uri="http://schemas.microsoft.com/office/2006/metadata/properties"/>
-    <ds:schemaRef ds:uri="http://schemas.microsoft.com/office/infopath/2007/PartnerControls"/>
+    <ds:schemaRef ds:uri="http://schemas.microsoft.com/sharepoint/v3/contenttype/forms"/>
   </ds:schemaRefs>
 </ds:datastoreItem>
 </file>
 
 <file path=customXml/itemProps2.xml><?xml version="1.0" encoding="utf-8"?>
-<ds:datastoreItem xmlns:ds="http://schemas.openxmlformats.org/officeDocument/2006/customXml" ds:itemID="{2DA015F3-603C-4688-A5F3-81D587DAB8C9}">
+<ds:datastoreItem xmlns:ds="http://schemas.openxmlformats.org/officeDocument/2006/customXml" ds:itemID="{F47B9207-CE5C-49AD-B414-15CBFA246D65}">
   <ds:schemaRefs>
-    <ds:schemaRef ds:uri="http://schemas.microsoft.com/sharepoint/v3/contenttype/forms"/>
+    <ds:schemaRef ds:uri="http://schemas.microsoft.com/office/2006/metadata/properties"/>
+    <ds:schemaRef ds:uri="http://schemas.microsoft.com/office/infopath/2007/PartnerControls"/>
   </ds:schemaRefs>
 </ds:datastoreItem>
 </file>

--- a/811M-Ch07_ClassificationModels.pptx
+++ b/811M-Ch07_ClassificationModels.pptx
@@ -9398,7 +9398,7 @@
             <a:pPr lvl="1"/>
             <a:r>
               <a:rPr lang="en-US" dirty="0"/>
-              <a:t>7667 were predicted to be fraudulent but were in fact good (false positive or Type I error)</a:t>
+              <a:t>7667 were predicted to be good but were in fact fraudulent (false positive or Type I error)</a:t>
             </a:r>
           </a:p>
           <a:p>
@@ -9412,7 +9412,7 @@
             <a:pPr lvl="1"/>
             <a:r>
               <a:rPr lang="en-US" dirty="0"/>
-              <a:t>1392 were predicted to be good but were in fact fraudulent (false negative or Type II error)</a:t>
+              <a:t>1392 were predicted to be fraudulent but were in fact good (false negative or Type II error)</a:t>
             </a:r>
           </a:p>
           <a:p>
@@ -29629,15 +29629,6 @@
 </file>
 
 <file path=customXml/item1.xml><?xml version="1.0" encoding="utf-8"?>
-<?mso-contentType ?>
-<FormTemplates xmlns="http://schemas.microsoft.com/sharepoint/v3/contenttype/forms">
-  <Display>DocumentLibraryForm</Display>
-  <Edit>DocumentLibraryForm</Edit>
-  <New>DocumentLibraryForm</New>
-</FormTemplates>
-</file>
-
-<file path=customXml/item2.xml><?xml version="1.0" encoding="utf-8"?>
 <ct:contentTypeSchema xmlns:ct="http://schemas.microsoft.com/office/2006/metadata/contentType" xmlns:ma="http://schemas.microsoft.com/office/2006/metadata/properties/metaAttributes" ct:_="" ma:_="" ma:contentTypeName="Document" ma:contentTypeID="0x0101004C58D7A746750E48B9E257CBBD401C71" ma:contentTypeVersion="5" ma:contentTypeDescription="Create a new document." ma:contentTypeScope="" ma:versionID="9b104746e7bcdc89d5c9d8909bc79033">
   <xsd:schema xmlns:xsd="http://www.w3.org/2001/XMLSchema" xmlns:xs="http://www.w3.org/2001/XMLSchema" xmlns:p="http://schemas.microsoft.com/office/2006/metadata/properties" xmlns:ns2="3f1ded34-099e-46dd-b0de-95a90e7e1e5f" targetNamespace="http://schemas.microsoft.com/office/2006/metadata/properties" ma:root="true" ma:fieldsID="39039af933a2d9dca5a96354c4c2b0ed" ns2:_="">
     <xsd:import namespace="3f1ded34-099e-46dd-b0de-95a90e7e1e5f"/>
@@ -29789,6 +29780,15 @@
 </ct:contentTypeSchema>
 </file>
 
+<file path=customXml/item2.xml><?xml version="1.0" encoding="utf-8"?>
+<?mso-contentType ?>
+<FormTemplates xmlns="http://schemas.microsoft.com/sharepoint/v3/contenttype/forms">
+  <Display>DocumentLibraryForm</Display>
+  <Edit>DocumentLibraryForm</Edit>
+  <New>DocumentLibraryForm</New>
+</FormTemplates>
+</file>
+
 <file path=customXml/item3.xml><?xml version="1.0" encoding="utf-8"?>
 <p:properties xmlns:p="http://schemas.microsoft.com/office/2006/metadata/properties" xmlns:xsi="http://www.w3.org/2001/XMLSchema-instance" xmlns:pc="http://schemas.microsoft.com/office/infopath/2007/PartnerControls">
   <documentManagement/>
@@ -29796,14 +29796,6 @@
 </file>
 
 <file path=customXml/itemProps1.xml><?xml version="1.0" encoding="utf-8"?>
-<ds:datastoreItem xmlns:ds="http://schemas.openxmlformats.org/officeDocument/2006/customXml" ds:itemID="{2DA015F3-603C-4688-A5F3-81D587DAB8C9}">
-  <ds:schemaRefs>
-    <ds:schemaRef ds:uri="http://schemas.microsoft.com/sharepoint/v3/contenttype/forms"/>
-  </ds:schemaRefs>
-</ds:datastoreItem>
-</file>
-
-<file path=customXml/itemProps2.xml><?xml version="1.0" encoding="utf-8"?>
 <ds:datastoreItem xmlns:ds="http://schemas.openxmlformats.org/officeDocument/2006/customXml" ds:itemID="{6751EBC6-C433-43E6-8F46-C6D6D677BF51}">
   <ds:schemaRefs>
     <ds:schemaRef ds:uri="http://schemas.microsoft.com/office/2006/metadata/contentType"/>
@@ -29821,6 +29813,14 @@
 </ds:datastoreItem>
 </file>
 
+<file path=customXml/itemProps2.xml><?xml version="1.0" encoding="utf-8"?>
+<ds:datastoreItem xmlns:ds="http://schemas.openxmlformats.org/officeDocument/2006/customXml" ds:itemID="{2DA015F3-603C-4688-A5F3-81D587DAB8C9}">
+  <ds:schemaRefs>
+    <ds:schemaRef ds:uri="http://schemas.microsoft.com/sharepoint/v3/contenttype/forms"/>
+  </ds:schemaRefs>
+</ds:datastoreItem>
+</file>
+
 <file path=customXml/itemProps3.xml><?xml version="1.0" encoding="utf-8"?>
 <ds:datastoreItem xmlns:ds="http://schemas.openxmlformats.org/officeDocument/2006/customXml" ds:itemID="{F47B9207-CE5C-49AD-B414-15CBFA246D65}">
   <ds:schemaRefs>

--- a/811M-Ch07_ClassificationModels.pptx
+++ b/811M-Ch07_ClassificationModels.pptx
@@ -2271,7 +2271,7 @@
           <a:bodyPr/>
           <a:lstStyle/>
           <a:p>
-            <a:endParaRPr lang="en-US"/>
+            <a:endParaRPr lang="en-US" dirty="0"/>
           </a:p>
         </p:txBody>
       </p:sp>
@@ -2530,7 +2530,7 @@
           <a:bodyPr/>
           <a:lstStyle/>
           <a:p>
-            <a:endParaRPr lang="en-US"/>
+            <a:endParaRPr lang="en-US" dirty="0"/>
           </a:p>
         </p:txBody>
       </p:sp>
@@ -2735,7 +2735,7 @@
           <a:bodyPr/>
           <a:lstStyle/>
           <a:p>
-            <a:endParaRPr lang="en-US"/>
+            <a:endParaRPr lang="en-US" dirty="0"/>
           </a:p>
         </p:txBody>
       </p:sp>
@@ -2796,7 +2796,7 @@
           <a:bodyPr/>
           <a:lstStyle/>
           <a:p>
-            <a:endParaRPr lang="en-US"/>
+            <a:endParaRPr lang="en-US" dirty="0"/>
           </a:p>
         </p:txBody>
       </p:sp>
@@ -2857,7 +2857,7 @@
           <a:bodyPr/>
           <a:lstStyle/>
           <a:p>
-            <a:endParaRPr lang="en-US"/>
+            <a:endParaRPr lang="en-US" dirty="0"/>
           </a:p>
         </p:txBody>
       </p:sp>
@@ -26639,15 +26639,7 @@
           <a:p>
             <a:r>
               <a:rPr lang="en-US" dirty="0"/>
-              <a:t>Good at predicting either/or </a:t>
-            </a:r>
-            <a:r>
-              <a:rPr lang="en-US" dirty="0" err="1"/>
-              <a:t>or</a:t>
-            </a:r>
-            <a:r>
-              <a:rPr lang="en-US" dirty="0"/>
-              <a:t> multiple-choice categories</a:t>
+              <a:t>Good at predicting either/or or multiple-choice categories</a:t>
             </a:r>
           </a:p>
           <a:p>
@@ -29629,6 +29621,21 @@
 </file>
 
 <file path=customXml/item1.xml><?xml version="1.0" encoding="utf-8"?>
+<p:properties xmlns:p="http://schemas.microsoft.com/office/2006/metadata/properties" xmlns:xsi="http://www.w3.org/2001/XMLSchema-instance" xmlns:pc="http://schemas.microsoft.com/office/infopath/2007/PartnerControls">
+  <documentManagement/>
+</p:properties>
+</file>
+
+<file path=customXml/item2.xml><?xml version="1.0" encoding="utf-8"?>
+<?mso-contentType ?>
+<FormTemplates xmlns="http://schemas.microsoft.com/sharepoint/v3/contenttype/forms">
+  <Display>DocumentLibraryForm</Display>
+  <Edit>DocumentLibraryForm</Edit>
+  <New>DocumentLibraryForm</New>
+</FormTemplates>
+</file>
+
+<file path=customXml/item3.xml><?xml version="1.0" encoding="utf-8"?>
 <ct:contentTypeSchema xmlns:ct="http://schemas.microsoft.com/office/2006/metadata/contentType" xmlns:ma="http://schemas.microsoft.com/office/2006/metadata/properties/metaAttributes" ct:_="" ma:_="" ma:contentTypeName="Document" ma:contentTypeID="0x0101004C58D7A746750E48B9E257CBBD401C71" ma:contentTypeVersion="5" ma:contentTypeDescription="Create a new document." ma:contentTypeScope="" ma:versionID="9b104746e7bcdc89d5c9d8909bc79033">
   <xsd:schema xmlns:xsd="http://www.w3.org/2001/XMLSchema" xmlns:xs="http://www.w3.org/2001/XMLSchema" xmlns:p="http://schemas.microsoft.com/office/2006/metadata/properties" xmlns:ns2="3f1ded34-099e-46dd-b0de-95a90e7e1e5f" targetNamespace="http://schemas.microsoft.com/office/2006/metadata/properties" ma:root="true" ma:fieldsID="39039af933a2d9dca5a96354c4c2b0ed" ns2:_="">
     <xsd:import namespace="3f1ded34-099e-46dd-b0de-95a90e7e1e5f"/>
@@ -29780,22 +29787,31 @@
 </ct:contentTypeSchema>
 </file>
 
-<file path=customXml/item2.xml><?xml version="1.0" encoding="utf-8"?>
-<?mso-contentType ?>
-<FormTemplates xmlns="http://schemas.microsoft.com/sharepoint/v3/contenttype/forms">
-  <Display>DocumentLibraryForm</Display>
-  <Edit>DocumentLibraryForm</Edit>
-  <New>DocumentLibraryForm</New>
-</FormTemplates>
+<file path=customXml/itemProps1.xml><?xml version="1.0" encoding="utf-8"?>
+<ds:datastoreItem xmlns:ds="http://schemas.openxmlformats.org/officeDocument/2006/customXml" ds:itemID="{F47B9207-CE5C-49AD-B414-15CBFA246D65}">
+  <ds:schemaRefs>
+    <ds:schemaRef ds:uri="http://purl.org/dc/terms/"/>
+    <ds:schemaRef ds:uri="3f1ded34-099e-46dd-b0de-95a90e7e1e5f"/>
+    <ds:schemaRef ds:uri="http://schemas.microsoft.com/office/2006/documentManagement/types"/>
+    <ds:schemaRef ds:uri="http://schemas.microsoft.com/office/infopath/2007/PartnerControls"/>
+    <ds:schemaRef ds:uri="http://purl.org/dc/elements/1.1/"/>
+    <ds:schemaRef ds:uri="http://schemas.microsoft.com/office/2006/metadata/properties"/>
+    <ds:schemaRef ds:uri="http://schemas.openxmlformats.org/package/2006/metadata/core-properties"/>
+    <ds:schemaRef ds:uri="http://www.w3.org/XML/1998/namespace"/>
+    <ds:schemaRef ds:uri="http://purl.org/dc/dcmitype/"/>
+  </ds:schemaRefs>
+</ds:datastoreItem>
 </file>
 
-<file path=customXml/item3.xml><?xml version="1.0" encoding="utf-8"?>
-<p:properties xmlns:p="http://schemas.microsoft.com/office/2006/metadata/properties" xmlns:xsi="http://www.w3.org/2001/XMLSchema-instance" xmlns:pc="http://schemas.microsoft.com/office/infopath/2007/PartnerControls">
-  <documentManagement/>
-</p:properties>
+<file path=customXml/itemProps2.xml><?xml version="1.0" encoding="utf-8"?>
+<ds:datastoreItem xmlns:ds="http://schemas.openxmlformats.org/officeDocument/2006/customXml" ds:itemID="{2DA015F3-603C-4688-A5F3-81D587DAB8C9}">
+  <ds:schemaRefs>
+    <ds:schemaRef ds:uri="http://schemas.microsoft.com/sharepoint/v3/contenttype/forms"/>
+  </ds:schemaRefs>
+</ds:datastoreItem>
 </file>
 
-<file path=customXml/itemProps1.xml><?xml version="1.0" encoding="utf-8"?>
+<file path=customXml/itemProps3.xml><?xml version="1.0" encoding="utf-8"?>
 <ds:datastoreItem xmlns:ds="http://schemas.openxmlformats.org/officeDocument/2006/customXml" ds:itemID="{6751EBC6-C433-43E6-8F46-C6D6D677BF51}">
   <ds:schemaRefs>
     <ds:schemaRef ds:uri="http://schemas.microsoft.com/office/2006/metadata/contentType"/>
@@ -29811,21 +29827,4 @@
     <ds:schemaRef ds:uri="http://schemas.microsoft.com/internal/obd"/>
   </ds:schemaRefs>
 </ds:datastoreItem>
-</file>
-
-<file path=customXml/itemProps2.xml><?xml version="1.0" encoding="utf-8"?>
-<ds:datastoreItem xmlns:ds="http://schemas.openxmlformats.org/officeDocument/2006/customXml" ds:itemID="{2DA015F3-603C-4688-A5F3-81D587DAB8C9}">
-  <ds:schemaRefs>
-    <ds:schemaRef ds:uri="http://schemas.microsoft.com/sharepoint/v3/contenttype/forms"/>
-  </ds:schemaRefs>
-</ds:datastoreItem>
-</file>
-
-<file path=customXml/itemProps3.xml><?xml version="1.0" encoding="utf-8"?>
-<ds:datastoreItem xmlns:ds="http://schemas.openxmlformats.org/officeDocument/2006/customXml" ds:itemID="{F47B9207-CE5C-49AD-B414-15CBFA246D65}">
-  <ds:schemaRefs>
-    <ds:schemaRef ds:uri="http://schemas.microsoft.com/office/2006/metadata/properties"/>
-    <ds:schemaRef ds:uri="http://schemas.microsoft.com/office/infopath/2007/PartnerControls"/>
-  </ds:schemaRefs>
-</ds:datastoreItem>
 </file>
--- a/811M-Ch07_ClassificationModels.pptx
+++ b/811M-Ch07_ClassificationModels.pptx
@@ -5,10 +5,10 @@
     <p:sldMasterId id="2147483684" r:id="rId4"/>
   </p:sldMasterIdLst>
   <p:notesMasterIdLst>
-    <p:notesMasterId r:id="rId42"/>
+    <p:notesMasterId r:id="rId45"/>
   </p:notesMasterIdLst>
   <p:handoutMasterIdLst>
-    <p:handoutMasterId r:id="rId43"/>
+    <p:handoutMasterId r:id="rId46"/>
   </p:handoutMasterIdLst>
   <p:sldIdLst>
     <p:sldId id="257" r:id="rId5"/>
@@ -27,27 +27,30 @@
     <p:sldId id="339" r:id="rId18"/>
     <p:sldId id="340" r:id="rId19"/>
     <p:sldId id="341" r:id="rId20"/>
-    <p:sldId id="362" r:id="rId21"/>
-    <p:sldId id="363" r:id="rId22"/>
-    <p:sldId id="342" r:id="rId23"/>
-    <p:sldId id="355" r:id="rId24"/>
-    <p:sldId id="343" r:id="rId25"/>
-    <p:sldId id="353" r:id="rId26"/>
-    <p:sldId id="344" r:id="rId27"/>
-    <p:sldId id="360" r:id="rId28"/>
-    <p:sldId id="345" r:id="rId29"/>
-    <p:sldId id="346" r:id="rId30"/>
-    <p:sldId id="347" r:id="rId31"/>
-    <p:sldId id="359" r:id="rId32"/>
-    <p:sldId id="348" r:id="rId33"/>
-    <p:sldId id="361" r:id="rId34"/>
-    <p:sldId id="356" r:id="rId35"/>
-    <p:sldId id="357" r:id="rId36"/>
-    <p:sldId id="358" r:id="rId37"/>
-    <p:sldId id="330" r:id="rId38"/>
-    <p:sldId id="349" r:id="rId39"/>
-    <p:sldId id="354" r:id="rId40"/>
-    <p:sldId id="351" r:id="rId41"/>
+    <p:sldId id="342" r:id="rId21"/>
+    <p:sldId id="355" r:id="rId22"/>
+    <p:sldId id="343" r:id="rId23"/>
+    <p:sldId id="353" r:id="rId24"/>
+    <p:sldId id="344" r:id="rId25"/>
+    <p:sldId id="360" r:id="rId26"/>
+    <p:sldId id="345" r:id="rId27"/>
+    <p:sldId id="346" r:id="rId28"/>
+    <p:sldId id="347" r:id="rId29"/>
+    <p:sldId id="359" r:id="rId30"/>
+    <p:sldId id="348" r:id="rId31"/>
+    <p:sldId id="361" r:id="rId32"/>
+    <p:sldId id="356" r:id="rId33"/>
+    <p:sldId id="357" r:id="rId34"/>
+    <p:sldId id="358" r:id="rId35"/>
+    <p:sldId id="364" r:id="rId36"/>
+    <p:sldId id="365" r:id="rId37"/>
+    <p:sldId id="362" r:id="rId38"/>
+    <p:sldId id="363" r:id="rId39"/>
+    <p:sldId id="366" r:id="rId40"/>
+    <p:sldId id="330" r:id="rId41"/>
+    <p:sldId id="349" r:id="rId42"/>
+    <p:sldId id="354" r:id="rId43"/>
+    <p:sldId id="351" r:id="rId44"/>
   </p:sldIdLst>
   <p:sldSz cx="9144000" cy="6858000" type="screen4x3"/>
   <p:notesSz cx="7053263" cy="9356725"/>
@@ -1755,7 +1758,7 @@
     </p:spTree>
     <p:extLst>
       <p:ext uri="{BB962C8B-B14F-4D97-AF65-F5344CB8AC3E}">
-        <p14:creationId xmlns:p14="http://schemas.microsoft.com/office/powerpoint/2010/main" val="2329670748"/>
+        <p14:creationId xmlns:p14="http://schemas.microsoft.com/office/powerpoint/2010/main" val="662896443"/>
       </p:ext>
     </p:extLst>
   </p:cSld>
@@ -1821,7 +1824,7 @@
     </p:spTree>
     <p:extLst>
       <p:ext uri="{BB962C8B-B14F-4D97-AF65-F5344CB8AC3E}">
-        <p14:creationId xmlns:p14="http://schemas.microsoft.com/office/powerpoint/2010/main" val="4131700859"/>
+        <p14:creationId xmlns:p14="http://schemas.microsoft.com/office/powerpoint/2010/main" val="719987584"/>
       </p:ext>
     </p:extLst>
   </p:cSld>
@@ -1887,7 +1890,7 @@
     </p:spTree>
     <p:extLst>
       <p:ext uri="{BB962C8B-B14F-4D97-AF65-F5344CB8AC3E}">
-        <p14:creationId xmlns:p14="http://schemas.microsoft.com/office/powerpoint/2010/main" val="662896443"/>
+        <p14:creationId xmlns:p14="http://schemas.microsoft.com/office/powerpoint/2010/main" val="1890198950"/>
       </p:ext>
     </p:extLst>
   </p:cSld>
@@ -2019,7 +2022,7 @@
     </p:spTree>
     <p:extLst>
       <p:ext uri="{BB962C8B-B14F-4D97-AF65-F5344CB8AC3E}">
-        <p14:creationId xmlns:p14="http://schemas.microsoft.com/office/powerpoint/2010/main" val="719987584"/>
+        <p14:creationId xmlns:p14="http://schemas.microsoft.com/office/powerpoint/2010/main" val="92123394"/>
       </p:ext>
     </p:extLst>
   </p:cSld>
@@ -2085,7 +2088,7 @@
     </p:spTree>
     <p:extLst>
       <p:ext uri="{BB962C8B-B14F-4D97-AF65-F5344CB8AC3E}">
-        <p14:creationId xmlns:p14="http://schemas.microsoft.com/office/powerpoint/2010/main" val="1890198950"/>
+        <p14:creationId xmlns:p14="http://schemas.microsoft.com/office/powerpoint/2010/main" val="72016467"/>
       </p:ext>
     </p:extLst>
   </p:cSld>
@@ -2114,7 +2117,7 @@
       </p:grpSpPr>
       <p:sp>
         <p:nvSpPr>
-          <p:cNvPr id="4" name="Slide Image Placeholder 3"/>
+          <p:cNvPr id="2" name="Slide Image Placeholder 1"/>
           <p:cNvSpPr>
             <a:spLocks noGrp="1" noRot="1" noChangeAspect="1"/>
           </p:cNvSpPr>
@@ -2131,7 +2134,7 @@
       </p:sp>
       <p:sp>
         <p:nvSpPr>
-          <p:cNvPr id="5" name="Notes Placeholder 4"/>
+          <p:cNvPr id="3" name="Notes Placeholder 2"/>
           <p:cNvSpPr>
             <a:spLocks noGrp="1"/>
           </p:cNvSpPr>
@@ -2151,7 +2154,7 @@
     </p:spTree>
     <p:extLst>
       <p:ext uri="{BB962C8B-B14F-4D97-AF65-F5344CB8AC3E}">
-        <p14:creationId xmlns:p14="http://schemas.microsoft.com/office/powerpoint/2010/main" val="92123394"/>
+        <p14:creationId xmlns:p14="http://schemas.microsoft.com/office/powerpoint/2010/main" val="3045367752"/>
       </p:ext>
     </p:extLst>
   </p:cSld>
@@ -2217,7 +2220,7 @@
     </p:spTree>
     <p:extLst>
       <p:ext uri="{BB962C8B-B14F-4D97-AF65-F5344CB8AC3E}">
-        <p14:creationId xmlns:p14="http://schemas.microsoft.com/office/powerpoint/2010/main" val="72016467"/>
+        <p14:creationId xmlns:p14="http://schemas.microsoft.com/office/powerpoint/2010/main" val="591980088"/>
       </p:ext>
     </p:extLst>
   </p:cSld>
@@ -2246,7 +2249,7 @@
       </p:grpSpPr>
       <p:sp>
         <p:nvSpPr>
-          <p:cNvPr id="2" name="Slide Image Placeholder 1"/>
+          <p:cNvPr id="4" name="Slide Image Placeholder 3"/>
           <p:cNvSpPr>
             <a:spLocks noGrp="1" noRot="1" noChangeAspect="1"/>
           </p:cNvSpPr>
@@ -2254,11 +2257,16 @@
             <p:ph type="sldImg"/>
           </p:nvPr>
         </p:nvSpPr>
-        <p:spPr/>
+        <p:spPr>
+          <a:xfrm>
+            <a:off x="1189038" y="701675"/>
+            <a:ext cx="4676775" cy="3508375"/>
+          </a:xfrm>
+        </p:spPr>
       </p:sp>
       <p:sp>
         <p:nvSpPr>
-          <p:cNvPr id="3" name="Notes Placeholder 2"/>
+          <p:cNvPr id="5" name="Notes Placeholder 4"/>
           <p:cNvSpPr>
             <a:spLocks noGrp="1"/>
           </p:cNvSpPr>
@@ -2278,7 +2286,7 @@
     </p:spTree>
     <p:extLst>
       <p:ext uri="{BB962C8B-B14F-4D97-AF65-F5344CB8AC3E}">
-        <p14:creationId xmlns:p14="http://schemas.microsoft.com/office/powerpoint/2010/main" val="3045367752"/>
+        <p14:creationId xmlns:p14="http://schemas.microsoft.com/office/powerpoint/2010/main" val="2012379047"/>
       </p:ext>
     </p:extLst>
   </p:cSld>
@@ -2344,7 +2352,7 @@
     </p:spTree>
     <p:extLst>
       <p:ext uri="{BB962C8B-B14F-4D97-AF65-F5344CB8AC3E}">
-        <p14:creationId xmlns:p14="http://schemas.microsoft.com/office/powerpoint/2010/main" val="591980088"/>
+        <p14:creationId xmlns:p14="http://schemas.microsoft.com/office/powerpoint/2010/main" val="76209708"/>
       </p:ext>
     </p:extLst>
   </p:cSld>
@@ -2373,7 +2381,7 @@
       </p:grpSpPr>
       <p:sp>
         <p:nvSpPr>
-          <p:cNvPr id="4" name="Slide Image Placeholder 3"/>
+          <p:cNvPr id="2" name="Slide Image Placeholder 1"/>
           <p:cNvSpPr>
             <a:spLocks noGrp="1" noRot="1" noChangeAspect="1"/>
           </p:cNvSpPr>
@@ -2381,16 +2389,11 @@
             <p:ph type="sldImg"/>
           </p:nvPr>
         </p:nvSpPr>
-        <p:spPr>
-          <a:xfrm>
-            <a:off x="1189038" y="701675"/>
-            <a:ext cx="4676775" cy="3508375"/>
-          </a:xfrm>
-        </p:spPr>
+        <p:spPr/>
       </p:sp>
       <p:sp>
         <p:nvSpPr>
-          <p:cNvPr id="5" name="Notes Placeholder 4"/>
+          <p:cNvPr id="3" name="Notes Placeholder 2"/>
           <p:cNvSpPr>
             <a:spLocks noGrp="1"/>
           </p:cNvSpPr>
@@ -2410,7 +2413,7 @@
     </p:spTree>
     <p:extLst>
       <p:ext uri="{BB962C8B-B14F-4D97-AF65-F5344CB8AC3E}">
-        <p14:creationId xmlns:p14="http://schemas.microsoft.com/office/powerpoint/2010/main" val="2012379047"/>
+        <p14:creationId xmlns:p14="http://schemas.microsoft.com/office/powerpoint/2010/main" val="3401263479"/>
       </p:ext>
     </p:extLst>
   </p:cSld>
@@ -2476,7 +2479,7 @@
     </p:spTree>
     <p:extLst>
       <p:ext uri="{BB962C8B-B14F-4D97-AF65-F5344CB8AC3E}">
-        <p14:creationId xmlns:p14="http://schemas.microsoft.com/office/powerpoint/2010/main" val="76209708"/>
+        <p14:creationId xmlns:p14="http://schemas.microsoft.com/office/powerpoint/2010/main" val="1437364188"/>
       </p:ext>
     </p:extLst>
   </p:cSld>
@@ -2537,7 +2540,7 @@
     </p:spTree>
     <p:extLst>
       <p:ext uri="{BB962C8B-B14F-4D97-AF65-F5344CB8AC3E}">
-        <p14:creationId xmlns:p14="http://schemas.microsoft.com/office/powerpoint/2010/main" val="3401263479"/>
+        <p14:creationId xmlns:p14="http://schemas.microsoft.com/office/powerpoint/2010/main" val="2059412982"/>
       </p:ext>
     </p:extLst>
   </p:cSld>
@@ -2566,7 +2569,7 @@
       </p:grpSpPr>
       <p:sp>
         <p:nvSpPr>
-          <p:cNvPr id="4" name="Slide Image Placeholder 3"/>
+          <p:cNvPr id="2" name="Slide Image Placeholder 1"/>
           <p:cNvSpPr>
             <a:spLocks noGrp="1" noRot="1" noChangeAspect="1"/>
           </p:cNvSpPr>
@@ -2574,16 +2577,11 @@
             <p:ph type="sldImg"/>
           </p:nvPr>
         </p:nvSpPr>
-        <p:spPr>
-          <a:xfrm>
-            <a:off x="1189038" y="701675"/>
-            <a:ext cx="4676775" cy="3508375"/>
-          </a:xfrm>
-        </p:spPr>
+        <p:spPr/>
       </p:sp>
       <p:sp>
         <p:nvSpPr>
-          <p:cNvPr id="5" name="Notes Placeholder 4"/>
+          <p:cNvPr id="3" name="Notes Placeholder 2"/>
           <p:cNvSpPr>
             <a:spLocks noGrp="1"/>
           </p:cNvSpPr>
@@ -2603,7 +2601,7 @@
     </p:spTree>
     <p:extLst>
       <p:ext uri="{BB962C8B-B14F-4D97-AF65-F5344CB8AC3E}">
-        <p14:creationId xmlns:p14="http://schemas.microsoft.com/office/powerpoint/2010/main" val="1437364188"/>
+        <p14:creationId xmlns:p14="http://schemas.microsoft.com/office/powerpoint/2010/main" val="3927628930"/>
       </p:ext>
     </p:extLst>
   </p:cSld>
@@ -2742,7 +2740,7 @@
     </p:spTree>
     <p:extLst>
       <p:ext uri="{BB962C8B-B14F-4D97-AF65-F5344CB8AC3E}">
-        <p14:creationId xmlns:p14="http://schemas.microsoft.com/office/powerpoint/2010/main" val="2059412982"/>
+        <p14:creationId xmlns:p14="http://schemas.microsoft.com/office/powerpoint/2010/main" val="3958428531"/>
       </p:ext>
     </p:extLst>
   </p:cSld>
@@ -2771,7 +2769,7 @@
       </p:grpSpPr>
       <p:sp>
         <p:nvSpPr>
-          <p:cNvPr id="2" name="Slide Image Placeholder 1"/>
+          <p:cNvPr id="4" name="Slide Image Placeholder 3"/>
           <p:cNvSpPr>
             <a:spLocks noGrp="1" noRot="1" noChangeAspect="1"/>
           </p:cNvSpPr>
@@ -2779,11 +2777,16 @@
             <p:ph type="sldImg"/>
           </p:nvPr>
         </p:nvSpPr>
-        <p:spPr/>
+        <p:spPr>
+          <a:xfrm>
+            <a:off x="1189038" y="701675"/>
+            <a:ext cx="4676775" cy="3508375"/>
+          </a:xfrm>
+        </p:spPr>
       </p:sp>
       <p:sp>
         <p:nvSpPr>
-          <p:cNvPr id="3" name="Notes Placeholder 2"/>
+          <p:cNvPr id="5" name="Notes Placeholder 4"/>
           <p:cNvSpPr>
             <a:spLocks noGrp="1"/>
           </p:cNvSpPr>
@@ -2803,7 +2806,7 @@
     </p:spTree>
     <p:extLst>
       <p:ext uri="{BB962C8B-B14F-4D97-AF65-F5344CB8AC3E}">
-        <p14:creationId xmlns:p14="http://schemas.microsoft.com/office/powerpoint/2010/main" val="3927628930"/>
+        <p14:creationId xmlns:p14="http://schemas.microsoft.com/office/powerpoint/2010/main" val="3722880229"/>
       </p:ext>
     </p:extLst>
   </p:cSld>
@@ -2832,7 +2835,7 @@
       </p:grpSpPr>
       <p:sp>
         <p:nvSpPr>
-          <p:cNvPr id="2" name="Slide Image Placeholder 1"/>
+          <p:cNvPr id="4" name="Slide Image Placeholder 3"/>
           <p:cNvSpPr>
             <a:spLocks noGrp="1" noRot="1" noChangeAspect="1"/>
           </p:cNvSpPr>
@@ -2840,11 +2843,16 @@
             <p:ph type="sldImg"/>
           </p:nvPr>
         </p:nvSpPr>
-        <p:spPr/>
+        <p:spPr>
+          <a:xfrm>
+            <a:off x="1189038" y="701675"/>
+            <a:ext cx="4676775" cy="3508375"/>
+          </a:xfrm>
+        </p:spPr>
       </p:sp>
       <p:sp>
         <p:nvSpPr>
-          <p:cNvPr id="3" name="Notes Placeholder 2"/>
+          <p:cNvPr id="5" name="Notes Placeholder 4"/>
           <p:cNvSpPr>
             <a:spLocks noGrp="1"/>
           </p:cNvSpPr>
@@ -2864,7 +2872,7 @@
     </p:spTree>
     <p:extLst>
       <p:ext uri="{BB962C8B-B14F-4D97-AF65-F5344CB8AC3E}">
-        <p14:creationId xmlns:p14="http://schemas.microsoft.com/office/powerpoint/2010/main" val="3958428531"/>
+        <p14:creationId xmlns:p14="http://schemas.microsoft.com/office/powerpoint/2010/main" val="3449501441"/>
       </p:ext>
     </p:extLst>
   </p:cSld>
@@ -2930,7 +2938,7 @@
     </p:spTree>
     <p:extLst>
       <p:ext uri="{BB962C8B-B14F-4D97-AF65-F5344CB8AC3E}">
-        <p14:creationId xmlns:p14="http://schemas.microsoft.com/office/powerpoint/2010/main" val="3722880229"/>
+        <p14:creationId xmlns:p14="http://schemas.microsoft.com/office/powerpoint/2010/main" val="222903920"/>
       </p:ext>
     </p:extLst>
   </p:cSld>
@@ -2959,37 +2967,6 @@
       </p:grpSpPr>
       <p:sp>
         <p:nvSpPr>
-          <p:cNvPr id="3" name="Notes Placeholder 2"/>
-          <p:cNvSpPr>
-            <a:spLocks noGrp="1"/>
-          </p:cNvSpPr>
-          <p:nvPr>
-            <p:ph type="body" idx="1"/>
-          </p:nvPr>
-        </p:nvSpPr>
-        <p:spPr/>
-        <p:txBody>
-          <a:bodyPr/>
-          <a:lstStyle/>
-          <a:p>
-            <a:r>
-              <a:rPr lang="en-US" dirty="0"/>
-              <a:t>Highlight the topic that follows this page, and place the delta arrow next to it by moving vertically, but maintain the horizontal placement.</a:t>
-            </a:r>
-          </a:p>
-          <a:p>
-            <a:endParaRPr lang="en-US" dirty="0"/>
-          </a:p>
-          <a:p>
-            <a:r>
-              <a:rPr lang="en-US" dirty="0"/>
-              <a:t>If there are too many topics to fit on the page, reduce the line spacing to fit.</a:t>
-            </a:r>
-          </a:p>
-        </p:txBody>
-      </p:sp>
-      <p:sp>
-        <p:nvSpPr>
           <p:cNvPr id="4" name="Slide Image Placeholder 3"/>
           <p:cNvSpPr>
             <a:spLocks noGrp="1" noRot="1" noChangeAspect="1"/>
@@ -3005,10 +2982,29 @@
           </a:xfrm>
         </p:spPr>
       </p:sp>
+      <p:sp>
+        <p:nvSpPr>
+          <p:cNvPr id="5" name="Notes Placeholder 4"/>
+          <p:cNvSpPr>
+            <a:spLocks noGrp="1"/>
+          </p:cNvSpPr>
+          <p:nvPr>
+            <p:ph type="body" idx="1"/>
+          </p:nvPr>
+        </p:nvSpPr>
+        <p:spPr/>
+        <p:txBody>
+          <a:bodyPr/>
+          <a:lstStyle/>
+          <a:p>
+            <a:endParaRPr lang="en-US" dirty="0"/>
+          </a:p>
+        </p:txBody>
+      </p:sp>
     </p:spTree>
     <p:extLst>
       <p:ext uri="{BB962C8B-B14F-4D97-AF65-F5344CB8AC3E}">
-        <p14:creationId xmlns:p14="http://schemas.microsoft.com/office/powerpoint/2010/main" val="561715035"/>
+        <p14:creationId xmlns:p14="http://schemas.microsoft.com/office/powerpoint/2010/main" val="2329670748"/>
       </p:ext>
     </p:extLst>
   </p:cSld>
@@ -3074,7 +3070,7 @@
     </p:spTree>
     <p:extLst>
       <p:ext uri="{BB962C8B-B14F-4D97-AF65-F5344CB8AC3E}">
-        <p14:creationId xmlns:p14="http://schemas.microsoft.com/office/powerpoint/2010/main" val="339578072"/>
+        <p14:creationId xmlns:p14="http://schemas.microsoft.com/office/powerpoint/2010/main" val="4131700859"/>
       </p:ext>
     </p:extLst>
   </p:cSld>
@@ -3140,7 +3136,7 @@
     </p:spTree>
     <p:extLst>
       <p:ext uri="{BB962C8B-B14F-4D97-AF65-F5344CB8AC3E}">
-        <p14:creationId xmlns:p14="http://schemas.microsoft.com/office/powerpoint/2010/main" val="1016140467"/>
+        <p14:creationId xmlns:p14="http://schemas.microsoft.com/office/powerpoint/2010/main" val="2773946579"/>
       </p:ext>
     </p:extLst>
   </p:cSld>
@@ -3169,7 +3165,85 @@
       </p:grpSpPr>
       <p:sp>
         <p:nvSpPr>
-          <p:cNvPr id="2" name="Slide Image Placeholder 1"/>
+          <p:cNvPr id="3" name="Notes Placeholder 2"/>
+          <p:cNvSpPr>
+            <a:spLocks noGrp="1"/>
+          </p:cNvSpPr>
+          <p:nvPr>
+            <p:ph type="body" idx="1"/>
+          </p:nvPr>
+        </p:nvSpPr>
+        <p:spPr/>
+        <p:txBody>
+          <a:bodyPr/>
+          <a:lstStyle/>
+          <a:p>
+            <a:r>
+              <a:rPr lang="en-US" dirty="0"/>
+              <a:t>Highlight the topic that follows this page, and place the delta arrow next to it by moving vertically, but maintain the horizontal placement.</a:t>
+            </a:r>
+          </a:p>
+          <a:p>
+            <a:endParaRPr lang="en-US" dirty="0"/>
+          </a:p>
+          <a:p>
+            <a:r>
+              <a:rPr lang="en-US" dirty="0"/>
+              <a:t>If there are too many topics to fit on the page, reduce the line spacing to fit.</a:t>
+            </a:r>
+          </a:p>
+        </p:txBody>
+      </p:sp>
+      <p:sp>
+        <p:nvSpPr>
+          <p:cNvPr id="4" name="Slide Image Placeholder 3"/>
+          <p:cNvSpPr>
+            <a:spLocks noGrp="1" noRot="1" noChangeAspect="1"/>
+          </p:cNvSpPr>
+          <p:nvPr>
+            <p:ph type="sldImg"/>
+          </p:nvPr>
+        </p:nvSpPr>
+        <p:spPr>
+          <a:xfrm>
+            <a:off x="1189038" y="701675"/>
+            <a:ext cx="4676775" cy="3508375"/>
+          </a:xfrm>
+        </p:spPr>
+      </p:sp>
+    </p:spTree>
+    <p:extLst>
+      <p:ext uri="{BB962C8B-B14F-4D97-AF65-F5344CB8AC3E}">
+        <p14:creationId xmlns:p14="http://schemas.microsoft.com/office/powerpoint/2010/main" val="561715035"/>
+      </p:ext>
+    </p:extLst>
+  </p:cSld>
+  <p:clrMapOvr>
+    <a:masterClrMapping/>
+  </p:clrMapOvr>
+</p:notes>
+</file>
+
+<file path=ppt/notesSlides/notesSlide38.xml><?xml version="1.0" encoding="utf-8"?>
+<p:notes xmlns:a="http://schemas.openxmlformats.org/drawingml/2006/main" xmlns:r="http://schemas.openxmlformats.org/officeDocument/2006/relationships" xmlns:p="http://schemas.openxmlformats.org/presentationml/2006/main">
+  <p:cSld>
+    <p:spTree>
+      <p:nvGrpSpPr>
+        <p:cNvPr id="1" name=""/>
+        <p:cNvGrpSpPr/>
+        <p:nvPr/>
+      </p:nvGrpSpPr>
+      <p:grpSpPr>
+        <a:xfrm>
+          <a:off x="0" y="0"/>
+          <a:ext cx="0" cy="0"/>
+          <a:chOff x="0" y="0"/>
+          <a:chExt cx="0" cy="0"/>
+        </a:xfrm>
+      </p:grpSpPr>
+      <p:sp>
+        <p:nvSpPr>
+          <p:cNvPr id="4" name="Slide Image Placeholder 3"/>
           <p:cNvSpPr>
             <a:spLocks noGrp="1" noRot="1" noChangeAspect="1"/>
           </p:cNvSpPr>
@@ -3186,7 +3260,7 @@
       </p:sp>
       <p:sp>
         <p:nvSpPr>
-          <p:cNvPr id="3" name="Notes Placeholder 2"/>
+          <p:cNvPr id="5" name="Notes Placeholder 4"/>
           <p:cNvSpPr>
             <a:spLocks noGrp="1"/>
           </p:cNvSpPr>
@@ -3206,7 +3280,73 @@
     </p:spTree>
     <p:extLst>
       <p:ext uri="{BB962C8B-B14F-4D97-AF65-F5344CB8AC3E}">
-        <p14:creationId xmlns:p14="http://schemas.microsoft.com/office/powerpoint/2010/main" val="1396924133"/>
+        <p14:creationId xmlns:p14="http://schemas.microsoft.com/office/powerpoint/2010/main" val="339578072"/>
+      </p:ext>
+    </p:extLst>
+  </p:cSld>
+  <p:clrMapOvr>
+    <a:masterClrMapping/>
+  </p:clrMapOvr>
+</p:notes>
+</file>
+
+<file path=ppt/notesSlides/notesSlide39.xml><?xml version="1.0" encoding="utf-8"?>
+<p:notes xmlns:a="http://schemas.openxmlformats.org/drawingml/2006/main" xmlns:r="http://schemas.openxmlformats.org/officeDocument/2006/relationships" xmlns:p="http://schemas.openxmlformats.org/presentationml/2006/main">
+  <p:cSld>
+    <p:spTree>
+      <p:nvGrpSpPr>
+        <p:cNvPr id="1" name=""/>
+        <p:cNvGrpSpPr/>
+        <p:nvPr/>
+      </p:nvGrpSpPr>
+      <p:grpSpPr>
+        <a:xfrm>
+          <a:off x="0" y="0"/>
+          <a:ext cx="0" cy="0"/>
+          <a:chOff x="0" y="0"/>
+          <a:chExt cx="0" cy="0"/>
+        </a:xfrm>
+      </p:grpSpPr>
+      <p:sp>
+        <p:nvSpPr>
+          <p:cNvPr id="4" name="Slide Image Placeholder 3"/>
+          <p:cNvSpPr>
+            <a:spLocks noGrp="1" noRot="1" noChangeAspect="1"/>
+          </p:cNvSpPr>
+          <p:nvPr>
+            <p:ph type="sldImg"/>
+          </p:nvPr>
+        </p:nvSpPr>
+        <p:spPr>
+          <a:xfrm>
+            <a:off x="1189038" y="701675"/>
+            <a:ext cx="4676775" cy="3508375"/>
+          </a:xfrm>
+        </p:spPr>
+      </p:sp>
+      <p:sp>
+        <p:nvSpPr>
+          <p:cNvPr id="5" name="Notes Placeholder 4"/>
+          <p:cNvSpPr>
+            <a:spLocks noGrp="1"/>
+          </p:cNvSpPr>
+          <p:nvPr>
+            <p:ph type="body" idx="1"/>
+          </p:nvPr>
+        </p:nvSpPr>
+        <p:spPr/>
+        <p:txBody>
+          <a:bodyPr/>
+          <a:lstStyle/>
+          <a:p>
+            <a:endParaRPr lang="en-US" dirty="0"/>
+          </a:p>
+        </p:txBody>
+      </p:sp>
+    </p:spTree>
+    <p:extLst>
+      <p:ext uri="{BB962C8B-B14F-4D97-AF65-F5344CB8AC3E}">
+        <p14:creationId xmlns:p14="http://schemas.microsoft.com/office/powerpoint/2010/main" val="1016140467"/>
       </p:ext>
     </p:extLst>
   </p:cSld>
@@ -3273,6 +3413,72 @@
     <p:extLst>
       <p:ext uri="{BB962C8B-B14F-4D97-AF65-F5344CB8AC3E}">
         <p14:creationId xmlns:p14="http://schemas.microsoft.com/office/powerpoint/2010/main" val="431877283"/>
+      </p:ext>
+    </p:extLst>
+  </p:cSld>
+  <p:clrMapOvr>
+    <a:masterClrMapping/>
+  </p:clrMapOvr>
+</p:notes>
+</file>
+
+<file path=ppt/notesSlides/notesSlide40.xml><?xml version="1.0" encoding="utf-8"?>
+<p:notes xmlns:a="http://schemas.openxmlformats.org/drawingml/2006/main" xmlns:r="http://schemas.openxmlformats.org/officeDocument/2006/relationships" xmlns:p="http://schemas.openxmlformats.org/presentationml/2006/main">
+  <p:cSld>
+    <p:spTree>
+      <p:nvGrpSpPr>
+        <p:cNvPr id="1" name=""/>
+        <p:cNvGrpSpPr/>
+        <p:nvPr/>
+      </p:nvGrpSpPr>
+      <p:grpSpPr>
+        <a:xfrm>
+          <a:off x="0" y="0"/>
+          <a:ext cx="0" cy="0"/>
+          <a:chOff x="0" y="0"/>
+          <a:chExt cx="0" cy="0"/>
+        </a:xfrm>
+      </p:grpSpPr>
+      <p:sp>
+        <p:nvSpPr>
+          <p:cNvPr id="2" name="Slide Image Placeholder 1"/>
+          <p:cNvSpPr>
+            <a:spLocks noGrp="1" noRot="1" noChangeAspect="1"/>
+          </p:cNvSpPr>
+          <p:nvPr>
+            <p:ph type="sldImg"/>
+          </p:nvPr>
+        </p:nvSpPr>
+        <p:spPr>
+          <a:xfrm>
+            <a:off x="1189038" y="701675"/>
+            <a:ext cx="4676775" cy="3508375"/>
+          </a:xfrm>
+        </p:spPr>
+      </p:sp>
+      <p:sp>
+        <p:nvSpPr>
+          <p:cNvPr id="3" name="Notes Placeholder 2"/>
+          <p:cNvSpPr>
+            <a:spLocks noGrp="1"/>
+          </p:cNvSpPr>
+          <p:nvPr>
+            <p:ph type="body" idx="1"/>
+          </p:nvPr>
+        </p:nvSpPr>
+        <p:spPr/>
+        <p:txBody>
+          <a:bodyPr/>
+          <a:lstStyle/>
+          <a:p>
+            <a:endParaRPr lang="en-US" dirty="0"/>
+          </a:p>
+        </p:txBody>
+      </p:sp>
+    </p:spTree>
+    <p:extLst>
+      <p:ext uri="{BB962C8B-B14F-4D97-AF65-F5344CB8AC3E}">
+        <p14:creationId xmlns:p14="http://schemas.microsoft.com/office/powerpoint/2010/main" val="1396924133"/>
       </p:ext>
     </p:extLst>
   </p:cSld>
@@ -9384,42 +9590,42 @@
             <a:pPr lvl="1"/>
             <a:r>
               <a:rPr lang="en-US" dirty="0"/>
-              <a:t>1,263,180 were predicted to be good charges and were indeed good</a:t>
+              <a:t>1,263,180 predicted to be 0 for fraud and were right (True Negatives)</a:t>
             </a:r>
           </a:p>
           <a:p>
             <a:pPr lvl="1"/>
             <a:r>
               <a:rPr lang="en-US" dirty="0"/>
-              <a:t>285 were predicted to be fraudulent and were indeed fraudulent</a:t>
+              <a:t>285 were predicted to be 1 for fraud and were right (True Positives)</a:t>
             </a:r>
           </a:p>
           <a:p>
             <a:pPr lvl="1"/>
             <a:r>
               <a:rPr lang="en-US" dirty="0"/>
-              <a:t>7667 were predicted to be good but were in fact fraudulent (false positive or Type I error)</a:t>
+              <a:t>7667 were predicted to be 1 for fraud but were wrong (false positive or Type I error)</a:t>
             </a:r>
           </a:p>
           <a:p>
             <a:pPr lvl="2"/>
             <a:r>
               <a:rPr lang="en-US" dirty="0"/>
-              <a:t>1,263,180 + 7667 = 1,270,847</a:t>
+              <a:t>1,263,180 + 7667 = 1,270,847 total predicted 0</a:t>
             </a:r>
           </a:p>
           <a:p>
             <a:pPr lvl="1"/>
             <a:r>
               <a:rPr lang="en-US" dirty="0"/>
-              <a:t>1392 were predicted to be fraudulent but were in fact good (false negative or Type II error)</a:t>
+              <a:t>1392 were predicted to be 0 for fraud wrong (false negative or Type II error)</a:t>
             </a:r>
           </a:p>
           <a:p>
             <a:pPr lvl="2"/>
             <a:r>
               <a:rPr lang="en-US" dirty="0"/>
-              <a:t>1392 + 285 = 1677</a:t>
+              <a:t>1392 + 285 = 1677 total predicted 1</a:t>
             </a:r>
           </a:p>
           <a:p>
@@ -11607,616 +11813,6 @@
 </file>
 
 <file path=ppt/slides/slide17.xml><?xml version="1.0" encoding="utf-8"?>
-<p:sld xmlns:a="http://schemas.openxmlformats.org/drawingml/2006/main" xmlns:r="http://schemas.openxmlformats.org/officeDocument/2006/relationships" xmlns:p="http://schemas.openxmlformats.org/presentationml/2006/main">
-  <p:cSld>
-    <p:spTree>
-      <p:nvGrpSpPr>
-        <p:cNvPr id="1" name=""/>
-        <p:cNvGrpSpPr/>
-        <p:nvPr/>
-      </p:nvGrpSpPr>
-      <p:grpSpPr>
-        <a:xfrm>
-          <a:off x="0" y="0"/>
-          <a:ext cx="0" cy="0"/>
-          <a:chOff x="0" y="0"/>
-          <a:chExt cx="0" cy="0"/>
-        </a:xfrm>
-      </p:grpSpPr>
-      <p:sp>
-        <p:nvSpPr>
-          <p:cNvPr id="3" name="Content Placeholder 2"/>
-          <p:cNvSpPr>
-            <a:spLocks noGrp="1"/>
-          </p:cNvSpPr>
-          <p:nvPr>
-            <p:ph idx="1"/>
-          </p:nvPr>
-        </p:nvSpPr>
-        <p:spPr/>
-        <p:txBody>
-          <a:bodyPr/>
-          <a:lstStyle/>
-          <a:p>
-            <a:r>
-              <a:rPr lang="en-US" dirty="0"/>
-              <a:t>Creates Decision Trees on randomly selected samples of the training set</a:t>
-            </a:r>
-          </a:p>
-          <a:p>
-            <a:r>
-              <a:rPr lang="en-US" dirty="0"/>
-              <a:t>Performs multiple iterations and gets prediction results</a:t>
-            </a:r>
-          </a:p>
-          <a:p>
-            <a:r>
-              <a:rPr lang="en-US" dirty="0"/>
-              <a:t>Votes on the best random sample</a:t>
-            </a:r>
-          </a:p>
-          <a:p>
-            <a:r>
-              <a:rPr lang="en-US" dirty="0"/>
-              <a:t>Pros</a:t>
-            </a:r>
-          </a:p>
-          <a:p>
-            <a:pPr lvl="1"/>
-            <a:r>
-              <a:rPr lang="en-US" dirty="0"/>
-              <a:t>Often highly accurate due to the strength of multiple predictions</a:t>
-            </a:r>
-          </a:p>
-          <a:p>
-            <a:pPr lvl="1"/>
-            <a:r>
-              <a:rPr lang="en-US" dirty="0"/>
-              <a:t>Usually does not suffer from overfitting</a:t>
-            </a:r>
-          </a:p>
-          <a:p>
-            <a:pPr lvl="1"/>
-            <a:r>
-              <a:rPr lang="en-US" dirty="0"/>
-              <a:t>Can see the relative feature importance which is useful in revising the model</a:t>
-            </a:r>
-          </a:p>
-          <a:p>
-            <a:r>
-              <a:rPr lang="en-US" dirty="0"/>
-              <a:t>Cons</a:t>
-            </a:r>
-          </a:p>
-          <a:p>
-            <a:pPr lvl="1"/>
-            <a:r>
-              <a:rPr lang="en-US" dirty="0"/>
-              <a:t>Slow to generate because of multiple iterations</a:t>
-            </a:r>
-          </a:p>
-          <a:p>
-            <a:pPr lvl="1"/>
-            <a:r>
-              <a:rPr lang="en-US" dirty="0"/>
-              <a:t>Compared to a Decision Tree you cannot really see the path of the tree</a:t>
-            </a:r>
-          </a:p>
-        </p:txBody>
-      </p:sp>
-      <p:sp>
-        <p:nvSpPr>
-          <p:cNvPr id="2" name="Title 1"/>
-          <p:cNvSpPr>
-            <a:spLocks noGrp="1"/>
-          </p:cNvSpPr>
-          <p:nvPr>
-            <p:ph type="title"/>
-          </p:nvPr>
-        </p:nvSpPr>
-        <p:spPr/>
-        <p:txBody>
-          <a:bodyPr/>
-          <a:lstStyle/>
-          <a:p>
-            <a:r>
-              <a:rPr lang="en-US" dirty="0"/>
-              <a:t>Random Forest</a:t>
-            </a:r>
-          </a:p>
-        </p:txBody>
-      </p:sp>
-    </p:spTree>
-    <p:extLst>
-      <p:ext uri="{BB962C8B-B14F-4D97-AF65-F5344CB8AC3E}">
-        <p14:creationId xmlns:p14="http://schemas.microsoft.com/office/powerpoint/2010/main" val="412271066"/>
-      </p:ext>
-    </p:extLst>
-  </p:cSld>
-  <p:clrMapOvr>
-    <a:masterClrMapping/>
-  </p:clrMapOvr>
-</p:sld>
-</file>
-
-<file path=ppt/slides/slide18.xml><?xml version="1.0" encoding="utf-8"?>
-<p:sld xmlns:a="http://schemas.openxmlformats.org/drawingml/2006/main" xmlns:r="http://schemas.openxmlformats.org/officeDocument/2006/relationships" xmlns:p="http://schemas.openxmlformats.org/presentationml/2006/main">
-  <p:cSld>
-    <p:spTree>
-      <p:nvGrpSpPr>
-        <p:cNvPr id="1" name=""/>
-        <p:cNvGrpSpPr/>
-        <p:nvPr/>
-      </p:nvGrpSpPr>
-      <p:grpSpPr>
-        <a:xfrm>
-          <a:off x="0" y="0"/>
-          <a:ext cx="0" cy="0"/>
-          <a:chOff x="0" y="0"/>
-          <a:chExt cx="0" cy="0"/>
-        </a:xfrm>
-      </p:grpSpPr>
-      <p:sp>
-        <p:nvSpPr>
-          <p:cNvPr id="3" name="Content Placeholder 2"/>
-          <p:cNvSpPr>
-            <a:spLocks noGrp="1"/>
-          </p:cNvSpPr>
-          <p:nvPr>
-            <p:ph idx="1"/>
-          </p:nvPr>
-        </p:nvSpPr>
-        <p:spPr/>
-        <p:txBody>
-          <a:bodyPr/>
-          <a:lstStyle/>
-          <a:p>
-            <a:r>
-              <a:rPr lang="en-US" dirty="0"/>
-              <a:t>Load the module, create a model and train it</a:t>
-            </a:r>
-          </a:p>
-          <a:p>
-            <a:endParaRPr lang="en-US" dirty="0"/>
-          </a:p>
-          <a:p>
-            <a:endParaRPr lang="en-US" dirty="0"/>
-          </a:p>
-          <a:p>
-            <a:pPr lvl="1"/>
-            <a:endParaRPr lang="en-US" dirty="0"/>
-          </a:p>
-          <a:p>
-            <a:r>
-              <a:rPr lang="en-US" dirty="0"/>
-              <a:t>Run a prediction on the reserved testing set and compare the predicted values to the known values</a:t>
-            </a:r>
-          </a:p>
-          <a:p>
-            <a:pPr marL="0" indent="0">
-              <a:buNone/>
-            </a:pPr>
-            <a:endParaRPr lang="en-US" dirty="0"/>
-          </a:p>
-          <a:p>
-            <a:pPr lvl="1"/>
-            <a:endParaRPr lang="en-US" dirty="0"/>
-          </a:p>
-        </p:txBody>
-      </p:sp>
-      <p:sp>
-        <p:nvSpPr>
-          <p:cNvPr id="2" name="Title 1"/>
-          <p:cNvSpPr>
-            <a:spLocks noGrp="1"/>
-          </p:cNvSpPr>
-          <p:nvPr>
-            <p:ph type="title"/>
-          </p:nvPr>
-        </p:nvSpPr>
-        <p:spPr/>
-        <p:txBody>
-          <a:bodyPr/>
-          <a:lstStyle/>
-          <a:p>
-            <a:r>
-              <a:rPr lang="en-US" dirty="0"/>
-              <a:t>Apply Random Forest</a:t>
-            </a:r>
-          </a:p>
-        </p:txBody>
-      </p:sp>
-      <p:sp>
-        <p:nvSpPr>
-          <p:cNvPr id="4" name="TextBox 3">
-            <a:extLst>
-              <a:ext uri="{FF2B5EF4-FFF2-40B4-BE49-F238E27FC236}">
-                <a16:creationId xmlns:a16="http://schemas.microsoft.com/office/drawing/2014/main" id="{B25BD5BC-E8B9-4540-A404-A5C6B4AFC25D}"/>
-              </a:ext>
-            </a:extLst>
-          </p:cNvPr>
-          <p:cNvSpPr txBox="1"/>
-          <p:nvPr/>
-        </p:nvSpPr>
-        <p:spPr>
-          <a:xfrm>
-            <a:off x="1330508" y="1588198"/>
-            <a:ext cx="6482985" cy="830997"/>
-          </a:xfrm>
-          <a:prstGeom prst="rect">
-            <a:avLst/>
-          </a:prstGeom>
-          <a:noFill/>
-          <a:ln w="28575" algn="ctr">
-            <a:solidFill>
-              <a:schemeClr val="accent2">
-                <a:lumMod val="20000"/>
-                <a:lumOff val="80000"/>
-              </a:schemeClr>
-            </a:solidFill>
-            <a:miter lim="800000"/>
-            <a:headEnd/>
-            <a:tailEnd/>
-          </a:ln>
-          <a:effectLst/>
-        </p:spPr>
-        <p:txBody>
-          <a:bodyPr wrap="square">
-            <a:spAutoFit/>
-          </a:bodyPr>
-          <a:lstStyle>
-            <a:defPPr>
-              <a:defRPr lang="en-US"/>
-            </a:defPPr>
-            <a:lvl1pPr marL="0" defTabSz="914400" eaLnBrk="1" latinLnBrk="0" hangingPunct="1">
-              <a:defRPr sz="1400">
-                <a:solidFill>
-                  <a:schemeClr val="tx1"/>
-                </a:solidFill>
-                <a:latin typeface="Courier New" pitchFamily="49" charset="0"/>
-                <a:cs typeface="+mn-cs"/>
-              </a:defRPr>
-            </a:lvl1pPr>
-            <a:lvl2pPr marL="742950" indent="-285750" defTabSz="914400" latinLnBrk="0">
-              <a:defRPr sz="1400">
-                <a:solidFill>
-                  <a:schemeClr val="tx1"/>
-                </a:solidFill>
-                <a:latin typeface="Arial" charset="0"/>
-                <a:cs typeface="+mn-cs"/>
-              </a:defRPr>
-            </a:lvl2pPr>
-            <a:lvl3pPr marL="1143000" indent="-228600" defTabSz="914400" latinLnBrk="0">
-              <a:defRPr sz="1400">
-                <a:solidFill>
-                  <a:schemeClr val="tx1"/>
-                </a:solidFill>
-                <a:latin typeface="Arial" charset="0"/>
-                <a:cs typeface="+mn-cs"/>
-              </a:defRPr>
-            </a:lvl3pPr>
-            <a:lvl4pPr marL="1600200" indent="-228600" defTabSz="914400" latinLnBrk="0">
-              <a:defRPr sz="1400">
-                <a:solidFill>
-                  <a:schemeClr val="tx1"/>
-                </a:solidFill>
-                <a:latin typeface="Arial" charset="0"/>
-                <a:cs typeface="+mn-cs"/>
-              </a:defRPr>
-            </a:lvl4pPr>
-            <a:lvl5pPr marL="2057400" indent="-228600" defTabSz="914400" latinLnBrk="0">
-              <a:defRPr sz="1400">
-                <a:solidFill>
-                  <a:schemeClr val="tx1"/>
-                </a:solidFill>
-                <a:latin typeface="Arial" charset="0"/>
-                <a:cs typeface="+mn-cs"/>
-              </a:defRPr>
-            </a:lvl5pPr>
-            <a:lvl6pPr marL="2514600" indent="-228600" eaLnBrk="0" fontAlgn="base" hangingPunct="0">
-              <a:spcBef>
-                <a:spcPct val="0"/>
-              </a:spcBef>
-              <a:spcAft>
-                <a:spcPct val="0"/>
-              </a:spcAft>
-              <a:defRPr sz="1400">
-                <a:solidFill>
-                  <a:schemeClr val="tx1"/>
-                </a:solidFill>
-                <a:latin typeface="Arial" charset="0"/>
-                <a:cs typeface="+mn-cs"/>
-              </a:defRPr>
-            </a:lvl6pPr>
-            <a:lvl7pPr marL="2971800" indent="-228600" eaLnBrk="0" fontAlgn="base" hangingPunct="0">
-              <a:spcBef>
-                <a:spcPct val="0"/>
-              </a:spcBef>
-              <a:spcAft>
-                <a:spcPct val="0"/>
-              </a:spcAft>
-              <a:defRPr sz="1400">
-                <a:solidFill>
-                  <a:schemeClr val="tx1"/>
-                </a:solidFill>
-                <a:latin typeface="Arial" charset="0"/>
-                <a:cs typeface="+mn-cs"/>
-              </a:defRPr>
-            </a:lvl7pPr>
-            <a:lvl8pPr marL="3429000" indent="-228600" eaLnBrk="0" fontAlgn="base" hangingPunct="0">
-              <a:spcBef>
-                <a:spcPct val="0"/>
-              </a:spcBef>
-              <a:spcAft>
-                <a:spcPct val="0"/>
-              </a:spcAft>
-              <a:defRPr sz="1400">
-                <a:solidFill>
-                  <a:schemeClr val="tx1"/>
-                </a:solidFill>
-                <a:latin typeface="Arial" charset="0"/>
-                <a:cs typeface="+mn-cs"/>
-              </a:defRPr>
-            </a:lvl8pPr>
-            <a:lvl9pPr marL="3886200" indent="-228600" eaLnBrk="0" fontAlgn="base" hangingPunct="0">
-              <a:spcBef>
-                <a:spcPct val="0"/>
-              </a:spcBef>
-              <a:spcAft>
-                <a:spcPct val="0"/>
-              </a:spcAft>
-              <a:defRPr sz="1400">
-                <a:solidFill>
-                  <a:schemeClr val="tx1"/>
-                </a:solidFill>
-                <a:latin typeface="Arial" charset="0"/>
-                <a:cs typeface="+mn-cs"/>
-              </a:defRPr>
-            </a:lvl9pPr>
-          </a:lstStyle>
-          <a:p>
-            <a:r>
-              <a:rPr lang="en-US" sz="1600" b="1" dirty="0"/>
-              <a:t>from sklearn.ensemble import RandomForestClassifier</a:t>
-            </a:r>
-          </a:p>
-          <a:p>
-            <a:r>
-              <a:rPr lang="en-US" sz="1600" b="1" dirty="0"/>
-              <a:t>modelRF = RandomForestClassifier(n_estimators=10)</a:t>
-            </a:r>
-          </a:p>
-          <a:p>
-            <a:r>
-              <a:rPr lang="en-US" sz="1600" b="1" dirty="0"/>
-              <a:t>modelRF.fit(trainX, trainY)</a:t>
-            </a:r>
-            <a:endParaRPr lang="en-US" sz="1600" dirty="0"/>
-          </a:p>
-        </p:txBody>
-      </p:sp>
-      <p:sp>
-        <p:nvSpPr>
-          <p:cNvPr id="5" name="TextBox 4">
-            <a:extLst>
-              <a:ext uri="{FF2B5EF4-FFF2-40B4-BE49-F238E27FC236}">
-                <a16:creationId xmlns:a16="http://schemas.microsoft.com/office/drawing/2014/main" id="{B25BD5BC-E8B9-4540-A404-A5C6B4AFC25D}"/>
-              </a:ext>
-            </a:extLst>
-          </p:cNvPr>
-          <p:cNvSpPr txBox="1"/>
-          <p:nvPr/>
-        </p:nvSpPr>
-        <p:spPr>
-          <a:xfrm>
-            <a:off x="908477" y="3445325"/>
-            <a:ext cx="7327046" cy="2554545"/>
-          </a:xfrm>
-          <a:prstGeom prst="rect">
-            <a:avLst/>
-          </a:prstGeom>
-          <a:noFill/>
-          <a:ln w="28575" algn="ctr">
-            <a:solidFill>
-              <a:schemeClr val="accent2">
-                <a:lumMod val="20000"/>
-                <a:lumOff val="80000"/>
-              </a:schemeClr>
-            </a:solidFill>
-            <a:miter lim="800000"/>
-            <a:headEnd/>
-            <a:tailEnd/>
-          </a:ln>
-          <a:effectLst/>
-        </p:spPr>
-        <p:txBody>
-          <a:bodyPr wrap="square">
-            <a:spAutoFit/>
-          </a:bodyPr>
-          <a:lstStyle>
-            <a:defPPr>
-              <a:defRPr lang="en-US"/>
-            </a:defPPr>
-            <a:lvl1pPr marL="0" defTabSz="914400" eaLnBrk="1" latinLnBrk="0" hangingPunct="1">
-              <a:defRPr sz="1400">
-                <a:solidFill>
-                  <a:schemeClr val="tx1"/>
-                </a:solidFill>
-                <a:latin typeface="Courier New" pitchFamily="49" charset="0"/>
-                <a:cs typeface="+mn-cs"/>
-              </a:defRPr>
-            </a:lvl1pPr>
-            <a:lvl2pPr marL="742950" indent="-285750" defTabSz="914400" latinLnBrk="0">
-              <a:defRPr sz="1400">
-                <a:solidFill>
-                  <a:schemeClr val="tx1"/>
-                </a:solidFill>
-                <a:latin typeface="Arial" charset="0"/>
-                <a:cs typeface="+mn-cs"/>
-              </a:defRPr>
-            </a:lvl2pPr>
-            <a:lvl3pPr marL="1143000" indent="-228600" defTabSz="914400" latinLnBrk="0">
-              <a:defRPr sz="1400">
-                <a:solidFill>
-                  <a:schemeClr val="tx1"/>
-                </a:solidFill>
-                <a:latin typeface="Arial" charset="0"/>
-                <a:cs typeface="+mn-cs"/>
-              </a:defRPr>
-            </a:lvl3pPr>
-            <a:lvl4pPr marL="1600200" indent="-228600" defTabSz="914400" latinLnBrk="0">
-              <a:defRPr sz="1400">
-                <a:solidFill>
-                  <a:schemeClr val="tx1"/>
-                </a:solidFill>
-                <a:latin typeface="Arial" charset="0"/>
-                <a:cs typeface="+mn-cs"/>
-              </a:defRPr>
-            </a:lvl4pPr>
-            <a:lvl5pPr marL="2057400" indent="-228600" defTabSz="914400" latinLnBrk="0">
-              <a:defRPr sz="1400">
-                <a:solidFill>
-                  <a:schemeClr val="tx1"/>
-                </a:solidFill>
-                <a:latin typeface="Arial" charset="0"/>
-                <a:cs typeface="+mn-cs"/>
-              </a:defRPr>
-            </a:lvl5pPr>
-            <a:lvl6pPr marL="2514600" indent="-228600" eaLnBrk="0" fontAlgn="base" hangingPunct="0">
-              <a:spcBef>
-                <a:spcPct val="0"/>
-              </a:spcBef>
-              <a:spcAft>
-                <a:spcPct val="0"/>
-              </a:spcAft>
-              <a:defRPr sz="1400">
-                <a:solidFill>
-                  <a:schemeClr val="tx1"/>
-                </a:solidFill>
-                <a:latin typeface="Arial" charset="0"/>
-                <a:cs typeface="+mn-cs"/>
-              </a:defRPr>
-            </a:lvl6pPr>
-            <a:lvl7pPr marL="2971800" indent="-228600" eaLnBrk="0" fontAlgn="base" hangingPunct="0">
-              <a:spcBef>
-                <a:spcPct val="0"/>
-              </a:spcBef>
-              <a:spcAft>
-                <a:spcPct val="0"/>
-              </a:spcAft>
-              <a:defRPr sz="1400">
-                <a:solidFill>
-                  <a:schemeClr val="tx1"/>
-                </a:solidFill>
-                <a:latin typeface="Arial" charset="0"/>
-                <a:cs typeface="+mn-cs"/>
-              </a:defRPr>
-            </a:lvl7pPr>
-            <a:lvl8pPr marL="3429000" indent="-228600" eaLnBrk="0" fontAlgn="base" hangingPunct="0">
-              <a:spcBef>
-                <a:spcPct val="0"/>
-              </a:spcBef>
-              <a:spcAft>
-                <a:spcPct val="0"/>
-              </a:spcAft>
-              <a:defRPr sz="1400">
-                <a:solidFill>
-                  <a:schemeClr val="tx1"/>
-                </a:solidFill>
-                <a:latin typeface="Arial" charset="0"/>
-                <a:cs typeface="+mn-cs"/>
-              </a:defRPr>
-            </a:lvl8pPr>
-            <a:lvl9pPr marL="3886200" indent="-228600" eaLnBrk="0" fontAlgn="base" hangingPunct="0">
-              <a:spcBef>
-                <a:spcPct val="0"/>
-              </a:spcBef>
-              <a:spcAft>
-                <a:spcPct val="0"/>
-              </a:spcAft>
-              <a:defRPr sz="1400">
-                <a:solidFill>
-                  <a:schemeClr val="tx1"/>
-                </a:solidFill>
-                <a:latin typeface="Arial" charset="0"/>
-                <a:cs typeface="+mn-cs"/>
-              </a:defRPr>
-            </a:lvl9pPr>
-          </a:lstStyle>
-          <a:p>
-            <a:r>
-              <a:rPr lang="en-US" sz="1600" b="1" dirty="0"/>
-              <a:t>predY = modelRF.predict(testX)</a:t>
-            </a:r>
-          </a:p>
-          <a:p>
-            <a:r>
-              <a:rPr lang="en-US" sz="1600" b="1" dirty="0"/>
-              <a:t>from sklearn import metrics</a:t>
-            </a:r>
-          </a:p>
-          <a:p>
-            <a:r>
-              <a:rPr lang="en-US" sz="1600" b="1" dirty="0"/>
-              <a:t>print ("Accuracy:",metrics.accuracy_score(testY, predY))</a:t>
-            </a:r>
-          </a:p>
-          <a:p>
-            <a:r>
-              <a:rPr lang="en-US" sz="1600" b="1" dirty="0"/>
-              <a:t>cm = confusion_matrix(testY, predY)</a:t>
-            </a:r>
-          </a:p>
-          <a:p>
-            <a:r>
-              <a:rPr lang="en-US" sz="1600" b="1" dirty="0"/>
-              <a:t>print (cm)</a:t>
-            </a:r>
-          </a:p>
-          <a:p>
-            <a:endParaRPr lang="en-US" sz="1600" b="1" dirty="0"/>
-          </a:p>
-          <a:p>
-            <a:r>
-              <a:rPr lang="en-US" sz="1600" b="1" dirty="0"/>
-              <a:t>import pandas as pd</a:t>
-            </a:r>
-          </a:p>
-          <a:p>
-            <a:r>
-              <a:rPr lang="en-US" sz="1600" b="1" dirty="0"/>
-              <a:t>feature_imp = pd.Series(modelRF.feature_importances_,\    </a:t>
-            </a:r>
-            <a:br>
-              <a:rPr lang="en-US" sz="1600" b="1" dirty="0"/>
-            </a:br>
-            <a:r>
-              <a:rPr lang="en-US" sz="1600" b="1" dirty="0"/>
-              <a:t>    index=trainX.columns).sort_values(ascending=False)</a:t>
-            </a:r>
-          </a:p>
-          <a:p>
-            <a:r>
-              <a:rPr lang="en-US" sz="1600" b="1" dirty="0"/>
-              <a:t>print (feature_imp)</a:t>
-            </a:r>
-          </a:p>
-        </p:txBody>
-      </p:sp>
-    </p:spTree>
-    <p:extLst>
-      <p:ext uri="{BB962C8B-B14F-4D97-AF65-F5344CB8AC3E}">
-        <p14:creationId xmlns:p14="http://schemas.microsoft.com/office/powerpoint/2010/main" val="3391049089"/>
-      </p:ext>
-    </p:extLst>
-  </p:cSld>
-  <p:clrMapOvr>
-    <a:masterClrMapping/>
-  </p:clrMapOvr>
-</p:sld>
-</file>
-
-<file path=ppt/slides/slide19.xml><?xml version="1.0" encoding="utf-8"?>
 <p:sld xmlns:a="http://schemas.openxmlformats.org/drawingml/2006/main" xmlns:r="http://schemas.openxmlformats.org/officeDocument/2006/relationships" xmlns:p="http://schemas.openxmlformats.org/presentationml/2006/main">
   <p:cSld>
     <p:spTree>
@@ -12388,6 +11984,496 @@
 </p:sld>
 </file>
 
+<file path=ppt/slides/slide18.xml><?xml version="1.0" encoding="utf-8"?>
+<p:sld xmlns:a="http://schemas.openxmlformats.org/drawingml/2006/main" xmlns:r="http://schemas.openxmlformats.org/officeDocument/2006/relationships" xmlns:p="http://schemas.openxmlformats.org/presentationml/2006/main">
+  <p:cSld>
+    <p:spTree>
+      <p:nvGrpSpPr>
+        <p:cNvPr id="1" name=""/>
+        <p:cNvGrpSpPr/>
+        <p:nvPr/>
+      </p:nvGrpSpPr>
+      <p:grpSpPr>
+        <a:xfrm>
+          <a:off x="0" y="0"/>
+          <a:ext cx="0" cy="0"/>
+          <a:chOff x="0" y="0"/>
+          <a:chExt cx="0" cy="0"/>
+        </a:xfrm>
+      </p:grpSpPr>
+      <p:sp>
+        <p:nvSpPr>
+          <p:cNvPr id="3" name="Content Placeholder 2"/>
+          <p:cNvSpPr>
+            <a:spLocks noGrp="1"/>
+          </p:cNvSpPr>
+          <p:nvPr>
+            <p:ph idx="1"/>
+          </p:nvPr>
+        </p:nvSpPr>
+        <p:spPr/>
+        <p:txBody>
+          <a:bodyPr/>
+          <a:lstStyle/>
+          <a:p>
+            <a:r>
+              <a:rPr lang="en-US" dirty="0"/>
+              <a:t>Data needs to be dummy encoded skipping one value as a reference value</a:t>
+            </a:r>
+          </a:p>
+          <a:p>
+            <a:r>
+              <a:rPr lang="en-US" dirty="0"/>
+              <a:t>Pros</a:t>
+            </a:r>
+          </a:p>
+          <a:p>
+            <a:pPr lvl="1"/>
+            <a:r>
+              <a:rPr lang="en-US" dirty="0"/>
+              <a:t>Works better in cases with low signal to noise ratio </a:t>
+            </a:r>
+          </a:p>
+          <a:p>
+            <a:pPr lvl="1"/>
+            <a:r>
+              <a:rPr lang="en-US" dirty="0"/>
+              <a:t>Allows for tweaking of false positives and false negatives</a:t>
+            </a:r>
+          </a:p>
+          <a:p>
+            <a:pPr lvl="1"/>
+            <a:r>
+              <a:rPr lang="en-US" dirty="0"/>
+              <a:t>Transparency lets you see how it made its choices</a:t>
+            </a:r>
+          </a:p>
+          <a:p>
+            <a:r>
+              <a:rPr lang="en-US" dirty="0"/>
+              <a:t>Cons</a:t>
+            </a:r>
+          </a:p>
+          <a:p>
+            <a:pPr lvl="1"/>
+            <a:r>
+              <a:rPr lang="en-US" dirty="0"/>
+              <a:t>Does not perform well with too many features (independent variables) </a:t>
+            </a:r>
+          </a:p>
+          <a:p>
+            <a:pPr lvl="1"/>
+            <a:r>
+              <a:rPr lang="en-US" dirty="0"/>
+              <a:t>Not good with large number of categorical values within a feature because of dummy encoding</a:t>
+            </a:r>
+          </a:p>
+          <a:p>
+            <a:pPr lvl="1"/>
+            <a:endParaRPr lang="en-US" dirty="0"/>
+          </a:p>
+        </p:txBody>
+      </p:sp>
+      <p:sp>
+        <p:nvSpPr>
+          <p:cNvPr id="2" name="Title 1"/>
+          <p:cNvSpPr>
+            <a:spLocks noGrp="1"/>
+          </p:cNvSpPr>
+          <p:nvPr>
+            <p:ph type="title"/>
+          </p:nvPr>
+        </p:nvSpPr>
+        <p:spPr/>
+        <p:txBody>
+          <a:bodyPr/>
+          <a:lstStyle/>
+          <a:p>
+            <a:r>
+              <a:rPr lang="en-US" dirty="0"/>
+              <a:t>Logistic Regression (continued)</a:t>
+            </a:r>
+          </a:p>
+        </p:txBody>
+      </p:sp>
+    </p:spTree>
+    <p:extLst>
+      <p:ext uri="{BB962C8B-B14F-4D97-AF65-F5344CB8AC3E}">
+        <p14:creationId xmlns:p14="http://schemas.microsoft.com/office/powerpoint/2010/main" val="1191356531"/>
+      </p:ext>
+    </p:extLst>
+  </p:cSld>
+  <p:clrMapOvr>
+    <a:masterClrMapping/>
+  </p:clrMapOvr>
+</p:sld>
+</file>
+
+<file path=ppt/slides/slide19.xml><?xml version="1.0" encoding="utf-8"?>
+<p:sld xmlns:a="http://schemas.openxmlformats.org/drawingml/2006/main" xmlns:r="http://schemas.openxmlformats.org/officeDocument/2006/relationships" xmlns:p="http://schemas.openxmlformats.org/presentationml/2006/main">
+  <p:cSld>
+    <p:spTree>
+      <p:nvGrpSpPr>
+        <p:cNvPr id="1" name=""/>
+        <p:cNvGrpSpPr/>
+        <p:nvPr/>
+      </p:nvGrpSpPr>
+      <p:grpSpPr>
+        <a:xfrm>
+          <a:off x="0" y="0"/>
+          <a:ext cx="0" cy="0"/>
+          <a:chOff x="0" y="0"/>
+          <a:chExt cx="0" cy="0"/>
+        </a:xfrm>
+      </p:grpSpPr>
+      <p:sp>
+        <p:nvSpPr>
+          <p:cNvPr id="3" name="Content Placeholder 2"/>
+          <p:cNvSpPr>
+            <a:spLocks noGrp="1"/>
+          </p:cNvSpPr>
+          <p:nvPr>
+            <p:ph idx="1"/>
+          </p:nvPr>
+        </p:nvSpPr>
+        <p:spPr/>
+        <p:txBody>
+          <a:bodyPr/>
+          <a:lstStyle/>
+          <a:p>
+            <a:r>
+              <a:rPr lang="en-US" dirty="0"/>
+              <a:t>Need to dummy encode categorical features</a:t>
+            </a:r>
+          </a:p>
+          <a:p>
+            <a:pPr lvl="1"/>
+            <a:r>
+              <a:rPr lang="en-US" dirty="0"/>
+              <a:t>Use this helper function to make that easier</a:t>
+            </a:r>
+          </a:p>
+          <a:p>
+            <a:endParaRPr lang="en-US" dirty="0"/>
+          </a:p>
+          <a:p>
+            <a:endParaRPr lang="en-US" dirty="0"/>
+          </a:p>
+          <a:p>
+            <a:endParaRPr lang="en-US" dirty="0"/>
+          </a:p>
+          <a:p>
+            <a:endParaRPr lang="en-US" dirty="0"/>
+          </a:p>
+          <a:p>
+            <a:endParaRPr lang="en-US" dirty="0"/>
+          </a:p>
+          <a:p>
+            <a:endParaRPr lang="en-US" dirty="0"/>
+          </a:p>
+          <a:p>
+            <a:endParaRPr lang="en-US" dirty="0"/>
+          </a:p>
+          <a:p>
+            <a:endParaRPr lang="en-US" dirty="0"/>
+          </a:p>
+          <a:p>
+            <a:endParaRPr lang="en-US" dirty="0"/>
+          </a:p>
+          <a:p>
+            <a:endParaRPr lang="en-US" dirty="0"/>
+          </a:p>
+          <a:p>
+            <a:pPr marL="0" indent="0">
+              <a:buNone/>
+            </a:pPr>
+            <a:endParaRPr lang="en-US" dirty="0"/>
+          </a:p>
+          <a:p>
+            <a:pPr lvl="1"/>
+            <a:endParaRPr lang="en-US" dirty="0"/>
+          </a:p>
+        </p:txBody>
+      </p:sp>
+      <p:sp>
+        <p:nvSpPr>
+          <p:cNvPr id="2" name="Title 1"/>
+          <p:cNvSpPr>
+            <a:spLocks noGrp="1"/>
+          </p:cNvSpPr>
+          <p:nvPr>
+            <p:ph type="title"/>
+          </p:nvPr>
+        </p:nvSpPr>
+        <p:spPr/>
+        <p:txBody>
+          <a:bodyPr/>
+          <a:lstStyle/>
+          <a:p>
+            <a:r>
+              <a:rPr lang="en-US" dirty="0"/>
+              <a:t>Apply Logistic Regression</a:t>
+            </a:r>
+          </a:p>
+        </p:txBody>
+      </p:sp>
+      <p:sp>
+        <p:nvSpPr>
+          <p:cNvPr id="4" name="TextBox 3">
+            <a:extLst>
+              <a:ext uri="{FF2B5EF4-FFF2-40B4-BE49-F238E27FC236}">
+                <a16:creationId xmlns:a16="http://schemas.microsoft.com/office/drawing/2014/main" id="{B25BD5BC-E8B9-4540-A404-A5C6B4AFC25D}"/>
+              </a:ext>
+            </a:extLst>
+          </p:cNvPr>
+          <p:cNvSpPr txBox="1"/>
+          <p:nvPr/>
+        </p:nvSpPr>
+        <p:spPr>
+          <a:xfrm>
+            <a:off x="542528" y="1833530"/>
+            <a:ext cx="8058944" cy="4524315"/>
+          </a:xfrm>
+          <a:prstGeom prst="rect">
+            <a:avLst/>
+          </a:prstGeom>
+          <a:noFill/>
+          <a:ln w="28575" algn="ctr">
+            <a:solidFill>
+              <a:schemeClr val="accent2">
+                <a:lumMod val="20000"/>
+                <a:lumOff val="80000"/>
+              </a:schemeClr>
+            </a:solidFill>
+            <a:miter lim="800000"/>
+            <a:headEnd/>
+            <a:tailEnd/>
+          </a:ln>
+          <a:effectLst/>
+        </p:spPr>
+        <p:txBody>
+          <a:bodyPr wrap="square">
+            <a:spAutoFit/>
+          </a:bodyPr>
+          <a:lstStyle>
+            <a:defPPr>
+              <a:defRPr lang="en-US"/>
+            </a:defPPr>
+            <a:lvl1pPr marL="0" defTabSz="914400" eaLnBrk="1" latinLnBrk="0" hangingPunct="1">
+              <a:defRPr sz="1400">
+                <a:solidFill>
+                  <a:schemeClr val="tx1"/>
+                </a:solidFill>
+                <a:latin typeface="Courier New" pitchFamily="49" charset="0"/>
+                <a:cs typeface="+mn-cs"/>
+              </a:defRPr>
+            </a:lvl1pPr>
+            <a:lvl2pPr marL="742950" indent="-285750" defTabSz="914400" latinLnBrk="0">
+              <a:defRPr sz="1400">
+                <a:solidFill>
+                  <a:schemeClr val="tx1"/>
+                </a:solidFill>
+                <a:latin typeface="Arial" charset="0"/>
+                <a:cs typeface="+mn-cs"/>
+              </a:defRPr>
+            </a:lvl2pPr>
+            <a:lvl3pPr marL="1143000" indent="-228600" defTabSz="914400" latinLnBrk="0">
+              <a:defRPr sz="1400">
+                <a:solidFill>
+                  <a:schemeClr val="tx1"/>
+                </a:solidFill>
+                <a:latin typeface="Arial" charset="0"/>
+                <a:cs typeface="+mn-cs"/>
+              </a:defRPr>
+            </a:lvl3pPr>
+            <a:lvl4pPr marL="1600200" indent="-228600" defTabSz="914400" latinLnBrk="0">
+              <a:defRPr sz="1400">
+                <a:solidFill>
+                  <a:schemeClr val="tx1"/>
+                </a:solidFill>
+                <a:latin typeface="Arial" charset="0"/>
+                <a:cs typeface="+mn-cs"/>
+              </a:defRPr>
+            </a:lvl4pPr>
+            <a:lvl5pPr marL="2057400" indent="-228600" defTabSz="914400" latinLnBrk="0">
+              <a:defRPr sz="1400">
+                <a:solidFill>
+                  <a:schemeClr val="tx1"/>
+                </a:solidFill>
+                <a:latin typeface="Arial" charset="0"/>
+                <a:cs typeface="+mn-cs"/>
+              </a:defRPr>
+            </a:lvl5pPr>
+            <a:lvl6pPr marL="2514600" indent="-228600" eaLnBrk="0" fontAlgn="base" hangingPunct="0">
+              <a:spcBef>
+                <a:spcPct val="0"/>
+              </a:spcBef>
+              <a:spcAft>
+                <a:spcPct val="0"/>
+              </a:spcAft>
+              <a:defRPr sz="1400">
+                <a:solidFill>
+                  <a:schemeClr val="tx1"/>
+                </a:solidFill>
+                <a:latin typeface="Arial" charset="0"/>
+                <a:cs typeface="+mn-cs"/>
+              </a:defRPr>
+            </a:lvl6pPr>
+            <a:lvl7pPr marL="2971800" indent="-228600" eaLnBrk="0" fontAlgn="base" hangingPunct="0">
+              <a:spcBef>
+                <a:spcPct val="0"/>
+              </a:spcBef>
+              <a:spcAft>
+                <a:spcPct val="0"/>
+              </a:spcAft>
+              <a:defRPr sz="1400">
+                <a:solidFill>
+                  <a:schemeClr val="tx1"/>
+                </a:solidFill>
+                <a:latin typeface="Arial" charset="0"/>
+                <a:cs typeface="+mn-cs"/>
+              </a:defRPr>
+            </a:lvl7pPr>
+            <a:lvl8pPr marL="3429000" indent="-228600" eaLnBrk="0" fontAlgn="base" hangingPunct="0">
+              <a:spcBef>
+                <a:spcPct val="0"/>
+              </a:spcBef>
+              <a:spcAft>
+                <a:spcPct val="0"/>
+              </a:spcAft>
+              <a:defRPr sz="1400">
+                <a:solidFill>
+                  <a:schemeClr val="tx1"/>
+                </a:solidFill>
+                <a:latin typeface="Arial" charset="0"/>
+                <a:cs typeface="+mn-cs"/>
+              </a:defRPr>
+            </a:lvl8pPr>
+            <a:lvl9pPr marL="3886200" indent="-228600" eaLnBrk="0" fontAlgn="base" hangingPunct="0">
+              <a:spcBef>
+                <a:spcPct val="0"/>
+              </a:spcBef>
+              <a:spcAft>
+                <a:spcPct val="0"/>
+              </a:spcAft>
+              <a:defRPr sz="1400">
+                <a:solidFill>
+                  <a:schemeClr val="tx1"/>
+                </a:solidFill>
+                <a:latin typeface="Arial" charset="0"/>
+                <a:cs typeface="+mn-cs"/>
+              </a:defRPr>
+            </a:lvl9pPr>
+          </a:lstStyle>
+          <a:p>
+            <a:r>
+              <a:rPr lang="en-US" sz="1600" b="1" dirty="0"/>
+              <a:t>from sklearn.model_selection </a:t>
+            </a:r>
+          </a:p>
+          <a:p>
+            <a:r>
+              <a:rPr lang="en-US" sz="1600" b="1" dirty="0"/>
+              <a:t>import train_test_splitfrom sklearn </a:t>
+            </a:r>
+          </a:p>
+          <a:p>
+            <a:r>
+              <a:rPr lang="en-US" sz="1600" b="1" dirty="0"/>
+              <a:t>import preprocessing as pp</a:t>
+            </a:r>
+          </a:p>
+          <a:p>
+            <a:r>
+              <a:rPr lang="en-US" sz="1600" b="1" dirty="0"/>
+              <a:t>def dummy_code(data, columns, drop_first = True):    </a:t>
+            </a:r>
+          </a:p>
+          <a:p>
+            <a:r>
+              <a:rPr lang="en-US" sz="1600" b="1" dirty="0"/>
+              <a:t>   for c in columns:        </a:t>
+            </a:r>
+          </a:p>
+          <a:p>
+            <a:r>
+              <a:rPr lang="en-US" sz="1600" b="1" dirty="0"/>
+              <a:t>      dummies = pd.get_dummies(data[c], prefix = c, \</a:t>
+            </a:r>
+          </a:p>
+          <a:p>
+            <a:r>
+              <a:rPr lang="en-US" sz="1600" b="1" dirty="0"/>
+              <a:t>      drop_first = drop_first)        </a:t>
+            </a:r>
+          </a:p>
+          <a:p>
+            <a:r>
+              <a:rPr lang="en-US" sz="1600" b="1" dirty="0"/>
+              <a:t>      i = list(data.columns).index(c)        </a:t>
+            </a:r>
+          </a:p>
+          <a:p>
+            <a:r>
+              <a:rPr lang="en-US" sz="1600" b="1" dirty="0"/>
+              <a:t>      data = pd.concat([data.iloc[:,:i], dummies, \</a:t>
+            </a:r>
+          </a:p>
+          <a:p>
+            <a:r>
+              <a:rPr lang="en-US" sz="1600" b="1" dirty="0"/>
+              <a:t>             data.iloc[:,i+1:]], axis = 1)    </a:t>
+            </a:r>
+          </a:p>
+          <a:p>
+            <a:r>
+              <a:rPr lang="en-US" sz="1600" b="1" dirty="0"/>
+              <a:t>return data</a:t>
+            </a:r>
+          </a:p>
+          <a:p>
+            <a:endParaRPr lang="en-US" sz="1600" b="1" dirty="0"/>
+          </a:p>
+          <a:p>
+            <a:r>
+              <a:rPr lang="en-US" sz="1600" b="1" dirty="0"/>
+              <a:t>df2 = dummy_code(df, ['type'], drop_first = True)</a:t>
+            </a:r>
+          </a:p>
+          <a:p>
+            <a:r>
+              <a:rPr lang="en-US" sz="1600" b="1" dirty="0"/>
+              <a:t>trainX, testX, trainY, testY = train_test_split(df2.iloc[:, df2.columns != 'isFraud'], df2.isFraud, train_size = train_size, test_size = test_size)</a:t>
+            </a:r>
+          </a:p>
+          <a:p>
+            <a:r>
+              <a:rPr lang="en-US" sz="1600" b="1" dirty="0"/>
+              <a:t>print (testX.columns)</a:t>
+            </a:r>
+          </a:p>
+          <a:p>
+            <a:r>
+              <a:rPr lang="en-US" sz="1600" b="1" dirty="0"/>
+              <a:t>print (testX.head())</a:t>
+            </a:r>
+            <a:endParaRPr lang="en-US" sz="1600" dirty="0"/>
+          </a:p>
+        </p:txBody>
+      </p:sp>
+    </p:spTree>
+    <p:extLst>
+      <p:ext uri="{BB962C8B-B14F-4D97-AF65-F5344CB8AC3E}">
+        <p14:creationId xmlns:p14="http://schemas.microsoft.com/office/powerpoint/2010/main" val="155356865"/>
+      </p:ext>
+    </p:extLst>
+  </p:cSld>
+  <p:clrMapOvr>
+    <a:masterClrMapping/>
+  </p:clrMapOvr>
+</p:sld>
+</file>
+
 <file path=ppt/slides/slide2.xml><?xml version="1.0" encoding="utf-8"?>
 <p:sld xmlns:a="http://schemas.openxmlformats.org/drawingml/2006/main" xmlns:r="http://schemas.openxmlformats.org/officeDocument/2006/relationships" xmlns:p="http://schemas.openxmlformats.org/presentationml/2006/main">
   <p:cSld>
@@ -12554,496 +12640,6 @@
           <a:p>
             <a:r>
               <a:rPr lang="en-US" dirty="0"/>
-              <a:t>Data needs to be dummy encoded skipping one value as a reference value</a:t>
-            </a:r>
-          </a:p>
-          <a:p>
-            <a:r>
-              <a:rPr lang="en-US" dirty="0"/>
-              <a:t>Pros</a:t>
-            </a:r>
-          </a:p>
-          <a:p>
-            <a:pPr lvl="1"/>
-            <a:r>
-              <a:rPr lang="en-US" dirty="0"/>
-              <a:t>Works better in cases with low signal to noise ratio </a:t>
-            </a:r>
-          </a:p>
-          <a:p>
-            <a:pPr lvl="1"/>
-            <a:r>
-              <a:rPr lang="en-US" dirty="0"/>
-              <a:t>Allows for tweaking of false positives and false negatives</a:t>
-            </a:r>
-          </a:p>
-          <a:p>
-            <a:pPr lvl="1"/>
-            <a:r>
-              <a:rPr lang="en-US" dirty="0"/>
-              <a:t>Transparency lets you see how it made its choices</a:t>
-            </a:r>
-          </a:p>
-          <a:p>
-            <a:r>
-              <a:rPr lang="en-US" dirty="0"/>
-              <a:t>Cons</a:t>
-            </a:r>
-          </a:p>
-          <a:p>
-            <a:pPr lvl="1"/>
-            <a:r>
-              <a:rPr lang="en-US" dirty="0"/>
-              <a:t>Does not perform well with too many features (independent variables) </a:t>
-            </a:r>
-          </a:p>
-          <a:p>
-            <a:pPr lvl="1"/>
-            <a:r>
-              <a:rPr lang="en-US" dirty="0"/>
-              <a:t>Not good with large number of categorical values within a feature because of dummy encoding</a:t>
-            </a:r>
-          </a:p>
-          <a:p>
-            <a:pPr lvl="1"/>
-            <a:endParaRPr lang="en-US" dirty="0"/>
-          </a:p>
-        </p:txBody>
-      </p:sp>
-      <p:sp>
-        <p:nvSpPr>
-          <p:cNvPr id="2" name="Title 1"/>
-          <p:cNvSpPr>
-            <a:spLocks noGrp="1"/>
-          </p:cNvSpPr>
-          <p:nvPr>
-            <p:ph type="title"/>
-          </p:nvPr>
-        </p:nvSpPr>
-        <p:spPr/>
-        <p:txBody>
-          <a:bodyPr/>
-          <a:lstStyle/>
-          <a:p>
-            <a:r>
-              <a:rPr lang="en-US" dirty="0"/>
-              <a:t>Logistic Regression (continued)</a:t>
-            </a:r>
-          </a:p>
-        </p:txBody>
-      </p:sp>
-    </p:spTree>
-    <p:extLst>
-      <p:ext uri="{BB962C8B-B14F-4D97-AF65-F5344CB8AC3E}">
-        <p14:creationId xmlns:p14="http://schemas.microsoft.com/office/powerpoint/2010/main" val="1191356531"/>
-      </p:ext>
-    </p:extLst>
-  </p:cSld>
-  <p:clrMapOvr>
-    <a:masterClrMapping/>
-  </p:clrMapOvr>
-</p:sld>
-</file>
-
-<file path=ppt/slides/slide21.xml><?xml version="1.0" encoding="utf-8"?>
-<p:sld xmlns:a="http://schemas.openxmlformats.org/drawingml/2006/main" xmlns:r="http://schemas.openxmlformats.org/officeDocument/2006/relationships" xmlns:p="http://schemas.openxmlformats.org/presentationml/2006/main">
-  <p:cSld>
-    <p:spTree>
-      <p:nvGrpSpPr>
-        <p:cNvPr id="1" name=""/>
-        <p:cNvGrpSpPr/>
-        <p:nvPr/>
-      </p:nvGrpSpPr>
-      <p:grpSpPr>
-        <a:xfrm>
-          <a:off x="0" y="0"/>
-          <a:ext cx="0" cy="0"/>
-          <a:chOff x="0" y="0"/>
-          <a:chExt cx="0" cy="0"/>
-        </a:xfrm>
-      </p:grpSpPr>
-      <p:sp>
-        <p:nvSpPr>
-          <p:cNvPr id="3" name="Content Placeholder 2"/>
-          <p:cNvSpPr>
-            <a:spLocks noGrp="1"/>
-          </p:cNvSpPr>
-          <p:nvPr>
-            <p:ph idx="1"/>
-          </p:nvPr>
-        </p:nvSpPr>
-        <p:spPr/>
-        <p:txBody>
-          <a:bodyPr/>
-          <a:lstStyle/>
-          <a:p>
-            <a:r>
-              <a:rPr lang="en-US" dirty="0"/>
-              <a:t>Need to dummy encode categorical features</a:t>
-            </a:r>
-          </a:p>
-          <a:p>
-            <a:pPr lvl="1"/>
-            <a:r>
-              <a:rPr lang="en-US" dirty="0"/>
-              <a:t>Use this helper function to make that easier</a:t>
-            </a:r>
-          </a:p>
-          <a:p>
-            <a:endParaRPr lang="en-US" dirty="0"/>
-          </a:p>
-          <a:p>
-            <a:endParaRPr lang="en-US" dirty="0"/>
-          </a:p>
-          <a:p>
-            <a:endParaRPr lang="en-US" dirty="0"/>
-          </a:p>
-          <a:p>
-            <a:endParaRPr lang="en-US" dirty="0"/>
-          </a:p>
-          <a:p>
-            <a:endParaRPr lang="en-US" dirty="0"/>
-          </a:p>
-          <a:p>
-            <a:endParaRPr lang="en-US" dirty="0"/>
-          </a:p>
-          <a:p>
-            <a:endParaRPr lang="en-US" dirty="0"/>
-          </a:p>
-          <a:p>
-            <a:endParaRPr lang="en-US" dirty="0"/>
-          </a:p>
-          <a:p>
-            <a:endParaRPr lang="en-US" dirty="0"/>
-          </a:p>
-          <a:p>
-            <a:endParaRPr lang="en-US" dirty="0"/>
-          </a:p>
-          <a:p>
-            <a:pPr marL="0" indent="0">
-              <a:buNone/>
-            </a:pPr>
-            <a:endParaRPr lang="en-US" dirty="0"/>
-          </a:p>
-          <a:p>
-            <a:pPr lvl="1"/>
-            <a:endParaRPr lang="en-US" dirty="0"/>
-          </a:p>
-        </p:txBody>
-      </p:sp>
-      <p:sp>
-        <p:nvSpPr>
-          <p:cNvPr id="2" name="Title 1"/>
-          <p:cNvSpPr>
-            <a:spLocks noGrp="1"/>
-          </p:cNvSpPr>
-          <p:nvPr>
-            <p:ph type="title"/>
-          </p:nvPr>
-        </p:nvSpPr>
-        <p:spPr/>
-        <p:txBody>
-          <a:bodyPr/>
-          <a:lstStyle/>
-          <a:p>
-            <a:r>
-              <a:rPr lang="en-US" dirty="0"/>
-              <a:t>Apply Logistic Regression</a:t>
-            </a:r>
-          </a:p>
-        </p:txBody>
-      </p:sp>
-      <p:sp>
-        <p:nvSpPr>
-          <p:cNvPr id="4" name="TextBox 3">
-            <a:extLst>
-              <a:ext uri="{FF2B5EF4-FFF2-40B4-BE49-F238E27FC236}">
-                <a16:creationId xmlns:a16="http://schemas.microsoft.com/office/drawing/2014/main" id="{B25BD5BC-E8B9-4540-A404-A5C6B4AFC25D}"/>
-              </a:ext>
-            </a:extLst>
-          </p:cNvPr>
-          <p:cNvSpPr txBox="1"/>
-          <p:nvPr/>
-        </p:nvSpPr>
-        <p:spPr>
-          <a:xfrm>
-            <a:off x="542528" y="1833530"/>
-            <a:ext cx="8058944" cy="4524315"/>
-          </a:xfrm>
-          <a:prstGeom prst="rect">
-            <a:avLst/>
-          </a:prstGeom>
-          <a:noFill/>
-          <a:ln w="28575" algn="ctr">
-            <a:solidFill>
-              <a:schemeClr val="accent2">
-                <a:lumMod val="20000"/>
-                <a:lumOff val="80000"/>
-              </a:schemeClr>
-            </a:solidFill>
-            <a:miter lim="800000"/>
-            <a:headEnd/>
-            <a:tailEnd/>
-          </a:ln>
-          <a:effectLst/>
-        </p:spPr>
-        <p:txBody>
-          <a:bodyPr wrap="square">
-            <a:spAutoFit/>
-          </a:bodyPr>
-          <a:lstStyle>
-            <a:defPPr>
-              <a:defRPr lang="en-US"/>
-            </a:defPPr>
-            <a:lvl1pPr marL="0" defTabSz="914400" eaLnBrk="1" latinLnBrk="0" hangingPunct="1">
-              <a:defRPr sz="1400">
-                <a:solidFill>
-                  <a:schemeClr val="tx1"/>
-                </a:solidFill>
-                <a:latin typeface="Courier New" pitchFamily="49" charset="0"/>
-                <a:cs typeface="+mn-cs"/>
-              </a:defRPr>
-            </a:lvl1pPr>
-            <a:lvl2pPr marL="742950" indent="-285750" defTabSz="914400" latinLnBrk="0">
-              <a:defRPr sz="1400">
-                <a:solidFill>
-                  <a:schemeClr val="tx1"/>
-                </a:solidFill>
-                <a:latin typeface="Arial" charset="0"/>
-                <a:cs typeface="+mn-cs"/>
-              </a:defRPr>
-            </a:lvl2pPr>
-            <a:lvl3pPr marL="1143000" indent="-228600" defTabSz="914400" latinLnBrk="0">
-              <a:defRPr sz="1400">
-                <a:solidFill>
-                  <a:schemeClr val="tx1"/>
-                </a:solidFill>
-                <a:latin typeface="Arial" charset="0"/>
-                <a:cs typeface="+mn-cs"/>
-              </a:defRPr>
-            </a:lvl3pPr>
-            <a:lvl4pPr marL="1600200" indent="-228600" defTabSz="914400" latinLnBrk="0">
-              <a:defRPr sz="1400">
-                <a:solidFill>
-                  <a:schemeClr val="tx1"/>
-                </a:solidFill>
-                <a:latin typeface="Arial" charset="0"/>
-                <a:cs typeface="+mn-cs"/>
-              </a:defRPr>
-            </a:lvl4pPr>
-            <a:lvl5pPr marL="2057400" indent="-228600" defTabSz="914400" latinLnBrk="0">
-              <a:defRPr sz="1400">
-                <a:solidFill>
-                  <a:schemeClr val="tx1"/>
-                </a:solidFill>
-                <a:latin typeface="Arial" charset="0"/>
-                <a:cs typeface="+mn-cs"/>
-              </a:defRPr>
-            </a:lvl5pPr>
-            <a:lvl6pPr marL="2514600" indent="-228600" eaLnBrk="0" fontAlgn="base" hangingPunct="0">
-              <a:spcBef>
-                <a:spcPct val="0"/>
-              </a:spcBef>
-              <a:spcAft>
-                <a:spcPct val="0"/>
-              </a:spcAft>
-              <a:defRPr sz="1400">
-                <a:solidFill>
-                  <a:schemeClr val="tx1"/>
-                </a:solidFill>
-                <a:latin typeface="Arial" charset="0"/>
-                <a:cs typeface="+mn-cs"/>
-              </a:defRPr>
-            </a:lvl6pPr>
-            <a:lvl7pPr marL="2971800" indent="-228600" eaLnBrk="0" fontAlgn="base" hangingPunct="0">
-              <a:spcBef>
-                <a:spcPct val="0"/>
-              </a:spcBef>
-              <a:spcAft>
-                <a:spcPct val="0"/>
-              </a:spcAft>
-              <a:defRPr sz="1400">
-                <a:solidFill>
-                  <a:schemeClr val="tx1"/>
-                </a:solidFill>
-                <a:latin typeface="Arial" charset="0"/>
-                <a:cs typeface="+mn-cs"/>
-              </a:defRPr>
-            </a:lvl7pPr>
-            <a:lvl8pPr marL="3429000" indent="-228600" eaLnBrk="0" fontAlgn="base" hangingPunct="0">
-              <a:spcBef>
-                <a:spcPct val="0"/>
-              </a:spcBef>
-              <a:spcAft>
-                <a:spcPct val="0"/>
-              </a:spcAft>
-              <a:defRPr sz="1400">
-                <a:solidFill>
-                  <a:schemeClr val="tx1"/>
-                </a:solidFill>
-                <a:latin typeface="Arial" charset="0"/>
-                <a:cs typeface="+mn-cs"/>
-              </a:defRPr>
-            </a:lvl8pPr>
-            <a:lvl9pPr marL="3886200" indent="-228600" eaLnBrk="0" fontAlgn="base" hangingPunct="0">
-              <a:spcBef>
-                <a:spcPct val="0"/>
-              </a:spcBef>
-              <a:spcAft>
-                <a:spcPct val="0"/>
-              </a:spcAft>
-              <a:defRPr sz="1400">
-                <a:solidFill>
-                  <a:schemeClr val="tx1"/>
-                </a:solidFill>
-                <a:latin typeface="Arial" charset="0"/>
-                <a:cs typeface="+mn-cs"/>
-              </a:defRPr>
-            </a:lvl9pPr>
-          </a:lstStyle>
-          <a:p>
-            <a:r>
-              <a:rPr lang="en-US" sz="1600" b="1" dirty="0"/>
-              <a:t>from sklearn.model_selection </a:t>
-            </a:r>
-          </a:p>
-          <a:p>
-            <a:r>
-              <a:rPr lang="en-US" sz="1600" b="1" dirty="0"/>
-              <a:t>import train_test_splitfrom sklearn </a:t>
-            </a:r>
-          </a:p>
-          <a:p>
-            <a:r>
-              <a:rPr lang="en-US" sz="1600" b="1" dirty="0"/>
-              <a:t>import preprocessing as pp</a:t>
-            </a:r>
-          </a:p>
-          <a:p>
-            <a:r>
-              <a:rPr lang="en-US" sz="1600" b="1" dirty="0"/>
-              <a:t>def dummy_code(data, columns, drop_first = True):    </a:t>
-            </a:r>
-          </a:p>
-          <a:p>
-            <a:r>
-              <a:rPr lang="en-US" sz="1600" b="1" dirty="0"/>
-              <a:t>   for c in columns:        </a:t>
-            </a:r>
-          </a:p>
-          <a:p>
-            <a:r>
-              <a:rPr lang="en-US" sz="1600" b="1" dirty="0"/>
-              <a:t>      dummies = pd.get_dummies(data[c], prefix = c, \</a:t>
-            </a:r>
-          </a:p>
-          <a:p>
-            <a:r>
-              <a:rPr lang="en-US" sz="1600" b="1" dirty="0"/>
-              <a:t>      drop_first = drop_first)        </a:t>
-            </a:r>
-          </a:p>
-          <a:p>
-            <a:r>
-              <a:rPr lang="en-US" sz="1600" b="1" dirty="0"/>
-              <a:t>      i = list(data.columns).index(c)        </a:t>
-            </a:r>
-          </a:p>
-          <a:p>
-            <a:r>
-              <a:rPr lang="en-US" sz="1600" b="1" dirty="0"/>
-              <a:t>      data = pd.concat([data.iloc[:,:i], dummies, \</a:t>
-            </a:r>
-          </a:p>
-          <a:p>
-            <a:r>
-              <a:rPr lang="en-US" sz="1600" b="1" dirty="0"/>
-              <a:t>             data.iloc[:,i+1:]], axis = 1)    </a:t>
-            </a:r>
-          </a:p>
-          <a:p>
-            <a:r>
-              <a:rPr lang="en-US" sz="1600" b="1" dirty="0"/>
-              <a:t>return data</a:t>
-            </a:r>
-          </a:p>
-          <a:p>
-            <a:endParaRPr lang="en-US" sz="1600" b="1" dirty="0"/>
-          </a:p>
-          <a:p>
-            <a:r>
-              <a:rPr lang="en-US" sz="1600" b="1" dirty="0"/>
-              <a:t>df2 = dummy_code(df, ['type'], drop_first = True)</a:t>
-            </a:r>
-          </a:p>
-          <a:p>
-            <a:r>
-              <a:rPr lang="en-US" sz="1600" b="1" dirty="0"/>
-              <a:t>trainX, testX, trainY, testY = train_test_split(df2.iloc[:, df2.columns != 'isFraud'], df2.isFraud, train_size = train_size, test_size = test_size)</a:t>
-            </a:r>
-          </a:p>
-          <a:p>
-            <a:r>
-              <a:rPr lang="en-US" sz="1600" b="1" dirty="0"/>
-              <a:t>print (testX.columns)</a:t>
-            </a:r>
-          </a:p>
-          <a:p>
-            <a:r>
-              <a:rPr lang="en-US" sz="1600" b="1" dirty="0"/>
-              <a:t>print (testX.head())</a:t>
-            </a:r>
-            <a:endParaRPr lang="en-US" sz="1600" dirty="0"/>
-          </a:p>
-        </p:txBody>
-      </p:sp>
-    </p:spTree>
-    <p:extLst>
-      <p:ext uri="{BB962C8B-B14F-4D97-AF65-F5344CB8AC3E}">
-        <p14:creationId xmlns:p14="http://schemas.microsoft.com/office/powerpoint/2010/main" val="155356865"/>
-      </p:ext>
-    </p:extLst>
-  </p:cSld>
-  <p:clrMapOvr>
-    <a:masterClrMapping/>
-  </p:clrMapOvr>
-</p:sld>
-</file>
-
-<file path=ppt/slides/slide22.xml><?xml version="1.0" encoding="utf-8"?>
-<p:sld xmlns:a="http://schemas.openxmlformats.org/drawingml/2006/main" xmlns:r="http://schemas.openxmlformats.org/officeDocument/2006/relationships" xmlns:p="http://schemas.openxmlformats.org/presentationml/2006/main">
-  <p:cSld>
-    <p:spTree>
-      <p:nvGrpSpPr>
-        <p:cNvPr id="1" name=""/>
-        <p:cNvGrpSpPr/>
-        <p:nvPr/>
-      </p:nvGrpSpPr>
-      <p:grpSpPr>
-        <a:xfrm>
-          <a:off x="0" y="0"/>
-          <a:ext cx="0" cy="0"/>
-          <a:chOff x="0" y="0"/>
-          <a:chExt cx="0" cy="0"/>
-        </a:xfrm>
-      </p:grpSpPr>
-      <p:sp>
-        <p:nvSpPr>
-          <p:cNvPr id="3" name="Content Placeholder 2"/>
-          <p:cNvSpPr>
-            <a:spLocks noGrp="1"/>
-          </p:cNvSpPr>
-          <p:nvPr>
-            <p:ph idx="1"/>
-          </p:nvPr>
-        </p:nvSpPr>
-        <p:spPr/>
-        <p:txBody>
-          <a:bodyPr/>
-          <a:lstStyle/>
-          <a:p>
-            <a:r>
-              <a:rPr lang="en-US" dirty="0"/>
               <a:t>Create and train the logistic model</a:t>
             </a:r>
           </a:p>
@@ -13355,7 +12951,7 @@
 </p:sld>
 </file>
 
-<file path=ppt/slides/slide23.xml><?xml version="1.0" encoding="utf-8"?>
+<file path=ppt/slides/slide21.xml><?xml version="1.0" encoding="utf-8"?>
 <p:sld xmlns:a="http://schemas.openxmlformats.org/drawingml/2006/main" xmlns:r="http://schemas.openxmlformats.org/officeDocument/2006/relationships" xmlns:p="http://schemas.openxmlformats.org/presentationml/2006/main">
   <p:cSld>
     <p:spTree>
@@ -13730,7 +13326,7 @@
 </p:sld>
 </file>
 
-<file path=ppt/slides/slide24.xml><?xml version="1.0" encoding="utf-8"?>
+<file path=ppt/slides/slide22.xml><?xml version="1.0" encoding="utf-8"?>
 <p:sld xmlns:a="http://schemas.openxmlformats.org/drawingml/2006/main" xmlns:r="http://schemas.openxmlformats.org/officeDocument/2006/relationships" xmlns:p="http://schemas.openxmlformats.org/presentationml/2006/main">
   <p:cSld>
     <p:spTree>
@@ -13806,19 +13402,19 @@
           <a:p>
             <a:r>
               <a:rPr lang="en-US" dirty="0"/>
-              <a:t>Another way to look at how good a model is at making predictions is the Receiver Operating Characteristic curve and the AUC (Area Under Curve)</a:t>
+              <a:t>Shows the tradeoff between accuracy and sensitivity in adjusting the False Positives</a:t>
             </a:r>
           </a:p>
           <a:p>
             <a:r>
               <a:rPr lang="en-US" dirty="0"/>
-              <a:t>Plots the True Positive Rate (TPR) vs the False Positive Rate (FPR)</a:t>
+              <a:t>The closer the curve is to the left or top border the more accurate it is</a:t>
             </a:r>
           </a:p>
           <a:p>
             <a:r>
               <a:rPr lang="en-US" dirty="0"/>
-              <a:t>A good model gives a value close to 1</a:t>
+              <a:t>The closer to the 45 degree line, the less accurate it is</a:t>
             </a:r>
           </a:p>
         </p:txBody>
@@ -14481,6 +14077,41 @@
           </a:p>
         </p:txBody>
       </p:sp>
+      <p:cxnSp>
+        <p:nvCxnSpPr>
+          <p:cNvPr id="5" name="Straight Connector 4">
+            <a:extLst>
+              <a:ext uri="{FF2B5EF4-FFF2-40B4-BE49-F238E27FC236}">
+                <a16:creationId xmlns:a16="http://schemas.microsoft.com/office/drawing/2014/main" id="{113FC970-F086-1842-ACFD-E755B87D2D51}"/>
+              </a:ext>
+            </a:extLst>
+          </p:cNvPr>
+          <p:cNvCxnSpPr/>
+          <p:nvPr/>
+        </p:nvCxnSpPr>
+        <p:spPr bwMode="auto">
+          <a:xfrm flipV="1">
+            <a:off x="581025" y="2834640"/>
+            <a:ext cx="4865034" cy="3108960"/>
+          </a:xfrm>
+          <a:prstGeom prst="line">
+            <a:avLst/>
+          </a:prstGeom>
+          <a:solidFill>
+            <a:srgbClr val="00B8FF"/>
+          </a:solidFill>
+          <a:ln w="9525" cap="flat" cmpd="sng" algn="ctr">
+            <a:solidFill>
+              <a:schemeClr val="tx1"/>
+            </a:solidFill>
+            <a:prstDash val="solid"/>
+            <a:round/>
+            <a:headEnd type="none" w="med" len="med"/>
+            <a:tailEnd type="none" w="med" len="med"/>
+          </a:ln>
+          <a:effectLst/>
+        </p:spPr>
+      </p:cxnSp>
     </p:spTree>
     <p:extLst>
       <p:ext uri="{BB962C8B-B14F-4D97-AF65-F5344CB8AC3E}">
@@ -14494,7 +14125,7 @@
 </p:sld>
 </file>
 
-<file path=ppt/slides/slide25.xml><?xml version="1.0" encoding="utf-8"?>
+<file path=ppt/slides/slide23.xml><?xml version="1.0" encoding="utf-8"?>
 <p:sld xmlns:a="http://schemas.openxmlformats.org/drawingml/2006/main" xmlns:r="http://schemas.openxmlformats.org/officeDocument/2006/relationships" xmlns:p="http://schemas.openxmlformats.org/presentationml/2006/main">
   <p:cSld>
     <p:spTree>
@@ -14946,7 +14577,7 @@
 </p:sld>
 </file>
 
-<file path=ppt/slides/slide26.xml><?xml version="1.0" encoding="utf-8"?>
+<file path=ppt/slides/slide24.xml><?xml version="1.0" encoding="utf-8"?>
 <p:sld xmlns:a="http://schemas.openxmlformats.org/drawingml/2006/main" xmlns:r="http://schemas.openxmlformats.org/officeDocument/2006/relationships" xmlns:p="http://schemas.openxmlformats.org/presentationml/2006/main">
   <p:cSld>
     <p:spTree>
@@ -15790,7 +15421,7 @@
 </p:sld>
 </file>
 
-<file path=ppt/slides/slide27.xml><?xml version="1.0" encoding="utf-8"?>
+<file path=ppt/slides/slide25.xml><?xml version="1.0" encoding="utf-8"?>
 <p:sld xmlns:a="http://schemas.openxmlformats.org/drawingml/2006/main" xmlns:r="http://schemas.openxmlformats.org/officeDocument/2006/relationships" xmlns:p="http://schemas.openxmlformats.org/presentationml/2006/main">
   <p:cSld>
     <p:spTree>
@@ -15968,7 +15599,7 @@
 </p:sld>
 </file>
 
-<file path=ppt/slides/slide28.xml><?xml version="1.0" encoding="utf-8"?>
+<file path=ppt/slides/slide26.xml><?xml version="1.0" encoding="utf-8"?>
 <p:sld xmlns:a="http://schemas.openxmlformats.org/drawingml/2006/main" xmlns:r="http://schemas.openxmlformats.org/officeDocument/2006/relationships" xmlns:p="http://schemas.openxmlformats.org/presentationml/2006/main">
   <p:cSld>
     <p:spTree>
@@ -18024,7 +17655,7 @@
 </p:sld>
 </file>
 
-<file path=ppt/slides/slide29.xml><?xml version="1.0" encoding="utf-8"?>
+<file path=ppt/slides/slide27.xml><?xml version="1.0" encoding="utf-8"?>
 <p:sld xmlns:a="http://schemas.openxmlformats.org/drawingml/2006/main" xmlns:r="http://schemas.openxmlformats.org/officeDocument/2006/relationships" xmlns:p="http://schemas.openxmlformats.org/presentationml/2006/main">
   <p:cSld>
     <p:spTree>
@@ -18368,263 +17999,7 @@
 </p:sld>
 </file>
 
-<file path=ppt/slides/slide3.xml><?xml version="1.0" encoding="utf-8"?>
-<p:sld xmlns:a="http://schemas.openxmlformats.org/drawingml/2006/main" xmlns:r="http://schemas.openxmlformats.org/officeDocument/2006/relationships" xmlns:p="http://schemas.openxmlformats.org/presentationml/2006/main">
-  <p:cSld>
-    <p:spTree>
-      <p:nvGrpSpPr>
-        <p:cNvPr id="1" name=""/>
-        <p:cNvGrpSpPr/>
-        <p:nvPr/>
-      </p:nvGrpSpPr>
-      <p:grpSpPr>
-        <a:xfrm>
-          <a:off x="0" y="0"/>
-          <a:ext cx="0" cy="0"/>
-          <a:chOff x="0" y="0"/>
-          <a:chExt cx="0" cy="0"/>
-        </a:xfrm>
-      </p:grpSpPr>
-      <p:sp>
-        <p:nvSpPr>
-          <p:cNvPr id="2" name="Title 1"/>
-          <p:cNvSpPr>
-            <a:spLocks noGrp="1"/>
-          </p:cNvSpPr>
-          <p:nvPr>
-            <p:ph type="title"/>
-          </p:nvPr>
-        </p:nvSpPr>
-        <p:spPr/>
-        <p:txBody>
-          <a:bodyPr/>
-          <a:lstStyle/>
-          <a:p>
-            <a:r>
-              <a:rPr lang="en-US" dirty="0"/>
-              <a:t>Chapter Concepts</a:t>
-            </a:r>
-          </a:p>
-        </p:txBody>
-      </p:sp>
-      <p:graphicFrame>
-        <p:nvGraphicFramePr>
-          <p:cNvPr id="8" name="Table 7">
-            <a:extLst>
-              <a:ext uri="{FF2B5EF4-FFF2-40B4-BE49-F238E27FC236}">
-                <a16:creationId xmlns:a16="http://schemas.microsoft.com/office/drawing/2014/main" id="{F6AE25A8-0110-43FB-ADB2-0BB756303142}"/>
-              </a:ext>
-            </a:extLst>
-          </p:cNvPr>
-          <p:cNvGraphicFramePr>
-            <a:graphicFrameLocks noGrp="1"/>
-          </p:cNvGraphicFramePr>
-          <p:nvPr>
-            <p:extLst>
-              <p:ext uri="{D42A27DB-BD31-4B8C-83A1-F6EECF244321}">
-                <p14:modId xmlns:p14="http://schemas.microsoft.com/office/powerpoint/2010/main" val="996577973"/>
-              </p:ext>
-            </p:extLst>
-          </p:nvPr>
-        </p:nvGraphicFramePr>
-        <p:xfrm>
-          <a:off x="2880360" y="1447543"/>
-          <a:ext cx="3383280" cy="1645920"/>
-        </p:xfrm>
-        <a:graphic>
-          <a:graphicData uri="http://schemas.openxmlformats.org/drawingml/2006/table">
-            <a:tbl>
-              <a:tblPr>
-                <a:tableStyleId>{00A15C55-8517-42AA-B614-E9B94910E393}</a:tableStyleId>
-              </a:tblPr>
-              <a:tblGrid>
-                <a:gridCol w="3383280">
-                  <a:extLst>
-                    <a:ext uri="{9D8B030D-6E8A-4147-A177-3AD203B41FA5}">
-                      <a16:colId xmlns:a16="http://schemas.microsoft.com/office/drawing/2014/main" val="1695728431"/>
-                    </a:ext>
-                  </a:extLst>
-                </a:gridCol>
-              </a:tblGrid>
-              <a:tr h="548640">
-                <a:tc>
-                  <a:txBody>
-                    <a:bodyPr/>
-                    <a:lstStyle/>
-                    <a:p>
-                      <a:pPr>
-                        <a:lnSpc>
-                          <a:spcPct val="100000"/>
-                        </a:lnSpc>
-                        <a:spcAft>
-                          <a:spcPts val="0"/>
-                        </a:spcAft>
-                      </a:pPr>
-                      <a:r>
-                        <a:rPr lang="en-US" sz="2000" b="1" dirty="0">
-                          <a:solidFill>
-                            <a:schemeClr val="tx1"/>
-                          </a:solidFill>
-                        </a:rPr>
-                        <a:t>Classification Model</a:t>
-                      </a:r>
-                    </a:p>
-                  </a:txBody>
-                  <a:tcPr anchor="ctr">
-                    <a:lnB w="12700" cap="flat" cmpd="sng" algn="ctr">
-                      <a:solidFill>
-                        <a:schemeClr val="bg1">
-                          <a:lumMod val="65000"/>
-                        </a:schemeClr>
-                      </a:solidFill>
-                      <a:prstDash val="solid"/>
-                      <a:round/>
-                      <a:headEnd type="none" w="med" len="med"/>
-                      <a:tailEnd type="none" w="med" len="med"/>
-                    </a:lnB>
-                    <a:noFill/>
-                  </a:tcPr>
-                </a:tc>
-                <a:extLst>
-                  <a:ext uri="{0D108BD9-81ED-4DB2-BD59-A6C34878D82A}">
-                    <a16:rowId xmlns:a16="http://schemas.microsoft.com/office/drawing/2014/main" val="2307098774"/>
-                  </a:ext>
-                </a:extLst>
-              </a:tr>
-              <a:tr h="548640">
-                <a:tc>
-                  <a:txBody>
-                    <a:bodyPr/>
-                    <a:lstStyle/>
-                    <a:p>
-                      <a:pPr>
-                        <a:lnSpc>
-                          <a:spcPct val="100000"/>
-                        </a:lnSpc>
-                        <a:spcAft>
-                          <a:spcPts val="0"/>
-                        </a:spcAft>
-                      </a:pPr>
-                      <a:r>
-                        <a:rPr lang="en-US" sz="2000" dirty="0">
-                          <a:solidFill>
-                            <a:schemeClr val="bg1">
-                              <a:lumMod val="65000"/>
-                            </a:schemeClr>
-                          </a:solidFill>
-                        </a:rPr>
-                        <a:t>Algorithms</a:t>
-                      </a:r>
-                    </a:p>
-                  </a:txBody>
-                  <a:tcPr anchor="ctr">
-                    <a:lnT w="12700" cap="flat" cmpd="sng" algn="ctr">
-                      <a:solidFill>
-                        <a:schemeClr val="bg1">
-                          <a:lumMod val="65000"/>
-                        </a:schemeClr>
-                      </a:solidFill>
-                      <a:prstDash val="solid"/>
-                      <a:round/>
-                      <a:headEnd type="none" w="med" len="med"/>
-                      <a:tailEnd type="none" w="med" len="med"/>
-                    </a:lnT>
-                    <a:lnB w="12700" cap="flat" cmpd="sng" algn="ctr">
-                      <a:solidFill>
-                        <a:schemeClr val="bg1">
-                          <a:lumMod val="65000"/>
-                        </a:schemeClr>
-                      </a:solidFill>
-                      <a:prstDash val="solid"/>
-                      <a:round/>
-                      <a:headEnd type="none" w="med" len="med"/>
-                      <a:tailEnd type="none" w="med" len="med"/>
-                    </a:lnB>
-                    <a:noFill/>
-                  </a:tcPr>
-                </a:tc>
-                <a:extLst>
-                  <a:ext uri="{0D108BD9-81ED-4DB2-BD59-A6C34878D82A}">
-                    <a16:rowId xmlns:a16="http://schemas.microsoft.com/office/drawing/2014/main" val="1466711860"/>
-                  </a:ext>
-                </a:extLst>
-              </a:tr>
-              <a:tr h="548640">
-                <a:tc>
-                  <a:txBody>
-                    <a:bodyPr/>
-                    <a:lstStyle/>
-                    <a:p>
-                      <a:pPr>
-                        <a:lnSpc>
-                          <a:spcPct val="100000"/>
-                        </a:lnSpc>
-                        <a:spcAft>
-                          <a:spcPts val="0"/>
-                        </a:spcAft>
-                      </a:pPr>
-                      <a:r>
-                        <a:rPr lang="en-US" sz="2000" dirty="0">
-                          <a:solidFill>
-                            <a:schemeClr val="bg1">
-                              <a:lumMod val="65000"/>
-                            </a:schemeClr>
-                          </a:solidFill>
-                        </a:rPr>
-                        <a:t>Chapter Summary</a:t>
-                      </a:r>
-                    </a:p>
-                  </a:txBody>
-                  <a:tcPr anchor="ctr">
-                    <a:lnT w="12700" cap="flat" cmpd="sng" algn="ctr">
-                      <a:solidFill>
-                        <a:schemeClr val="bg1">
-                          <a:lumMod val="65000"/>
-                        </a:schemeClr>
-                      </a:solidFill>
-                      <a:prstDash val="solid"/>
-                      <a:round/>
-                      <a:headEnd type="none" w="med" len="med"/>
-                      <a:tailEnd type="none" w="med" len="med"/>
-                    </a:lnT>
-                    <a:lnB w="12700" cap="flat" cmpd="sng" algn="ctr">
-                      <a:solidFill>
-                        <a:schemeClr val="bg1">
-                          <a:lumMod val="65000"/>
-                        </a:schemeClr>
-                      </a:solidFill>
-                      <a:prstDash val="solid"/>
-                      <a:round/>
-                      <a:headEnd type="none" w="med" len="med"/>
-                      <a:tailEnd type="none" w="med" len="med"/>
-                    </a:lnB>
-                    <a:noFill/>
-                  </a:tcPr>
-                </a:tc>
-                <a:extLst>
-                  <a:ext uri="{0D108BD9-81ED-4DB2-BD59-A6C34878D82A}">
-                    <a16:rowId xmlns:a16="http://schemas.microsoft.com/office/drawing/2014/main" val="376303497"/>
-                  </a:ext>
-                </a:extLst>
-              </a:tr>
-            </a:tbl>
-          </a:graphicData>
-        </a:graphic>
-      </p:graphicFrame>
-    </p:spTree>
-    <p:extLst>
-      <p:ext uri="{BB962C8B-B14F-4D97-AF65-F5344CB8AC3E}">
-        <p14:creationId xmlns:p14="http://schemas.microsoft.com/office/powerpoint/2010/main" val="207521694"/>
-      </p:ext>
-    </p:extLst>
-  </p:cSld>
-  <p:clrMapOvr>
-    <a:masterClrMapping/>
-  </p:clrMapOvr>
-</p:sld>
-</file>
-
-<file path=ppt/slides/slide30.xml><?xml version="1.0" encoding="utf-8"?>
+<file path=ppt/slides/slide28.xml><?xml version="1.0" encoding="utf-8"?>
 <p:sld xmlns:a="http://schemas.openxmlformats.org/drawingml/2006/main" xmlns:r="http://schemas.openxmlformats.org/officeDocument/2006/relationships" xmlns:p="http://schemas.openxmlformats.org/presentationml/2006/main">
   <p:cSld>
     <p:spTree>
@@ -21229,7 +20604,7 @@
 </p:sld>
 </file>
 
-<file path=ppt/slides/slide31.xml><?xml version="1.0" encoding="utf-8"?>
+<file path=ppt/slides/slide29.xml><?xml version="1.0" encoding="utf-8"?>
 <p:sld xmlns:a="http://schemas.openxmlformats.org/drawingml/2006/main" xmlns:r="http://schemas.openxmlformats.org/officeDocument/2006/relationships" xmlns:p="http://schemas.openxmlformats.org/presentationml/2006/main">
   <p:cSld>
     <p:spTree>
@@ -23579,7 +22954,263 @@
 </p:sld>
 </file>
 
-<file path=ppt/slides/slide32.xml><?xml version="1.0" encoding="utf-8"?>
+<file path=ppt/slides/slide3.xml><?xml version="1.0" encoding="utf-8"?>
+<p:sld xmlns:a="http://schemas.openxmlformats.org/drawingml/2006/main" xmlns:r="http://schemas.openxmlformats.org/officeDocument/2006/relationships" xmlns:p="http://schemas.openxmlformats.org/presentationml/2006/main">
+  <p:cSld>
+    <p:spTree>
+      <p:nvGrpSpPr>
+        <p:cNvPr id="1" name=""/>
+        <p:cNvGrpSpPr/>
+        <p:nvPr/>
+      </p:nvGrpSpPr>
+      <p:grpSpPr>
+        <a:xfrm>
+          <a:off x="0" y="0"/>
+          <a:ext cx="0" cy="0"/>
+          <a:chOff x="0" y="0"/>
+          <a:chExt cx="0" cy="0"/>
+        </a:xfrm>
+      </p:grpSpPr>
+      <p:sp>
+        <p:nvSpPr>
+          <p:cNvPr id="2" name="Title 1"/>
+          <p:cNvSpPr>
+            <a:spLocks noGrp="1"/>
+          </p:cNvSpPr>
+          <p:nvPr>
+            <p:ph type="title"/>
+          </p:nvPr>
+        </p:nvSpPr>
+        <p:spPr/>
+        <p:txBody>
+          <a:bodyPr/>
+          <a:lstStyle/>
+          <a:p>
+            <a:r>
+              <a:rPr lang="en-US" dirty="0"/>
+              <a:t>Chapter Concepts</a:t>
+            </a:r>
+          </a:p>
+        </p:txBody>
+      </p:sp>
+      <p:graphicFrame>
+        <p:nvGraphicFramePr>
+          <p:cNvPr id="8" name="Table 7">
+            <a:extLst>
+              <a:ext uri="{FF2B5EF4-FFF2-40B4-BE49-F238E27FC236}">
+                <a16:creationId xmlns:a16="http://schemas.microsoft.com/office/drawing/2014/main" id="{F6AE25A8-0110-43FB-ADB2-0BB756303142}"/>
+              </a:ext>
+            </a:extLst>
+          </p:cNvPr>
+          <p:cNvGraphicFramePr>
+            <a:graphicFrameLocks noGrp="1"/>
+          </p:cNvGraphicFramePr>
+          <p:nvPr>
+            <p:extLst>
+              <p:ext uri="{D42A27DB-BD31-4B8C-83A1-F6EECF244321}">
+                <p14:modId xmlns:p14="http://schemas.microsoft.com/office/powerpoint/2010/main" val="996577973"/>
+              </p:ext>
+            </p:extLst>
+          </p:nvPr>
+        </p:nvGraphicFramePr>
+        <p:xfrm>
+          <a:off x="2880360" y="1447543"/>
+          <a:ext cx="3383280" cy="1645920"/>
+        </p:xfrm>
+        <a:graphic>
+          <a:graphicData uri="http://schemas.openxmlformats.org/drawingml/2006/table">
+            <a:tbl>
+              <a:tblPr>
+                <a:tableStyleId>{00A15C55-8517-42AA-B614-E9B94910E393}</a:tableStyleId>
+              </a:tblPr>
+              <a:tblGrid>
+                <a:gridCol w="3383280">
+                  <a:extLst>
+                    <a:ext uri="{9D8B030D-6E8A-4147-A177-3AD203B41FA5}">
+                      <a16:colId xmlns:a16="http://schemas.microsoft.com/office/drawing/2014/main" val="1695728431"/>
+                    </a:ext>
+                  </a:extLst>
+                </a:gridCol>
+              </a:tblGrid>
+              <a:tr h="548640">
+                <a:tc>
+                  <a:txBody>
+                    <a:bodyPr/>
+                    <a:lstStyle/>
+                    <a:p>
+                      <a:pPr>
+                        <a:lnSpc>
+                          <a:spcPct val="100000"/>
+                        </a:lnSpc>
+                        <a:spcAft>
+                          <a:spcPts val="0"/>
+                        </a:spcAft>
+                      </a:pPr>
+                      <a:r>
+                        <a:rPr lang="en-US" sz="2000" b="1" dirty="0">
+                          <a:solidFill>
+                            <a:schemeClr val="tx1"/>
+                          </a:solidFill>
+                        </a:rPr>
+                        <a:t>Classification Model</a:t>
+                      </a:r>
+                    </a:p>
+                  </a:txBody>
+                  <a:tcPr anchor="ctr">
+                    <a:lnB w="12700" cap="flat" cmpd="sng" algn="ctr">
+                      <a:solidFill>
+                        <a:schemeClr val="bg1">
+                          <a:lumMod val="65000"/>
+                        </a:schemeClr>
+                      </a:solidFill>
+                      <a:prstDash val="solid"/>
+                      <a:round/>
+                      <a:headEnd type="none" w="med" len="med"/>
+                      <a:tailEnd type="none" w="med" len="med"/>
+                    </a:lnB>
+                    <a:noFill/>
+                  </a:tcPr>
+                </a:tc>
+                <a:extLst>
+                  <a:ext uri="{0D108BD9-81ED-4DB2-BD59-A6C34878D82A}">
+                    <a16:rowId xmlns:a16="http://schemas.microsoft.com/office/drawing/2014/main" val="2307098774"/>
+                  </a:ext>
+                </a:extLst>
+              </a:tr>
+              <a:tr h="548640">
+                <a:tc>
+                  <a:txBody>
+                    <a:bodyPr/>
+                    <a:lstStyle/>
+                    <a:p>
+                      <a:pPr>
+                        <a:lnSpc>
+                          <a:spcPct val="100000"/>
+                        </a:lnSpc>
+                        <a:spcAft>
+                          <a:spcPts val="0"/>
+                        </a:spcAft>
+                      </a:pPr>
+                      <a:r>
+                        <a:rPr lang="en-US" sz="2000" dirty="0">
+                          <a:solidFill>
+                            <a:schemeClr val="bg1">
+                              <a:lumMod val="65000"/>
+                            </a:schemeClr>
+                          </a:solidFill>
+                        </a:rPr>
+                        <a:t>Algorithms</a:t>
+                      </a:r>
+                    </a:p>
+                  </a:txBody>
+                  <a:tcPr anchor="ctr">
+                    <a:lnT w="12700" cap="flat" cmpd="sng" algn="ctr">
+                      <a:solidFill>
+                        <a:schemeClr val="bg1">
+                          <a:lumMod val="65000"/>
+                        </a:schemeClr>
+                      </a:solidFill>
+                      <a:prstDash val="solid"/>
+                      <a:round/>
+                      <a:headEnd type="none" w="med" len="med"/>
+                      <a:tailEnd type="none" w="med" len="med"/>
+                    </a:lnT>
+                    <a:lnB w="12700" cap="flat" cmpd="sng" algn="ctr">
+                      <a:solidFill>
+                        <a:schemeClr val="bg1">
+                          <a:lumMod val="65000"/>
+                        </a:schemeClr>
+                      </a:solidFill>
+                      <a:prstDash val="solid"/>
+                      <a:round/>
+                      <a:headEnd type="none" w="med" len="med"/>
+                      <a:tailEnd type="none" w="med" len="med"/>
+                    </a:lnB>
+                    <a:noFill/>
+                  </a:tcPr>
+                </a:tc>
+                <a:extLst>
+                  <a:ext uri="{0D108BD9-81ED-4DB2-BD59-A6C34878D82A}">
+                    <a16:rowId xmlns:a16="http://schemas.microsoft.com/office/drawing/2014/main" val="1466711860"/>
+                  </a:ext>
+                </a:extLst>
+              </a:tr>
+              <a:tr h="548640">
+                <a:tc>
+                  <a:txBody>
+                    <a:bodyPr/>
+                    <a:lstStyle/>
+                    <a:p>
+                      <a:pPr>
+                        <a:lnSpc>
+                          <a:spcPct val="100000"/>
+                        </a:lnSpc>
+                        <a:spcAft>
+                          <a:spcPts val="0"/>
+                        </a:spcAft>
+                      </a:pPr>
+                      <a:r>
+                        <a:rPr lang="en-US" sz="2000" dirty="0">
+                          <a:solidFill>
+                            <a:schemeClr val="bg1">
+                              <a:lumMod val="65000"/>
+                            </a:schemeClr>
+                          </a:solidFill>
+                        </a:rPr>
+                        <a:t>Chapter Summary</a:t>
+                      </a:r>
+                    </a:p>
+                  </a:txBody>
+                  <a:tcPr anchor="ctr">
+                    <a:lnT w="12700" cap="flat" cmpd="sng" algn="ctr">
+                      <a:solidFill>
+                        <a:schemeClr val="bg1">
+                          <a:lumMod val="65000"/>
+                        </a:schemeClr>
+                      </a:solidFill>
+                      <a:prstDash val="solid"/>
+                      <a:round/>
+                      <a:headEnd type="none" w="med" len="med"/>
+                      <a:tailEnd type="none" w="med" len="med"/>
+                    </a:lnT>
+                    <a:lnB w="12700" cap="flat" cmpd="sng" algn="ctr">
+                      <a:solidFill>
+                        <a:schemeClr val="bg1">
+                          <a:lumMod val="65000"/>
+                        </a:schemeClr>
+                      </a:solidFill>
+                      <a:prstDash val="solid"/>
+                      <a:round/>
+                      <a:headEnd type="none" w="med" len="med"/>
+                      <a:tailEnd type="none" w="med" len="med"/>
+                    </a:lnB>
+                    <a:noFill/>
+                  </a:tcPr>
+                </a:tc>
+                <a:extLst>
+                  <a:ext uri="{0D108BD9-81ED-4DB2-BD59-A6C34878D82A}">
+                    <a16:rowId xmlns:a16="http://schemas.microsoft.com/office/drawing/2014/main" val="376303497"/>
+                  </a:ext>
+                </a:extLst>
+              </a:tr>
+            </a:tbl>
+          </a:graphicData>
+        </a:graphic>
+      </p:graphicFrame>
+    </p:spTree>
+    <p:extLst>
+      <p:ext uri="{BB962C8B-B14F-4D97-AF65-F5344CB8AC3E}">
+        <p14:creationId xmlns:p14="http://schemas.microsoft.com/office/powerpoint/2010/main" val="207521694"/>
+      </p:ext>
+    </p:extLst>
+  </p:cSld>
+  <p:clrMapOvr>
+    <a:masterClrMapping/>
+  </p:clrMapOvr>
+</p:sld>
+</file>
+
+<file path=ppt/slides/slide30.xml><?xml version="1.0" encoding="utf-8"?>
 <p:sld xmlns:a="http://schemas.openxmlformats.org/drawingml/2006/main" xmlns:r="http://schemas.openxmlformats.org/officeDocument/2006/relationships" xmlns:p="http://schemas.openxmlformats.org/presentationml/2006/main">
   <p:cSld>
     <p:spTree>
@@ -25953,7 +25584,7 @@
 </p:sld>
 </file>
 
-<file path=ppt/slides/slide33.xml><?xml version="1.0" encoding="utf-8"?>
+<file path=ppt/slides/slide31.xml><?xml version="1.0" encoding="utf-8"?>
 <p:sld xmlns:a="http://schemas.openxmlformats.org/drawingml/2006/main" xmlns:r="http://schemas.openxmlformats.org/officeDocument/2006/relationships" xmlns:p="http://schemas.openxmlformats.org/presentationml/2006/main">
   <p:cSld>
     <p:spTree>
@@ -26334,7 +25965,1699 @@
 </p:sld>
 </file>
 
+<file path=ppt/slides/slide32.xml><?xml version="1.0" encoding="utf-8"?>
+<p:sld xmlns:a="http://schemas.openxmlformats.org/drawingml/2006/main" xmlns:r="http://schemas.openxmlformats.org/officeDocument/2006/relationships" xmlns:p="http://schemas.openxmlformats.org/presentationml/2006/main">
+  <p:cSld>
+    <p:spTree>
+      <p:nvGrpSpPr>
+        <p:cNvPr id="1" name=""/>
+        <p:cNvGrpSpPr/>
+        <p:nvPr/>
+      </p:nvGrpSpPr>
+      <p:grpSpPr>
+        <a:xfrm>
+          <a:off x="0" y="0"/>
+          <a:ext cx="0" cy="0"/>
+          <a:chOff x="0" y="0"/>
+          <a:chExt cx="0" cy="0"/>
+        </a:xfrm>
+      </p:grpSpPr>
+      <p:sp>
+        <p:nvSpPr>
+          <p:cNvPr id="3" name="Content Placeholder 2"/>
+          <p:cNvSpPr>
+            <a:spLocks noGrp="1"/>
+          </p:cNvSpPr>
+          <p:nvPr>
+            <p:ph idx="1"/>
+          </p:nvPr>
+        </p:nvSpPr>
+        <p:spPr/>
+        <p:txBody>
+          <a:bodyPr/>
+          <a:lstStyle/>
+          <a:p>
+            <a:r>
+              <a:rPr lang="en-US" dirty="0"/>
+              <a:t>Different models have different strengths and weaknesses</a:t>
+            </a:r>
+          </a:p>
+          <a:p>
+            <a:r>
+              <a:rPr lang="en-US" dirty="0"/>
+              <a:t>Ensemble learning provides techniques to run multiple different models and blend them together to often return a more reliable result</a:t>
+            </a:r>
+          </a:p>
+          <a:p>
+            <a:r>
+              <a:rPr lang="en-US" dirty="0"/>
+              <a:t>There are different techniques that are often used:</a:t>
+            </a:r>
+          </a:p>
+          <a:p>
+            <a:pPr lvl="1"/>
+            <a:r>
+              <a:rPr lang="en-US" dirty="0"/>
+              <a:t>Max voting</a:t>
+            </a:r>
+          </a:p>
+          <a:p>
+            <a:pPr lvl="2"/>
+            <a:r>
+              <a:rPr lang="en-US" dirty="0"/>
+              <a:t>The result of each model are considered a vote and the majority of predictions indicates the prediction for the group</a:t>
+            </a:r>
+          </a:p>
+          <a:p>
+            <a:pPr lvl="2"/>
+            <a:r>
+              <a:rPr lang="en-US" dirty="0"/>
+              <a:t>Works well for classification models</a:t>
+            </a:r>
+          </a:p>
+          <a:p>
+            <a:pPr marL="0" indent="0">
+              <a:buNone/>
+            </a:pPr>
+            <a:endParaRPr lang="en-US" dirty="0"/>
+          </a:p>
+          <a:p>
+            <a:endParaRPr lang="en-US" dirty="0"/>
+          </a:p>
+          <a:p>
+            <a:endParaRPr lang="en-US" dirty="0"/>
+          </a:p>
+          <a:p>
+            <a:endParaRPr lang="en-US" dirty="0"/>
+          </a:p>
+          <a:p>
+            <a:endParaRPr lang="en-US" dirty="0"/>
+          </a:p>
+          <a:p>
+            <a:endParaRPr lang="en-US" dirty="0"/>
+          </a:p>
+          <a:p>
+            <a:endParaRPr lang="en-US" dirty="0"/>
+          </a:p>
+          <a:p>
+            <a:endParaRPr lang="en-US" dirty="0"/>
+          </a:p>
+          <a:p>
+            <a:endParaRPr lang="en-US" dirty="0"/>
+          </a:p>
+          <a:p>
+            <a:pPr marL="0" indent="0">
+              <a:buNone/>
+            </a:pPr>
+            <a:endParaRPr lang="en-US" dirty="0"/>
+          </a:p>
+          <a:p>
+            <a:pPr lvl="1"/>
+            <a:endParaRPr lang="en-US" dirty="0"/>
+          </a:p>
+        </p:txBody>
+      </p:sp>
+      <p:sp>
+        <p:nvSpPr>
+          <p:cNvPr id="2" name="Title 1"/>
+          <p:cNvSpPr>
+            <a:spLocks noGrp="1"/>
+          </p:cNvSpPr>
+          <p:nvPr>
+            <p:ph type="title"/>
+          </p:nvPr>
+        </p:nvSpPr>
+        <p:spPr/>
+        <p:txBody>
+          <a:bodyPr/>
+          <a:lstStyle/>
+          <a:p>
+            <a:r>
+              <a:rPr lang="en-US" dirty="0"/>
+              <a:t>Ensemble Learning</a:t>
+            </a:r>
+          </a:p>
+        </p:txBody>
+      </p:sp>
+      <p:sp>
+        <p:nvSpPr>
+          <p:cNvPr id="4" name="TextBox 3">
+            <a:extLst>
+              <a:ext uri="{FF2B5EF4-FFF2-40B4-BE49-F238E27FC236}">
+                <a16:creationId xmlns:a16="http://schemas.microsoft.com/office/drawing/2014/main" id="{B25BD5BC-E8B9-4540-A404-A5C6B4AFC25D}"/>
+              </a:ext>
+            </a:extLst>
+          </p:cNvPr>
+          <p:cNvSpPr txBox="1"/>
+          <p:nvPr/>
+        </p:nvSpPr>
+        <p:spPr>
+          <a:xfrm>
+            <a:off x="1050925" y="4026917"/>
+            <a:ext cx="6702731" cy="2169825"/>
+          </a:xfrm>
+          <a:prstGeom prst="rect">
+            <a:avLst/>
+          </a:prstGeom>
+          <a:noFill/>
+          <a:ln w="28575" algn="ctr">
+            <a:solidFill>
+              <a:schemeClr val="accent2">
+                <a:lumMod val="20000"/>
+                <a:lumOff val="80000"/>
+              </a:schemeClr>
+            </a:solidFill>
+            <a:miter lim="800000"/>
+            <a:headEnd/>
+            <a:tailEnd/>
+          </a:ln>
+          <a:effectLst/>
+        </p:spPr>
+        <p:txBody>
+          <a:bodyPr wrap="square">
+            <a:spAutoFit/>
+          </a:bodyPr>
+          <a:lstStyle>
+            <a:defPPr>
+              <a:defRPr lang="en-US"/>
+            </a:defPPr>
+            <a:lvl1pPr marL="0" defTabSz="914400" eaLnBrk="1" latinLnBrk="0" hangingPunct="1">
+              <a:defRPr sz="1400">
+                <a:solidFill>
+                  <a:schemeClr val="tx1"/>
+                </a:solidFill>
+                <a:latin typeface="Courier New" pitchFamily="49" charset="0"/>
+                <a:cs typeface="+mn-cs"/>
+              </a:defRPr>
+            </a:lvl1pPr>
+            <a:lvl2pPr marL="742950" indent="-285750" defTabSz="914400" latinLnBrk="0">
+              <a:defRPr sz="1400">
+                <a:solidFill>
+                  <a:schemeClr val="tx1"/>
+                </a:solidFill>
+                <a:latin typeface="Arial" charset="0"/>
+                <a:cs typeface="+mn-cs"/>
+              </a:defRPr>
+            </a:lvl2pPr>
+            <a:lvl3pPr marL="1143000" indent="-228600" defTabSz="914400" latinLnBrk="0">
+              <a:defRPr sz="1400">
+                <a:solidFill>
+                  <a:schemeClr val="tx1"/>
+                </a:solidFill>
+                <a:latin typeface="Arial" charset="0"/>
+                <a:cs typeface="+mn-cs"/>
+              </a:defRPr>
+            </a:lvl3pPr>
+            <a:lvl4pPr marL="1600200" indent="-228600" defTabSz="914400" latinLnBrk="0">
+              <a:defRPr sz="1400">
+                <a:solidFill>
+                  <a:schemeClr val="tx1"/>
+                </a:solidFill>
+                <a:latin typeface="Arial" charset="0"/>
+                <a:cs typeface="+mn-cs"/>
+              </a:defRPr>
+            </a:lvl4pPr>
+            <a:lvl5pPr marL="2057400" indent="-228600" defTabSz="914400" latinLnBrk="0">
+              <a:defRPr sz="1400">
+                <a:solidFill>
+                  <a:schemeClr val="tx1"/>
+                </a:solidFill>
+                <a:latin typeface="Arial" charset="0"/>
+                <a:cs typeface="+mn-cs"/>
+              </a:defRPr>
+            </a:lvl5pPr>
+            <a:lvl6pPr marL="2514600" indent="-228600" eaLnBrk="0" fontAlgn="base" hangingPunct="0">
+              <a:spcBef>
+                <a:spcPct val="0"/>
+              </a:spcBef>
+              <a:spcAft>
+                <a:spcPct val="0"/>
+              </a:spcAft>
+              <a:defRPr sz="1400">
+                <a:solidFill>
+                  <a:schemeClr val="tx1"/>
+                </a:solidFill>
+                <a:latin typeface="Arial" charset="0"/>
+                <a:cs typeface="+mn-cs"/>
+              </a:defRPr>
+            </a:lvl6pPr>
+            <a:lvl7pPr marL="2971800" indent="-228600" eaLnBrk="0" fontAlgn="base" hangingPunct="0">
+              <a:spcBef>
+                <a:spcPct val="0"/>
+              </a:spcBef>
+              <a:spcAft>
+                <a:spcPct val="0"/>
+              </a:spcAft>
+              <a:defRPr sz="1400">
+                <a:solidFill>
+                  <a:schemeClr val="tx1"/>
+                </a:solidFill>
+                <a:latin typeface="Arial" charset="0"/>
+                <a:cs typeface="+mn-cs"/>
+              </a:defRPr>
+            </a:lvl7pPr>
+            <a:lvl8pPr marL="3429000" indent="-228600" eaLnBrk="0" fontAlgn="base" hangingPunct="0">
+              <a:spcBef>
+                <a:spcPct val="0"/>
+              </a:spcBef>
+              <a:spcAft>
+                <a:spcPct val="0"/>
+              </a:spcAft>
+              <a:defRPr sz="1400">
+                <a:solidFill>
+                  <a:schemeClr val="tx1"/>
+                </a:solidFill>
+                <a:latin typeface="Arial" charset="0"/>
+                <a:cs typeface="+mn-cs"/>
+              </a:defRPr>
+            </a:lvl8pPr>
+            <a:lvl9pPr marL="3886200" indent="-228600" eaLnBrk="0" fontAlgn="base" hangingPunct="0">
+              <a:spcBef>
+                <a:spcPct val="0"/>
+              </a:spcBef>
+              <a:spcAft>
+                <a:spcPct val="0"/>
+              </a:spcAft>
+              <a:defRPr sz="1400">
+                <a:solidFill>
+                  <a:schemeClr val="tx1"/>
+                </a:solidFill>
+                <a:latin typeface="Arial" charset="0"/>
+                <a:cs typeface="+mn-cs"/>
+              </a:defRPr>
+            </a:lvl9pPr>
+          </a:lstStyle>
+          <a:p>
+            <a:r>
+              <a:rPr lang="en-US" sz="1500" b="1" dirty="0"/>
+              <a:t>from </a:t>
+            </a:r>
+            <a:r>
+              <a:rPr lang="en-US" sz="1500" b="1" dirty="0" err="1"/>
+              <a:t>sklearn.ensemble</a:t>
+            </a:r>
+            <a:r>
+              <a:rPr lang="en-US" sz="1500" b="1" dirty="0"/>
+              <a:t> import </a:t>
+            </a:r>
+            <a:r>
+              <a:rPr lang="en-US" sz="1500" b="1" dirty="0" err="1"/>
+              <a:t>VotingClassifier</a:t>
+            </a:r>
+            <a:endParaRPr lang="en-US" sz="1500" b="1" dirty="0"/>
+          </a:p>
+          <a:p>
+            <a:r>
+              <a:rPr lang="en-US" sz="1500" b="1" dirty="0" err="1"/>
+              <a:t>modelVC</a:t>
+            </a:r>
+            <a:r>
+              <a:rPr lang="en-US" sz="1500" b="1" dirty="0"/>
+              <a:t> = </a:t>
+            </a:r>
+            <a:r>
+              <a:rPr lang="en-US" sz="1500" b="1" dirty="0" err="1"/>
+              <a:t>VotingClassifier</a:t>
+            </a:r>
+            <a:r>
+              <a:rPr lang="en-US" sz="1500" b="1" dirty="0"/>
+              <a:t>(estimators=[('</a:t>
+            </a:r>
+            <a:r>
+              <a:rPr lang="en-US" sz="1500" b="1" dirty="0" err="1"/>
+              <a:t>lr</a:t>
+            </a:r>
+            <a:r>
+              <a:rPr lang="en-US" sz="1500" b="1" dirty="0"/>
+              <a:t>', </a:t>
+            </a:r>
+            <a:r>
+              <a:rPr lang="en-US" sz="1500" b="1" dirty="0" err="1"/>
+              <a:t>modelLR</a:t>
+            </a:r>
+            <a:r>
+              <a:rPr lang="en-US" sz="1500" b="1" dirty="0"/>
+              <a:t>), ('</a:t>
+            </a:r>
+            <a:r>
+              <a:rPr lang="en-US" sz="1500" b="1" dirty="0" err="1"/>
+              <a:t>nb</a:t>
+            </a:r>
+            <a:r>
+              <a:rPr lang="en-US" sz="1500" b="1" dirty="0"/>
+              <a:t>', </a:t>
+            </a:r>
+            <a:r>
+              <a:rPr lang="en-US" sz="1500" b="1" dirty="0" err="1"/>
+              <a:t>modelNB</a:t>
+            </a:r>
+            <a:r>
+              <a:rPr lang="en-US" sz="1500" b="1" dirty="0"/>
+              <a:t>), ('</a:t>
+            </a:r>
+            <a:r>
+              <a:rPr lang="en-US" sz="1500" b="1" dirty="0" err="1"/>
+              <a:t>rf</a:t>
+            </a:r>
+            <a:r>
+              <a:rPr lang="en-US" sz="1500" b="1" dirty="0"/>
+              <a:t>', </a:t>
+            </a:r>
+            <a:r>
+              <a:rPr lang="en-US" sz="1500" b="1" dirty="0" err="1"/>
+              <a:t>modelRF</a:t>
+            </a:r>
+            <a:r>
+              <a:rPr lang="en-US" sz="1500" b="1" dirty="0"/>
+              <a:t>)], voting='hard')</a:t>
+            </a:r>
+          </a:p>
+          <a:p>
+            <a:r>
+              <a:rPr lang="en-US" sz="1500" b="1" dirty="0" err="1"/>
+              <a:t>modelVC.fit</a:t>
+            </a:r>
+            <a:r>
+              <a:rPr lang="en-US" sz="1500" b="1" dirty="0"/>
+              <a:t>(</a:t>
+            </a:r>
+            <a:r>
+              <a:rPr lang="en-US" sz="1500" b="1" dirty="0" err="1"/>
+              <a:t>trainX</a:t>
+            </a:r>
+            <a:r>
+              <a:rPr lang="en-US" sz="1500" b="1" dirty="0"/>
+              <a:t>, </a:t>
+            </a:r>
+            <a:r>
+              <a:rPr lang="en-US" sz="1500" b="1" dirty="0" err="1"/>
+              <a:t>trainY</a:t>
+            </a:r>
+            <a:r>
+              <a:rPr lang="en-US" sz="1500" b="1" dirty="0"/>
+              <a:t>)</a:t>
+            </a:r>
+          </a:p>
+          <a:p>
+            <a:r>
+              <a:rPr lang="en-US" sz="1500" b="1" dirty="0"/>
+              <a:t>print(</a:t>
+            </a:r>
+            <a:r>
+              <a:rPr lang="en-US" sz="1500" b="1" dirty="0" err="1"/>
+              <a:t>modelVC.score</a:t>
+            </a:r>
+            <a:r>
+              <a:rPr lang="en-US" sz="1500" b="1" dirty="0"/>
+              <a:t>(</a:t>
+            </a:r>
+            <a:r>
+              <a:rPr lang="en-US" sz="1500" b="1" dirty="0" err="1"/>
+              <a:t>testX,testY</a:t>
+            </a:r>
+            <a:r>
+              <a:rPr lang="en-US" sz="1500" b="1" dirty="0"/>
+              <a:t>))</a:t>
+            </a:r>
+          </a:p>
+          <a:p>
+            <a:endParaRPr lang="en-US" sz="1500" b="1" dirty="0"/>
+          </a:p>
+          <a:p>
+            <a:r>
+              <a:rPr lang="en-US" sz="1500" b="1" dirty="0" err="1"/>
+              <a:t>predY</a:t>
+            </a:r>
+            <a:r>
+              <a:rPr lang="en-US" sz="1500" b="1" dirty="0"/>
+              <a:t> = </a:t>
+            </a:r>
+            <a:r>
+              <a:rPr lang="en-US" sz="1500" b="1" dirty="0" err="1"/>
+              <a:t>modelVC.predict</a:t>
+            </a:r>
+            <a:r>
+              <a:rPr lang="en-US" sz="1500" b="1" dirty="0"/>
+              <a:t>(</a:t>
+            </a:r>
+            <a:r>
+              <a:rPr lang="en-US" sz="1500" b="1" dirty="0" err="1"/>
+              <a:t>testX</a:t>
+            </a:r>
+            <a:r>
+              <a:rPr lang="en-US" sz="1500" b="1" dirty="0"/>
+              <a:t>)</a:t>
+            </a:r>
+          </a:p>
+          <a:p>
+            <a:r>
+              <a:rPr lang="en-US" sz="1500" b="1" dirty="0"/>
+              <a:t>cm = </a:t>
+            </a:r>
+            <a:r>
+              <a:rPr lang="en-US" sz="1500" b="1" dirty="0" err="1"/>
+              <a:t>confusion_matrix</a:t>
+            </a:r>
+            <a:r>
+              <a:rPr lang="en-US" sz="1500" b="1" dirty="0"/>
+              <a:t>(</a:t>
+            </a:r>
+            <a:r>
+              <a:rPr lang="en-US" sz="1500" b="1" dirty="0" err="1"/>
+              <a:t>testY</a:t>
+            </a:r>
+            <a:r>
+              <a:rPr lang="en-US" sz="1500" b="1" dirty="0"/>
+              <a:t>, </a:t>
+            </a:r>
+            <a:r>
+              <a:rPr lang="en-US" sz="1500" b="1" dirty="0" err="1"/>
+              <a:t>predY</a:t>
+            </a:r>
+            <a:r>
+              <a:rPr lang="en-US" sz="1500" b="1" dirty="0"/>
+              <a:t>)</a:t>
+            </a:r>
+          </a:p>
+          <a:p>
+            <a:r>
+              <a:rPr lang="en-US" sz="1500" b="1" dirty="0"/>
+              <a:t>print (cm)</a:t>
+            </a:r>
+          </a:p>
+        </p:txBody>
+      </p:sp>
+    </p:spTree>
+    <p:extLst>
+      <p:ext uri="{BB962C8B-B14F-4D97-AF65-F5344CB8AC3E}">
+        <p14:creationId xmlns:p14="http://schemas.microsoft.com/office/powerpoint/2010/main" val="3391962881"/>
+      </p:ext>
+    </p:extLst>
+  </p:cSld>
+  <p:clrMapOvr>
+    <a:masterClrMapping/>
+  </p:clrMapOvr>
+</p:sld>
+</file>
+
+<file path=ppt/slides/slide33.xml><?xml version="1.0" encoding="utf-8"?>
+<p:sld xmlns:a="http://schemas.openxmlformats.org/drawingml/2006/main" xmlns:r="http://schemas.openxmlformats.org/officeDocument/2006/relationships" xmlns:p="http://schemas.openxmlformats.org/presentationml/2006/main">
+  <p:cSld>
+    <p:spTree>
+      <p:nvGrpSpPr>
+        <p:cNvPr id="1" name=""/>
+        <p:cNvGrpSpPr/>
+        <p:nvPr/>
+      </p:nvGrpSpPr>
+      <p:grpSpPr>
+        <a:xfrm>
+          <a:off x="0" y="0"/>
+          <a:ext cx="0" cy="0"/>
+          <a:chOff x="0" y="0"/>
+          <a:chExt cx="0" cy="0"/>
+        </a:xfrm>
+      </p:grpSpPr>
+      <p:sp>
+        <p:nvSpPr>
+          <p:cNvPr id="3" name="Content Placeholder 2"/>
+          <p:cNvSpPr>
+            <a:spLocks noGrp="1"/>
+          </p:cNvSpPr>
+          <p:nvPr>
+            <p:ph idx="1"/>
+          </p:nvPr>
+        </p:nvSpPr>
+        <p:spPr/>
+        <p:txBody>
+          <a:bodyPr/>
+          <a:lstStyle/>
+          <a:p>
+            <a:r>
+              <a:rPr lang="en-US" dirty="0"/>
+              <a:t>Averaging method works better when trying to predict a value such as with regression or a prediction probability with classification</a:t>
+            </a:r>
+          </a:p>
+          <a:p>
+            <a:pPr lvl="1"/>
+            <a:r>
+              <a:rPr lang="en-US" dirty="0"/>
+              <a:t>could do a normal or a weighted average</a:t>
+            </a:r>
+          </a:p>
+          <a:p>
+            <a:endParaRPr lang="en-US" dirty="0"/>
+          </a:p>
+          <a:p>
+            <a:endParaRPr lang="en-US" dirty="0"/>
+          </a:p>
+          <a:p>
+            <a:endParaRPr lang="en-US" dirty="0"/>
+          </a:p>
+          <a:p>
+            <a:endParaRPr lang="en-US" dirty="0"/>
+          </a:p>
+          <a:p>
+            <a:endParaRPr lang="en-US" dirty="0"/>
+          </a:p>
+          <a:p>
+            <a:endParaRPr lang="en-US" dirty="0"/>
+          </a:p>
+          <a:p>
+            <a:endParaRPr lang="en-US" dirty="0"/>
+          </a:p>
+          <a:p>
+            <a:endParaRPr lang="en-US" dirty="0"/>
+          </a:p>
+          <a:p>
+            <a:endParaRPr lang="en-US" dirty="0"/>
+          </a:p>
+          <a:p>
+            <a:pPr marL="0" indent="0">
+              <a:buNone/>
+            </a:pPr>
+            <a:endParaRPr lang="en-US" dirty="0"/>
+          </a:p>
+          <a:p>
+            <a:pPr lvl="1"/>
+            <a:endParaRPr lang="en-US" dirty="0"/>
+          </a:p>
+        </p:txBody>
+      </p:sp>
+      <p:sp>
+        <p:nvSpPr>
+          <p:cNvPr id="2" name="Title 1"/>
+          <p:cNvSpPr>
+            <a:spLocks noGrp="1"/>
+          </p:cNvSpPr>
+          <p:nvPr>
+            <p:ph type="title"/>
+          </p:nvPr>
+        </p:nvSpPr>
+        <p:spPr/>
+        <p:txBody>
+          <a:bodyPr/>
+          <a:lstStyle/>
+          <a:p>
+            <a:r>
+              <a:rPr lang="en-US" dirty="0"/>
+              <a:t>Ensemble Learning</a:t>
+            </a:r>
+          </a:p>
+        </p:txBody>
+      </p:sp>
+      <p:sp>
+        <p:nvSpPr>
+          <p:cNvPr id="4" name="TextBox 3">
+            <a:extLst>
+              <a:ext uri="{FF2B5EF4-FFF2-40B4-BE49-F238E27FC236}">
+                <a16:creationId xmlns:a16="http://schemas.microsoft.com/office/drawing/2014/main" id="{B25BD5BC-E8B9-4540-A404-A5C6B4AFC25D}"/>
+              </a:ext>
+            </a:extLst>
+          </p:cNvPr>
+          <p:cNvSpPr txBox="1"/>
+          <p:nvPr/>
+        </p:nvSpPr>
+        <p:spPr>
+          <a:xfrm>
+            <a:off x="946422" y="2202261"/>
+            <a:ext cx="6702731" cy="2400657"/>
+          </a:xfrm>
+          <a:prstGeom prst="rect">
+            <a:avLst/>
+          </a:prstGeom>
+          <a:noFill/>
+          <a:ln w="28575" algn="ctr">
+            <a:solidFill>
+              <a:schemeClr val="accent2">
+                <a:lumMod val="20000"/>
+                <a:lumOff val="80000"/>
+              </a:schemeClr>
+            </a:solidFill>
+            <a:miter lim="800000"/>
+            <a:headEnd/>
+            <a:tailEnd/>
+          </a:ln>
+          <a:effectLst/>
+        </p:spPr>
+        <p:txBody>
+          <a:bodyPr wrap="square">
+            <a:spAutoFit/>
+          </a:bodyPr>
+          <a:lstStyle>
+            <a:defPPr>
+              <a:defRPr lang="en-US"/>
+            </a:defPPr>
+            <a:lvl1pPr marL="0" defTabSz="914400" eaLnBrk="1" latinLnBrk="0" hangingPunct="1">
+              <a:defRPr sz="1400">
+                <a:solidFill>
+                  <a:schemeClr val="tx1"/>
+                </a:solidFill>
+                <a:latin typeface="Courier New" pitchFamily="49" charset="0"/>
+                <a:cs typeface="+mn-cs"/>
+              </a:defRPr>
+            </a:lvl1pPr>
+            <a:lvl2pPr marL="742950" indent="-285750" defTabSz="914400" latinLnBrk="0">
+              <a:defRPr sz="1400">
+                <a:solidFill>
+                  <a:schemeClr val="tx1"/>
+                </a:solidFill>
+                <a:latin typeface="Arial" charset="0"/>
+                <a:cs typeface="+mn-cs"/>
+              </a:defRPr>
+            </a:lvl2pPr>
+            <a:lvl3pPr marL="1143000" indent="-228600" defTabSz="914400" latinLnBrk="0">
+              <a:defRPr sz="1400">
+                <a:solidFill>
+                  <a:schemeClr val="tx1"/>
+                </a:solidFill>
+                <a:latin typeface="Arial" charset="0"/>
+                <a:cs typeface="+mn-cs"/>
+              </a:defRPr>
+            </a:lvl3pPr>
+            <a:lvl4pPr marL="1600200" indent="-228600" defTabSz="914400" latinLnBrk="0">
+              <a:defRPr sz="1400">
+                <a:solidFill>
+                  <a:schemeClr val="tx1"/>
+                </a:solidFill>
+                <a:latin typeface="Arial" charset="0"/>
+                <a:cs typeface="+mn-cs"/>
+              </a:defRPr>
+            </a:lvl4pPr>
+            <a:lvl5pPr marL="2057400" indent="-228600" defTabSz="914400" latinLnBrk="0">
+              <a:defRPr sz="1400">
+                <a:solidFill>
+                  <a:schemeClr val="tx1"/>
+                </a:solidFill>
+                <a:latin typeface="Arial" charset="0"/>
+                <a:cs typeface="+mn-cs"/>
+              </a:defRPr>
+            </a:lvl5pPr>
+            <a:lvl6pPr marL="2514600" indent="-228600" eaLnBrk="0" fontAlgn="base" hangingPunct="0">
+              <a:spcBef>
+                <a:spcPct val="0"/>
+              </a:spcBef>
+              <a:spcAft>
+                <a:spcPct val="0"/>
+              </a:spcAft>
+              <a:defRPr sz="1400">
+                <a:solidFill>
+                  <a:schemeClr val="tx1"/>
+                </a:solidFill>
+                <a:latin typeface="Arial" charset="0"/>
+                <a:cs typeface="+mn-cs"/>
+              </a:defRPr>
+            </a:lvl6pPr>
+            <a:lvl7pPr marL="2971800" indent="-228600" eaLnBrk="0" fontAlgn="base" hangingPunct="0">
+              <a:spcBef>
+                <a:spcPct val="0"/>
+              </a:spcBef>
+              <a:spcAft>
+                <a:spcPct val="0"/>
+              </a:spcAft>
+              <a:defRPr sz="1400">
+                <a:solidFill>
+                  <a:schemeClr val="tx1"/>
+                </a:solidFill>
+                <a:latin typeface="Arial" charset="0"/>
+                <a:cs typeface="+mn-cs"/>
+              </a:defRPr>
+            </a:lvl7pPr>
+            <a:lvl8pPr marL="3429000" indent="-228600" eaLnBrk="0" fontAlgn="base" hangingPunct="0">
+              <a:spcBef>
+                <a:spcPct val="0"/>
+              </a:spcBef>
+              <a:spcAft>
+                <a:spcPct val="0"/>
+              </a:spcAft>
+              <a:defRPr sz="1400">
+                <a:solidFill>
+                  <a:schemeClr val="tx1"/>
+                </a:solidFill>
+                <a:latin typeface="Arial" charset="0"/>
+                <a:cs typeface="+mn-cs"/>
+              </a:defRPr>
+            </a:lvl8pPr>
+            <a:lvl9pPr marL="3886200" indent="-228600" eaLnBrk="0" fontAlgn="base" hangingPunct="0">
+              <a:spcBef>
+                <a:spcPct val="0"/>
+              </a:spcBef>
+              <a:spcAft>
+                <a:spcPct val="0"/>
+              </a:spcAft>
+              <a:defRPr sz="1400">
+                <a:solidFill>
+                  <a:schemeClr val="tx1"/>
+                </a:solidFill>
+                <a:latin typeface="Arial" charset="0"/>
+                <a:cs typeface="+mn-cs"/>
+              </a:defRPr>
+            </a:lvl9pPr>
+          </a:lstStyle>
+          <a:p>
+            <a:r>
+              <a:rPr lang="en-US" sz="1500" b="1" dirty="0" err="1"/>
+              <a:t>predLR</a:t>
+            </a:r>
+            <a:r>
+              <a:rPr lang="en-US" sz="1500" b="1" dirty="0"/>
+              <a:t> = </a:t>
+            </a:r>
+            <a:r>
+              <a:rPr lang="en-US" sz="1500" b="1" dirty="0" err="1"/>
+              <a:t>modelLR.predict_proba</a:t>
+            </a:r>
+            <a:r>
+              <a:rPr lang="en-US" sz="1500" b="1" dirty="0"/>
+              <a:t>(</a:t>
+            </a:r>
+            <a:r>
+              <a:rPr lang="en-US" sz="1500" b="1" dirty="0" err="1"/>
+              <a:t>testX</a:t>
+            </a:r>
+            <a:r>
+              <a:rPr lang="en-US" sz="1500" b="1" dirty="0"/>
+              <a:t>)</a:t>
+            </a:r>
+          </a:p>
+          <a:p>
+            <a:r>
+              <a:rPr lang="en-US" sz="1500" b="1" dirty="0" err="1"/>
+              <a:t>predNN</a:t>
+            </a:r>
+            <a:r>
+              <a:rPr lang="en-US" sz="1500" b="1" dirty="0"/>
+              <a:t> = </a:t>
+            </a:r>
+            <a:r>
+              <a:rPr lang="en-US" sz="1500" b="1" dirty="0" err="1"/>
+              <a:t>modelNN.predict_proba</a:t>
+            </a:r>
+            <a:r>
+              <a:rPr lang="en-US" sz="1500" b="1" dirty="0"/>
+              <a:t>(</a:t>
+            </a:r>
+            <a:r>
+              <a:rPr lang="en-US" sz="1500" b="1" dirty="0" err="1"/>
+              <a:t>testX</a:t>
+            </a:r>
+            <a:r>
+              <a:rPr lang="en-US" sz="1500" b="1" dirty="0"/>
+              <a:t>)</a:t>
+            </a:r>
+          </a:p>
+          <a:p>
+            <a:r>
+              <a:rPr lang="en-US" sz="1500" b="1" dirty="0" err="1"/>
+              <a:t>predSVN</a:t>
+            </a:r>
+            <a:r>
+              <a:rPr lang="en-US" sz="1500" b="1" dirty="0"/>
+              <a:t> = </a:t>
+            </a:r>
+            <a:r>
+              <a:rPr lang="en-US" sz="1500" b="1" dirty="0" err="1"/>
+              <a:t>modelSVN.predict_proba</a:t>
+            </a:r>
+            <a:r>
+              <a:rPr lang="en-US" sz="1500" b="1" dirty="0"/>
+              <a:t>(</a:t>
+            </a:r>
+            <a:r>
+              <a:rPr lang="en-US" sz="1500" b="1" dirty="0" err="1"/>
+              <a:t>testX</a:t>
+            </a:r>
+            <a:r>
+              <a:rPr lang="en-US" sz="1500" b="1" dirty="0"/>
+              <a:t>)</a:t>
+            </a:r>
+          </a:p>
+          <a:p>
+            <a:endParaRPr lang="en-US" sz="1500" b="1" dirty="0"/>
+          </a:p>
+          <a:p>
+            <a:r>
+              <a:rPr lang="en-US" sz="1500" b="1" dirty="0" err="1"/>
+              <a:t>predAVG</a:t>
+            </a:r>
+            <a:r>
+              <a:rPr lang="en-US" sz="1500" b="1" dirty="0"/>
+              <a:t> = (</a:t>
+            </a:r>
+            <a:r>
+              <a:rPr lang="en-US" sz="1500" b="1" dirty="0" err="1"/>
+              <a:t>predLR</a:t>
+            </a:r>
+            <a:r>
+              <a:rPr lang="en-US" sz="1500" b="1" dirty="0"/>
+              <a:t> + </a:t>
+            </a:r>
+            <a:r>
+              <a:rPr lang="en-US" sz="1500" b="1" dirty="0" err="1"/>
+              <a:t>predNN</a:t>
+            </a:r>
+            <a:r>
+              <a:rPr lang="en-US" sz="1500" b="1" dirty="0"/>
+              <a:t> + </a:t>
+            </a:r>
+            <a:r>
+              <a:rPr lang="en-US" sz="1500" b="1" dirty="0" err="1"/>
+              <a:t>predSVN</a:t>
+            </a:r>
+            <a:r>
+              <a:rPr lang="en-US" sz="1500" b="1" dirty="0"/>
+              <a:t>)/3</a:t>
+            </a:r>
+          </a:p>
+          <a:p>
+            <a:r>
+              <a:rPr lang="en-US" sz="1500" b="1" dirty="0"/>
+              <a:t>print (</a:t>
+            </a:r>
+            <a:r>
+              <a:rPr lang="en-US" sz="1500" b="1" dirty="0" err="1"/>
+              <a:t>confusion_matrix</a:t>
+            </a:r>
+            <a:r>
+              <a:rPr lang="en-US" sz="1500" b="1" dirty="0"/>
+              <a:t>(</a:t>
+            </a:r>
+            <a:r>
+              <a:rPr lang="en-US" sz="1500" b="1" dirty="0" err="1"/>
+              <a:t>testX</a:t>
+            </a:r>
+            <a:r>
+              <a:rPr lang="en-US" sz="1500" b="1" dirty="0"/>
+              <a:t>, </a:t>
+            </a:r>
+            <a:r>
+              <a:rPr lang="en-US" sz="1500" b="1" dirty="0" err="1"/>
+              <a:t>predAVG</a:t>
+            </a:r>
+            <a:r>
+              <a:rPr lang="en-US" sz="1500" b="1" dirty="0"/>
+              <a:t>)</a:t>
+            </a:r>
+          </a:p>
+          <a:p>
+            <a:endParaRPr lang="en-US" sz="1500" b="1" dirty="0"/>
+          </a:p>
+          <a:p>
+            <a:r>
+              <a:rPr lang="en-US" sz="1500" b="1" dirty="0" err="1"/>
+              <a:t>predAVG</a:t>
+            </a:r>
+            <a:r>
+              <a:rPr lang="en-US" sz="1500" b="1" dirty="0"/>
+              <a:t> = (</a:t>
+            </a:r>
+            <a:r>
+              <a:rPr lang="en-US" sz="1500" b="1" dirty="0" err="1"/>
+              <a:t>predLR</a:t>
+            </a:r>
+            <a:r>
+              <a:rPr lang="en-US" sz="1500" b="1" dirty="0"/>
+              <a:t> * .4 + </a:t>
+            </a:r>
+            <a:r>
+              <a:rPr lang="en-US" sz="1500" b="1" dirty="0" err="1"/>
+              <a:t>predNN</a:t>
+            </a:r>
+            <a:r>
+              <a:rPr lang="en-US" sz="1500" b="1" dirty="0"/>
+              <a:t> * .35 + </a:t>
+            </a:r>
+            <a:r>
+              <a:rPr lang="en-US" sz="1500" b="1" dirty="0" err="1"/>
+              <a:t>predSVN</a:t>
+            </a:r>
+            <a:r>
+              <a:rPr lang="en-US" sz="1500" b="1" dirty="0"/>
+              <a:t> * .25)/3</a:t>
+            </a:r>
+          </a:p>
+          <a:p>
+            <a:r>
+              <a:rPr lang="en-US" sz="1500" b="1" dirty="0"/>
+              <a:t>print (</a:t>
+            </a:r>
+            <a:r>
+              <a:rPr lang="en-US" sz="1500" b="1" dirty="0" err="1"/>
+              <a:t>confusion_matrix</a:t>
+            </a:r>
+            <a:r>
+              <a:rPr lang="en-US" sz="1500" b="1" dirty="0"/>
+              <a:t>(</a:t>
+            </a:r>
+            <a:r>
+              <a:rPr lang="en-US" sz="1500" b="1" dirty="0" err="1"/>
+              <a:t>testX</a:t>
+            </a:r>
+            <a:r>
+              <a:rPr lang="en-US" sz="1500" b="1" dirty="0"/>
+              <a:t>, </a:t>
+            </a:r>
+            <a:r>
+              <a:rPr lang="en-US" sz="1500" b="1" dirty="0" err="1"/>
+              <a:t>predAVG</a:t>
+            </a:r>
+            <a:r>
+              <a:rPr lang="en-US" sz="1500" b="1" dirty="0"/>
+              <a:t>)</a:t>
+            </a:r>
+          </a:p>
+          <a:p>
+            <a:endParaRPr lang="en-US" sz="1500" b="1" dirty="0"/>
+          </a:p>
+        </p:txBody>
+      </p:sp>
+    </p:spTree>
+    <p:extLst>
+      <p:ext uri="{BB962C8B-B14F-4D97-AF65-F5344CB8AC3E}">
+        <p14:creationId xmlns:p14="http://schemas.microsoft.com/office/powerpoint/2010/main" val="2658446287"/>
+      </p:ext>
+    </p:extLst>
+  </p:cSld>
+  <p:clrMapOvr>
+    <a:masterClrMapping/>
+  </p:clrMapOvr>
+</p:sld>
+</file>
+
 <file path=ppt/slides/slide34.xml><?xml version="1.0" encoding="utf-8"?>
+<p:sld xmlns:a="http://schemas.openxmlformats.org/drawingml/2006/main" xmlns:r="http://schemas.openxmlformats.org/officeDocument/2006/relationships" xmlns:p="http://schemas.openxmlformats.org/presentationml/2006/main">
+  <p:cSld>
+    <p:spTree>
+      <p:nvGrpSpPr>
+        <p:cNvPr id="1" name=""/>
+        <p:cNvGrpSpPr/>
+        <p:nvPr/>
+      </p:nvGrpSpPr>
+      <p:grpSpPr>
+        <a:xfrm>
+          <a:off x="0" y="0"/>
+          <a:ext cx="0" cy="0"/>
+          <a:chOff x="0" y="0"/>
+          <a:chExt cx="0" cy="0"/>
+        </a:xfrm>
+      </p:grpSpPr>
+      <p:sp>
+        <p:nvSpPr>
+          <p:cNvPr id="3" name="Content Placeholder 2"/>
+          <p:cNvSpPr>
+            <a:spLocks noGrp="1"/>
+          </p:cNvSpPr>
+          <p:nvPr>
+            <p:ph idx="1"/>
+          </p:nvPr>
+        </p:nvSpPr>
+        <p:spPr/>
+        <p:txBody>
+          <a:bodyPr/>
+          <a:lstStyle/>
+          <a:p>
+            <a:r>
+              <a:rPr lang="en-US" dirty="0"/>
+              <a:t>Creates Decision Trees on randomly selected samples of the training set</a:t>
+            </a:r>
+          </a:p>
+          <a:p>
+            <a:r>
+              <a:rPr lang="en-US" dirty="0"/>
+              <a:t>Performs multiple iterations and gets prediction results</a:t>
+            </a:r>
+          </a:p>
+          <a:p>
+            <a:r>
+              <a:rPr lang="en-US" dirty="0"/>
+              <a:t>Votes on the best random sample</a:t>
+            </a:r>
+          </a:p>
+          <a:p>
+            <a:r>
+              <a:rPr lang="en-US" dirty="0"/>
+              <a:t>Pros</a:t>
+            </a:r>
+          </a:p>
+          <a:p>
+            <a:pPr lvl="1"/>
+            <a:r>
+              <a:rPr lang="en-US" dirty="0"/>
+              <a:t>Often highly accurate due to the strength of multiple predictions</a:t>
+            </a:r>
+          </a:p>
+          <a:p>
+            <a:pPr lvl="1"/>
+            <a:r>
+              <a:rPr lang="en-US" dirty="0"/>
+              <a:t>Usually does not suffer from overfitting</a:t>
+            </a:r>
+          </a:p>
+          <a:p>
+            <a:pPr lvl="1"/>
+            <a:r>
+              <a:rPr lang="en-US" dirty="0"/>
+              <a:t>Can see the relative feature importance which is useful in revising the model</a:t>
+            </a:r>
+          </a:p>
+          <a:p>
+            <a:r>
+              <a:rPr lang="en-US" dirty="0"/>
+              <a:t>Cons</a:t>
+            </a:r>
+          </a:p>
+          <a:p>
+            <a:pPr lvl="1"/>
+            <a:r>
+              <a:rPr lang="en-US" dirty="0"/>
+              <a:t>Slow to generate because of multiple iterations</a:t>
+            </a:r>
+          </a:p>
+          <a:p>
+            <a:pPr lvl="1"/>
+            <a:r>
+              <a:rPr lang="en-US" dirty="0"/>
+              <a:t>Compared to a Decision Tree you cannot really see the path of the tree</a:t>
+            </a:r>
+          </a:p>
+        </p:txBody>
+      </p:sp>
+      <p:sp>
+        <p:nvSpPr>
+          <p:cNvPr id="2" name="Title 1"/>
+          <p:cNvSpPr>
+            <a:spLocks noGrp="1"/>
+          </p:cNvSpPr>
+          <p:nvPr>
+            <p:ph type="title"/>
+          </p:nvPr>
+        </p:nvSpPr>
+        <p:spPr/>
+        <p:txBody>
+          <a:bodyPr/>
+          <a:lstStyle/>
+          <a:p>
+            <a:r>
+              <a:rPr lang="en-US" dirty="0"/>
+              <a:t>Random Forest</a:t>
+            </a:r>
+          </a:p>
+        </p:txBody>
+      </p:sp>
+    </p:spTree>
+    <p:extLst>
+      <p:ext uri="{BB962C8B-B14F-4D97-AF65-F5344CB8AC3E}">
+        <p14:creationId xmlns:p14="http://schemas.microsoft.com/office/powerpoint/2010/main" val="412271066"/>
+      </p:ext>
+    </p:extLst>
+  </p:cSld>
+  <p:clrMapOvr>
+    <a:masterClrMapping/>
+  </p:clrMapOvr>
+</p:sld>
+</file>
+
+<file path=ppt/slides/slide35.xml><?xml version="1.0" encoding="utf-8"?>
+<p:sld xmlns:a="http://schemas.openxmlformats.org/drawingml/2006/main" xmlns:r="http://schemas.openxmlformats.org/officeDocument/2006/relationships" xmlns:p="http://schemas.openxmlformats.org/presentationml/2006/main">
+  <p:cSld>
+    <p:spTree>
+      <p:nvGrpSpPr>
+        <p:cNvPr id="1" name=""/>
+        <p:cNvGrpSpPr/>
+        <p:nvPr/>
+      </p:nvGrpSpPr>
+      <p:grpSpPr>
+        <a:xfrm>
+          <a:off x="0" y="0"/>
+          <a:ext cx="0" cy="0"/>
+          <a:chOff x="0" y="0"/>
+          <a:chExt cx="0" cy="0"/>
+        </a:xfrm>
+      </p:grpSpPr>
+      <p:sp>
+        <p:nvSpPr>
+          <p:cNvPr id="3" name="Content Placeholder 2"/>
+          <p:cNvSpPr>
+            <a:spLocks noGrp="1"/>
+          </p:cNvSpPr>
+          <p:nvPr>
+            <p:ph idx="1"/>
+          </p:nvPr>
+        </p:nvSpPr>
+        <p:spPr/>
+        <p:txBody>
+          <a:bodyPr/>
+          <a:lstStyle/>
+          <a:p>
+            <a:r>
+              <a:rPr lang="en-US" dirty="0"/>
+              <a:t>Load the module, create a model and train it</a:t>
+            </a:r>
+          </a:p>
+          <a:p>
+            <a:endParaRPr lang="en-US" dirty="0"/>
+          </a:p>
+          <a:p>
+            <a:endParaRPr lang="en-US" dirty="0"/>
+          </a:p>
+          <a:p>
+            <a:pPr lvl="1"/>
+            <a:endParaRPr lang="en-US" dirty="0"/>
+          </a:p>
+          <a:p>
+            <a:r>
+              <a:rPr lang="en-US" dirty="0"/>
+              <a:t>Run a prediction on the reserved testing set and compare the predicted values to the known values</a:t>
+            </a:r>
+          </a:p>
+          <a:p>
+            <a:pPr marL="0" indent="0">
+              <a:buNone/>
+            </a:pPr>
+            <a:endParaRPr lang="en-US" dirty="0"/>
+          </a:p>
+          <a:p>
+            <a:pPr lvl="1"/>
+            <a:endParaRPr lang="en-US" dirty="0"/>
+          </a:p>
+        </p:txBody>
+      </p:sp>
+      <p:sp>
+        <p:nvSpPr>
+          <p:cNvPr id="2" name="Title 1"/>
+          <p:cNvSpPr>
+            <a:spLocks noGrp="1"/>
+          </p:cNvSpPr>
+          <p:nvPr>
+            <p:ph type="title"/>
+          </p:nvPr>
+        </p:nvSpPr>
+        <p:spPr/>
+        <p:txBody>
+          <a:bodyPr/>
+          <a:lstStyle/>
+          <a:p>
+            <a:r>
+              <a:rPr lang="en-US" dirty="0"/>
+              <a:t>Apply Random Forest</a:t>
+            </a:r>
+          </a:p>
+        </p:txBody>
+      </p:sp>
+      <p:sp>
+        <p:nvSpPr>
+          <p:cNvPr id="4" name="TextBox 3">
+            <a:extLst>
+              <a:ext uri="{FF2B5EF4-FFF2-40B4-BE49-F238E27FC236}">
+                <a16:creationId xmlns:a16="http://schemas.microsoft.com/office/drawing/2014/main" id="{B25BD5BC-E8B9-4540-A404-A5C6B4AFC25D}"/>
+              </a:ext>
+            </a:extLst>
+          </p:cNvPr>
+          <p:cNvSpPr txBox="1"/>
+          <p:nvPr/>
+        </p:nvSpPr>
+        <p:spPr>
+          <a:xfrm>
+            <a:off x="1330508" y="1588198"/>
+            <a:ext cx="6482985" cy="830997"/>
+          </a:xfrm>
+          <a:prstGeom prst="rect">
+            <a:avLst/>
+          </a:prstGeom>
+          <a:noFill/>
+          <a:ln w="28575" algn="ctr">
+            <a:solidFill>
+              <a:schemeClr val="accent2">
+                <a:lumMod val="20000"/>
+                <a:lumOff val="80000"/>
+              </a:schemeClr>
+            </a:solidFill>
+            <a:miter lim="800000"/>
+            <a:headEnd/>
+            <a:tailEnd/>
+          </a:ln>
+          <a:effectLst/>
+        </p:spPr>
+        <p:txBody>
+          <a:bodyPr wrap="square">
+            <a:spAutoFit/>
+          </a:bodyPr>
+          <a:lstStyle>
+            <a:defPPr>
+              <a:defRPr lang="en-US"/>
+            </a:defPPr>
+            <a:lvl1pPr marL="0" defTabSz="914400" eaLnBrk="1" latinLnBrk="0" hangingPunct="1">
+              <a:defRPr sz="1400">
+                <a:solidFill>
+                  <a:schemeClr val="tx1"/>
+                </a:solidFill>
+                <a:latin typeface="Courier New" pitchFamily="49" charset="0"/>
+                <a:cs typeface="+mn-cs"/>
+              </a:defRPr>
+            </a:lvl1pPr>
+            <a:lvl2pPr marL="742950" indent="-285750" defTabSz="914400" latinLnBrk="0">
+              <a:defRPr sz="1400">
+                <a:solidFill>
+                  <a:schemeClr val="tx1"/>
+                </a:solidFill>
+                <a:latin typeface="Arial" charset="0"/>
+                <a:cs typeface="+mn-cs"/>
+              </a:defRPr>
+            </a:lvl2pPr>
+            <a:lvl3pPr marL="1143000" indent="-228600" defTabSz="914400" latinLnBrk="0">
+              <a:defRPr sz="1400">
+                <a:solidFill>
+                  <a:schemeClr val="tx1"/>
+                </a:solidFill>
+                <a:latin typeface="Arial" charset="0"/>
+                <a:cs typeface="+mn-cs"/>
+              </a:defRPr>
+            </a:lvl3pPr>
+            <a:lvl4pPr marL="1600200" indent="-228600" defTabSz="914400" latinLnBrk="0">
+              <a:defRPr sz="1400">
+                <a:solidFill>
+                  <a:schemeClr val="tx1"/>
+                </a:solidFill>
+                <a:latin typeface="Arial" charset="0"/>
+                <a:cs typeface="+mn-cs"/>
+              </a:defRPr>
+            </a:lvl4pPr>
+            <a:lvl5pPr marL="2057400" indent="-228600" defTabSz="914400" latinLnBrk="0">
+              <a:defRPr sz="1400">
+                <a:solidFill>
+                  <a:schemeClr val="tx1"/>
+                </a:solidFill>
+                <a:latin typeface="Arial" charset="0"/>
+                <a:cs typeface="+mn-cs"/>
+              </a:defRPr>
+            </a:lvl5pPr>
+            <a:lvl6pPr marL="2514600" indent="-228600" eaLnBrk="0" fontAlgn="base" hangingPunct="0">
+              <a:spcBef>
+                <a:spcPct val="0"/>
+              </a:spcBef>
+              <a:spcAft>
+                <a:spcPct val="0"/>
+              </a:spcAft>
+              <a:defRPr sz="1400">
+                <a:solidFill>
+                  <a:schemeClr val="tx1"/>
+                </a:solidFill>
+                <a:latin typeface="Arial" charset="0"/>
+                <a:cs typeface="+mn-cs"/>
+              </a:defRPr>
+            </a:lvl6pPr>
+            <a:lvl7pPr marL="2971800" indent="-228600" eaLnBrk="0" fontAlgn="base" hangingPunct="0">
+              <a:spcBef>
+                <a:spcPct val="0"/>
+              </a:spcBef>
+              <a:spcAft>
+                <a:spcPct val="0"/>
+              </a:spcAft>
+              <a:defRPr sz="1400">
+                <a:solidFill>
+                  <a:schemeClr val="tx1"/>
+                </a:solidFill>
+                <a:latin typeface="Arial" charset="0"/>
+                <a:cs typeface="+mn-cs"/>
+              </a:defRPr>
+            </a:lvl7pPr>
+            <a:lvl8pPr marL="3429000" indent="-228600" eaLnBrk="0" fontAlgn="base" hangingPunct="0">
+              <a:spcBef>
+                <a:spcPct val="0"/>
+              </a:spcBef>
+              <a:spcAft>
+                <a:spcPct val="0"/>
+              </a:spcAft>
+              <a:defRPr sz="1400">
+                <a:solidFill>
+                  <a:schemeClr val="tx1"/>
+                </a:solidFill>
+                <a:latin typeface="Arial" charset="0"/>
+                <a:cs typeface="+mn-cs"/>
+              </a:defRPr>
+            </a:lvl8pPr>
+            <a:lvl9pPr marL="3886200" indent="-228600" eaLnBrk="0" fontAlgn="base" hangingPunct="0">
+              <a:spcBef>
+                <a:spcPct val="0"/>
+              </a:spcBef>
+              <a:spcAft>
+                <a:spcPct val="0"/>
+              </a:spcAft>
+              <a:defRPr sz="1400">
+                <a:solidFill>
+                  <a:schemeClr val="tx1"/>
+                </a:solidFill>
+                <a:latin typeface="Arial" charset="0"/>
+                <a:cs typeface="+mn-cs"/>
+              </a:defRPr>
+            </a:lvl9pPr>
+          </a:lstStyle>
+          <a:p>
+            <a:r>
+              <a:rPr lang="en-US" sz="1600" b="1" dirty="0"/>
+              <a:t>from sklearn.ensemble import RandomForestClassifier</a:t>
+            </a:r>
+          </a:p>
+          <a:p>
+            <a:r>
+              <a:rPr lang="en-US" sz="1600" b="1" dirty="0"/>
+              <a:t>modelRF = RandomForestClassifier(n_estimators=10)</a:t>
+            </a:r>
+          </a:p>
+          <a:p>
+            <a:r>
+              <a:rPr lang="en-US" sz="1600" b="1" dirty="0"/>
+              <a:t>modelRF.fit(trainX, trainY)</a:t>
+            </a:r>
+            <a:endParaRPr lang="en-US" sz="1600" dirty="0"/>
+          </a:p>
+        </p:txBody>
+      </p:sp>
+      <p:sp>
+        <p:nvSpPr>
+          <p:cNvPr id="5" name="TextBox 4">
+            <a:extLst>
+              <a:ext uri="{FF2B5EF4-FFF2-40B4-BE49-F238E27FC236}">
+                <a16:creationId xmlns:a16="http://schemas.microsoft.com/office/drawing/2014/main" id="{B25BD5BC-E8B9-4540-A404-A5C6B4AFC25D}"/>
+              </a:ext>
+            </a:extLst>
+          </p:cNvPr>
+          <p:cNvSpPr txBox="1"/>
+          <p:nvPr/>
+        </p:nvSpPr>
+        <p:spPr>
+          <a:xfrm>
+            <a:off x="908477" y="3445325"/>
+            <a:ext cx="7327046" cy="2554545"/>
+          </a:xfrm>
+          <a:prstGeom prst="rect">
+            <a:avLst/>
+          </a:prstGeom>
+          <a:noFill/>
+          <a:ln w="28575" algn="ctr">
+            <a:solidFill>
+              <a:schemeClr val="accent2">
+                <a:lumMod val="20000"/>
+                <a:lumOff val="80000"/>
+              </a:schemeClr>
+            </a:solidFill>
+            <a:miter lim="800000"/>
+            <a:headEnd/>
+            <a:tailEnd/>
+          </a:ln>
+          <a:effectLst/>
+        </p:spPr>
+        <p:txBody>
+          <a:bodyPr wrap="square">
+            <a:spAutoFit/>
+          </a:bodyPr>
+          <a:lstStyle>
+            <a:defPPr>
+              <a:defRPr lang="en-US"/>
+            </a:defPPr>
+            <a:lvl1pPr marL="0" defTabSz="914400" eaLnBrk="1" latinLnBrk="0" hangingPunct="1">
+              <a:defRPr sz="1400">
+                <a:solidFill>
+                  <a:schemeClr val="tx1"/>
+                </a:solidFill>
+                <a:latin typeface="Courier New" pitchFamily="49" charset="0"/>
+                <a:cs typeface="+mn-cs"/>
+              </a:defRPr>
+            </a:lvl1pPr>
+            <a:lvl2pPr marL="742950" indent="-285750" defTabSz="914400" latinLnBrk="0">
+              <a:defRPr sz="1400">
+                <a:solidFill>
+                  <a:schemeClr val="tx1"/>
+                </a:solidFill>
+                <a:latin typeface="Arial" charset="0"/>
+                <a:cs typeface="+mn-cs"/>
+              </a:defRPr>
+            </a:lvl2pPr>
+            <a:lvl3pPr marL="1143000" indent="-228600" defTabSz="914400" latinLnBrk="0">
+              <a:defRPr sz="1400">
+                <a:solidFill>
+                  <a:schemeClr val="tx1"/>
+                </a:solidFill>
+                <a:latin typeface="Arial" charset="0"/>
+                <a:cs typeface="+mn-cs"/>
+              </a:defRPr>
+            </a:lvl3pPr>
+            <a:lvl4pPr marL="1600200" indent="-228600" defTabSz="914400" latinLnBrk="0">
+              <a:defRPr sz="1400">
+                <a:solidFill>
+                  <a:schemeClr val="tx1"/>
+                </a:solidFill>
+                <a:latin typeface="Arial" charset="0"/>
+                <a:cs typeface="+mn-cs"/>
+              </a:defRPr>
+            </a:lvl4pPr>
+            <a:lvl5pPr marL="2057400" indent="-228600" defTabSz="914400" latinLnBrk="0">
+              <a:defRPr sz="1400">
+                <a:solidFill>
+                  <a:schemeClr val="tx1"/>
+                </a:solidFill>
+                <a:latin typeface="Arial" charset="0"/>
+                <a:cs typeface="+mn-cs"/>
+              </a:defRPr>
+            </a:lvl5pPr>
+            <a:lvl6pPr marL="2514600" indent="-228600" eaLnBrk="0" fontAlgn="base" hangingPunct="0">
+              <a:spcBef>
+                <a:spcPct val="0"/>
+              </a:spcBef>
+              <a:spcAft>
+                <a:spcPct val="0"/>
+              </a:spcAft>
+              <a:defRPr sz="1400">
+                <a:solidFill>
+                  <a:schemeClr val="tx1"/>
+                </a:solidFill>
+                <a:latin typeface="Arial" charset="0"/>
+                <a:cs typeface="+mn-cs"/>
+              </a:defRPr>
+            </a:lvl6pPr>
+            <a:lvl7pPr marL="2971800" indent="-228600" eaLnBrk="0" fontAlgn="base" hangingPunct="0">
+              <a:spcBef>
+                <a:spcPct val="0"/>
+              </a:spcBef>
+              <a:spcAft>
+                <a:spcPct val="0"/>
+              </a:spcAft>
+              <a:defRPr sz="1400">
+                <a:solidFill>
+                  <a:schemeClr val="tx1"/>
+                </a:solidFill>
+                <a:latin typeface="Arial" charset="0"/>
+                <a:cs typeface="+mn-cs"/>
+              </a:defRPr>
+            </a:lvl7pPr>
+            <a:lvl8pPr marL="3429000" indent="-228600" eaLnBrk="0" fontAlgn="base" hangingPunct="0">
+              <a:spcBef>
+                <a:spcPct val="0"/>
+              </a:spcBef>
+              <a:spcAft>
+                <a:spcPct val="0"/>
+              </a:spcAft>
+              <a:defRPr sz="1400">
+                <a:solidFill>
+                  <a:schemeClr val="tx1"/>
+                </a:solidFill>
+                <a:latin typeface="Arial" charset="0"/>
+                <a:cs typeface="+mn-cs"/>
+              </a:defRPr>
+            </a:lvl8pPr>
+            <a:lvl9pPr marL="3886200" indent="-228600" eaLnBrk="0" fontAlgn="base" hangingPunct="0">
+              <a:spcBef>
+                <a:spcPct val="0"/>
+              </a:spcBef>
+              <a:spcAft>
+                <a:spcPct val="0"/>
+              </a:spcAft>
+              <a:defRPr sz="1400">
+                <a:solidFill>
+                  <a:schemeClr val="tx1"/>
+                </a:solidFill>
+                <a:latin typeface="Arial" charset="0"/>
+                <a:cs typeface="+mn-cs"/>
+              </a:defRPr>
+            </a:lvl9pPr>
+          </a:lstStyle>
+          <a:p>
+            <a:r>
+              <a:rPr lang="en-US" sz="1600" b="1" dirty="0"/>
+              <a:t>predY = modelRF.predict(testX)</a:t>
+            </a:r>
+          </a:p>
+          <a:p>
+            <a:r>
+              <a:rPr lang="en-US" sz="1600" b="1" dirty="0"/>
+              <a:t>from sklearn import metrics</a:t>
+            </a:r>
+          </a:p>
+          <a:p>
+            <a:r>
+              <a:rPr lang="en-US" sz="1600" b="1" dirty="0"/>
+              <a:t>print ("Accuracy:",metrics.accuracy_score(testY, predY))</a:t>
+            </a:r>
+          </a:p>
+          <a:p>
+            <a:r>
+              <a:rPr lang="en-US" sz="1600" b="1" dirty="0"/>
+              <a:t>cm = confusion_matrix(testY, predY)</a:t>
+            </a:r>
+          </a:p>
+          <a:p>
+            <a:r>
+              <a:rPr lang="en-US" sz="1600" b="1" dirty="0"/>
+              <a:t>print (cm)</a:t>
+            </a:r>
+          </a:p>
+          <a:p>
+            <a:endParaRPr lang="en-US" sz="1600" b="1" dirty="0"/>
+          </a:p>
+          <a:p>
+            <a:r>
+              <a:rPr lang="en-US" sz="1600" b="1" dirty="0"/>
+              <a:t>import pandas as pd</a:t>
+            </a:r>
+          </a:p>
+          <a:p>
+            <a:r>
+              <a:rPr lang="en-US" sz="1600" b="1" dirty="0"/>
+              <a:t>feature_imp = pd.Series(modelRF.feature_importances_,\    </a:t>
+            </a:r>
+            <a:br>
+              <a:rPr lang="en-US" sz="1600" b="1" dirty="0"/>
+            </a:br>
+            <a:r>
+              <a:rPr lang="en-US" sz="1600" b="1" dirty="0"/>
+              <a:t>    index=trainX.columns).sort_values(ascending=False)</a:t>
+            </a:r>
+          </a:p>
+          <a:p>
+            <a:r>
+              <a:rPr lang="en-US" sz="1600" b="1" dirty="0"/>
+              <a:t>print (feature_imp)</a:t>
+            </a:r>
+          </a:p>
+        </p:txBody>
+      </p:sp>
+    </p:spTree>
+    <p:extLst>
+      <p:ext uri="{BB962C8B-B14F-4D97-AF65-F5344CB8AC3E}">
+        <p14:creationId xmlns:p14="http://schemas.microsoft.com/office/powerpoint/2010/main" val="3391049089"/>
+      </p:ext>
+    </p:extLst>
+  </p:cSld>
+  <p:clrMapOvr>
+    <a:masterClrMapping/>
+  </p:clrMapOvr>
+</p:sld>
+</file>
+
+<file path=ppt/slides/slide36.xml><?xml version="1.0" encoding="utf-8"?>
+<p:sld xmlns:a="http://schemas.openxmlformats.org/drawingml/2006/main" xmlns:r="http://schemas.openxmlformats.org/officeDocument/2006/relationships" xmlns:p="http://schemas.openxmlformats.org/presentationml/2006/main">
+  <p:cSld>
+    <p:spTree>
+      <p:nvGrpSpPr>
+        <p:cNvPr id="1" name=""/>
+        <p:cNvGrpSpPr/>
+        <p:nvPr/>
+      </p:nvGrpSpPr>
+      <p:grpSpPr>
+        <a:xfrm>
+          <a:off x="0" y="0"/>
+          <a:ext cx="0" cy="0"/>
+          <a:chOff x="0" y="0"/>
+          <a:chExt cx="0" cy="0"/>
+        </a:xfrm>
+      </p:grpSpPr>
+      <p:sp>
+        <p:nvSpPr>
+          <p:cNvPr id="3" name="Content Placeholder 2"/>
+          <p:cNvSpPr>
+            <a:spLocks noGrp="1"/>
+          </p:cNvSpPr>
+          <p:nvPr>
+            <p:ph idx="1"/>
+          </p:nvPr>
+        </p:nvSpPr>
+        <p:spPr/>
+        <p:txBody>
+          <a:bodyPr/>
+          <a:lstStyle/>
+          <a:p>
+            <a:r>
+              <a:rPr lang="en-US" dirty="0"/>
+              <a:t>Overfitting is when the model predictions too closely fit the data and gives a good score but fails to produce good results on new data</a:t>
+            </a:r>
+          </a:p>
+          <a:p>
+            <a:r>
+              <a:rPr lang="en-US" dirty="0"/>
+              <a:t>Underfitting occurs when the model does not make good predictions and is usually because the model is too simple or does not have enough data</a:t>
+            </a:r>
+          </a:p>
+          <a:p>
+            <a:r>
+              <a:rPr lang="en-US" dirty="0"/>
+              <a:t>Bagging is a technique to decrease the variance of the predictions by generating more data from the original dataset by duplicating rows and helps improve accuracy &amp; reduce overfitting</a:t>
+            </a:r>
+          </a:p>
+          <a:p>
+            <a:r>
+              <a:rPr lang="en-US" dirty="0"/>
+              <a:t>Boosting combines many average models and uses voting to come up with a blended model that often is more accurate helps reduce underfitting</a:t>
+            </a:r>
+          </a:p>
+          <a:p>
+            <a:r>
+              <a:rPr lang="en-US" dirty="0"/>
+              <a:t>Stacking uses the results of many models to create another model</a:t>
+            </a:r>
+          </a:p>
+          <a:p>
+            <a:r>
+              <a:rPr lang="en-US" dirty="0"/>
+              <a:t>Blending is a variation on stacking that uses a training, validation and then testing set, building up the results of the previous steps</a:t>
+            </a:r>
+          </a:p>
+        </p:txBody>
+      </p:sp>
+      <p:sp>
+        <p:nvSpPr>
+          <p:cNvPr id="2" name="Title 1"/>
+          <p:cNvSpPr>
+            <a:spLocks noGrp="1"/>
+          </p:cNvSpPr>
+          <p:nvPr>
+            <p:ph type="title"/>
+          </p:nvPr>
+        </p:nvSpPr>
+        <p:spPr/>
+        <p:txBody>
+          <a:bodyPr/>
+          <a:lstStyle/>
+          <a:p>
+            <a:r>
+              <a:rPr lang="en-US" dirty="0"/>
+              <a:t>Other Options</a:t>
+            </a:r>
+          </a:p>
+        </p:txBody>
+      </p:sp>
+    </p:spTree>
+    <p:extLst>
+      <p:ext uri="{BB962C8B-B14F-4D97-AF65-F5344CB8AC3E}">
+        <p14:creationId xmlns:p14="http://schemas.microsoft.com/office/powerpoint/2010/main" val="3196788732"/>
+      </p:ext>
+    </p:extLst>
+  </p:cSld>
+  <p:clrMapOvr>
+    <a:masterClrMapping/>
+  </p:clrMapOvr>
+</p:sld>
+</file>
+
+<file path=ppt/slides/slide37.xml><?xml version="1.0" encoding="utf-8"?>
 <p:sld xmlns:a="http://schemas.openxmlformats.org/drawingml/2006/main" xmlns:r="http://schemas.openxmlformats.org/officeDocument/2006/relationships" xmlns:p="http://schemas.openxmlformats.org/presentationml/2006/main">
   <p:cSld>
     <p:spTree>
@@ -26593,7 +27916,7 @@
 </p:sld>
 </file>
 
-<file path=ppt/slides/slide35.xml><?xml version="1.0" encoding="utf-8"?>
+<file path=ppt/slides/slide38.xml><?xml version="1.0" encoding="utf-8"?>
 <p:sld xmlns:a="http://schemas.openxmlformats.org/drawingml/2006/main" xmlns:r="http://schemas.openxmlformats.org/officeDocument/2006/relationships" xmlns:p="http://schemas.openxmlformats.org/presentationml/2006/main">
   <p:cSld>
     <p:spTree>
@@ -26697,7 +28020,7 @@
 </p:sld>
 </file>
 
-<file path=ppt/slides/slide36.xml><?xml version="1.0" encoding="utf-8"?>
+<file path=ppt/slides/slide39.xml><?xml version="1.0" encoding="utf-8"?>
 <p:sld xmlns:a="http://schemas.openxmlformats.org/drawingml/2006/main" xmlns:r="http://schemas.openxmlformats.org/officeDocument/2006/relationships" xmlns:p="http://schemas.openxmlformats.org/presentationml/2006/main">
   <p:cSld>
     <p:spTree>
@@ -26750,21 +28073,7 @@
             <a:pPr lvl="1"/>
             <a:r>
               <a:rPr lang="en-US" dirty="0"/>
-              <a:t>Support Vector Machines</a:t>
-            </a:r>
-          </a:p>
-          <a:p>
-            <a:pPr lvl="1"/>
-            <a:r>
-              <a:rPr lang="en-US" dirty="0"/>
               <a:t>Boosted Trees</a:t>
-            </a:r>
-          </a:p>
-          <a:p>
-            <a:pPr lvl="1"/>
-            <a:r>
-              <a:rPr lang="en-US" dirty="0"/>
-              <a:t>Random Forests</a:t>
             </a:r>
           </a:p>
           <a:p>
@@ -26779,6 +28088,20 @@
             <a:r>
               <a:rPr lang="en-US" dirty="0"/>
               <a:t>Stochastic Gradient Descent</a:t>
+            </a:r>
+          </a:p>
+          <a:p>
+            <a:pPr lvl="1"/>
+            <a:r>
+              <a:rPr lang="en-US" dirty="0"/>
+              <a:t>Ensemble techniques</a:t>
+            </a:r>
+          </a:p>
+          <a:p>
+            <a:pPr lvl="1"/>
+            <a:r>
+              <a:rPr lang="en-US" dirty="0"/>
+              <a:t>AdaBoost</a:t>
             </a:r>
           </a:p>
         </p:txBody>
@@ -26809,138 +28132,6 @@
     <p:extLst>
       <p:ext uri="{BB962C8B-B14F-4D97-AF65-F5344CB8AC3E}">
         <p14:creationId xmlns:p14="http://schemas.microsoft.com/office/powerpoint/2010/main" val="861507163"/>
-      </p:ext>
-    </p:extLst>
-  </p:cSld>
-  <p:clrMapOvr>
-    <a:masterClrMapping/>
-  </p:clrMapOvr>
-</p:sld>
-</file>
-
-<file path=ppt/slides/slide37.xml><?xml version="1.0" encoding="utf-8"?>
-<p:sld xmlns:a="http://schemas.openxmlformats.org/drawingml/2006/main" xmlns:r="http://schemas.openxmlformats.org/officeDocument/2006/relationships" xmlns:p="http://schemas.openxmlformats.org/presentationml/2006/main">
-  <p:cSld>
-    <p:spTree>
-      <p:nvGrpSpPr>
-        <p:cNvPr id="1" name=""/>
-        <p:cNvGrpSpPr/>
-        <p:nvPr/>
-      </p:nvGrpSpPr>
-      <p:grpSpPr>
-        <a:xfrm>
-          <a:off x="0" y="0"/>
-          <a:ext cx="0" cy="0"/>
-          <a:chOff x="0" y="0"/>
-          <a:chExt cx="0" cy="0"/>
-        </a:xfrm>
-      </p:grpSpPr>
-      <p:sp>
-        <p:nvSpPr>
-          <p:cNvPr id="5" name="Content Placeholder 4"/>
-          <p:cNvSpPr>
-            <a:spLocks noGrp="1"/>
-          </p:cNvSpPr>
-          <p:nvPr>
-            <p:ph idx="1"/>
-          </p:nvPr>
-        </p:nvSpPr>
-        <p:spPr/>
-        <p:txBody>
-          <a:bodyPr/>
-          <a:lstStyle/>
-          <a:p>
-            <a:pPr marL="0" indent="0">
-              <a:buNone/>
-            </a:pPr>
-            <a:r>
-              <a:rPr lang="en-US" dirty="0"/>
-              <a:t>In this chapter, we have:</a:t>
-            </a:r>
-          </a:p>
-          <a:p>
-            <a:r>
-              <a:rPr lang="en-US" dirty="0"/>
-              <a:t>Understood the use cases for Classification models</a:t>
-            </a:r>
-          </a:p>
-          <a:p>
-            <a:r>
-              <a:rPr lang="en-US" dirty="0"/>
-              <a:t>Discussed and compared various algorithms</a:t>
-            </a:r>
-          </a:p>
-          <a:p>
-            <a:pPr lvl="1"/>
-            <a:r>
-              <a:rPr lang="en-US" dirty="0"/>
-              <a:t>Naive Bayes</a:t>
-            </a:r>
-          </a:p>
-          <a:p>
-            <a:pPr lvl="1"/>
-            <a:r>
-              <a:rPr lang="en-US" dirty="0"/>
-              <a:t>Decision Tree</a:t>
-            </a:r>
-          </a:p>
-          <a:p>
-            <a:pPr lvl="1"/>
-            <a:r>
-              <a:rPr lang="en-US" dirty="0"/>
-              <a:t>Logistic Regression</a:t>
-            </a:r>
-          </a:p>
-          <a:p>
-            <a:pPr lvl="1"/>
-            <a:r>
-              <a:rPr lang="en-US" dirty="0"/>
-              <a:t>Neural Network</a:t>
-            </a:r>
-          </a:p>
-          <a:p>
-            <a:pPr marL="0" indent="0">
-              <a:buNone/>
-            </a:pPr>
-            <a:endParaRPr lang="en-US" dirty="0"/>
-          </a:p>
-          <a:p>
-            <a:endParaRPr lang="en-US" dirty="0"/>
-          </a:p>
-          <a:p>
-            <a:pPr marL="0" indent="0">
-              <a:buNone/>
-            </a:pPr>
-            <a:endParaRPr lang="en-US" dirty="0"/>
-          </a:p>
-        </p:txBody>
-      </p:sp>
-      <p:sp>
-        <p:nvSpPr>
-          <p:cNvPr id="4" name="Title 3"/>
-          <p:cNvSpPr>
-            <a:spLocks noGrp="1"/>
-          </p:cNvSpPr>
-          <p:nvPr>
-            <p:ph type="title"/>
-          </p:nvPr>
-        </p:nvSpPr>
-        <p:spPr/>
-        <p:txBody>
-          <a:bodyPr/>
-          <a:lstStyle/>
-          <a:p>
-            <a:r>
-              <a:rPr lang="en-US" dirty="0"/>
-              <a:t>Chapter Summary</a:t>
-            </a:r>
-          </a:p>
-        </p:txBody>
-      </p:sp>
-    </p:spTree>
-    <p:extLst>
-      <p:ext uri="{BB962C8B-B14F-4D97-AF65-F5344CB8AC3E}">
-        <p14:creationId xmlns:p14="http://schemas.microsoft.com/office/powerpoint/2010/main" val="23848925"/>
       </p:ext>
     </p:extLst>
   </p:cSld>
@@ -27070,6 +28261,138 @@
     <p:extLst>
       <p:ext uri="{BB962C8B-B14F-4D97-AF65-F5344CB8AC3E}">
         <p14:creationId xmlns:p14="http://schemas.microsoft.com/office/powerpoint/2010/main" val="3309313356"/>
+      </p:ext>
+    </p:extLst>
+  </p:cSld>
+  <p:clrMapOvr>
+    <a:masterClrMapping/>
+  </p:clrMapOvr>
+</p:sld>
+</file>
+
+<file path=ppt/slides/slide40.xml><?xml version="1.0" encoding="utf-8"?>
+<p:sld xmlns:a="http://schemas.openxmlformats.org/drawingml/2006/main" xmlns:r="http://schemas.openxmlformats.org/officeDocument/2006/relationships" xmlns:p="http://schemas.openxmlformats.org/presentationml/2006/main">
+  <p:cSld>
+    <p:spTree>
+      <p:nvGrpSpPr>
+        <p:cNvPr id="1" name=""/>
+        <p:cNvGrpSpPr/>
+        <p:nvPr/>
+      </p:nvGrpSpPr>
+      <p:grpSpPr>
+        <a:xfrm>
+          <a:off x="0" y="0"/>
+          <a:ext cx="0" cy="0"/>
+          <a:chOff x="0" y="0"/>
+          <a:chExt cx="0" cy="0"/>
+        </a:xfrm>
+      </p:grpSpPr>
+      <p:sp>
+        <p:nvSpPr>
+          <p:cNvPr id="5" name="Content Placeholder 4"/>
+          <p:cNvSpPr>
+            <a:spLocks noGrp="1"/>
+          </p:cNvSpPr>
+          <p:nvPr>
+            <p:ph idx="1"/>
+          </p:nvPr>
+        </p:nvSpPr>
+        <p:spPr/>
+        <p:txBody>
+          <a:bodyPr/>
+          <a:lstStyle/>
+          <a:p>
+            <a:pPr marL="0" indent="0">
+              <a:buNone/>
+            </a:pPr>
+            <a:r>
+              <a:rPr lang="en-US" dirty="0"/>
+              <a:t>In this chapter, we have:</a:t>
+            </a:r>
+          </a:p>
+          <a:p>
+            <a:r>
+              <a:rPr lang="en-US" dirty="0"/>
+              <a:t>Understood the use cases for Classification models</a:t>
+            </a:r>
+          </a:p>
+          <a:p>
+            <a:r>
+              <a:rPr lang="en-US" dirty="0"/>
+              <a:t>Discussed and compared various algorithms</a:t>
+            </a:r>
+          </a:p>
+          <a:p>
+            <a:pPr lvl="1"/>
+            <a:r>
+              <a:rPr lang="en-US" dirty="0"/>
+              <a:t>Naive Bayes</a:t>
+            </a:r>
+          </a:p>
+          <a:p>
+            <a:pPr lvl="1"/>
+            <a:r>
+              <a:rPr lang="en-US" dirty="0"/>
+              <a:t>Decision Tree</a:t>
+            </a:r>
+          </a:p>
+          <a:p>
+            <a:pPr lvl="1"/>
+            <a:r>
+              <a:rPr lang="en-US" dirty="0"/>
+              <a:t>Logistic Regression</a:t>
+            </a:r>
+          </a:p>
+          <a:p>
+            <a:pPr lvl="1"/>
+            <a:r>
+              <a:rPr lang="en-US" dirty="0"/>
+              <a:t>Neural Network</a:t>
+            </a:r>
+          </a:p>
+          <a:p>
+            <a:pPr marL="0" indent="0">
+              <a:buNone/>
+            </a:pPr>
+            <a:endParaRPr lang="en-US" dirty="0"/>
+          </a:p>
+          <a:p>
+            <a:endParaRPr lang="en-US" dirty="0"/>
+          </a:p>
+          <a:p>
+            <a:pPr marL="0" indent="0">
+              <a:buNone/>
+            </a:pPr>
+            <a:endParaRPr lang="en-US" dirty="0"/>
+          </a:p>
+        </p:txBody>
+      </p:sp>
+      <p:sp>
+        <p:nvSpPr>
+          <p:cNvPr id="4" name="Title 3"/>
+          <p:cNvSpPr>
+            <a:spLocks noGrp="1"/>
+          </p:cNvSpPr>
+          <p:nvPr>
+            <p:ph type="title"/>
+          </p:nvPr>
+        </p:nvSpPr>
+        <p:spPr/>
+        <p:txBody>
+          <a:bodyPr/>
+          <a:lstStyle/>
+          <a:p>
+            <a:r>
+              <a:rPr lang="en-US" dirty="0"/>
+              <a:t>Chapter Summary</a:t>
+            </a:r>
+          </a:p>
+        </p:txBody>
+      </p:sp>
+    </p:spTree>
+    <p:extLst>
+      <p:ext uri="{BB962C8B-B14F-4D97-AF65-F5344CB8AC3E}">
+        <p14:creationId xmlns:p14="http://schemas.microsoft.com/office/powerpoint/2010/main" val="23848925"/>
       </p:ext>
     </p:extLst>
   </p:cSld>
@@ -29621,18 +30944,18 @@
 </file>
 
 <file path=customXml/item1.xml><?xml version="1.0" encoding="utf-8"?>
-<p:properties xmlns:p="http://schemas.microsoft.com/office/2006/metadata/properties" xmlns:xsi="http://www.w3.org/2001/XMLSchema-instance" xmlns:pc="http://schemas.microsoft.com/office/infopath/2007/PartnerControls">
-  <documentManagement/>
-</p:properties>
-</file>
-
-<file path=customXml/item2.xml><?xml version="1.0" encoding="utf-8"?>
 <?mso-contentType ?>
 <FormTemplates xmlns="http://schemas.microsoft.com/sharepoint/v3/contenttype/forms">
   <Display>DocumentLibraryForm</Display>
   <Edit>DocumentLibraryForm</Edit>
   <New>DocumentLibraryForm</New>
 </FormTemplates>
+</file>
+
+<file path=customXml/item2.xml><?xml version="1.0" encoding="utf-8"?>
+<p:properties xmlns:p="http://schemas.microsoft.com/office/2006/metadata/properties" xmlns:xsi="http://www.w3.org/2001/XMLSchema-instance" xmlns:pc="http://schemas.microsoft.com/office/infopath/2007/PartnerControls">
+  <documentManagement/>
+</p:properties>
 </file>
 
 <file path=customXml/item3.xml><?xml version="1.0" encoding="utf-8"?>
@@ -29788,6 +31111,14 @@
 </file>
 
 <file path=customXml/itemProps1.xml><?xml version="1.0" encoding="utf-8"?>
+<ds:datastoreItem xmlns:ds="http://schemas.openxmlformats.org/officeDocument/2006/customXml" ds:itemID="{2DA015F3-603C-4688-A5F3-81D587DAB8C9}">
+  <ds:schemaRefs>
+    <ds:schemaRef ds:uri="http://schemas.microsoft.com/sharepoint/v3/contenttype/forms"/>
+  </ds:schemaRefs>
+</ds:datastoreItem>
+</file>
+
+<file path=customXml/itemProps2.xml><?xml version="1.0" encoding="utf-8"?>
 <ds:datastoreItem xmlns:ds="http://schemas.openxmlformats.org/officeDocument/2006/customXml" ds:itemID="{F47B9207-CE5C-49AD-B414-15CBFA246D65}">
   <ds:schemaRefs>
     <ds:schemaRef ds:uri="http://purl.org/dc/terms/"/>
@@ -29799,14 +31130,6 @@
     <ds:schemaRef ds:uri="http://schemas.openxmlformats.org/package/2006/metadata/core-properties"/>
     <ds:schemaRef ds:uri="http://www.w3.org/XML/1998/namespace"/>
     <ds:schemaRef ds:uri="http://purl.org/dc/dcmitype/"/>
-  </ds:schemaRefs>
-</ds:datastoreItem>
-</file>
-
-<file path=customXml/itemProps2.xml><?xml version="1.0" encoding="utf-8"?>
-<ds:datastoreItem xmlns:ds="http://schemas.openxmlformats.org/officeDocument/2006/customXml" ds:itemID="{2DA015F3-603C-4688-A5F3-81D587DAB8C9}">
-  <ds:schemaRefs>
-    <ds:schemaRef ds:uri="http://schemas.microsoft.com/sharepoint/v3/contenttype/forms"/>
   </ds:schemaRefs>
 </ds:datastoreItem>
 </file>

--- a/811M-Ch07_ClassificationModels.pptx
+++ b/811M-Ch07_ClassificationModels.pptx
@@ -5,10 +5,10 @@
     <p:sldMasterId id="2147483684" r:id="rId4"/>
   </p:sldMasterIdLst>
   <p:notesMasterIdLst>
-    <p:notesMasterId r:id="rId45"/>
+    <p:notesMasterId r:id="rId42"/>
   </p:notesMasterIdLst>
   <p:handoutMasterIdLst>
-    <p:handoutMasterId r:id="rId46"/>
+    <p:handoutMasterId r:id="rId43"/>
   </p:handoutMasterIdLst>
   <p:sldIdLst>
     <p:sldId id="257" r:id="rId5"/>
@@ -27,30 +27,27 @@
     <p:sldId id="339" r:id="rId18"/>
     <p:sldId id="340" r:id="rId19"/>
     <p:sldId id="341" r:id="rId20"/>
-    <p:sldId id="342" r:id="rId21"/>
-    <p:sldId id="355" r:id="rId22"/>
-    <p:sldId id="343" r:id="rId23"/>
-    <p:sldId id="353" r:id="rId24"/>
-    <p:sldId id="344" r:id="rId25"/>
-    <p:sldId id="360" r:id="rId26"/>
-    <p:sldId id="345" r:id="rId27"/>
-    <p:sldId id="346" r:id="rId28"/>
-    <p:sldId id="347" r:id="rId29"/>
-    <p:sldId id="359" r:id="rId30"/>
-    <p:sldId id="348" r:id="rId31"/>
-    <p:sldId id="361" r:id="rId32"/>
-    <p:sldId id="356" r:id="rId33"/>
-    <p:sldId id="357" r:id="rId34"/>
-    <p:sldId id="358" r:id="rId35"/>
-    <p:sldId id="364" r:id="rId36"/>
-    <p:sldId id="365" r:id="rId37"/>
-    <p:sldId id="362" r:id="rId38"/>
-    <p:sldId id="363" r:id="rId39"/>
-    <p:sldId id="366" r:id="rId40"/>
-    <p:sldId id="330" r:id="rId41"/>
-    <p:sldId id="349" r:id="rId42"/>
-    <p:sldId id="354" r:id="rId43"/>
-    <p:sldId id="351" r:id="rId44"/>
+    <p:sldId id="362" r:id="rId21"/>
+    <p:sldId id="363" r:id="rId22"/>
+    <p:sldId id="342" r:id="rId23"/>
+    <p:sldId id="355" r:id="rId24"/>
+    <p:sldId id="343" r:id="rId25"/>
+    <p:sldId id="353" r:id="rId26"/>
+    <p:sldId id="344" r:id="rId27"/>
+    <p:sldId id="360" r:id="rId28"/>
+    <p:sldId id="345" r:id="rId29"/>
+    <p:sldId id="346" r:id="rId30"/>
+    <p:sldId id="347" r:id="rId31"/>
+    <p:sldId id="359" r:id="rId32"/>
+    <p:sldId id="348" r:id="rId33"/>
+    <p:sldId id="361" r:id="rId34"/>
+    <p:sldId id="356" r:id="rId35"/>
+    <p:sldId id="357" r:id="rId36"/>
+    <p:sldId id="358" r:id="rId37"/>
+    <p:sldId id="330" r:id="rId38"/>
+    <p:sldId id="349" r:id="rId39"/>
+    <p:sldId id="354" r:id="rId40"/>
+    <p:sldId id="351" r:id="rId41"/>
   </p:sldIdLst>
   <p:sldSz cx="9144000" cy="6858000" type="screen4x3"/>
   <p:notesSz cx="7053263" cy="9356725"/>
@@ -1758,7 +1755,7 @@
     </p:spTree>
     <p:extLst>
       <p:ext uri="{BB962C8B-B14F-4D97-AF65-F5344CB8AC3E}">
-        <p14:creationId xmlns:p14="http://schemas.microsoft.com/office/powerpoint/2010/main" val="662896443"/>
+        <p14:creationId xmlns:p14="http://schemas.microsoft.com/office/powerpoint/2010/main" val="2329670748"/>
       </p:ext>
     </p:extLst>
   </p:cSld>
@@ -1824,7 +1821,7 @@
     </p:spTree>
     <p:extLst>
       <p:ext uri="{BB962C8B-B14F-4D97-AF65-F5344CB8AC3E}">
-        <p14:creationId xmlns:p14="http://schemas.microsoft.com/office/powerpoint/2010/main" val="719987584"/>
+        <p14:creationId xmlns:p14="http://schemas.microsoft.com/office/powerpoint/2010/main" val="4131700859"/>
       </p:ext>
     </p:extLst>
   </p:cSld>
@@ -1890,7 +1887,7 @@
     </p:spTree>
     <p:extLst>
       <p:ext uri="{BB962C8B-B14F-4D97-AF65-F5344CB8AC3E}">
-        <p14:creationId xmlns:p14="http://schemas.microsoft.com/office/powerpoint/2010/main" val="1890198950"/>
+        <p14:creationId xmlns:p14="http://schemas.microsoft.com/office/powerpoint/2010/main" val="662896443"/>
       </p:ext>
     </p:extLst>
   </p:cSld>
@@ -2022,7 +2019,7 @@
     </p:spTree>
     <p:extLst>
       <p:ext uri="{BB962C8B-B14F-4D97-AF65-F5344CB8AC3E}">
-        <p14:creationId xmlns:p14="http://schemas.microsoft.com/office/powerpoint/2010/main" val="92123394"/>
+        <p14:creationId xmlns:p14="http://schemas.microsoft.com/office/powerpoint/2010/main" val="719987584"/>
       </p:ext>
     </p:extLst>
   </p:cSld>
@@ -2088,7 +2085,7 @@
     </p:spTree>
     <p:extLst>
       <p:ext uri="{BB962C8B-B14F-4D97-AF65-F5344CB8AC3E}">
-        <p14:creationId xmlns:p14="http://schemas.microsoft.com/office/powerpoint/2010/main" val="72016467"/>
+        <p14:creationId xmlns:p14="http://schemas.microsoft.com/office/powerpoint/2010/main" val="1890198950"/>
       </p:ext>
     </p:extLst>
   </p:cSld>
@@ -2117,7 +2114,7 @@
       </p:grpSpPr>
       <p:sp>
         <p:nvSpPr>
-          <p:cNvPr id="2" name="Slide Image Placeholder 1"/>
+          <p:cNvPr id="4" name="Slide Image Placeholder 3"/>
           <p:cNvSpPr>
             <a:spLocks noGrp="1" noRot="1" noChangeAspect="1"/>
           </p:cNvSpPr>
@@ -2134,7 +2131,7 @@
       </p:sp>
       <p:sp>
         <p:nvSpPr>
-          <p:cNvPr id="3" name="Notes Placeholder 2"/>
+          <p:cNvPr id="5" name="Notes Placeholder 4"/>
           <p:cNvSpPr>
             <a:spLocks noGrp="1"/>
           </p:cNvSpPr>
@@ -2154,7 +2151,7 @@
     </p:spTree>
     <p:extLst>
       <p:ext uri="{BB962C8B-B14F-4D97-AF65-F5344CB8AC3E}">
-        <p14:creationId xmlns:p14="http://schemas.microsoft.com/office/powerpoint/2010/main" val="3045367752"/>
+        <p14:creationId xmlns:p14="http://schemas.microsoft.com/office/powerpoint/2010/main" val="92123394"/>
       </p:ext>
     </p:extLst>
   </p:cSld>
@@ -2220,7 +2217,7 @@
     </p:spTree>
     <p:extLst>
       <p:ext uri="{BB962C8B-B14F-4D97-AF65-F5344CB8AC3E}">
-        <p14:creationId xmlns:p14="http://schemas.microsoft.com/office/powerpoint/2010/main" val="591980088"/>
+        <p14:creationId xmlns:p14="http://schemas.microsoft.com/office/powerpoint/2010/main" val="72016467"/>
       </p:ext>
     </p:extLst>
   </p:cSld>
@@ -2249,7 +2246,7 @@
       </p:grpSpPr>
       <p:sp>
         <p:nvSpPr>
-          <p:cNvPr id="4" name="Slide Image Placeholder 3"/>
+          <p:cNvPr id="2" name="Slide Image Placeholder 1"/>
           <p:cNvSpPr>
             <a:spLocks noGrp="1" noRot="1" noChangeAspect="1"/>
           </p:cNvSpPr>
@@ -2266,7 +2263,7 @@
       </p:sp>
       <p:sp>
         <p:nvSpPr>
-          <p:cNvPr id="5" name="Notes Placeholder 4"/>
+          <p:cNvPr id="3" name="Notes Placeholder 2"/>
           <p:cNvSpPr>
             <a:spLocks noGrp="1"/>
           </p:cNvSpPr>
@@ -2286,7 +2283,7 @@
     </p:spTree>
     <p:extLst>
       <p:ext uri="{BB962C8B-B14F-4D97-AF65-F5344CB8AC3E}">
-        <p14:creationId xmlns:p14="http://schemas.microsoft.com/office/powerpoint/2010/main" val="2012379047"/>
+        <p14:creationId xmlns:p14="http://schemas.microsoft.com/office/powerpoint/2010/main" val="3045367752"/>
       </p:ext>
     </p:extLst>
   </p:cSld>
@@ -2352,7 +2349,7 @@
     </p:spTree>
     <p:extLst>
       <p:ext uri="{BB962C8B-B14F-4D97-AF65-F5344CB8AC3E}">
-        <p14:creationId xmlns:p14="http://schemas.microsoft.com/office/powerpoint/2010/main" val="76209708"/>
+        <p14:creationId xmlns:p14="http://schemas.microsoft.com/office/powerpoint/2010/main" val="591980088"/>
       </p:ext>
     </p:extLst>
   </p:cSld>
@@ -2381,7 +2378,7 @@
       </p:grpSpPr>
       <p:sp>
         <p:nvSpPr>
-          <p:cNvPr id="2" name="Slide Image Placeholder 1"/>
+          <p:cNvPr id="4" name="Slide Image Placeholder 3"/>
           <p:cNvSpPr>
             <a:spLocks noGrp="1" noRot="1" noChangeAspect="1"/>
           </p:cNvSpPr>
@@ -2389,11 +2386,16 @@
             <p:ph type="sldImg"/>
           </p:nvPr>
         </p:nvSpPr>
-        <p:spPr/>
+        <p:spPr>
+          <a:xfrm>
+            <a:off x="1189038" y="701675"/>
+            <a:ext cx="4676775" cy="3508375"/>
+          </a:xfrm>
+        </p:spPr>
       </p:sp>
       <p:sp>
         <p:nvSpPr>
-          <p:cNvPr id="3" name="Notes Placeholder 2"/>
+          <p:cNvPr id="5" name="Notes Placeholder 4"/>
           <p:cNvSpPr>
             <a:spLocks noGrp="1"/>
           </p:cNvSpPr>
@@ -2413,7 +2415,7 @@
     </p:spTree>
     <p:extLst>
       <p:ext uri="{BB962C8B-B14F-4D97-AF65-F5344CB8AC3E}">
-        <p14:creationId xmlns:p14="http://schemas.microsoft.com/office/powerpoint/2010/main" val="3401263479"/>
+        <p14:creationId xmlns:p14="http://schemas.microsoft.com/office/powerpoint/2010/main" val="2012379047"/>
       </p:ext>
     </p:extLst>
   </p:cSld>
@@ -2479,7 +2481,7 @@
     </p:spTree>
     <p:extLst>
       <p:ext uri="{BB962C8B-B14F-4D97-AF65-F5344CB8AC3E}">
-        <p14:creationId xmlns:p14="http://schemas.microsoft.com/office/powerpoint/2010/main" val="1437364188"/>
+        <p14:creationId xmlns:p14="http://schemas.microsoft.com/office/powerpoint/2010/main" val="76209708"/>
       </p:ext>
     </p:extLst>
   </p:cSld>
@@ -2540,7 +2542,7 @@
     </p:spTree>
     <p:extLst>
       <p:ext uri="{BB962C8B-B14F-4D97-AF65-F5344CB8AC3E}">
-        <p14:creationId xmlns:p14="http://schemas.microsoft.com/office/powerpoint/2010/main" val="2059412982"/>
+        <p14:creationId xmlns:p14="http://schemas.microsoft.com/office/powerpoint/2010/main" val="3401263479"/>
       </p:ext>
     </p:extLst>
   </p:cSld>
@@ -2569,7 +2571,7 @@
       </p:grpSpPr>
       <p:sp>
         <p:nvSpPr>
-          <p:cNvPr id="2" name="Slide Image Placeholder 1"/>
+          <p:cNvPr id="4" name="Slide Image Placeholder 3"/>
           <p:cNvSpPr>
             <a:spLocks noGrp="1" noRot="1" noChangeAspect="1"/>
           </p:cNvSpPr>
@@ -2577,11 +2579,16 @@
             <p:ph type="sldImg"/>
           </p:nvPr>
         </p:nvSpPr>
-        <p:spPr/>
+        <p:spPr>
+          <a:xfrm>
+            <a:off x="1189038" y="701675"/>
+            <a:ext cx="4676775" cy="3508375"/>
+          </a:xfrm>
+        </p:spPr>
       </p:sp>
       <p:sp>
         <p:nvSpPr>
-          <p:cNvPr id="3" name="Notes Placeholder 2"/>
+          <p:cNvPr id="5" name="Notes Placeholder 4"/>
           <p:cNvSpPr>
             <a:spLocks noGrp="1"/>
           </p:cNvSpPr>
@@ -2601,7 +2608,7 @@
     </p:spTree>
     <p:extLst>
       <p:ext uri="{BB962C8B-B14F-4D97-AF65-F5344CB8AC3E}">
-        <p14:creationId xmlns:p14="http://schemas.microsoft.com/office/powerpoint/2010/main" val="3927628930"/>
+        <p14:creationId xmlns:p14="http://schemas.microsoft.com/office/powerpoint/2010/main" val="1437364188"/>
       </p:ext>
     </p:extLst>
   </p:cSld>
@@ -2740,7 +2747,7 @@
     </p:spTree>
     <p:extLst>
       <p:ext uri="{BB962C8B-B14F-4D97-AF65-F5344CB8AC3E}">
-        <p14:creationId xmlns:p14="http://schemas.microsoft.com/office/powerpoint/2010/main" val="3958428531"/>
+        <p14:creationId xmlns:p14="http://schemas.microsoft.com/office/powerpoint/2010/main" val="2059412982"/>
       </p:ext>
     </p:extLst>
   </p:cSld>
@@ -2769,7 +2776,7 @@
       </p:grpSpPr>
       <p:sp>
         <p:nvSpPr>
-          <p:cNvPr id="4" name="Slide Image Placeholder 3"/>
+          <p:cNvPr id="2" name="Slide Image Placeholder 1"/>
           <p:cNvSpPr>
             <a:spLocks noGrp="1" noRot="1" noChangeAspect="1"/>
           </p:cNvSpPr>
@@ -2777,16 +2784,11 @@
             <p:ph type="sldImg"/>
           </p:nvPr>
         </p:nvSpPr>
-        <p:spPr>
-          <a:xfrm>
-            <a:off x="1189038" y="701675"/>
-            <a:ext cx="4676775" cy="3508375"/>
-          </a:xfrm>
-        </p:spPr>
+        <p:spPr/>
       </p:sp>
       <p:sp>
         <p:nvSpPr>
-          <p:cNvPr id="5" name="Notes Placeholder 4"/>
+          <p:cNvPr id="3" name="Notes Placeholder 2"/>
           <p:cNvSpPr>
             <a:spLocks noGrp="1"/>
           </p:cNvSpPr>
@@ -2806,7 +2808,7 @@
     </p:spTree>
     <p:extLst>
       <p:ext uri="{BB962C8B-B14F-4D97-AF65-F5344CB8AC3E}">
-        <p14:creationId xmlns:p14="http://schemas.microsoft.com/office/powerpoint/2010/main" val="3722880229"/>
+        <p14:creationId xmlns:p14="http://schemas.microsoft.com/office/powerpoint/2010/main" val="3927628930"/>
       </p:ext>
     </p:extLst>
   </p:cSld>
@@ -2835,7 +2837,7 @@
       </p:grpSpPr>
       <p:sp>
         <p:nvSpPr>
-          <p:cNvPr id="4" name="Slide Image Placeholder 3"/>
+          <p:cNvPr id="2" name="Slide Image Placeholder 1"/>
           <p:cNvSpPr>
             <a:spLocks noGrp="1" noRot="1" noChangeAspect="1"/>
           </p:cNvSpPr>
@@ -2843,16 +2845,11 @@
             <p:ph type="sldImg"/>
           </p:nvPr>
         </p:nvSpPr>
-        <p:spPr>
-          <a:xfrm>
-            <a:off x="1189038" y="701675"/>
-            <a:ext cx="4676775" cy="3508375"/>
-          </a:xfrm>
-        </p:spPr>
+        <p:spPr/>
       </p:sp>
       <p:sp>
         <p:nvSpPr>
-          <p:cNvPr id="5" name="Notes Placeholder 4"/>
+          <p:cNvPr id="3" name="Notes Placeholder 2"/>
           <p:cNvSpPr>
             <a:spLocks noGrp="1"/>
           </p:cNvSpPr>
@@ -2872,7 +2869,7 @@
     </p:spTree>
     <p:extLst>
       <p:ext uri="{BB962C8B-B14F-4D97-AF65-F5344CB8AC3E}">
-        <p14:creationId xmlns:p14="http://schemas.microsoft.com/office/powerpoint/2010/main" val="3449501441"/>
+        <p14:creationId xmlns:p14="http://schemas.microsoft.com/office/powerpoint/2010/main" val="3958428531"/>
       </p:ext>
     </p:extLst>
   </p:cSld>
@@ -2938,7 +2935,7 @@
     </p:spTree>
     <p:extLst>
       <p:ext uri="{BB962C8B-B14F-4D97-AF65-F5344CB8AC3E}">
-        <p14:creationId xmlns:p14="http://schemas.microsoft.com/office/powerpoint/2010/main" val="222903920"/>
+        <p14:creationId xmlns:p14="http://schemas.microsoft.com/office/powerpoint/2010/main" val="3722880229"/>
       </p:ext>
     </p:extLst>
   </p:cSld>
@@ -2967,6 +2964,37 @@
       </p:grpSpPr>
       <p:sp>
         <p:nvSpPr>
+          <p:cNvPr id="3" name="Notes Placeholder 2"/>
+          <p:cNvSpPr>
+            <a:spLocks noGrp="1"/>
+          </p:cNvSpPr>
+          <p:nvPr>
+            <p:ph type="body" idx="1"/>
+          </p:nvPr>
+        </p:nvSpPr>
+        <p:spPr/>
+        <p:txBody>
+          <a:bodyPr/>
+          <a:lstStyle/>
+          <a:p>
+            <a:r>
+              <a:rPr lang="en-US" dirty="0"/>
+              <a:t>Highlight the topic that follows this page, and place the delta arrow next to it by moving vertically, but maintain the horizontal placement.</a:t>
+            </a:r>
+          </a:p>
+          <a:p>
+            <a:endParaRPr lang="en-US" dirty="0"/>
+          </a:p>
+          <a:p>
+            <a:r>
+              <a:rPr lang="en-US" dirty="0"/>
+              <a:t>If there are too many topics to fit on the page, reduce the line spacing to fit.</a:t>
+            </a:r>
+          </a:p>
+        </p:txBody>
+      </p:sp>
+      <p:sp>
+        <p:nvSpPr>
           <p:cNvPr id="4" name="Slide Image Placeholder 3"/>
           <p:cNvSpPr>
             <a:spLocks noGrp="1" noRot="1" noChangeAspect="1"/>
@@ -2982,29 +3010,10 @@
           </a:xfrm>
         </p:spPr>
       </p:sp>
-      <p:sp>
-        <p:nvSpPr>
-          <p:cNvPr id="5" name="Notes Placeholder 4"/>
-          <p:cNvSpPr>
-            <a:spLocks noGrp="1"/>
-          </p:cNvSpPr>
-          <p:nvPr>
-            <p:ph type="body" idx="1"/>
-          </p:nvPr>
-        </p:nvSpPr>
-        <p:spPr/>
-        <p:txBody>
-          <a:bodyPr/>
-          <a:lstStyle/>
-          <a:p>
-            <a:endParaRPr lang="en-US" dirty="0"/>
-          </a:p>
-        </p:txBody>
-      </p:sp>
     </p:spTree>
     <p:extLst>
       <p:ext uri="{BB962C8B-B14F-4D97-AF65-F5344CB8AC3E}">
-        <p14:creationId xmlns:p14="http://schemas.microsoft.com/office/powerpoint/2010/main" val="2329670748"/>
+        <p14:creationId xmlns:p14="http://schemas.microsoft.com/office/powerpoint/2010/main" val="561715035"/>
       </p:ext>
     </p:extLst>
   </p:cSld>
@@ -3070,7 +3079,7 @@
     </p:spTree>
     <p:extLst>
       <p:ext uri="{BB962C8B-B14F-4D97-AF65-F5344CB8AC3E}">
-        <p14:creationId xmlns:p14="http://schemas.microsoft.com/office/powerpoint/2010/main" val="4131700859"/>
+        <p14:creationId xmlns:p14="http://schemas.microsoft.com/office/powerpoint/2010/main" val="339578072"/>
       </p:ext>
     </p:extLst>
   </p:cSld>
@@ -3136,7 +3145,7 @@
     </p:spTree>
     <p:extLst>
       <p:ext uri="{BB962C8B-B14F-4D97-AF65-F5344CB8AC3E}">
-        <p14:creationId xmlns:p14="http://schemas.microsoft.com/office/powerpoint/2010/main" val="2773946579"/>
+        <p14:creationId xmlns:p14="http://schemas.microsoft.com/office/powerpoint/2010/main" val="1016140467"/>
       </p:ext>
     </p:extLst>
   </p:cSld>
@@ -3165,85 +3174,7 @@
       </p:grpSpPr>
       <p:sp>
         <p:nvSpPr>
-          <p:cNvPr id="3" name="Notes Placeholder 2"/>
-          <p:cNvSpPr>
-            <a:spLocks noGrp="1"/>
-          </p:cNvSpPr>
-          <p:nvPr>
-            <p:ph type="body" idx="1"/>
-          </p:nvPr>
-        </p:nvSpPr>
-        <p:spPr/>
-        <p:txBody>
-          <a:bodyPr/>
-          <a:lstStyle/>
-          <a:p>
-            <a:r>
-              <a:rPr lang="en-US" dirty="0"/>
-              <a:t>Highlight the topic that follows this page, and place the delta arrow next to it by moving vertically, but maintain the horizontal placement.</a:t>
-            </a:r>
-          </a:p>
-          <a:p>
-            <a:endParaRPr lang="en-US" dirty="0"/>
-          </a:p>
-          <a:p>
-            <a:r>
-              <a:rPr lang="en-US" dirty="0"/>
-              <a:t>If there are too many topics to fit on the page, reduce the line spacing to fit.</a:t>
-            </a:r>
-          </a:p>
-        </p:txBody>
-      </p:sp>
-      <p:sp>
-        <p:nvSpPr>
-          <p:cNvPr id="4" name="Slide Image Placeholder 3"/>
-          <p:cNvSpPr>
-            <a:spLocks noGrp="1" noRot="1" noChangeAspect="1"/>
-          </p:cNvSpPr>
-          <p:nvPr>
-            <p:ph type="sldImg"/>
-          </p:nvPr>
-        </p:nvSpPr>
-        <p:spPr>
-          <a:xfrm>
-            <a:off x="1189038" y="701675"/>
-            <a:ext cx="4676775" cy="3508375"/>
-          </a:xfrm>
-        </p:spPr>
-      </p:sp>
-    </p:spTree>
-    <p:extLst>
-      <p:ext uri="{BB962C8B-B14F-4D97-AF65-F5344CB8AC3E}">
-        <p14:creationId xmlns:p14="http://schemas.microsoft.com/office/powerpoint/2010/main" val="561715035"/>
-      </p:ext>
-    </p:extLst>
-  </p:cSld>
-  <p:clrMapOvr>
-    <a:masterClrMapping/>
-  </p:clrMapOvr>
-</p:notes>
-</file>
-
-<file path=ppt/notesSlides/notesSlide38.xml><?xml version="1.0" encoding="utf-8"?>
-<p:notes xmlns:a="http://schemas.openxmlformats.org/drawingml/2006/main" xmlns:r="http://schemas.openxmlformats.org/officeDocument/2006/relationships" xmlns:p="http://schemas.openxmlformats.org/presentationml/2006/main">
-  <p:cSld>
-    <p:spTree>
-      <p:nvGrpSpPr>
-        <p:cNvPr id="1" name=""/>
-        <p:cNvGrpSpPr/>
-        <p:nvPr/>
-      </p:nvGrpSpPr>
-      <p:grpSpPr>
-        <a:xfrm>
-          <a:off x="0" y="0"/>
-          <a:ext cx="0" cy="0"/>
-          <a:chOff x="0" y="0"/>
-          <a:chExt cx="0" cy="0"/>
-        </a:xfrm>
-      </p:grpSpPr>
-      <p:sp>
-        <p:nvSpPr>
-          <p:cNvPr id="4" name="Slide Image Placeholder 3"/>
+          <p:cNvPr id="2" name="Slide Image Placeholder 1"/>
           <p:cNvSpPr>
             <a:spLocks noGrp="1" noRot="1" noChangeAspect="1"/>
           </p:cNvSpPr>
@@ -3260,7 +3191,7 @@
       </p:sp>
       <p:sp>
         <p:nvSpPr>
-          <p:cNvPr id="5" name="Notes Placeholder 4"/>
+          <p:cNvPr id="3" name="Notes Placeholder 2"/>
           <p:cNvSpPr>
             <a:spLocks noGrp="1"/>
           </p:cNvSpPr>
@@ -3280,73 +3211,7 @@
     </p:spTree>
     <p:extLst>
       <p:ext uri="{BB962C8B-B14F-4D97-AF65-F5344CB8AC3E}">
-        <p14:creationId xmlns:p14="http://schemas.microsoft.com/office/powerpoint/2010/main" val="339578072"/>
-      </p:ext>
-    </p:extLst>
-  </p:cSld>
-  <p:clrMapOvr>
-    <a:masterClrMapping/>
-  </p:clrMapOvr>
-</p:notes>
-</file>
-
-<file path=ppt/notesSlides/notesSlide39.xml><?xml version="1.0" encoding="utf-8"?>
-<p:notes xmlns:a="http://schemas.openxmlformats.org/drawingml/2006/main" xmlns:r="http://schemas.openxmlformats.org/officeDocument/2006/relationships" xmlns:p="http://schemas.openxmlformats.org/presentationml/2006/main">
-  <p:cSld>
-    <p:spTree>
-      <p:nvGrpSpPr>
-        <p:cNvPr id="1" name=""/>
-        <p:cNvGrpSpPr/>
-        <p:nvPr/>
-      </p:nvGrpSpPr>
-      <p:grpSpPr>
-        <a:xfrm>
-          <a:off x="0" y="0"/>
-          <a:ext cx="0" cy="0"/>
-          <a:chOff x="0" y="0"/>
-          <a:chExt cx="0" cy="0"/>
-        </a:xfrm>
-      </p:grpSpPr>
-      <p:sp>
-        <p:nvSpPr>
-          <p:cNvPr id="4" name="Slide Image Placeholder 3"/>
-          <p:cNvSpPr>
-            <a:spLocks noGrp="1" noRot="1" noChangeAspect="1"/>
-          </p:cNvSpPr>
-          <p:nvPr>
-            <p:ph type="sldImg"/>
-          </p:nvPr>
-        </p:nvSpPr>
-        <p:spPr>
-          <a:xfrm>
-            <a:off x="1189038" y="701675"/>
-            <a:ext cx="4676775" cy="3508375"/>
-          </a:xfrm>
-        </p:spPr>
-      </p:sp>
-      <p:sp>
-        <p:nvSpPr>
-          <p:cNvPr id="5" name="Notes Placeholder 4"/>
-          <p:cNvSpPr>
-            <a:spLocks noGrp="1"/>
-          </p:cNvSpPr>
-          <p:nvPr>
-            <p:ph type="body" idx="1"/>
-          </p:nvPr>
-        </p:nvSpPr>
-        <p:spPr/>
-        <p:txBody>
-          <a:bodyPr/>
-          <a:lstStyle/>
-          <a:p>
-            <a:endParaRPr lang="en-US" dirty="0"/>
-          </a:p>
-        </p:txBody>
-      </p:sp>
-    </p:spTree>
-    <p:extLst>
-      <p:ext uri="{BB962C8B-B14F-4D97-AF65-F5344CB8AC3E}">
-        <p14:creationId xmlns:p14="http://schemas.microsoft.com/office/powerpoint/2010/main" val="1016140467"/>
+        <p14:creationId xmlns:p14="http://schemas.microsoft.com/office/powerpoint/2010/main" val="1396924133"/>
       </p:ext>
     </p:extLst>
   </p:cSld>
@@ -3413,72 +3278,6 @@
     <p:extLst>
       <p:ext uri="{BB962C8B-B14F-4D97-AF65-F5344CB8AC3E}">
         <p14:creationId xmlns:p14="http://schemas.microsoft.com/office/powerpoint/2010/main" val="431877283"/>
-      </p:ext>
-    </p:extLst>
-  </p:cSld>
-  <p:clrMapOvr>
-    <a:masterClrMapping/>
-  </p:clrMapOvr>
-</p:notes>
-</file>
-
-<file path=ppt/notesSlides/notesSlide40.xml><?xml version="1.0" encoding="utf-8"?>
-<p:notes xmlns:a="http://schemas.openxmlformats.org/drawingml/2006/main" xmlns:r="http://schemas.openxmlformats.org/officeDocument/2006/relationships" xmlns:p="http://schemas.openxmlformats.org/presentationml/2006/main">
-  <p:cSld>
-    <p:spTree>
-      <p:nvGrpSpPr>
-        <p:cNvPr id="1" name=""/>
-        <p:cNvGrpSpPr/>
-        <p:nvPr/>
-      </p:nvGrpSpPr>
-      <p:grpSpPr>
-        <a:xfrm>
-          <a:off x="0" y="0"/>
-          <a:ext cx="0" cy="0"/>
-          <a:chOff x="0" y="0"/>
-          <a:chExt cx="0" cy="0"/>
-        </a:xfrm>
-      </p:grpSpPr>
-      <p:sp>
-        <p:nvSpPr>
-          <p:cNvPr id="2" name="Slide Image Placeholder 1"/>
-          <p:cNvSpPr>
-            <a:spLocks noGrp="1" noRot="1" noChangeAspect="1"/>
-          </p:cNvSpPr>
-          <p:nvPr>
-            <p:ph type="sldImg"/>
-          </p:nvPr>
-        </p:nvSpPr>
-        <p:spPr>
-          <a:xfrm>
-            <a:off x="1189038" y="701675"/>
-            <a:ext cx="4676775" cy="3508375"/>
-          </a:xfrm>
-        </p:spPr>
-      </p:sp>
-      <p:sp>
-        <p:nvSpPr>
-          <p:cNvPr id="3" name="Notes Placeholder 2"/>
-          <p:cNvSpPr>
-            <a:spLocks noGrp="1"/>
-          </p:cNvSpPr>
-          <p:nvPr>
-            <p:ph type="body" idx="1"/>
-          </p:nvPr>
-        </p:nvSpPr>
-        <p:spPr/>
-        <p:txBody>
-          <a:bodyPr/>
-          <a:lstStyle/>
-          <a:p>
-            <a:endParaRPr lang="en-US" dirty="0"/>
-          </a:p>
-        </p:txBody>
-      </p:sp>
-    </p:spTree>
-    <p:extLst>
-      <p:ext uri="{BB962C8B-B14F-4D97-AF65-F5344CB8AC3E}">
-        <p14:creationId xmlns:p14="http://schemas.microsoft.com/office/powerpoint/2010/main" val="1396924133"/>
       </p:ext>
     </p:extLst>
   </p:cSld>
@@ -9590,42 +9389,42 @@
             <a:pPr lvl="1"/>
             <a:r>
               <a:rPr lang="en-US" dirty="0"/>
-              <a:t>1,263,180 predicted to be 0 for fraud and were right (True Negatives)</a:t>
+              <a:t>1,263,180 were predicted to be good charges and were indeed good</a:t>
             </a:r>
           </a:p>
           <a:p>
             <a:pPr lvl="1"/>
             <a:r>
               <a:rPr lang="en-US" dirty="0"/>
-              <a:t>285 were predicted to be 1 for fraud and were right (True Positives)</a:t>
+              <a:t>285 were predicted to be fraudulent and were indeed fraudulent</a:t>
             </a:r>
           </a:p>
           <a:p>
             <a:pPr lvl="1"/>
             <a:r>
               <a:rPr lang="en-US" dirty="0"/>
-              <a:t>7667 were predicted to be 1 for fraud but were wrong (false positive or Type I error)</a:t>
+              <a:t>7667 were predicted to be good but were in fact fraudulent (false positive or Type I error)</a:t>
             </a:r>
           </a:p>
           <a:p>
             <a:pPr lvl="2"/>
             <a:r>
               <a:rPr lang="en-US" dirty="0"/>
-              <a:t>1,263,180 + 7667 = 1,270,847 total predicted 0</a:t>
+              <a:t>1,263,180 + 7667 = 1,270,847</a:t>
             </a:r>
           </a:p>
           <a:p>
             <a:pPr lvl="1"/>
             <a:r>
               <a:rPr lang="en-US" dirty="0"/>
-              <a:t>1392 were predicted to be 0 for fraud wrong (false negative or Type II error)</a:t>
+              <a:t>1392 were predicted to be fraudulent but were in fact good (false negative or Type II error)</a:t>
             </a:r>
           </a:p>
           <a:p>
             <a:pPr lvl="2"/>
             <a:r>
               <a:rPr lang="en-US" dirty="0"/>
-              <a:t>1392 + 285 = 1677 total predicted 1</a:t>
+              <a:t>1392 + 285 = 1677</a:t>
             </a:r>
           </a:p>
           <a:p>
@@ -11813,6 +11612,616 @@
 </file>
 
 <file path=ppt/slides/slide17.xml><?xml version="1.0" encoding="utf-8"?>
+<p:sld xmlns:a="http://schemas.openxmlformats.org/drawingml/2006/main" xmlns:r="http://schemas.openxmlformats.org/officeDocument/2006/relationships" xmlns:p="http://schemas.openxmlformats.org/presentationml/2006/main">
+  <p:cSld>
+    <p:spTree>
+      <p:nvGrpSpPr>
+        <p:cNvPr id="1" name=""/>
+        <p:cNvGrpSpPr/>
+        <p:nvPr/>
+      </p:nvGrpSpPr>
+      <p:grpSpPr>
+        <a:xfrm>
+          <a:off x="0" y="0"/>
+          <a:ext cx="0" cy="0"/>
+          <a:chOff x="0" y="0"/>
+          <a:chExt cx="0" cy="0"/>
+        </a:xfrm>
+      </p:grpSpPr>
+      <p:sp>
+        <p:nvSpPr>
+          <p:cNvPr id="3" name="Content Placeholder 2"/>
+          <p:cNvSpPr>
+            <a:spLocks noGrp="1"/>
+          </p:cNvSpPr>
+          <p:nvPr>
+            <p:ph idx="1"/>
+          </p:nvPr>
+        </p:nvSpPr>
+        <p:spPr/>
+        <p:txBody>
+          <a:bodyPr/>
+          <a:lstStyle/>
+          <a:p>
+            <a:r>
+              <a:rPr lang="en-US" dirty="0"/>
+              <a:t>Creates Decision Trees on randomly selected samples of the training set</a:t>
+            </a:r>
+          </a:p>
+          <a:p>
+            <a:r>
+              <a:rPr lang="en-US" dirty="0"/>
+              <a:t>Performs multiple iterations and gets prediction results</a:t>
+            </a:r>
+          </a:p>
+          <a:p>
+            <a:r>
+              <a:rPr lang="en-US" dirty="0"/>
+              <a:t>Votes on the best random sample</a:t>
+            </a:r>
+          </a:p>
+          <a:p>
+            <a:r>
+              <a:rPr lang="en-US" dirty="0"/>
+              <a:t>Pros</a:t>
+            </a:r>
+          </a:p>
+          <a:p>
+            <a:pPr lvl="1"/>
+            <a:r>
+              <a:rPr lang="en-US" dirty="0"/>
+              <a:t>Often highly accurate due to the strength of multiple predictions</a:t>
+            </a:r>
+          </a:p>
+          <a:p>
+            <a:pPr lvl="1"/>
+            <a:r>
+              <a:rPr lang="en-US" dirty="0"/>
+              <a:t>Usually does not suffer from overfitting</a:t>
+            </a:r>
+          </a:p>
+          <a:p>
+            <a:pPr lvl="1"/>
+            <a:r>
+              <a:rPr lang="en-US" dirty="0"/>
+              <a:t>Can see the relative feature importance which is useful in revising the model</a:t>
+            </a:r>
+          </a:p>
+          <a:p>
+            <a:r>
+              <a:rPr lang="en-US" dirty="0"/>
+              <a:t>Cons</a:t>
+            </a:r>
+          </a:p>
+          <a:p>
+            <a:pPr lvl="1"/>
+            <a:r>
+              <a:rPr lang="en-US" dirty="0"/>
+              <a:t>Slow to generate because of multiple iterations</a:t>
+            </a:r>
+          </a:p>
+          <a:p>
+            <a:pPr lvl="1"/>
+            <a:r>
+              <a:rPr lang="en-US" dirty="0"/>
+              <a:t>Compared to a Decision Tree you cannot really see the path of the tree</a:t>
+            </a:r>
+          </a:p>
+        </p:txBody>
+      </p:sp>
+      <p:sp>
+        <p:nvSpPr>
+          <p:cNvPr id="2" name="Title 1"/>
+          <p:cNvSpPr>
+            <a:spLocks noGrp="1"/>
+          </p:cNvSpPr>
+          <p:nvPr>
+            <p:ph type="title"/>
+          </p:nvPr>
+        </p:nvSpPr>
+        <p:spPr/>
+        <p:txBody>
+          <a:bodyPr/>
+          <a:lstStyle/>
+          <a:p>
+            <a:r>
+              <a:rPr lang="en-US" dirty="0"/>
+              <a:t>Random Forest</a:t>
+            </a:r>
+          </a:p>
+        </p:txBody>
+      </p:sp>
+    </p:spTree>
+    <p:extLst>
+      <p:ext uri="{BB962C8B-B14F-4D97-AF65-F5344CB8AC3E}">
+        <p14:creationId xmlns:p14="http://schemas.microsoft.com/office/powerpoint/2010/main" val="412271066"/>
+      </p:ext>
+    </p:extLst>
+  </p:cSld>
+  <p:clrMapOvr>
+    <a:masterClrMapping/>
+  </p:clrMapOvr>
+</p:sld>
+</file>
+
+<file path=ppt/slides/slide18.xml><?xml version="1.0" encoding="utf-8"?>
+<p:sld xmlns:a="http://schemas.openxmlformats.org/drawingml/2006/main" xmlns:r="http://schemas.openxmlformats.org/officeDocument/2006/relationships" xmlns:p="http://schemas.openxmlformats.org/presentationml/2006/main">
+  <p:cSld>
+    <p:spTree>
+      <p:nvGrpSpPr>
+        <p:cNvPr id="1" name=""/>
+        <p:cNvGrpSpPr/>
+        <p:nvPr/>
+      </p:nvGrpSpPr>
+      <p:grpSpPr>
+        <a:xfrm>
+          <a:off x="0" y="0"/>
+          <a:ext cx="0" cy="0"/>
+          <a:chOff x="0" y="0"/>
+          <a:chExt cx="0" cy="0"/>
+        </a:xfrm>
+      </p:grpSpPr>
+      <p:sp>
+        <p:nvSpPr>
+          <p:cNvPr id="3" name="Content Placeholder 2"/>
+          <p:cNvSpPr>
+            <a:spLocks noGrp="1"/>
+          </p:cNvSpPr>
+          <p:nvPr>
+            <p:ph idx="1"/>
+          </p:nvPr>
+        </p:nvSpPr>
+        <p:spPr/>
+        <p:txBody>
+          <a:bodyPr/>
+          <a:lstStyle/>
+          <a:p>
+            <a:r>
+              <a:rPr lang="en-US" dirty="0"/>
+              <a:t>Load the module, create a model and train it</a:t>
+            </a:r>
+          </a:p>
+          <a:p>
+            <a:endParaRPr lang="en-US" dirty="0"/>
+          </a:p>
+          <a:p>
+            <a:endParaRPr lang="en-US" dirty="0"/>
+          </a:p>
+          <a:p>
+            <a:pPr lvl="1"/>
+            <a:endParaRPr lang="en-US" dirty="0"/>
+          </a:p>
+          <a:p>
+            <a:r>
+              <a:rPr lang="en-US" dirty="0"/>
+              <a:t>Run a prediction on the reserved testing set and compare the predicted values to the known values</a:t>
+            </a:r>
+          </a:p>
+          <a:p>
+            <a:pPr marL="0" indent="0">
+              <a:buNone/>
+            </a:pPr>
+            <a:endParaRPr lang="en-US" dirty="0"/>
+          </a:p>
+          <a:p>
+            <a:pPr lvl="1"/>
+            <a:endParaRPr lang="en-US" dirty="0"/>
+          </a:p>
+        </p:txBody>
+      </p:sp>
+      <p:sp>
+        <p:nvSpPr>
+          <p:cNvPr id="2" name="Title 1"/>
+          <p:cNvSpPr>
+            <a:spLocks noGrp="1"/>
+          </p:cNvSpPr>
+          <p:nvPr>
+            <p:ph type="title"/>
+          </p:nvPr>
+        </p:nvSpPr>
+        <p:spPr/>
+        <p:txBody>
+          <a:bodyPr/>
+          <a:lstStyle/>
+          <a:p>
+            <a:r>
+              <a:rPr lang="en-US" dirty="0"/>
+              <a:t>Apply Random Forest</a:t>
+            </a:r>
+          </a:p>
+        </p:txBody>
+      </p:sp>
+      <p:sp>
+        <p:nvSpPr>
+          <p:cNvPr id="4" name="TextBox 3">
+            <a:extLst>
+              <a:ext uri="{FF2B5EF4-FFF2-40B4-BE49-F238E27FC236}">
+                <a16:creationId xmlns:a16="http://schemas.microsoft.com/office/drawing/2014/main" id="{B25BD5BC-E8B9-4540-A404-A5C6B4AFC25D}"/>
+              </a:ext>
+            </a:extLst>
+          </p:cNvPr>
+          <p:cNvSpPr txBox="1"/>
+          <p:nvPr/>
+        </p:nvSpPr>
+        <p:spPr>
+          <a:xfrm>
+            <a:off x="1330508" y="1588198"/>
+            <a:ext cx="6482985" cy="830997"/>
+          </a:xfrm>
+          <a:prstGeom prst="rect">
+            <a:avLst/>
+          </a:prstGeom>
+          <a:noFill/>
+          <a:ln w="28575" algn="ctr">
+            <a:solidFill>
+              <a:schemeClr val="accent2">
+                <a:lumMod val="20000"/>
+                <a:lumOff val="80000"/>
+              </a:schemeClr>
+            </a:solidFill>
+            <a:miter lim="800000"/>
+            <a:headEnd/>
+            <a:tailEnd/>
+          </a:ln>
+          <a:effectLst/>
+        </p:spPr>
+        <p:txBody>
+          <a:bodyPr wrap="square">
+            <a:spAutoFit/>
+          </a:bodyPr>
+          <a:lstStyle>
+            <a:defPPr>
+              <a:defRPr lang="en-US"/>
+            </a:defPPr>
+            <a:lvl1pPr marL="0" defTabSz="914400" eaLnBrk="1" latinLnBrk="0" hangingPunct="1">
+              <a:defRPr sz="1400">
+                <a:solidFill>
+                  <a:schemeClr val="tx1"/>
+                </a:solidFill>
+                <a:latin typeface="Courier New" pitchFamily="49" charset="0"/>
+                <a:cs typeface="+mn-cs"/>
+              </a:defRPr>
+            </a:lvl1pPr>
+            <a:lvl2pPr marL="742950" indent="-285750" defTabSz="914400" latinLnBrk="0">
+              <a:defRPr sz="1400">
+                <a:solidFill>
+                  <a:schemeClr val="tx1"/>
+                </a:solidFill>
+                <a:latin typeface="Arial" charset="0"/>
+                <a:cs typeface="+mn-cs"/>
+              </a:defRPr>
+            </a:lvl2pPr>
+            <a:lvl3pPr marL="1143000" indent="-228600" defTabSz="914400" latinLnBrk="0">
+              <a:defRPr sz="1400">
+                <a:solidFill>
+                  <a:schemeClr val="tx1"/>
+                </a:solidFill>
+                <a:latin typeface="Arial" charset="0"/>
+                <a:cs typeface="+mn-cs"/>
+              </a:defRPr>
+            </a:lvl3pPr>
+            <a:lvl4pPr marL="1600200" indent="-228600" defTabSz="914400" latinLnBrk="0">
+              <a:defRPr sz="1400">
+                <a:solidFill>
+                  <a:schemeClr val="tx1"/>
+                </a:solidFill>
+                <a:latin typeface="Arial" charset="0"/>
+                <a:cs typeface="+mn-cs"/>
+              </a:defRPr>
+            </a:lvl4pPr>
+            <a:lvl5pPr marL="2057400" indent="-228600" defTabSz="914400" latinLnBrk="0">
+              <a:defRPr sz="1400">
+                <a:solidFill>
+                  <a:schemeClr val="tx1"/>
+                </a:solidFill>
+                <a:latin typeface="Arial" charset="0"/>
+                <a:cs typeface="+mn-cs"/>
+              </a:defRPr>
+            </a:lvl5pPr>
+            <a:lvl6pPr marL="2514600" indent="-228600" eaLnBrk="0" fontAlgn="base" hangingPunct="0">
+              <a:spcBef>
+                <a:spcPct val="0"/>
+              </a:spcBef>
+              <a:spcAft>
+                <a:spcPct val="0"/>
+              </a:spcAft>
+              <a:defRPr sz="1400">
+                <a:solidFill>
+                  <a:schemeClr val="tx1"/>
+                </a:solidFill>
+                <a:latin typeface="Arial" charset="0"/>
+                <a:cs typeface="+mn-cs"/>
+              </a:defRPr>
+            </a:lvl6pPr>
+            <a:lvl7pPr marL="2971800" indent="-228600" eaLnBrk="0" fontAlgn="base" hangingPunct="0">
+              <a:spcBef>
+                <a:spcPct val="0"/>
+              </a:spcBef>
+              <a:spcAft>
+                <a:spcPct val="0"/>
+              </a:spcAft>
+              <a:defRPr sz="1400">
+                <a:solidFill>
+                  <a:schemeClr val="tx1"/>
+                </a:solidFill>
+                <a:latin typeface="Arial" charset="0"/>
+                <a:cs typeface="+mn-cs"/>
+              </a:defRPr>
+            </a:lvl7pPr>
+            <a:lvl8pPr marL="3429000" indent="-228600" eaLnBrk="0" fontAlgn="base" hangingPunct="0">
+              <a:spcBef>
+                <a:spcPct val="0"/>
+              </a:spcBef>
+              <a:spcAft>
+                <a:spcPct val="0"/>
+              </a:spcAft>
+              <a:defRPr sz="1400">
+                <a:solidFill>
+                  <a:schemeClr val="tx1"/>
+                </a:solidFill>
+                <a:latin typeface="Arial" charset="0"/>
+                <a:cs typeface="+mn-cs"/>
+              </a:defRPr>
+            </a:lvl8pPr>
+            <a:lvl9pPr marL="3886200" indent="-228600" eaLnBrk="0" fontAlgn="base" hangingPunct="0">
+              <a:spcBef>
+                <a:spcPct val="0"/>
+              </a:spcBef>
+              <a:spcAft>
+                <a:spcPct val="0"/>
+              </a:spcAft>
+              <a:defRPr sz="1400">
+                <a:solidFill>
+                  <a:schemeClr val="tx1"/>
+                </a:solidFill>
+                <a:latin typeface="Arial" charset="0"/>
+                <a:cs typeface="+mn-cs"/>
+              </a:defRPr>
+            </a:lvl9pPr>
+          </a:lstStyle>
+          <a:p>
+            <a:r>
+              <a:rPr lang="en-US" sz="1600" b="1" dirty="0"/>
+              <a:t>from sklearn.ensemble import RandomForestClassifier</a:t>
+            </a:r>
+          </a:p>
+          <a:p>
+            <a:r>
+              <a:rPr lang="en-US" sz="1600" b="1" dirty="0"/>
+              <a:t>modelRF = RandomForestClassifier(n_estimators=10)</a:t>
+            </a:r>
+          </a:p>
+          <a:p>
+            <a:r>
+              <a:rPr lang="en-US" sz="1600" b="1" dirty="0"/>
+              <a:t>modelRF.fit(trainX, trainY)</a:t>
+            </a:r>
+            <a:endParaRPr lang="en-US" sz="1600" dirty="0"/>
+          </a:p>
+        </p:txBody>
+      </p:sp>
+      <p:sp>
+        <p:nvSpPr>
+          <p:cNvPr id="5" name="TextBox 4">
+            <a:extLst>
+              <a:ext uri="{FF2B5EF4-FFF2-40B4-BE49-F238E27FC236}">
+                <a16:creationId xmlns:a16="http://schemas.microsoft.com/office/drawing/2014/main" id="{B25BD5BC-E8B9-4540-A404-A5C6B4AFC25D}"/>
+              </a:ext>
+            </a:extLst>
+          </p:cNvPr>
+          <p:cNvSpPr txBox="1"/>
+          <p:nvPr/>
+        </p:nvSpPr>
+        <p:spPr>
+          <a:xfrm>
+            <a:off x="908477" y="3445325"/>
+            <a:ext cx="7327046" cy="2554545"/>
+          </a:xfrm>
+          <a:prstGeom prst="rect">
+            <a:avLst/>
+          </a:prstGeom>
+          <a:noFill/>
+          <a:ln w="28575" algn="ctr">
+            <a:solidFill>
+              <a:schemeClr val="accent2">
+                <a:lumMod val="20000"/>
+                <a:lumOff val="80000"/>
+              </a:schemeClr>
+            </a:solidFill>
+            <a:miter lim="800000"/>
+            <a:headEnd/>
+            <a:tailEnd/>
+          </a:ln>
+          <a:effectLst/>
+        </p:spPr>
+        <p:txBody>
+          <a:bodyPr wrap="square">
+            <a:spAutoFit/>
+          </a:bodyPr>
+          <a:lstStyle>
+            <a:defPPr>
+              <a:defRPr lang="en-US"/>
+            </a:defPPr>
+            <a:lvl1pPr marL="0" defTabSz="914400" eaLnBrk="1" latinLnBrk="0" hangingPunct="1">
+              <a:defRPr sz="1400">
+                <a:solidFill>
+                  <a:schemeClr val="tx1"/>
+                </a:solidFill>
+                <a:latin typeface="Courier New" pitchFamily="49" charset="0"/>
+                <a:cs typeface="+mn-cs"/>
+              </a:defRPr>
+            </a:lvl1pPr>
+            <a:lvl2pPr marL="742950" indent="-285750" defTabSz="914400" latinLnBrk="0">
+              <a:defRPr sz="1400">
+                <a:solidFill>
+                  <a:schemeClr val="tx1"/>
+                </a:solidFill>
+                <a:latin typeface="Arial" charset="0"/>
+                <a:cs typeface="+mn-cs"/>
+              </a:defRPr>
+            </a:lvl2pPr>
+            <a:lvl3pPr marL="1143000" indent="-228600" defTabSz="914400" latinLnBrk="0">
+              <a:defRPr sz="1400">
+                <a:solidFill>
+                  <a:schemeClr val="tx1"/>
+                </a:solidFill>
+                <a:latin typeface="Arial" charset="0"/>
+                <a:cs typeface="+mn-cs"/>
+              </a:defRPr>
+            </a:lvl3pPr>
+            <a:lvl4pPr marL="1600200" indent="-228600" defTabSz="914400" latinLnBrk="0">
+              <a:defRPr sz="1400">
+                <a:solidFill>
+                  <a:schemeClr val="tx1"/>
+                </a:solidFill>
+                <a:latin typeface="Arial" charset="0"/>
+                <a:cs typeface="+mn-cs"/>
+              </a:defRPr>
+            </a:lvl4pPr>
+            <a:lvl5pPr marL="2057400" indent="-228600" defTabSz="914400" latinLnBrk="0">
+              <a:defRPr sz="1400">
+                <a:solidFill>
+                  <a:schemeClr val="tx1"/>
+                </a:solidFill>
+                <a:latin typeface="Arial" charset="0"/>
+                <a:cs typeface="+mn-cs"/>
+              </a:defRPr>
+            </a:lvl5pPr>
+            <a:lvl6pPr marL="2514600" indent="-228600" eaLnBrk="0" fontAlgn="base" hangingPunct="0">
+              <a:spcBef>
+                <a:spcPct val="0"/>
+              </a:spcBef>
+              <a:spcAft>
+                <a:spcPct val="0"/>
+              </a:spcAft>
+              <a:defRPr sz="1400">
+                <a:solidFill>
+                  <a:schemeClr val="tx1"/>
+                </a:solidFill>
+                <a:latin typeface="Arial" charset="0"/>
+                <a:cs typeface="+mn-cs"/>
+              </a:defRPr>
+            </a:lvl6pPr>
+            <a:lvl7pPr marL="2971800" indent="-228600" eaLnBrk="0" fontAlgn="base" hangingPunct="0">
+              <a:spcBef>
+                <a:spcPct val="0"/>
+              </a:spcBef>
+              <a:spcAft>
+                <a:spcPct val="0"/>
+              </a:spcAft>
+              <a:defRPr sz="1400">
+                <a:solidFill>
+                  <a:schemeClr val="tx1"/>
+                </a:solidFill>
+                <a:latin typeface="Arial" charset="0"/>
+                <a:cs typeface="+mn-cs"/>
+              </a:defRPr>
+            </a:lvl7pPr>
+            <a:lvl8pPr marL="3429000" indent="-228600" eaLnBrk="0" fontAlgn="base" hangingPunct="0">
+              <a:spcBef>
+                <a:spcPct val="0"/>
+              </a:spcBef>
+              <a:spcAft>
+                <a:spcPct val="0"/>
+              </a:spcAft>
+              <a:defRPr sz="1400">
+                <a:solidFill>
+                  <a:schemeClr val="tx1"/>
+                </a:solidFill>
+                <a:latin typeface="Arial" charset="0"/>
+                <a:cs typeface="+mn-cs"/>
+              </a:defRPr>
+            </a:lvl8pPr>
+            <a:lvl9pPr marL="3886200" indent="-228600" eaLnBrk="0" fontAlgn="base" hangingPunct="0">
+              <a:spcBef>
+                <a:spcPct val="0"/>
+              </a:spcBef>
+              <a:spcAft>
+                <a:spcPct val="0"/>
+              </a:spcAft>
+              <a:defRPr sz="1400">
+                <a:solidFill>
+                  <a:schemeClr val="tx1"/>
+                </a:solidFill>
+                <a:latin typeface="Arial" charset="0"/>
+                <a:cs typeface="+mn-cs"/>
+              </a:defRPr>
+            </a:lvl9pPr>
+          </a:lstStyle>
+          <a:p>
+            <a:r>
+              <a:rPr lang="en-US" sz="1600" b="1" dirty="0"/>
+              <a:t>predY = modelRF.predict(testX)</a:t>
+            </a:r>
+          </a:p>
+          <a:p>
+            <a:r>
+              <a:rPr lang="en-US" sz="1600" b="1" dirty="0"/>
+              <a:t>from sklearn import metrics</a:t>
+            </a:r>
+          </a:p>
+          <a:p>
+            <a:r>
+              <a:rPr lang="en-US" sz="1600" b="1" dirty="0"/>
+              <a:t>print ("Accuracy:",metrics.accuracy_score(testY, predY))</a:t>
+            </a:r>
+          </a:p>
+          <a:p>
+            <a:r>
+              <a:rPr lang="en-US" sz="1600" b="1" dirty="0"/>
+              <a:t>cm = confusion_matrix(testY, predY)</a:t>
+            </a:r>
+          </a:p>
+          <a:p>
+            <a:r>
+              <a:rPr lang="en-US" sz="1600" b="1" dirty="0"/>
+              <a:t>print (cm)</a:t>
+            </a:r>
+          </a:p>
+          <a:p>
+            <a:endParaRPr lang="en-US" sz="1600" b="1" dirty="0"/>
+          </a:p>
+          <a:p>
+            <a:r>
+              <a:rPr lang="en-US" sz="1600" b="1" dirty="0"/>
+              <a:t>import pandas as pd</a:t>
+            </a:r>
+          </a:p>
+          <a:p>
+            <a:r>
+              <a:rPr lang="en-US" sz="1600" b="1" dirty="0"/>
+              <a:t>feature_imp = pd.Series(modelRF.feature_importances_,\    </a:t>
+            </a:r>
+            <a:br>
+              <a:rPr lang="en-US" sz="1600" b="1" dirty="0"/>
+            </a:br>
+            <a:r>
+              <a:rPr lang="en-US" sz="1600" b="1" dirty="0"/>
+              <a:t>    index=trainX.columns).sort_values(ascending=False)</a:t>
+            </a:r>
+          </a:p>
+          <a:p>
+            <a:r>
+              <a:rPr lang="en-US" sz="1600" b="1" dirty="0"/>
+              <a:t>print (feature_imp)</a:t>
+            </a:r>
+          </a:p>
+        </p:txBody>
+      </p:sp>
+    </p:spTree>
+    <p:extLst>
+      <p:ext uri="{BB962C8B-B14F-4D97-AF65-F5344CB8AC3E}">
+        <p14:creationId xmlns:p14="http://schemas.microsoft.com/office/powerpoint/2010/main" val="3391049089"/>
+      </p:ext>
+    </p:extLst>
+  </p:cSld>
+  <p:clrMapOvr>
+    <a:masterClrMapping/>
+  </p:clrMapOvr>
+</p:sld>
+</file>
+
+<file path=ppt/slides/slide19.xml><?xml version="1.0" encoding="utf-8"?>
 <p:sld xmlns:a="http://schemas.openxmlformats.org/drawingml/2006/main" xmlns:r="http://schemas.openxmlformats.org/officeDocument/2006/relationships" xmlns:p="http://schemas.openxmlformats.org/presentationml/2006/main">
   <p:cSld>
     <p:spTree>
@@ -11984,7 +12393,139 @@
 </p:sld>
 </file>
 
-<file path=ppt/slides/slide18.xml><?xml version="1.0" encoding="utf-8"?>
+<file path=ppt/slides/slide2.xml><?xml version="1.0" encoding="utf-8"?>
+<p:sld xmlns:a="http://schemas.openxmlformats.org/drawingml/2006/main" xmlns:r="http://schemas.openxmlformats.org/officeDocument/2006/relationships" xmlns:p="http://schemas.openxmlformats.org/presentationml/2006/main">
+  <p:cSld>
+    <p:spTree>
+      <p:nvGrpSpPr>
+        <p:cNvPr id="1" name=""/>
+        <p:cNvGrpSpPr/>
+        <p:nvPr/>
+      </p:nvGrpSpPr>
+      <p:grpSpPr>
+        <a:xfrm>
+          <a:off x="0" y="0"/>
+          <a:ext cx="0" cy="0"/>
+          <a:chOff x="0" y="0"/>
+          <a:chExt cx="0" cy="0"/>
+        </a:xfrm>
+      </p:grpSpPr>
+      <p:sp>
+        <p:nvSpPr>
+          <p:cNvPr id="5" name="Content Placeholder 4"/>
+          <p:cNvSpPr>
+            <a:spLocks noGrp="1"/>
+          </p:cNvSpPr>
+          <p:nvPr>
+            <p:ph idx="1"/>
+          </p:nvPr>
+        </p:nvSpPr>
+        <p:spPr/>
+        <p:txBody>
+          <a:bodyPr/>
+          <a:lstStyle/>
+          <a:p>
+            <a:pPr marL="0" indent="0">
+              <a:buNone/>
+            </a:pPr>
+            <a:r>
+              <a:rPr lang="en-US" dirty="0"/>
+              <a:t>In this chapter, we will:</a:t>
+            </a:r>
+          </a:p>
+          <a:p>
+            <a:r>
+              <a:rPr lang="en-US" dirty="0"/>
+              <a:t>Understand the use cases for Classification models</a:t>
+            </a:r>
+          </a:p>
+          <a:p>
+            <a:r>
+              <a:rPr lang="en-US" dirty="0"/>
+              <a:t>Discuss and compare various algorithms</a:t>
+            </a:r>
+          </a:p>
+          <a:p>
+            <a:pPr lvl="1"/>
+            <a:r>
+              <a:rPr lang="en-US" dirty="0"/>
+              <a:t>Naive Bayes</a:t>
+            </a:r>
+          </a:p>
+          <a:p>
+            <a:pPr lvl="1"/>
+            <a:r>
+              <a:rPr lang="en-US" dirty="0"/>
+              <a:t>Decision Tree</a:t>
+            </a:r>
+          </a:p>
+          <a:p>
+            <a:pPr lvl="1"/>
+            <a:r>
+              <a:rPr lang="en-US" dirty="0"/>
+              <a:t>Logistic Regression</a:t>
+            </a:r>
+          </a:p>
+          <a:p>
+            <a:pPr lvl="1"/>
+            <a:r>
+              <a:rPr lang="en-US" dirty="0"/>
+              <a:t>Neural Network</a:t>
+            </a:r>
+          </a:p>
+          <a:p>
+            <a:pPr marL="0" indent="0">
+              <a:buNone/>
+            </a:pPr>
+            <a:endParaRPr lang="en-US" dirty="0"/>
+          </a:p>
+          <a:p>
+            <a:endParaRPr lang="en-US" dirty="0"/>
+          </a:p>
+          <a:p>
+            <a:pPr marL="0" indent="0">
+              <a:buNone/>
+            </a:pPr>
+            <a:endParaRPr lang="en-US" dirty="0"/>
+          </a:p>
+        </p:txBody>
+      </p:sp>
+      <p:sp>
+        <p:nvSpPr>
+          <p:cNvPr id="4" name="Title 3"/>
+          <p:cNvSpPr>
+            <a:spLocks noGrp="1"/>
+          </p:cNvSpPr>
+          <p:nvPr>
+            <p:ph type="title"/>
+          </p:nvPr>
+        </p:nvSpPr>
+        <p:spPr/>
+        <p:txBody>
+          <a:bodyPr/>
+          <a:lstStyle/>
+          <a:p>
+            <a:r>
+              <a:rPr lang="en-US" dirty="0"/>
+              <a:t>Chapter Objectives</a:t>
+            </a:r>
+          </a:p>
+        </p:txBody>
+      </p:sp>
+    </p:spTree>
+    <p:extLst>
+      <p:ext uri="{BB962C8B-B14F-4D97-AF65-F5344CB8AC3E}">
+        <p14:creationId xmlns:p14="http://schemas.microsoft.com/office/powerpoint/2010/main" val="1685483045"/>
+      </p:ext>
+    </p:extLst>
+  </p:cSld>
+  <p:clrMapOvr>
+    <a:masterClrMapping/>
+  </p:clrMapOvr>
+</p:sld>
+</file>
+
+<file path=ppt/slides/slide20.xml><?xml version="1.0" encoding="utf-8"?>
 <p:sld xmlns:a="http://schemas.openxmlformats.org/drawingml/2006/main" xmlns:r="http://schemas.openxmlformats.org/officeDocument/2006/relationships" xmlns:p="http://schemas.openxmlformats.org/presentationml/2006/main">
   <p:cSld>
     <p:spTree>
@@ -12109,7 +12650,7 @@
 </p:sld>
 </file>
 
-<file path=ppt/slides/slide19.xml><?xml version="1.0" encoding="utf-8"?>
+<file path=ppt/slides/slide21.xml><?xml version="1.0" encoding="utf-8"?>
 <p:sld xmlns:a="http://schemas.openxmlformats.org/drawingml/2006/main" xmlns:r="http://schemas.openxmlformats.org/officeDocument/2006/relationships" xmlns:p="http://schemas.openxmlformats.org/presentationml/2006/main">
   <p:cSld>
     <p:spTree>
@@ -12474,139 +13015,7 @@
 </p:sld>
 </file>
 
-<file path=ppt/slides/slide2.xml><?xml version="1.0" encoding="utf-8"?>
-<p:sld xmlns:a="http://schemas.openxmlformats.org/drawingml/2006/main" xmlns:r="http://schemas.openxmlformats.org/officeDocument/2006/relationships" xmlns:p="http://schemas.openxmlformats.org/presentationml/2006/main">
-  <p:cSld>
-    <p:spTree>
-      <p:nvGrpSpPr>
-        <p:cNvPr id="1" name=""/>
-        <p:cNvGrpSpPr/>
-        <p:nvPr/>
-      </p:nvGrpSpPr>
-      <p:grpSpPr>
-        <a:xfrm>
-          <a:off x="0" y="0"/>
-          <a:ext cx="0" cy="0"/>
-          <a:chOff x="0" y="0"/>
-          <a:chExt cx="0" cy="0"/>
-        </a:xfrm>
-      </p:grpSpPr>
-      <p:sp>
-        <p:nvSpPr>
-          <p:cNvPr id="5" name="Content Placeholder 4"/>
-          <p:cNvSpPr>
-            <a:spLocks noGrp="1"/>
-          </p:cNvSpPr>
-          <p:nvPr>
-            <p:ph idx="1"/>
-          </p:nvPr>
-        </p:nvSpPr>
-        <p:spPr/>
-        <p:txBody>
-          <a:bodyPr/>
-          <a:lstStyle/>
-          <a:p>
-            <a:pPr marL="0" indent="0">
-              <a:buNone/>
-            </a:pPr>
-            <a:r>
-              <a:rPr lang="en-US" dirty="0"/>
-              <a:t>In this chapter, we will:</a:t>
-            </a:r>
-          </a:p>
-          <a:p>
-            <a:r>
-              <a:rPr lang="en-US" dirty="0"/>
-              <a:t>Understand the use cases for Classification models</a:t>
-            </a:r>
-          </a:p>
-          <a:p>
-            <a:r>
-              <a:rPr lang="en-US" dirty="0"/>
-              <a:t>Discuss and compare various algorithms</a:t>
-            </a:r>
-          </a:p>
-          <a:p>
-            <a:pPr lvl="1"/>
-            <a:r>
-              <a:rPr lang="en-US" dirty="0"/>
-              <a:t>Naive Bayes</a:t>
-            </a:r>
-          </a:p>
-          <a:p>
-            <a:pPr lvl="1"/>
-            <a:r>
-              <a:rPr lang="en-US" dirty="0"/>
-              <a:t>Decision Tree</a:t>
-            </a:r>
-          </a:p>
-          <a:p>
-            <a:pPr lvl="1"/>
-            <a:r>
-              <a:rPr lang="en-US" dirty="0"/>
-              <a:t>Logistic Regression</a:t>
-            </a:r>
-          </a:p>
-          <a:p>
-            <a:pPr lvl="1"/>
-            <a:r>
-              <a:rPr lang="en-US" dirty="0"/>
-              <a:t>Neural Network</a:t>
-            </a:r>
-          </a:p>
-          <a:p>
-            <a:pPr marL="0" indent="0">
-              <a:buNone/>
-            </a:pPr>
-            <a:endParaRPr lang="en-US" dirty="0"/>
-          </a:p>
-          <a:p>
-            <a:endParaRPr lang="en-US" dirty="0"/>
-          </a:p>
-          <a:p>
-            <a:pPr marL="0" indent="0">
-              <a:buNone/>
-            </a:pPr>
-            <a:endParaRPr lang="en-US" dirty="0"/>
-          </a:p>
-        </p:txBody>
-      </p:sp>
-      <p:sp>
-        <p:nvSpPr>
-          <p:cNvPr id="4" name="Title 3"/>
-          <p:cNvSpPr>
-            <a:spLocks noGrp="1"/>
-          </p:cNvSpPr>
-          <p:nvPr>
-            <p:ph type="title"/>
-          </p:nvPr>
-        </p:nvSpPr>
-        <p:spPr/>
-        <p:txBody>
-          <a:bodyPr/>
-          <a:lstStyle/>
-          <a:p>
-            <a:r>
-              <a:rPr lang="en-US" dirty="0"/>
-              <a:t>Chapter Objectives</a:t>
-            </a:r>
-          </a:p>
-        </p:txBody>
-      </p:sp>
-    </p:spTree>
-    <p:extLst>
-      <p:ext uri="{BB962C8B-B14F-4D97-AF65-F5344CB8AC3E}">
-        <p14:creationId xmlns:p14="http://schemas.microsoft.com/office/powerpoint/2010/main" val="1685483045"/>
-      </p:ext>
-    </p:extLst>
-  </p:cSld>
-  <p:clrMapOvr>
-    <a:masterClrMapping/>
-  </p:clrMapOvr>
-</p:sld>
-</file>
-
-<file path=ppt/slides/slide20.xml><?xml version="1.0" encoding="utf-8"?>
+<file path=ppt/slides/slide22.xml><?xml version="1.0" encoding="utf-8"?>
 <p:sld xmlns:a="http://schemas.openxmlformats.org/drawingml/2006/main" xmlns:r="http://schemas.openxmlformats.org/officeDocument/2006/relationships" xmlns:p="http://schemas.openxmlformats.org/presentationml/2006/main">
   <p:cSld>
     <p:spTree>
@@ -12951,7 +13360,7 @@
 </p:sld>
 </file>
 
-<file path=ppt/slides/slide21.xml><?xml version="1.0" encoding="utf-8"?>
+<file path=ppt/slides/slide23.xml><?xml version="1.0" encoding="utf-8"?>
 <p:sld xmlns:a="http://schemas.openxmlformats.org/drawingml/2006/main" xmlns:r="http://schemas.openxmlformats.org/officeDocument/2006/relationships" xmlns:p="http://schemas.openxmlformats.org/presentationml/2006/main">
   <p:cSld>
     <p:spTree>
@@ -13326,7 +13735,7 @@
 </p:sld>
 </file>
 
-<file path=ppt/slides/slide22.xml><?xml version="1.0" encoding="utf-8"?>
+<file path=ppt/slides/slide24.xml><?xml version="1.0" encoding="utf-8"?>
 <p:sld xmlns:a="http://schemas.openxmlformats.org/drawingml/2006/main" xmlns:r="http://schemas.openxmlformats.org/officeDocument/2006/relationships" xmlns:p="http://schemas.openxmlformats.org/presentationml/2006/main">
   <p:cSld>
     <p:spTree>
@@ -13345,10 +13754,10 @@
       </p:grpSpPr>
       <p:pic>
         <p:nvPicPr>
-          <p:cNvPr id="8" name="Picture 7">
+          <p:cNvPr id="9" name="Picture 8">
             <a:extLst>
               <a:ext uri="{FF2B5EF4-FFF2-40B4-BE49-F238E27FC236}">
-                <a16:creationId xmlns:a16="http://schemas.microsoft.com/office/drawing/2014/main" id="{468B0FD9-E602-B44E-8349-D084E95C03D5}"/>
+                <a16:creationId xmlns:a16="http://schemas.microsoft.com/office/drawing/2014/main" id="{8FCEB4A3-4C25-42B7-A0FE-69C8C4514807}"/>
               </a:ext>
             </a:extLst>
           </p:cNvPr>
@@ -13381,10 +13790,10 @@
       </p:pic>
       <p:sp>
         <p:nvSpPr>
-          <p:cNvPr id="2" name="Content Placeholder 1">
+          <p:cNvPr id="10" name="Content Placeholder 1">
             <a:extLst>
               <a:ext uri="{FF2B5EF4-FFF2-40B4-BE49-F238E27FC236}">
-                <a16:creationId xmlns:a16="http://schemas.microsoft.com/office/drawing/2014/main" id="{0FD7EFE2-BFC2-074A-85AD-AAEF2DE4EEFC}"/>
+                <a16:creationId xmlns:a16="http://schemas.microsoft.com/office/drawing/2014/main" id="{F8D37269-C780-4390-9BB6-45E3C752CCB5}"/>
               </a:ext>
             </a:extLst>
           </p:cNvPr>
@@ -13395,7 +13804,12 @@
             <p:ph idx="1"/>
           </p:nvPr>
         </p:nvSpPr>
-        <p:spPr/>
+        <p:spPr>
+          <a:xfrm>
+            <a:off x="581025" y="1155614"/>
+            <a:ext cx="8020050" cy="5072616"/>
+          </a:xfrm>
+        </p:spPr>
         <p:txBody>
           <a:bodyPr/>
           <a:lstStyle/>
@@ -13408,7 +13822,7 @@
           <a:p>
             <a:r>
               <a:rPr lang="en-US" dirty="0"/>
-              <a:t>The closer the curve is to the left or top border the more accurate it is</a:t>
+              <a:t>The closer the curve is to the left or top border, the more accurate it is</a:t>
             </a:r>
           </a:p>
           <a:p>
@@ -13421,10 +13835,10 @@
       </p:sp>
       <p:sp>
         <p:nvSpPr>
-          <p:cNvPr id="3" name="Title 2">
+          <p:cNvPr id="11" name="Title 2">
             <a:extLst>
               <a:ext uri="{FF2B5EF4-FFF2-40B4-BE49-F238E27FC236}">
-                <a16:creationId xmlns:a16="http://schemas.microsoft.com/office/drawing/2014/main" id="{38D5914B-DA59-A341-AF5B-67CDCB97D1C0}"/>
+                <a16:creationId xmlns:a16="http://schemas.microsoft.com/office/drawing/2014/main" id="{F308CBEA-3E47-4C79-8AF8-4A918604456D}"/>
               </a:ext>
             </a:extLst>
           </p:cNvPr>
@@ -13435,7 +13849,12 @@
             <p:ph type="title"/>
           </p:nvPr>
         </p:nvSpPr>
-        <p:spPr/>
+        <p:spPr>
+          <a:xfrm>
+            <a:off x="1050925" y="290495"/>
+            <a:ext cx="7002463" cy="627062"/>
+          </a:xfrm>
+        </p:spPr>
         <p:txBody>
           <a:bodyPr/>
           <a:lstStyle/>
@@ -13443,646 +13862,16 @@
             <a:r>
               <a:rPr lang="en-US" dirty="0"/>
               <a:t>ROC Curve</a:t>
-            </a:r>
-          </a:p>
-        </p:txBody>
-      </p:sp>
-      <p:sp>
-        <p:nvSpPr>
-          <p:cNvPr id="6" name="TextBox 5">
-            <a:extLst>
-              <a:ext uri="{FF2B5EF4-FFF2-40B4-BE49-F238E27FC236}">
-                <a16:creationId xmlns:a16="http://schemas.microsoft.com/office/drawing/2014/main" id="{ED529408-9726-2A45-BFDE-459FC372D787}"/>
-              </a:ext>
-            </a:extLst>
-          </p:cNvPr>
-          <p:cNvSpPr txBox="1"/>
-          <p:nvPr/>
-        </p:nvSpPr>
-        <p:spPr>
-          <a:xfrm>
-            <a:off x="2464358" y="3083755"/>
-            <a:ext cx="6583516" cy="2554545"/>
-          </a:xfrm>
-          <a:prstGeom prst="rect">
-            <a:avLst/>
-          </a:prstGeom>
-          <a:noFill/>
-          <a:ln w="28575" algn="ctr">
-            <a:solidFill>
-              <a:schemeClr val="accent2">
-                <a:lumMod val="20000"/>
-                <a:lumOff val="80000"/>
-              </a:schemeClr>
-            </a:solidFill>
-            <a:miter lim="800000"/>
-            <a:headEnd/>
-            <a:tailEnd/>
-          </a:ln>
-          <a:effectLst/>
-        </p:spPr>
-        <p:txBody>
-          <a:bodyPr wrap="square">
-            <a:spAutoFit/>
-          </a:bodyPr>
-          <a:lstStyle>
-            <a:defPPr>
-              <a:defRPr lang="en-US"/>
-            </a:defPPr>
-            <a:lvl1pPr marL="0" defTabSz="914400" eaLnBrk="1" latinLnBrk="0" hangingPunct="1">
-              <a:defRPr sz="1400">
-                <a:solidFill>
-                  <a:schemeClr val="tx1"/>
-                </a:solidFill>
-                <a:latin typeface="Courier New" pitchFamily="49" charset="0"/>
-                <a:cs typeface="+mn-cs"/>
-              </a:defRPr>
-            </a:lvl1pPr>
-            <a:lvl2pPr marL="742950" indent="-285750" defTabSz="914400" latinLnBrk="0">
-              <a:defRPr sz="1400">
-                <a:solidFill>
-                  <a:schemeClr val="tx1"/>
-                </a:solidFill>
-                <a:latin typeface="Arial" charset="0"/>
-                <a:cs typeface="+mn-cs"/>
-              </a:defRPr>
-            </a:lvl2pPr>
-            <a:lvl3pPr marL="1143000" indent="-228600" defTabSz="914400" latinLnBrk="0">
-              <a:defRPr sz="1400">
-                <a:solidFill>
-                  <a:schemeClr val="tx1"/>
-                </a:solidFill>
-                <a:latin typeface="Arial" charset="0"/>
-                <a:cs typeface="+mn-cs"/>
-              </a:defRPr>
-            </a:lvl3pPr>
-            <a:lvl4pPr marL="1600200" indent="-228600" defTabSz="914400" latinLnBrk="0">
-              <a:defRPr sz="1400">
-                <a:solidFill>
-                  <a:schemeClr val="tx1"/>
-                </a:solidFill>
-                <a:latin typeface="Arial" charset="0"/>
-                <a:cs typeface="+mn-cs"/>
-              </a:defRPr>
-            </a:lvl4pPr>
-            <a:lvl5pPr marL="2057400" indent="-228600" defTabSz="914400" latinLnBrk="0">
-              <a:defRPr sz="1400">
-                <a:solidFill>
-                  <a:schemeClr val="tx1"/>
-                </a:solidFill>
-                <a:latin typeface="Arial" charset="0"/>
-                <a:cs typeface="+mn-cs"/>
-              </a:defRPr>
-            </a:lvl5pPr>
-            <a:lvl6pPr marL="2514600" indent="-228600" eaLnBrk="0" fontAlgn="base" hangingPunct="0">
-              <a:spcBef>
-                <a:spcPct val="0"/>
-              </a:spcBef>
-              <a:spcAft>
-                <a:spcPct val="0"/>
-              </a:spcAft>
-              <a:defRPr sz="1400">
-                <a:solidFill>
-                  <a:schemeClr val="tx1"/>
-                </a:solidFill>
-                <a:latin typeface="Arial" charset="0"/>
-                <a:cs typeface="+mn-cs"/>
-              </a:defRPr>
-            </a:lvl6pPr>
-            <a:lvl7pPr marL="2971800" indent="-228600" eaLnBrk="0" fontAlgn="base" hangingPunct="0">
-              <a:spcBef>
-                <a:spcPct val="0"/>
-              </a:spcBef>
-              <a:spcAft>
-                <a:spcPct val="0"/>
-              </a:spcAft>
-              <a:defRPr sz="1400">
-                <a:solidFill>
-                  <a:schemeClr val="tx1"/>
-                </a:solidFill>
-                <a:latin typeface="Arial" charset="0"/>
-                <a:cs typeface="+mn-cs"/>
-              </a:defRPr>
-            </a:lvl7pPr>
-            <a:lvl8pPr marL="3429000" indent="-228600" eaLnBrk="0" fontAlgn="base" hangingPunct="0">
-              <a:spcBef>
-                <a:spcPct val="0"/>
-              </a:spcBef>
-              <a:spcAft>
-                <a:spcPct val="0"/>
-              </a:spcAft>
-              <a:defRPr sz="1400">
-                <a:solidFill>
-                  <a:schemeClr val="tx1"/>
-                </a:solidFill>
-                <a:latin typeface="Arial" charset="0"/>
-                <a:cs typeface="+mn-cs"/>
-              </a:defRPr>
-            </a:lvl8pPr>
-            <a:lvl9pPr marL="3886200" indent="-228600" eaLnBrk="0" fontAlgn="base" hangingPunct="0">
-              <a:spcBef>
-                <a:spcPct val="0"/>
-              </a:spcBef>
-              <a:spcAft>
-                <a:spcPct val="0"/>
-              </a:spcAft>
-              <a:defRPr sz="1400">
-                <a:solidFill>
-                  <a:schemeClr val="tx1"/>
-                </a:solidFill>
-                <a:latin typeface="Arial" charset="0"/>
-                <a:cs typeface="+mn-cs"/>
-              </a:defRPr>
-            </a:lvl9pPr>
-          </a:lstStyle>
-          <a:p>
-            <a:r>
-              <a:rPr lang="de-DE" sz="1600" b="1" dirty="0">
-                <a:latin typeface="Courier New" charset="0"/>
-                <a:ea typeface="Courier New" charset="0"/>
-                <a:cs typeface="Courier New" charset="0"/>
-              </a:rPr>
-              <a:t>predY1 = </a:t>
-            </a:r>
-            <a:r>
-              <a:rPr lang="de-DE" sz="1600" b="1" dirty="0" err="1">
-                <a:latin typeface="Courier New" charset="0"/>
-                <a:ea typeface="Courier New" charset="0"/>
-                <a:cs typeface="Courier New" charset="0"/>
-              </a:rPr>
-              <a:t>modelLR.predict_proba</a:t>
-            </a:r>
-            <a:r>
-              <a:rPr lang="de-DE" sz="1600" b="1" dirty="0">
-                <a:latin typeface="Courier New" charset="0"/>
-                <a:ea typeface="Courier New" charset="0"/>
-                <a:cs typeface="Courier New" charset="0"/>
-              </a:rPr>
-              <a:t>(</a:t>
-            </a:r>
-            <a:r>
-              <a:rPr lang="de-DE" sz="1600" b="1" dirty="0" err="1">
-                <a:latin typeface="Courier New" charset="0"/>
-                <a:ea typeface="Courier New" charset="0"/>
-                <a:cs typeface="Courier New" charset="0"/>
-              </a:rPr>
-              <a:t>testX</a:t>
-            </a:r>
-            <a:r>
-              <a:rPr lang="de-DE" sz="1600" b="1" dirty="0">
-                <a:latin typeface="Courier New" charset="0"/>
-                <a:ea typeface="Courier New" charset="0"/>
-                <a:cs typeface="Courier New" charset="0"/>
-              </a:rPr>
-              <a:t>)</a:t>
-            </a:r>
-          </a:p>
-          <a:p>
-            <a:endParaRPr lang="de-DE" sz="1600" b="1" dirty="0">
-              <a:latin typeface="Courier New" charset="0"/>
-              <a:ea typeface="Courier New" charset="0"/>
-              <a:cs typeface="Courier New" charset="0"/>
-            </a:endParaRPr>
-          </a:p>
-          <a:p>
-            <a:r>
-              <a:rPr lang="de-DE" sz="1600" b="1" dirty="0" err="1">
-                <a:latin typeface="Courier New" charset="0"/>
-                <a:ea typeface="Courier New" charset="0"/>
-                <a:cs typeface="Courier New" charset="0"/>
-              </a:rPr>
-              <a:t>from</a:t>
-            </a:r>
-            <a:r>
-              <a:rPr lang="de-DE" sz="1600" b="1" dirty="0">
-                <a:latin typeface="Courier New" charset="0"/>
-                <a:ea typeface="Courier New" charset="0"/>
-                <a:cs typeface="Courier New" charset="0"/>
-              </a:rPr>
-              <a:t> </a:t>
-            </a:r>
-            <a:r>
-              <a:rPr lang="de-DE" sz="1600" b="1" dirty="0" err="1">
-                <a:latin typeface="Courier New" charset="0"/>
-                <a:ea typeface="Courier New" charset="0"/>
-                <a:cs typeface="Courier New" charset="0"/>
-              </a:rPr>
-              <a:t>sklearn.metrics</a:t>
-            </a:r>
-            <a:r>
-              <a:rPr lang="de-DE" sz="1600" b="1" dirty="0">
-                <a:latin typeface="Courier New" charset="0"/>
-                <a:ea typeface="Courier New" charset="0"/>
-                <a:cs typeface="Courier New" charset="0"/>
-              </a:rPr>
-              <a:t> </a:t>
-            </a:r>
-            <a:r>
-              <a:rPr lang="de-DE" sz="1600" b="1" dirty="0" err="1">
-                <a:latin typeface="Courier New" charset="0"/>
-                <a:ea typeface="Courier New" charset="0"/>
-                <a:cs typeface="Courier New" charset="0"/>
-              </a:rPr>
-              <a:t>import</a:t>
-            </a:r>
-            <a:r>
-              <a:rPr lang="de-DE" sz="1600" b="1" dirty="0">
-                <a:latin typeface="Courier New" charset="0"/>
-                <a:ea typeface="Courier New" charset="0"/>
-                <a:cs typeface="Courier New" charset="0"/>
-              </a:rPr>
-              <a:t> </a:t>
-            </a:r>
-            <a:r>
-              <a:rPr lang="de-DE" sz="1600" b="1" dirty="0" err="1">
-                <a:latin typeface="Courier New" charset="0"/>
-                <a:ea typeface="Courier New" charset="0"/>
-                <a:cs typeface="Courier New" charset="0"/>
-              </a:rPr>
-              <a:t>roc_auc_score</a:t>
-            </a:r>
-            <a:r>
-              <a:rPr lang="de-DE" sz="1600" b="1" dirty="0">
-                <a:latin typeface="Courier New" charset="0"/>
-                <a:ea typeface="Courier New" charset="0"/>
-                <a:cs typeface="Courier New" charset="0"/>
-              </a:rPr>
-              <a:t>, </a:t>
-            </a:r>
-            <a:r>
-              <a:rPr lang="de-DE" sz="1600" b="1" dirty="0" err="1">
-                <a:latin typeface="Courier New" charset="0"/>
-                <a:ea typeface="Courier New" charset="0"/>
-                <a:cs typeface="Courier New" charset="0"/>
-              </a:rPr>
-              <a:t>roc_curve</a:t>
-            </a:r>
-            <a:endParaRPr lang="de-DE" sz="1600" b="1" dirty="0">
-              <a:latin typeface="Courier New" charset="0"/>
-              <a:ea typeface="Courier New" charset="0"/>
-              <a:cs typeface="Courier New" charset="0"/>
-            </a:endParaRPr>
-          </a:p>
-          <a:p>
-            <a:r>
-              <a:rPr lang="de-DE" sz="1600" b="1" dirty="0" err="1">
-                <a:latin typeface="Courier New" charset="0"/>
-                <a:ea typeface="Courier New" charset="0"/>
-                <a:cs typeface="Courier New" charset="0"/>
-              </a:rPr>
-              <a:t>roc</a:t>
-            </a:r>
-            <a:r>
-              <a:rPr lang="de-DE" sz="1600" b="1" dirty="0">
-                <a:latin typeface="Courier New" charset="0"/>
-                <a:ea typeface="Courier New" charset="0"/>
-                <a:cs typeface="Courier New" charset="0"/>
-              </a:rPr>
-              <a:t> = </a:t>
-            </a:r>
-            <a:r>
-              <a:rPr lang="de-DE" sz="1600" b="1" dirty="0" err="1">
-                <a:latin typeface="Courier New" charset="0"/>
-                <a:ea typeface="Courier New" charset="0"/>
-                <a:cs typeface="Courier New" charset="0"/>
-              </a:rPr>
-              <a:t>roc_auc_score</a:t>
-            </a:r>
-            <a:r>
-              <a:rPr lang="de-DE" sz="1600" b="1" dirty="0">
-                <a:latin typeface="Courier New" charset="0"/>
-                <a:ea typeface="Courier New" charset="0"/>
-                <a:cs typeface="Courier New" charset="0"/>
-              </a:rPr>
-              <a:t>(</a:t>
-            </a:r>
-            <a:r>
-              <a:rPr lang="de-DE" sz="1600" b="1" dirty="0" err="1">
-                <a:latin typeface="Courier New" charset="0"/>
-                <a:ea typeface="Courier New" charset="0"/>
-                <a:cs typeface="Courier New" charset="0"/>
-              </a:rPr>
-              <a:t>testY</a:t>
-            </a:r>
-            <a:r>
-              <a:rPr lang="de-DE" sz="1600" b="1" dirty="0">
-                <a:latin typeface="Courier New" charset="0"/>
-                <a:ea typeface="Courier New" charset="0"/>
-                <a:cs typeface="Courier New" charset="0"/>
-              </a:rPr>
-              <a:t>, </a:t>
-            </a:r>
-            <a:r>
-              <a:rPr lang="de-DE" sz="1600" b="1" dirty="0" err="1">
-                <a:latin typeface="Courier New" charset="0"/>
-                <a:ea typeface="Courier New" charset="0"/>
-                <a:cs typeface="Courier New" charset="0"/>
-              </a:rPr>
-              <a:t>predY</a:t>
-            </a:r>
-            <a:r>
-              <a:rPr lang="de-DE" sz="1600" b="1" dirty="0">
-                <a:latin typeface="Courier New" charset="0"/>
-                <a:ea typeface="Courier New" charset="0"/>
-                <a:cs typeface="Courier New" charset="0"/>
-              </a:rPr>
-              <a:t>)</a:t>
-            </a:r>
-          </a:p>
-          <a:p>
-            <a:r>
-              <a:rPr lang="de-DE" sz="1600" b="1" dirty="0" err="1">
-                <a:latin typeface="Courier New" charset="0"/>
-                <a:ea typeface="Courier New" charset="0"/>
-                <a:cs typeface="Courier New" charset="0"/>
-              </a:rPr>
-              <a:t>fpr</a:t>
-            </a:r>
-            <a:r>
-              <a:rPr lang="de-DE" sz="1600" b="1" dirty="0">
-                <a:latin typeface="Courier New" charset="0"/>
-                <a:ea typeface="Courier New" charset="0"/>
-                <a:cs typeface="Courier New" charset="0"/>
-              </a:rPr>
-              <a:t>, </a:t>
-            </a:r>
-            <a:r>
-              <a:rPr lang="de-DE" sz="1600" b="1" dirty="0" err="1">
-                <a:latin typeface="Courier New" charset="0"/>
-                <a:ea typeface="Courier New" charset="0"/>
-                <a:cs typeface="Courier New" charset="0"/>
-              </a:rPr>
-              <a:t>tpr</a:t>
-            </a:r>
-            <a:r>
-              <a:rPr lang="de-DE" sz="1600" b="1" dirty="0">
-                <a:latin typeface="Courier New" charset="0"/>
-                <a:ea typeface="Courier New" charset="0"/>
-                <a:cs typeface="Courier New" charset="0"/>
-              </a:rPr>
-              <a:t>, x = </a:t>
-            </a:r>
-            <a:r>
-              <a:rPr lang="de-DE" sz="1600" b="1" dirty="0" err="1">
-                <a:latin typeface="Courier New" charset="0"/>
-                <a:ea typeface="Courier New" charset="0"/>
-                <a:cs typeface="Courier New" charset="0"/>
-              </a:rPr>
-              <a:t>roc_curve</a:t>
-            </a:r>
-            <a:r>
-              <a:rPr lang="de-DE" sz="1600" b="1" dirty="0">
-                <a:latin typeface="Courier New" charset="0"/>
-                <a:ea typeface="Courier New" charset="0"/>
-                <a:cs typeface="Courier New" charset="0"/>
-              </a:rPr>
-              <a:t>(</a:t>
-            </a:r>
-            <a:r>
-              <a:rPr lang="de-DE" sz="1600" b="1" dirty="0" err="1">
-                <a:latin typeface="Courier New" charset="0"/>
-                <a:ea typeface="Courier New" charset="0"/>
-                <a:cs typeface="Courier New" charset="0"/>
-              </a:rPr>
-              <a:t>testY</a:t>
-            </a:r>
-            <a:r>
-              <a:rPr lang="de-DE" sz="1600" b="1" dirty="0">
-                <a:latin typeface="Courier New" charset="0"/>
-                <a:ea typeface="Courier New" charset="0"/>
-                <a:cs typeface="Courier New" charset="0"/>
-              </a:rPr>
-              <a:t>, predY1[:,1])</a:t>
-            </a:r>
-          </a:p>
-          <a:p>
-            <a:endParaRPr lang="de-DE" sz="1600" b="1" dirty="0">
-              <a:latin typeface="Courier New" charset="0"/>
-              <a:ea typeface="Courier New" charset="0"/>
-              <a:cs typeface="Courier New" charset="0"/>
-            </a:endParaRPr>
-          </a:p>
-          <a:p>
-            <a:r>
-              <a:rPr lang="de-DE" sz="1600" b="1" dirty="0" err="1">
-                <a:latin typeface="Courier New" charset="0"/>
-                <a:ea typeface="Courier New" charset="0"/>
-                <a:cs typeface="Courier New" charset="0"/>
-              </a:rPr>
-              <a:t>import</a:t>
-            </a:r>
-            <a:r>
-              <a:rPr lang="de-DE" sz="1600" b="1" dirty="0">
-                <a:latin typeface="Courier New" charset="0"/>
-                <a:ea typeface="Courier New" charset="0"/>
-                <a:cs typeface="Courier New" charset="0"/>
-              </a:rPr>
-              <a:t> </a:t>
-            </a:r>
-            <a:r>
-              <a:rPr lang="de-DE" sz="1600" b="1" dirty="0" err="1">
-                <a:latin typeface="Courier New" charset="0"/>
-                <a:ea typeface="Courier New" charset="0"/>
-                <a:cs typeface="Courier New" charset="0"/>
-              </a:rPr>
-              <a:t>matplotlib.pyplot</a:t>
-            </a:r>
-            <a:r>
-              <a:rPr lang="de-DE" sz="1600" b="1" dirty="0">
-                <a:latin typeface="Courier New" charset="0"/>
-                <a:ea typeface="Courier New" charset="0"/>
-                <a:cs typeface="Courier New" charset="0"/>
-              </a:rPr>
-              <a:t> </a:t>
-            </a:r>
-            <a:r>
-              <a:rPr lang="de-DE" sz="1600" b="1" dirty="0" err="1">
-                <a:latin typeface="Courier New" charset="0"/>
-                <a:ea typeface="Courier New" charset="0"/>
-                <a:cs typeface="Courier New" charset="0"/>
-              </a:rPr>
-              <a:t>as</a:t>
-            </a:r>
-            <a:r>
-              <a:rPr lang="de-DE" sz="1600" b="1" dirty="0">
-                <a:latin typeface="Courier New" charset="0"/>
-                <a:ea typeface="Courier New" charset="0"/>
-                <a:cs typeface="Courier New" charset="0"/>
-              </a:rPr>
-              <a:t> </a:t>
-            </a:r>
-            <a:r>
-              <a:rPr lang="de-DE" sz="1600" b="1" dirty="0" err="1">
-                <a:latin typeface="Courier New" charset="0"/>
-                <a:ea typeface="Courier New" charset="0"/>
-                <a:cs typeface="Courier New" charset="0"/>
-              </a:rPr>
-              <a:t>plt</a:t>
-            </a:r>
-            <a:endParaRPr lang="de-DE" sz="1600" b="1" dirty="0">
-              <a:latin typeface="Courier New" charset="0"/>
-              <a:ea typeface="Courier New" charset="0"/>
-              <a:cs typeface="Courier New" charset="0"/>
-            </a:endParaRPr>
-          </a:p>
-          <a:p>
-            <a:r>
-              <a:rPr lang="de-DE" sz="1600" b="1" dirty="0" err="1">
-                <a:latin typeface="Courier New" charset="0"/>
-                <a:ea typeface="Courier New" charset="0"/>
-                <a:cs typeface="Courier New" charset="0"/>
-              </a:rPr>
-              <a:t>plt.plot</a:t>
-            </a:r>
-            <a:r>
-              <a:rPr lang="de-DE" sz="1600" b="1" dirty="0">
-                <a:latin typeface="Courier New" charset="0"/>
-                <a:ea typeface="Courier New" charset="0"/>
-                <a:cs typeface="Courier New" charset="0"/>
-              </a:rPr>
-              <a:t>(</a:t>
-            </a:r>
-            <a:r>
-              <a:rPr lang="de-DE" sz="1600" b="1" dirty="0" err="1">
-                <a:latin typeface="Courier New" charset="0"/>
-                <a:ea typeface="Courier New" charset="0"/>
-                <a:cs typeface="Courier New" charset="0"/>
-              </a:rPr>
-              <a:t>fpr</a:t>
-            </a:r>
-            <a:r>
-              <a:rPr lang="de-DE" sz="1600" b="1" dirty="0">
-                <a:latin typeface="Courier New" charset="0"/>
-                <a:ea typeface="Courier New" charset="0"/>
-                <a:cs typeface="Courier New" charset="0"/>
-              </a:rPr>
-              <a:t>, </a:t>
-            </a:r>
-            <a:r>
-              <a:rPr lang="de-DE" sz="1600" b="1" dirty="0" err="1">
-                <a:latin typeface="Courier New" charset="0"/>
-                <a:ea typeface="Courier New" charset="0"/>
-                <a:cs typeface="Courier New" charset="0"/>
-              </a:rPr>
-              <a:t>tpr</a:t>
-            </a:r>
-            <a:r>
-              <a:rPr lang="de-DE" sz="1600" b="1" dirty="0">
-                <a:latin typeface="Courier New" charset="0"/>
-                <a:ea typeface="Courier New" charset="0"/>
-                <a:cs typeface="Courier New" charset="0"/>
-              </a:rPr>
-              <a:t>, </a:t>
-            </a:r>
-            <a:r>
-              <a:rPr lang="de-DE" sz="1600" b="1" dirty="0" err="1">
-                <a:latin typeface="Courier New" charset="0"/>
-                <a:ea typeface="Courier New" charset="0"/>
-                <a:cs typeface="Courier New" charset="0"/>
-              </a:rPr>
-              <a:t>label</a:t>
-            </a:r>
-            <a:r>
-              <a:rPr lang="de-DE" sz="1600" b="1" dirty="0">
-                <a:latin typeface="Courier New" charset="0"/>
-                <a:ea typeface="Courier New" charset="0"/>
-                <a:cs typeface="Courier New" charset="0"/>
-              </a:rPr>
-              <a:t> = 'AUC = ' + </a:t>
-            </a:r>
-            <a:r>
-              <a:rPr lang="de-DE" sz="1600" b="1" dirty="0" err="1">
-                <a:latin typeface="Courier New" charset="0"/>
-                <a:ea typeface="Courier New" charset="0"/>
-                <a:cs typeface="Courier New" charset="0"/>
-              </a:rPr>
-              <a:t>str</a:t>
-            </a:r>
-            <a:r>
-              <a:rPr lang="de-DE" sz="1600" b="1" dirty="0">
-                <a:latin typeface="Courier New" charset="0"/>
-                <a:ea typeface="Courier New" charset="0"/>
-                <a:cs typeface="Courier New" charset="0"/>
-              </a:rPr>
-              <a:t>(</a:t>
-            </a:r>
-            <a:r>
-              <a:rPr lang="de-DE" sz="1600" b="1" dirty="0" err="1">
-                <a:latin typeface="Courier New" charset="0"/>
-                <a:ea typeface="Courier New" charset="0"/>
-                <a:cs typeface="Courier New" charset="0"/>
-              </a:rPr>
-              <a:t>roc</a:t>
-            </a:r>
-            <a:r>
-              <a:rPr lang="de-DE" sz="1600" b="1" dirty="0">
-                <a:latin typeface="Courier New" charset="0"/>
-                <a:ea typeface="Courier New" charset="0"/>
-                <a:cs typeface="Courier New" charset="0"/>
-              </a:rPr>
-              <a:t>))</a:t>
-            </a:r>
-          </a:p>
-          <a:p>
-            <a:r>
-              <a:rPr lang="de-DE" sz="1600" b="1" dirty="0" err="1">
-                <a:latin typeface="Courier New" charset="0"/>
-                <a:ea typeface="Courier New" charset="0"/>
-                <a:cs typeface="Courier New" charset="0"/>
-              </a:rPr>
-              <a:t>plt.legend</a:t>
-            </a:r>
-            <a:r>
-              <a:rPr lang="de-DE" sz="1600" b="1" dirty="0">
-                <a:latin typeface="Courier New" charset="0"/>
-                <a:ea typeface="Courier New" charset="0"/>
-                <a:cs typeface="Courier New" charset="0"/>
-              </a:rPr>
-              <a:t>(</a:t>
-            </a:r>
-            <a:r>
-              <a:rPr lang="de-DE" sz="1600" b="1" dirty="0" err="1">
-                <a:latin typeface="Courier New" charset="0"/>
-                <a:ea typeface="Courier New" charset="0"/>
-                <a:cs typeface="Courier New" charset="0"/>
-              </a:rPr>
-              <a:t>loc</a:t>
-            </a:r>
-            <a:r>
-              <a:rPr lang="de-DE" sz="1600" b="1" dirty="0">
-                <a:latin typeface="Courier New" charset="0"/>
-                <a:ea typeface="Courier New" charset="0"/>
-                <a:cs typeface="Courier New" charset="0"/>
-              </a:rPr>
-              <a:t>=4)</a:t>
-            </a:r>
-          </a:p>
-          <a:p>
-            <a:r>
-              <a:rPr lang="de-DE" sz="1600" b="1" dirty="0" err="1">
-                <a:latin typeface="Courier New" charset="0"/>
-                <a:ea typeface="Courier New" charset="0"/>
-                <a:cs typeface="Courier New" charset="0"/>
-              </a:rPr>
-              <a:t>plt.show</a:t>
-            </a:r>
-            <a:r>
-              <a:rPr lang="de-DE" sz="1600" b="1" dirty="0">
-                <a:latin typeface="Courier New" charset="0"/>
-                <a:ea typeface="Courier New" charset="0"/>
-                <a:cs typeface="Courier New" charset="0"/>
-              </a:rPr>
-              <a:t>()</a:t>
             </a:r>
           </a:p>
         </p:txBody>
       </p:sp>
       <p:cxnSp>
         <p:nvCxnSpPr>
-          <p:cNvPr id="5" name="Straight Connector 4">
+          <p:cNvPr id="12" name="Straight Connector 11">
             <a:extLst>
               <a:ext uri="{FF2B5EF4-FFF2-40B4-BE49-F238E27FC236}">
-                <a16:creationId xmlns:a16="http://schemas.microsoft.com/office/drawing/2014/main" id="{113FC970-F086-1842-ACFD-E755B87D2D51}"/>
+                <a16:creationId xmlns:a16="http://schemas.microsoft.com/office/drawing/2014/main" id="{A7A235F6-DCD7-4AA0-BF70-085984F5C2FD}"/>
               </a:ext>
             </a:extLst>
           </p:cNvPr>
@@ -14112,6 +13901,638 @@
           <a:effectLst/>
         </p:spPr>
       </p:cxnSp>
+      <p:sp>
+        <p:nvSpPr>
+          <p:cNvPr id="13" name="TextBox 12">
+            <a:extLst>
+              <a:ext uri="{FF2B5EF4-FFF2-40B4-BE49-F238E27FC236}">
+                <a16:creationId xmlns:a16="http://schemas.microsoft.com/office/drawing/2014/main" id="{3C989828-1142-4A04-BDA4-4F90885A055E}"/>
+              </a:ext>
+            </a:extLst>
+          </p:cNvPr>
+          <p:cNvSpPr txBox="1"/>
+          <p:nvPr/>
+        </p:nvSpPr>
+        <p:spPr>
+          <a:xfrm>
+            <a:off x="3586331" y="3577643"/>
+            <a:ext cx="5014744" cy="1969770"/>
+          </a:xfrm>
+          <a:prstGeom prst="rect">
+            <a:avLst/>
+          </a:prstGeom>
+          <a:solidFill>
+            <a:schemeClr val="bg1"/>
+          </a:solidFill>
+          <a:ln w="28575" algn="ctr">
+            <a:solidFill>
+              <a:schemeClr val="accent2">
+                <a:lumMod val="20000"/>
+                <a:lumOff val="80000"/>
+              </a:schemeClr>
+            </a:solidFill>
+            <a:miter lim="800000"/>
+            <a:headEnd/>
+            <a:tailEnd/>
+          </a:ln>
+          <a:effectLst/>
+        </p:spPr>
+        <p:txBody>
+          <a:bodyPr wrap="square">
+            <a:spAutoFit/>
+          </a:bodyPr>
+          <a:lstStyle>
+            <a:defPPr>
+              <a:defRPr lang="en-US"/>
+            </a:defPPr>
+            <a:lvl1pPr marL="0" defTabSz="914400" eaLnBrk="1" latinLnBrk="0" hangingPunct="1">
+              <a:defRPr sz="1400">
+                <a:solidFill>
+                  <a:schemeClr val="tx1"/>
+                </a:solidFill>
+                <a:latin typeface="Courier New" pitchFamily="49" charset="0"/>
+                <a:cs typeface="+mn-cs"/>
+              </a:defRPr>
+            </a:lvl1pPr>
+            <a:lvl2pPr marL="742950" indent="-285750" defTabSz="914400" latinLnBrk="0">
+              <a:defRPr sz="1400">
+                <a:solidFill>
+                  <a:schemeClr val="tx1"/>
+                </a:solidFill>
+                <a:latin typeface="Arial" charset="0"/>
+                <a:cs typeface="+mn-cs"/>
+              </a:defRPr>
+            </a:lvl2pPr>
+            <a:lvl3pPr marL="1143000" indent="-228600" defTabSz="914400" latinLnBrk="0">
+              <a:defRPr sz="1400">
+                <a:solidFill>
+                  <a:schemeClr val="tx1"/>
+                </a:solidFill>
+                <a:latin typeface="Arial" charset="0"/>
+                <a:cs typeface="+mn-cs"/>
+              </a:defRPr>
+            </a:lvl3pPr>
+            <a:lvl4pPr marL="1600200" indent="-228600" defTabSz="914400" latinLnBrk="0">
+              <a:defRPr sz="1400">
+                <a:solidFill>
+                  <a:schemeClr val="tx1"/>
+                </a:solidFill>
+                <a:latin typeface="Arial" charset="0"/>
+                <a:cs typeface="+mn-cs"/>
+              </a:defRPr>
+            </a:lvl4pPr>
+            <a:lvl5pPr marL="2057400" indent="-228600" defTabSz="914400" latinLnBrk="0">
+              <a:defRPr sz="1400">
+                <a:solidFill>
+                  <a:schemeClr val="tx1"/>
+                </a:solidFill>
+                <a:latin typeface="Arial" charset="0"/>
+                <a:cs typeface="+mn-cs"/>
+              </a:defRPr>
+            </a:lvl5pPr>
+            <a:lvl6pPr marL="2514600" indent="-228600" eaLnBrk="0" fontAlgn="base" hangingPunct="0">
+              <a:spcBef>
+                <a:spcPct val="0"/>
+              </a:spcBef>
+              <a:spcAft>
+                <a:spcPct val="0"/>
+              </a:spcAft>
+              <a:defRPr sz="1400">
+                <a:solidFill>
+                  <a:schemeClr val="tx1"/>
+                </a:solidFill>
+                <a:latin typeface="Arial" charset="0"/>
+                <a:cs typeface="+mn-cs"/>
+              </a:defRPr>
+            </a:lvl6pPr>
+            <a:lvl7pPr marL="2971800" indent="-228600" eaLnBrk="0" fontAlgn="base" hangingPunct="0">
+              <a:spcBef>
+                <a:spcPct val="0"/>
+              </a:spcBef>
+              <a:spcAft>
+                <a:spcPct val="0"/>
+              </a:spcAft>
+              <a:defRPr sz="1400">
+                <a:solidFill>
+                  <a:schemeClr val="tx1"/>
+                </a:solidFill>
+                <a:latin typeface="Arial" charset="0"/>
+                <a:cs typeface="+mn-cs"/>
+              </a:defRPr>
+            </a:lvl7pPr>
+            <a:lvl8pPr marL="3429000" indent="-228600" eaLnBrk="0" fontAlgn="base" hangingPunct="0">
+              <a:spcBef>
+                <a:spcPct val="0"/>
+              </a:spcBef>
+              <a:spcAft>
+                <a:spcPct val="0"/>
+              </a:spcAft>
+              <a:defRPr sz="1400">
+                <a:solidFill>
+                  <a:schemeClr val="tx1"/>
+                </a:solidFill>
+                <a:latin typeface="Arial" charset="0"/>
+                <a:cs typeface="+mn-cs"/>
+              </a:defRPr>
+            </a:lvl8pPr>
+            <a:lvl9pPr marL="3886200" indent="-228600" eaLnBrk="0" fontAlgn="base" hangingPunct="0">
+              <a:spcBef>
+                <a:spcPct val="0"/>
+              </a:spcBef>
+              <a:spcAft>
+                <a:spcPct val="0"/>
+              </a:spcAft>
+              <a:defRPr sz="1400">
+                <a:solidFill>
+                  <a:schemeClr val="tx1"/>
+                </a:solidFill>
+                <a:latin typeface="Arial" charset="0"/>
+                <a:cs typeface="+mn-cs"/>
+              </a:defRPr>
+            </a:lvl9pPr>
+          </a:lstStyle>
+          <a:p>
+            <a:r>
+              <a:rPr lang="de-DE" sz="1200" b="1" dirty="0">
+                <a:latin typeface="Courier New" charset="0"/>
+                <a:ea typeface="Courier New" charset="0"/>
+                <a:cs typeface="Courier New" charset="0"/>
+              </a:rPr>
+              <a:t>predY1 = </a:t>
+            </a:r>
+            <a:r>
+              <a:rPr lang="de-DE" sz="1200" b="1" dirty="0" err="1">
+                <a:latin typeface="Courier New" charset="0"/>
+                <a:ea typeface="Courier New" charset="0"/>
+                <a:cs typeface="Courier New" charset="0"/>
+              </a:rPr>
+              <a:t>modelLR.predict_proba</a:t>
+            </a:r>
+            <a:r>
+              <a:rPr lang="de-DE" sz="1200" b="1" dirty="0">
+                <a:latin typeface="Courier New" charset="0"/>
+                <a:ea typeface="Courier New" charset="0"/>
+                <a:cs typeface="Courier New" charset="0"/>
+              </a:rPr>
+              <a:t>(</a:t>
+            </a:r>
+            <a:r>
+              <a:rPr lang="de-DE" sz="1200" b="1" dirty="0" err="1">
+                <a:latin typeface="Courier New" charset="0"/>
+                <a:ea typeface="Courier New" charset="0"/>
+                <a:cs typeface="Courier New" charset="0"/>
+              </a:rPr>
+              <a:t>testX</a:t>
+            </a:r>
+            <a:r>
+              <a:rPr lang="de-DE" sz="1200" b="1" dirty="0">
+                <a:latin typeface="Courier New" charset="0"/>
+                <a:ea typeface="Courier New" charset="0"/>
+                <a:cs typeface="Courier New" charset="0"/>
+              </a:rPr>
+              <a:t>)</a:t>
+            </a:r>
+          </a:p>
+          <a:p>
+            <a:endParaRPr lang="de-DE" sz="1200" b="1" dirty="0">
+              <a:latin typeface="Courier New" charset="0"/>
+              <a:ea typeface="Courier New" charset="0"/>
+              <a:cs typeface="Courier New" charset="0"/>
+            </a:endParaRPr>
+          </a:p>
+          <a:p>
+            <a:r>
+              <a:rPr lang="de-DE" sz="1200" b="1" dirty="0" err="1">
+                <a:latin typeface="Courier New" charset="0"/>
+                <a:ea typeface="Courier New" charset="0"/>
+                <a:cs typeface="Courier New" charset="0"/>
+              </a:rPr>
+              <a:t>from</a:t>
+            </a:r>
+            <a:r>
+              <a:rPr lang="de-DE" sz="1200" b="1" dirty="0">
+                <a:latin typeface="Courier New" charset="0"/>
+                <a:ea typeface="Courier New" charset="0"/>
+                <a:cs typeface="Courier New" charset="0"/>
+              </a:rPr>
+              <a:t> </a:t>
+            </a:r>
+            <a:r>
+              <a:rPr lang="de-DE" sz="1200" b="1" dirty="0" err="1">
+                <a:latin typeface="Courier New" charset="0"/>
+                <a:ea typeface="Courier New" charset="0"/>
+                <a:cs typeface="Courier New" charset="0"/>
+              </a:rPr>
+              <a:t>sklearn.metrics</a:t>
+            </a:r>
+            <a:r>
+              <a:rPr lang="de-DE" sz="1200" b="1" dirty="0">
+                <a:latin typeface="Courier New" charset="0"/>
+                <a:ea typeface="Courier New" charset="0"/>
+                <a:cs typeface="Courier New" charset="0"/>
+              </a:rPr>
+              <a:t> </a:t>
+            </a:r>
+            <a:r>
+              <a:rPr lang="de-DE" sz="1200" b="1" dirty="0" err="1">
+                <a:latin typeface="Courier New" charset="0"/>
+                <a:ea typeface="Courier New" charset="0"/>
+                <a:cs typeface="Courier New" charset="0"/>
+              </a:rPr>
+              <a:t>import</a:t>
+            </a:r>
+            <a:r>
+              <a:rPr lang="de-DE" sz="1200" b="1" dirty="0">
+                <a:latin typeface="Courier New" charset="0"/>
+                <a:ea typeface="Courier New" charset="0"/>
+                <a:cs typeface="Courier New" charset="0"/>
+              </a:rPr>
+              <a:t> </a:t>
+            </a:r>
+            <a:r>
+              <a:rPr lang="de-DE" sz="1200" b="1" dirty="0" err="1">
+                <a:latin typeface="Courier New" charset="0"/>
+                <a:ea typeface="Courier New" charset="0"/>
+                <a:cs typeface="Courier New" charset="0"/>
+              </a:rPr>
+              <a:t>roc_auc_score</a:t>
+            </a:r>
+            <a:r>
+              <a:rPr lang="de-DE" sz="1200" b="1" dirty="0">
+                <a:latin typeface="Courier New" charset="0"/>
+                <a:ea typeface="Courier New" charset="0"/>
+                <a:cs typeface="Courier New" charset="0"/>
+              </a:rPr>
+              <a:t>, </a:t>
+            </a:r>
+            <a:r>
+              <a:rPr lang="de-DE" sz="1200" b="1" dirty="0" err="1">
+                <a:latin typeface="Courier New" charset="0"/>
+                <a:ea typeface="Courier New" charset="0"/>
+                <a:cs typeface="Courier New" charset="0"/>
+              </a:rPr>
+              <a:t>roc_curve</a:t>
+            </a:r>
+            <a:endParaRPr lang="de-DE" sz="1200" b="1" dirty="0">
+              <a:latin typeface="Courier New" charset="0"/>
+              <a:ea typeface="Courier New" charset="0"/>
+              <a:cs typeface="Courier New" charset="0"/>
+            </a:endParaRPr>
+          </a:p>
+          <a:p>
+            <a:r>
+              <a:rPr lang="de-DE" sz="1200" b="1" dirty="0" err="1">
+                <a:latin typeface="Courier New" charset="0"/>
+                <a:ea typeface="Courier New" charset="0"/>
+                <a:cs typeface="Courier New" charset="0"/>
+              </a:rPr>
+              <a:t>roc</a:t>
+            </a:r>
+            <a:r>
+              <a:rPr lang="de-DE" sz="1200" b="1" dirty="0">
+                <a:latin typeface="Courier New" charset="0"/>
+                <a:ea typeface="Courier New" charset="0"/>
+                <a:cs typeface="Courier New" charset="0"/>
+              </a:rPr>
+              <a:t> = </a:t>
+            </a:r>
+            <a:r>
+              <a:rPr lang="de-DE" sz="1200" b="1" dirty="0" err="1">
+                <a:latin typeface="Courier New" charset="0"/>
+                <a:ea typeface="Courier New" charset="0"/>
+                <a:cs typeface="Courier New" charset="0"/>
+              </a:rPr>
+              <a:t>roc_auc_score</a:t>
+            </a:r>
+            <a:r>
+              <a:rPr lang="de-DE" sz="1200" b="1" dirty="0">
+                <a:latin typeface="Courier New" charset="0"/>
+                <a:ea typeface="Courier New" charset="0"/>
+                <a:cs typeface="Courier New" charset="0"/>
+              </a:rPr>
+              <a:t>(</a:t>
+            </a:r>
+            <a:r>
+              <a:rPr lang="de-DE" sz="1200" b="1" dirty="0" err="1">
+                <a:latin typeface="Courier New" charset="0"/>
+                <a:ea typeface="Courier New" charset="0"/>
+                <a:cs typeface="Courier New" charset="0"/>
+              </a:rPr>
+              <a:t>testY</a:t>
+            </a:r>
+            <a:r>
+              <a:rPr lang="de-DE" sz="1200" b="1" dirty="0">
+                <a:latin typeface="Courier New" charset="0"/>
+                <a:ea typeface="Courier New" charset="0"/>
+                <a:cs typeface="Courier New" charset="0"/>
+              </a:rPr>
+              <a:t>, </a:t>
+            </a:r>
+            <a:r>
+              <a:rPr lang="de-DE" sz="1200" b="1" dirty="0" err="1">
+                <a:latin typeface="Courier New" charset="0"/>
+                <a:ea typeface="Courier New" charset="0"/>
+                <a:cs typeface="Courier New" charset="0"/>
+              </a:rPr>
+              <a:t>predY</a:t>
+            </a:r>
+            <a:r>
+              <a:rPr lang="de-DE" sz="1200" b="1" dirty="0">
+                <a:latin typeface="Courier New" charset="0"/>
+                <a:ea typeface="Courier New" charset="0"/>
+                <a:cs typeface="Courier New" charset="0"/>
+              </a:rPr>
+              <a:t>)</a:t>
+            </a:r>
+          </a:p>
+          <a:p>
+            <a:r>
+              <a:rPr lang="de-DE" sz="1200" b="1" dirty="0" err="1">
+                <a:latin typeface="Courier New" charset="0"/>
+                <a:ea typeface="Courier New" charset="0"/>
+                <a:cs typeface="Courier New" charset="0"/>
+              </a:rPr>
+              <a:t>fpr</a:t>
+            </a:r>
+            <a:r>
+              <a:rPr lang="de-DE" sz="1200" b="1" dirty="0">
+                <a:latin typeface="Courier New" charset="0"/>
+                <a:ea typeface="Courier New" charset="0"/>
+                <a:cs typeface="Courier New" charset="0"/>
+              </a:rPr>
+              <a:t>, </a:t>
+            </a:r>
+            <a:r>
+              <a:rPr lang="de-DE" sz="1200" b="1" dirty="0" err="1">
+                <a:latin typeface="Courier New" charset="0"/>
+                <a:ea typeface="Courier New" charset="0"/>
+                <a:cs typeface="Courier New" charset="0"/>
+              </a:rPr>
+              <a:t>tpr</a:t>
+            </a:r>
+            <a:r>
+              <a:rPr lang="de-DE" sz="1200" b="1" dirty="0">
+                <a:latin typeface="Courier New" charset="0"/>
+                <a:ea typeface="Courier New" charset="0"/>
+                <a:cs typeface="Courier New" charset="0"/>
+              </a:rPr>
+              <a:t>, x = </a:t>
+            </a:r>
+            <a:r>
+              <a:rPr lang="de-DE" sz="1200" b="1" dirty="0" err="1">
+                <a:latin typeface="Courier New" charset="0"/>
+                <a:ea typeface="Courier New" charset="0"/>
+                <a:cs typeface="Courier New" charset="0"/>
+              </a:rPr>
+              <a:t>roc_curve</a:t>
+            </a:r>
+            <a:r>
+              <a:rPr lang="de-DE" sz="1200" b="1" dirty="0">
+                <a:latin typeface="Courier New" charset="0"/>
+                <a:ea typeface="Courier New" charset="0"/>
+                <a:cs typeface="Courier New" charset="0"/>
+              </a:rPr>
+              <a:t>(</a:t>
+            </a:r>
+            <a:r>
+              <a:rPr lang="de-DE" sz="1200" b="1" dirty="0" err="1">
+                <a:latin typeface="Courier New" charset="0"/>
+                <a:ea typeface="Courier New" charset="0"/>
+                <a:cs typeface="Courier New" charset="0"/>
+              </a:rPr>
+              <a:t>testY</a:t>
+            </a:r>
+            <a:r>
+              <a:rPr lang="de-DE" sz="1200" b="1" dirty="0">
+                <a:latin typeface="Courier New" charset="0"/>
+                <a:ea typeface="Courier New" charset="0"/>
+                <a:cs typeface="Courier New" charset="0"/>
+              </a:rPr>
+              <a:t>, predY1[:,1])</a:t>
+            </a:r>
+          </a:p>
+          <a:p>
+            <a:endParaRPr lang="de-DE" sz="1200" b="1" dirty="0">
+              <a:latin typeface="Courier New" charset="0"/>
+              <a:ea typeface="Courier New" charset="0"/>
+              <a:cs typeface="Courier New" charset="0"/>
+            </a:endParaRPr>
+          </a:p>
+          <a:p>
+            <a:r>
+              <a:rPr lang="de-DE" sz="1200" b="1" dirty="0" err="1">
+                <a:latin typeface="Courier New" charset="0"/>
+                <a:ea typeface="Courier New" charset="0"/>
+                <a:cs typeface="Courier New" charset="0"/>
+              </a:rPr>
+              <a:t>import</a:t>
+            </a:r>
+            <a:r>
+              <a:rPr lang="de-DE" sz="1200" b="1" dirty="0">
+                <a:latin typeface="Courier New" charset="0"/>
+                <a:ea typeface="Courier New" charset="0"/>
+                <a:cs typeface="Courier New" charset="0"/>
+              </a:rPr>
+              <a:t> </a:t>
+            </a:r>
+            <a:r>
+              <a:rPr lang="de-DE" sz="1200" b="1" dirty="0" err="1">
+                <a:latin typeface="Courier New" charset="0"/>
+                <a:ea typeface="Courier New" charset="0"/>
+                <a:cs typeface="Courier New" charset="0"/>
+              </a:rPr>
+              <a:t>matplotlib.pyplot</a:t>
+            </a:r>
+            <a:r>
+              <a:rPr lang="de-DE" sz="1200" b="1" dirty="0">
+                <a:latin typeface="Courier New" charset="0"/>
+                <a:ea typeface="Courier New" charset="0"/>
+                <a:cs typeface="Courier New" charset="0"/>
+              </a:rPr>
+              <a:t> </a:t>
+            </a:r>
+            <a:r>
+              <a:rPr lang="de-DE" sz="1200" b="1" dirty="0" err="1">
+                <a:latin typeface="Courier New" charset="0"/>
+                <a:ea typeface="Courier New" charset="0"/>
+                <a:cs typeface="Courier New" charset="0"/>
+              </a:rPr>
+              <a:t>as</a:t>
+            </a:r>
+            <a:r>
+              <a:rPr lang="de-DE" sz="1200" b="1" dirty="0">
+                <a:latin typeface="Courier New" charset="0"/>
+                <a:ea typeface="Courier New" charset="0"/>
+                <a:cs typeface="Courier New" charset="0"/>
+              </a:rPr>
+              <a:t> </a:t>
+            </a:r>
+            <a:r>
+              <a:rPr lang="de-DE" sz="1200" b="1" dirty="0" err="1">
+                <a:latin typeface="Courier New" charset="0"/>
+                <a:ea typeface="Courier New" charset="0"/>
+                <a:cs typeface="Courier New" charset="0"/>
+              </a:rPr>
+              <a:t>plt</a:t>
+            </a:r>
+            <a:endParaRPr lang="de-DE" sz="1200" b="1" dirty="0">
+              <a:latin typeface="Courier New" charset="0"/>
+              <a:ea typeface="Courier New" charset="0"/>
+              <a:cs typeface="Courier New" charset="0"/>
+            </a:endParaRPr>
+          </a:p>
+          <a:p>
+            <a:r>
+              <a:rPr lang="de-DE" sz="1200" b="1" dirty="0" err="1">
+                <a:latin typeface="Courier New" charset="0"/>
+                <a:ea typeface="Courier New" charset="0"/>
+                <a:cs typeface="Courier New" charset="0"/>
+              </a:rPr>
+              <a:t>plt.plot</a:t>
+            </a:r>
+            <a:r>
+              <a:rPr lang="de-DE" sz="1200" b="1" dirty="0">
+                <a:latin typeface="Courier New" charset="0"/>
+                <a:ea typeface="Courier New" charset="0"/>
+                <a:cs typeface="Courier New" charset="0"/>
+              </a:rPr>
+              <a:t>(</a:t>
+            </a:r>
+            <a:r>
+              <a:rPr lang="de-DE" sz="1200" b="1" dirty="0" err="1">
+                <a:latin typeface="Courier New" charset="0"/>
+                <a:ea typeface="Courier New" charset="0"/>
+                <a:cs typeface="Courier New" charset="0"/>
+              </a:rPr>
+              <a:t>fpr</a:t>
+            </a:r>
+            <a:r>
+              <a:rPr lang="de-DE" sz="1200" b="1" dirty="0">
+                <a:latin typeface="Courier New" charset="0"/>
+                <a:ea typeface="Courier New" charset="0"/>
+                <a:cs typeface="Courier New" charset="0"/>
+              </a:rPr>
+              <a:t>, </a:t>
+            </a:r>
+            <a:r>
+              <a:rPr lang="de-DE" sz="1200" b="1" dirty="0" err="1">
+                <a:latin typeface="Courier New" charset="0"/>
+                <a:ea typeface="Courier New" charset="0"/>
+                <a:cs typeface="Courier New" charset="0"/>
+              </a:rPr>
+              <a:t>tpr</a:t>
+            </a:r>
+            <a:r>
+              <a:rPr lang="de-DE" sz="1200" b="1" dirty="0">
+                <a:latin typeface="Courier New" charset="0"/>
+                <a:ea typeface="Courier New" charset="0"/>
+                <a:cs typeface="Courier New" charset="0"/>
+              </a:rPr>
+              <a:t>, </a:t>
+            </a:r>
+            <a:r>
+              <a:rPr lang="de-DE" sz="1200" b="1" dirty="0" err="1">
+                <a:latin typeface="Courier New" charset="0"/>
+                <a:ea typeface="Courier New" charset="0"/>
+                <a:cs typeface="Courier New" charset="0"/>
+              </a:rPr>
+              <a:t>label</a:t>
+            </a:r>
+            <a:r>
+              <a:rPr lang="de-DE" sz="1200" b="1" dirty="0">
+                <a:latin typeface="Courier New" charset="0"/>
+                <a:ea typeface="Courier New" charset="0"/>
+                <a:cs typeface="Courier New" charset="0"/>
+              </a:rPr>
+              <a:t> = 'AUC = ' + </a:t>
+            </a:r>
+            <a:r>
+              <a:rPr lang="de-DE" sz="1200" b="1" dirty="0" err="1">
+                <a:latin typeface="Courier New" charset="0"/>
+                <a:ea typeface="Courier New" charset="0"/>
+                <a:cs typeface="Courier New" charset="0"/>
+              </a:rPr>
+              <a:t>str</a:t>
+            </a:r>
+            <a:r>
+              <a:rPr lang="de-DE" sz="1200" b="1" dirty="0">
+                <a:latin typeface="Courier New" charset="0"/>
+                <a:ea typeface="Courier New" charset="0"/>
+                <a:cs typeface="Courier New" charset="0"/>
+              </a:rPr>
+              <a:t>(</a:t>
+            </a:r>
+            <a:r>
+              <a:rPr lang="de-DE" sz="1200" b="1" dirty="0" err="1">
+                <a:latin typeface="Courier New" charset="0"/>
+                <a:ea typeface="Courier New" charset="0"/>
+                <a:cs typeface="Courier New" charset="0"/>
+              </a:rPr>
+              <a:t>roc</a:t>
+            </a:r>
+            <a:r>
+              <a:rPr lang="de-DE" sz="1200" b="1" dirty="0">
+                <a:latin typeface="Courier New" charset="0"/>
+                <a:ea typeface="Courier New" charset="0"/>
+                <a:cs typeface="Courier New" charset="0"/>
+              </a:rPr>
+              <a:t>))</a:t>
+            </a:r>
+          </a:p>
+          <a:p>
+            <a:r>
+              <a:rPr lang="de-DE" sz="1200" b="1" dirty="0" err="1">
+                <a:latin typeface="Courier New" charset="0"/>
+                <a:ea typeface="Courier New" charset="0"/>
+                <a:cs typeface="Courier New" charset="0"/>
+              </a:rPr>
+              <a:t>plt.legend</a:t>
+            </a:r>
+            <a:r>
+              <a:rPr lang="de-DE" sz="1200" b="1" dirty="0">
+                <a:latin typeface="Courier New" charset="0"/>
+                <a:ea typeface="Courier New" charset="0"/>
+                <a:cs typeface="Courier New" charset="0"/>
+              </a:rPr>
+              <a:t>(</a:t>
+            </a:r>
+            <a:r>
+              <a:rPr lang="de-DE" sz="1200" b="1" dirty="0" err="1">
+                <a:latin typeface="Courier New" charset="0"/>
+                <a:ea typeface="Courier New" charset="0"/>
+                <a:cs typeface="Courier New" charset="0"/>
+              </a:rPr>
+              <a:t>loc</a:t>
+            </a:r>
+            <a:r>
+              <a:rPr lang="de-DE" sz="1200" b="1" dirty="0">
+                <a:latin typeface="Courier New" charset="0"/>
+                <a:ea typeface="Courier New" charset="0"/>
+                <a:cs typeface="Courier New" charset="0"/>
+              </a:rPr>
+              <a:t>=4)</a:t>
+            </a:r>
+          </a:p>
+          <a:p>
+            <a:r>
+              <a:rPr lang="de-DE" sz="1200" b="1" dirty="0" err="1">
+                <a:latin typeface="Courier New" charset="0"/>
+                <a:ea typeface="Courier New" charset="0"/>
+                <a:cs typeface="Courier New" charset="0"/>
+              </a:rPr>
+              <a:t>plt.show</a:t>
+            </a:r>
+            <a:r>
+              <a:rPr lang="de-DE" sz="1200" b="1" dirty="0">
+                <a:latin typeface="Courier New" charset="0"/>
+                <a:ea typeface="Courier New" charset="0"/>
+                <a:cs typeface="Courier New" charset="0"/>
+              </a:rPr>
+              <a:t>()</a:t>
+            </a:r>
+          </a:p>
+        </p:txBody>
+      </p:sp>
     </p:spTree>
     <p:extLst>
       <p:ext uri="{BB962C8B-B14F-4D97-AF65-F5344CB8AC3E}">
@@ -14125,7 +14546,7 @@
 </p:sld>
 </file>
 
-<file path=ppt/slides/slide23.xml><?xml version="1.0" encoding="utf-8"?>
+<file path=ppt/slides/slide25.xml><?xml version="1.0" encoding="utf-8"?>
 <p:sld xmlns:a="http://schemas.openxmlformats.org/drawingml/2006/main" xmlns:r="http://schemas.openxmlformats.org/officeDocument/2006/relationships" xmlns:p="http://schemas.openxmlformats.org/presentationml/2006/main">
   <p:cSld>
     <p:spTree>
@@ -14577,7 +14998,7 @@
 </p:sld>
 </file>
 
-<file path=ppt/slides/slide24.xml><?xml version="1.0" encoding="utf-8"?>
+<file path=ppt/slides/slide26.xml><?xml version="1.0" encoding="utf-8"?>
 <p:sld xmlns:a="http://schemas.openxmlformats.org/drawingml/2006/main" xmlns:r="http://schemas.openxmlformats.org/officeDocument/2006/relationships" xmlns:p="http://schemas.openxmlformats.org/presentationml/2006/main">
   <p:cSld>
     <p:spTree>
@@ -15421,7 +15842,7 @@
 </p:sld>
 </file>
 
-<file path=ppt/slides/slide25.xml><?xml version="1.0" encoding="utf-8"?>
+<file path=ppt/slides/slide27.xml><?xml version="1.0" encoding="utf-8"?>
 <p:sld xmlns:a="http://schemas.openxmlformats.org/drawingml/2006/main" xmlns:r="http://schemas.openxmlformats.org/officeDocument/2006/relationships" xmlns:p="http://schemas.openxmlformats.org/presentationml/2006/main">
   <p:cSld>
     <p:spTree>
@@ -15599,7 +16020,7 @@
 </p:sld>
 </file>
 
-<file path=ppt/slides/slide26.xml><?xml version="1.0" encoding="utf-8"?>
+<file path=ppt/slides/slide28.xml><?xml version="1.0" encoding="utf-8"?>
 <p:sld xmlns:a="http://schemas.openxmlformats.org/drawingml/2006/main" xmlns:r="http://schemas.openxmlformats.org/officeDocument/2006/relationships" xmlns:p="http://schemas.openxmlformats.org/presentationml/2006/main">
   <p:cSld>
     <p:spTree>
@@ -17655,7 +18076,7 @@
 </p:sld>
 </file>
 
-<file path=ppt/slides/slide27.xml><?xml version="1.0" encoding="utf-8"?>
+<file path=ppt/slides/slide29.xml><?xml version="1.0" encoding="utf-8"?>
 <p:sld xmlns:a="http://schemas.openxmlformats.org/drawingml/2006/main" xmlns:r="http://schemas.openxmlformats.org/officeDocument/2006/relationships" xmlns:p="http://schemas.openxmlformats.org/presentationml/2006/main">
   <p:cSld>
     <p:spTree>
@@ -17999,7 +18420,263 @@
 </p:sld>
 </file>
 
-<file path=ppt/slides/slide28.xml><?xml version="1.0" encoding="utf-8"?>
+<file path=ppt/slides/slide3.xml><?xml version="1.0" encoding="utf-8"?>
+<p:sld xmlns:a="http://schemas.openxmlformats.org/drawingml/2006/main" xmlns:r="http://schemas.openxmlformats.org/officeDocument/2006/relationships" xmlns:p="http://schemas.openxmlformats.org/presentationml/2006/main">
+  <p:cSld>
+    <p:spTree>
+      <p:nvGrpSpPr>
+        <p:cNvPr id="1" name=""/>
+        <p:cNvGrpSpPr/>
+        <p:nvPr/>
+      </p:nvGrpSpPr>
+      <p:grpSpPr>
+        <a:xfrm>
+          <a:off x="0" y="0"/>
+          <a:ext cx="0" cy="0"/>
+          <a:chOff x="0" y="0"/>
+          <a:chExt cx="0" cy="0"/>
+        </a:xfrm>
+      </p:grpSpPr>
+      <p:sp>
+        <p:nvSpPr>
+          <p:cNvPr id="2" name="Title 1"/>
+          <p:cNvSpPr>
+            <a:spLocks noGrp="1"/>
+          </p:cNvSpPr>
+          <p:nvPr>
+            <p:ph type="title"/>
+          </p:nvPr>
+        </p:nvSpPr>
+        <p:spPr/>
+        <p:txBody>
+          <a:bodyPr/>
+          <a:lstStyle/>
+          <a:p>
+            <a:r>
+              <a:rPr lang="en-US" dirty="0"/>
+              <a:t>Chapter Concepts</a:t>
+            </a:r>
+          </a:p>
+        </p:txBody>
+      </p:sp>
+      <p:graphicFrame>
+        <p:nvGraphicFramePr>
+          <p:cNvPr id="8" name="Table 7">
+            <a:extLst>
+              <a:ext uri="{FF2B5EF4-FFF2-40B4-BE49-F238E27FC236}">
+                <a16:creationId xmlns:a16="http://schemas.microsoft.com/office/drawing/2014/main" id="{F6AE25A8-0110-43FB-ADB2-0BB756303142}"/>
+              </a:ext>
+            </a:extLst>
+          </p:cNvPr>
+          <p:cNvGraphicFramePr>
+            <a:graphicFrameLocks noGrp="1"/>
+          </p:cNvGraphicFramePr>
+          <p:nvPr>
+            <p:extLst>
+              <p:ext uri="{D42A27DB-BD31-4B8C-83A1-F6EECF244321}">
+                <p14:modId xmlns:p14="http://schemas.microsoft.com/office/powerpoint/2010/main" val="996577973"/>
+              </p:ext>
+            </p:extLst>
+          </p:nvPr>
+        </p:nvGraphicFramePr>
+        <p:xfrm>
+          <a:off x="2880360" y="1447543"/>
+          <a:ext cx="3383280" cy="1645920"/>
+        </p:xfrm>
+        <a:graphic>
+          <a:graphicData uri="http://schemas.openxmlformats.org/drawingml/2006/table">
+            <a:tbl>
+              <a:tblPr>
+                <a:tableStyleId>{00A15C55-8517-42AA-B614-E9B94910E393}</a:tableStyleId>
+              </a:tblPr>
+              <a:tblGrid>
+                <a:gridCol w="3383280">
+                  <a:extLst>
+                    <a:ext uri="{9D8B030D-6E8A-4147-A177-3AD203B41FA5}">
+                      <a16:colId xmlns:a16="http://schemas.microsoft.com/office/drawing/2014/main" val="1695728431"/>
+                    </a:ext>
+                  </a:extLst>
+                </a:gridCol>
+              </a:tblGrid>
+              <a:tr h="548640">
+                <a:tc>
+                  <a:txBody>
+                    <a:bodyPr/>
+                    <a:lstStyle/>
+                    <a:p>
+                      <a:pPr>
+                        <a:lnSpc>
+                          <a:spcPct val="100000"/>
+                        </a:lnSpc>
+                        <a:spcAft>
+                          <a:spcPts val="0"/>
+                        </a:spcAft>
+                      </a:pPr>
+                      <a:r>
+                        <a:rPr lang="en-US" sz="2000" b="1" dirty="0">
+                          <a:solidFill>
+                            <a:schemeClr val="tx1"/>
+                          </a:solidFill>
+                        </a:rPr>
+                        <a:t>Classification Model</a:t>
+                      </a:r>
+                    </a:p>
+                  </a:txBody>
+                  <a:tcPr anchor="ctr">
+                    <a:lnB w="12700" cap="flat" cmpd="sng" algn="ctr">
+                      <a:solidFill>
+                        <a:schemeClr val="bg1">
+                          <a:lumMod val="65000"/>
+                        </a:schemeClr>
+                      </a:solidFill>
+                      <a:prstDash val="solid"/>
+                      <a:round/>
+                      <a:headEnd type="none" w="med" len="med"/>
+                      <a:tailEnd type="none" w="med" len="med"/>
+                    </a:lnB>
+                    <a:noFill/>
+                  </a:tcPr>
+                </a:tc>
+                <a:extLst>
+                  <a:ext uri="{0D108BD9-81ED-4DB2-BD59-A6C34878D82A}">
+                    <a16:rowId xmlns:a16="http://schemas.microsoft.com/office/drawing/2014/main" val="2307098774"/>
+                  </a:ext>
+                </a:extLst>
+              </a:tr>
+              <a:tr h="548640">
+                <a:tc>
+                  <a:txBody>
+                    <a:bodyPr/>
+                    <a:lstStyle/>
+                    <a:p>
+                      <a:pPr>
+                        <a:lnSpc>
+                          <a:spcPct val="100000"/>
+                        </a:lnSpc>
+                        <a:spcAft>
+                          <a:spcPts val="0"/>
+                        </a:spcAft>
+                      </a:pPr>
+                      <a:r>
+                        <a:rPr lang="en-US" sz="2000" dirty="0">
+                          <a:solidFill>
+                            <a:schemeClr val="bg1">
+                              <a:lumMod val="65000"/>
+                            </a:schemeClr>
+                          </a:solidFill>
+                        </a:rPr>
+                        <a:t>Algorithms</a:t>
+                      </a:r>
+                    </a:p>
+                  </a:txBody>
+                  <a:tcPr anchor="ctr">
+                    <a:lnT w="12700" cap="flat" cmpd="sng" algn="ctr">
+                      <a:solidFill>
+                        <a:schemeClr val="bg1">
+                          <a:lumMod val="65000"/>
+                        </a:schemeClr>
+                      </a:solidFill>
+                      <a:prstDash val="solid"/>
+                      <a:round/>
+                      <a:headEnd type="none" w="med" len="med"/>
+                      <a:tailEnd type="none" w="med" len="med"/>
+                    </a:lnT>
+                    <a:lnB w="12700" cap="flat" cmpd="sng" algn="ctr">
+                      <a:solidFill>
+                        <a:schemeClr val="bg1">
+                          <a:lumMod val="65000"/>
+                        </a:schemeClr>
+                      </a:solidFill>
+                      <a:prstDash val="solid"/>
+                      <a:round/>
+                      <a:headEnd type="none" w="med" len="med"/>
+                      <a:tailEnd type="none" w="med" len="med"/>
+                    </a:lnB>
+                    <a:noFill/>
+                  </a:tcPr>
+                </a:tc>
+                <a:extLst>
+                  <a:ext uri="{0D108BD9-81ED-4DB2-BD59-A6C34878D82A}">
+                    <a16:rowId xmlns:a16="http://schemas.microsoft.com/office/drawing/2014/main" val="1466711860"/>
+                  </a:ext>
+                </a:extLst>
+              </a:tr>
+              <a:tr h="548640">
+                <a:tc>
+                  <a:txBody>
+                    <a:bodyPr/>
+                    <a:lstStyle/>
+                    <a:p>
+                      <a:pPr>
+                        <a:lnSpc>
+                          <a:spcPct val="100000"/>
+                        </a:lnSpc>
+                        <a:spcAft>
+                          <a:spcPts val="0"/>
+                        </a:spcAft>
+                      </a:pPr>
+                      <a:r>
+                        <a:rPr lang="en-US" sz="2000" dirty="0">
+                          <a:solidFill>
+                            <a:schemeClr val="bg1">
+                              <a:lumMod val="65000"/>
+                            </a:schemeClr>
+                          </a:solidFill>
+                        </a:rPr>
+                        <a:t>Chapter Summary</a:t>
+                      </a:r>
+                    </a:p>
+                  </a:txBody>
+                  <a:tcPr anchor="ctr">
+                    <a:lnT w="12700" cap="flat" cmpd="sng" algn="ctr">
+                      <a:solidFill>
+                        <a:schemeClr val="bg1">
+                          <a:lumMod val="65000"/>
+                        </a:schemeClr>
+                      </a:solidFill>
+                      <a:prstDash val="solid"/>
+                      <a:round/>
+                      <a:headEnd type="none" w="med" len="med"/>
+                      <a:tailEnd type="none" w="med" len="med"/>
+                    </a:lnT>
+                    <a:lnB w="12700" cap="flat" cmpd="sng" algn="ctr">
+                      <a:solidFill>
+                        <a:schemeClr val="bg1">
+                          <a:lumMod val="65000"/>
+                        </a:schemeClr>
+                      </a:solidFill>
+                      <a:prstDash val="solid"/>
+                      <a:round/>
+                      <a:headEnd type="none" w="med" len="med"/>
+                      <a:tailEnd type="none" w="med" len="med"/>
+                    </a:lnB>
+                    <a:noFill/>
+                  </a:tcPr>
+                </a:tc>
+                <a:extLst>
+                  <a:ext uri="{0D108BD9-81ED-4DB2-BD59-A6C34878D82A}">
+                    <a16:rowId xmlns:a16="http://schemas.microsoft.com/office/drawing/2014/main" val="376303497"/>
+                  </a:ext>
+                </a:extLst>
+              </a:tr>
+            </a:tbl>
+          </a:graphicData>
+        </a:graphic>
+      </p:graphicFrame>
+    </p:spTree>
+    <p:extLst>
+      <p:ext uri="{BB962C8B-B14F-4D97-AF65-F5344CB8AC3E}">
+        <p14:creationId xmlns:p14="http://schemas.microsoft.com/office/powerpoint/2010/main" val="207521694"/>
+      </p:ext>
+    </p:extLst>
+  </p:cSld>
+  <p:clrMapOvr>
+    <a:masterClrMapping/>
+  </p:clrMapOvr>
+</p:sld>
+</file>
+
+<file path=ppt/slides/slide30.xml><?xml version="1.0" encoding="utf-8"?>
 <p:sld xmlns:a="http://schemas.openxmlformats.org/drawingml/2006/main" xmlns:r="http://schemas.openxmlformats.org/officeDocument/2006/relationships" xmlns:p="http://schemas.openxmlformats.org/presentationml/2006/main">
   <p:cSld>
     <p:spTree>
@@ -20604,7 +21281,7 @@
 </p:sld>
 </file>
 
-<file path=ppt/slides/slide29.xml><?xml version="1.0" encoding="utf-8"?>
+<file path=ppt/slides/slide31.xml><?xml version="1.0" encoding="utf-8"?>
 <p:sld xmlns:a="http://schemas.openxmlformats.org/drawingml/2006/main" xmlns:r="http://schemas.openxmlformats.org/officeDocument/2006/relationships" xmlns:p="http://schemas.openxmlformats.org/presentationml/2006/main">
   <p:cSld>
     <p:spTree>
@@ -22954,263 +23631,7 @@
 </p:sld>
 </file>
 
-<file path=ppt/slides/slide3.xml><?xml version="1.0" encoding="utf-8"?>
-<p:sld xmlns:a="http://schemas.openxmlformats.org/drawingml/2006/main" xmlns:r="http://schemas.openxmlformats.org/officeDocument/2006/relationships" xmlns:p="http://schemas.openxmlformats.org/presentationml/2006/main">
-  <p:cSld>
-    <p:spTree>
-      <p:nvGrpSpPr>
-        <p:cNvPr id="1" name=""/>
-        <p:cNvGrpSpPr/>
-        <p:nvPr/>
-      </p:nvGrpSpPr>
-      <p:grpSpPr>
-        <a:xfrm>
-          <a:off x="0" y="0"/>
-          <a:ext cx="0" cy="0"/>
-          <a:chOff x="0" y="0"/>
-          <a:chExt cx="0" cy="0"/>
-        </a:xfrm>
-      </p:grpSpPr>
-      <p:sp>
-        <p:nvSpPr>
-          <p:cNvPr id="2" name="Title 1"/>
-          <p:cNvSpPr>
-            <a:spLocks noGrp="1"/>
-          </p:cNvSpPr>
-          <p:nvPr>
-            <p:ph type="title"/>
-          </p:nvPr>
-        </p:nvSpPr>
-        <p:spPr/>
-        <p:txBody>
-          <a:bodyPr/>
-          <a:lstStyle/>
-          <a:p>
-            <a:r>
-              <a:rPr lang="en-US" dirty="0"/>
-              <a:t>Chapter Concepts</a:t>
-            </a:r>
-          </a:p>
-        </p:txBody>
-      </p:sp>
-      <p:graphicFrame>
-        <p:nvGraphicFramePr>
-          <p:cNvPr id="8" name="Table 7">
-            <a:extLst>
-              <a:ext uri="{FF2B5EF4-FFF2-40B4-BE49-F238E27FC236}">
-                <a16:creationId xmlns:a16="http://schemas.microsoft.com/office/drawing/2014/main" id="{F6AE25A8-0110-43FB-ADB2-0BB756303142}"/>
-              </a:ext>
-            </a:extLst>
-          </p:cNvPr>
-          <p:cNvGraphicFramePr>
-            <a:graphicFrameLocks noGrp="1"/>
-          </p:cNvGraphicFramePr>
-          <p:nvPr>
-            <p:extLst>
-              <p:ext uri="{D42A27DB-BD31-4B8C-83A1-F6EECF244321}">
-                <p14:modId xmlns:p14="http://schemas.microsoft.com/office/powerpoint/2010/main" val="996577973"/>
-              </p:ext>
-            </p:extLst>
-          </p:nvPr>
-        </p:nvGraphicFramePr>
-        <p:xfrm>
-          <a:off x="2880360" y="1447543"/>
-          <a:ext cx="3383280" cy="1645920"/>
-        </p:xfrm>
-        <a:graphic>
-          <a:graphicData uri="http://schemas.openxmlformats.org/drawingml/2006/table">
-            <a:tbl>
-              <a:tblPr>
-                <a:tableStyleId>{00A15C55-8517-42AA-B614-E9B94910E393}</a:tableStyleId>
-              </a:tblPr>
-              <a:tblGrid>
-                <a:gridCol w="3383280">
-                  <a:extLst>
-                    <a:ext uri="{9D8B030D-6E8A-4147-A177-3AD203B41FA5}">
-                      <a16:colId xmlns:a16="http://schemas.microsoft.com/office/drawing/2014/main" val="1695728431"/>
-                    </a:ext>
-                  </a:extLst>
-                </a:gridCol>
-              </a:tblGrid>
-              <a:tr h="548640">
-                <a:tc>
-                  <a:txBody>
-                    <a:bodyPr/>
-                    <a:lstStyle/>
-                    <a:p>
-                      <a:pPr>
-                        <a:lnSpc>
-                          <a:spcPct val="100000"/>
-                        </a:lnSpc>
-                        <a:spcAft>
-                          <a:spcPts val="0"/>
-                        </a:spcAft>
-                      </a:pPr>
-                      <a:r>
-                        <a:rPr lang="en-US" sz="2000" b="1" dirty="0">
-                          <a:solidFill>
-                            <a:schemeClr val="tx1"/>
-                          </a:solidFill>
-                        </a:rPr>
-                        <a:t>Classification Model</a:t>
-                      </a:r>
-                    </a:p>
-                  </a:txBody>
-                  <a:tcPr anchor="ctr">
-                    <a:lnB w="12700" cap="flat" cmpd="sng" algn="ctr">
-                      <a:solidFill>
-                        <a:schemeClr val="bg1">
-                          <a:lumMod val="65000"/>
-                        </a:schemeClr>
-                      </a:solidFill>
-                      <a:prstDash val="solid"/>
-                      <a:round/>
-                      <a:headEnd type="none" w="med" len="med"/>
-                      <a:tailEnd type="none" w="med" len="med"/>
-                    </a:lnB>
-                    <a:noFill/>
-                  </a:tcPr>
-                </a:tc>
-                <a:extLst>
-                  <a:ext uri="{0D108BD9-81ED-4DB2-BD59-A6C34878D82A}">
-                    <a16:rowId xmlns:a16="http://schemas.microsoft.com/office/drawing/2014/main" val="2307098774"/>
-                  </a:ext>
-                </a:extLst>
-              </a:tr>
-              <a:tr h="548640">
-                <a:tc>
-                  <a:txBody>
-                    <a:bodyPr/>
-                    <a:lstStyle/>
-                    <a:p>
-                      <a:pPr>
-                        <a:lnSpc>
-                          <a:spcPct val="100000"/>
-                        </a:lnSpc>
-                        <a:spcAft>
-                          <a:spcPts val="0"/>
-                        </a:spcAft>
-                      </a:pPr>
-                      <a:r>
-                        <a:rPr lang="en-US" sz="2000" dirty="0">
-                          <a:solidFill>
-                            <a:schemeClr val="bg1">
-                              <a:lumMod val="65000"/>
-                            </a:schemeClr>
-                          </a:solidFill>
-                        </a:rPr>
-                        <a:t>Algorithms</a:t>
-                      </a:r>
-                    </a:p>
-                  </a:txBody>
-                  <a:tcPr anchor="ctr">
-                    <a:lnT w="12700" cap="flat" cmpd="sng" algn="ctr">
-                      <a:solidFill>
-                        <a:schemeClr val="bg1">
-                          <a:lumMod val="65000"/>
-                        </a:schemeClr>
-                      </a:solidFill>
-                      <a:prstDash val="solid"/>
-                      <a:round/>
-                      <a:headEnd type="none" w="med" len="med"/>
-                      <a:tailEnd type="none" w="med" len="med"/>
-                    </a:lnT>
-                    <a:lnB w="12700" cap="flat" cmpd="sng" algn="ctr">
-                      <a:solidFill>
-                        <a:schemeClr val="bg1">
-                          <a:lumMod val="65000"/>
-                        </a:schemeClr>
-                      </a:solidFill>
-                      <a:prstDash val="solid"/>
-                      <a:round/>
-                      <a:headEnd type="none" w="med" len="med"/>
-                      <a:tailEnd type="none" w="med" len="med"/>
-                    </a:lnB>
-                    <a:noFill/>
-                  </a:tcPr>
-                </a:tc>
-                <a:extLst>
-                  <a:ext uri="{0D108BD9-81ED-4DB2-BD59-A6C34878D82A}">
-                    <a16:rowId xmlns:a16="http://schemas.microsoft.com/office/drawing/2014/main" val="1466711860"/>
-                  </a:ext>
-                </a:extLst>
-              </a:tr>
-              <a:tr h="548640">
-                <a:tc>
-                  <a:txBody>
-                    <a:bodyPr/>
-                    <a:lstStyle/>
-                    <a:p>
-                      <a:pPr>
-                        <a:lnSpc>
-                          <a:spcPct val="100000"/>
-                        </a:lnSpc>
-                        <a:spcAft>
-                          <a:spcPts val="0"/>
-                        </a:spcAft>
-                      </a:pPr>
-                      <a:r>
-                        <a:rPr lang="en-US" sz="2000" dirty="0">
-                          <a:solidFill>
-                            <a:schemeClr val="bg1">
-                              <a:lumMod val="65000"/>
-                            </a:schemeClr>
-                          </a:solidFill>
-                        </a:rPr>
-                        <a:t>Chapter Summary</a:t>
-                      </a:r>
-                    </a:p>
-                  </a:txBody>
-                  <a:tcPr anchor="ctr">
-                    <a:lnT w="12700" cap="flat" cmpd="sng" algn="ctr">
-                      <a:solidFill>
-                        <a:schemeClr val="bg1">
-                          <a:lumMod val="65000"/>
-                        </a:schemeClr>
-                      </a:solidFill>
-                      <a:prstDash val="solid"/>
-                      <a:round/>
-                      <a:headEnd type="none" w="med" len="med"/>
-                      <a:tailEnd type="none" w="med" len="med"/>
-                    </a:lnT>
-                    <a:lnB w="12700" cap="flat" cmpd="sng" algn="ctr">
-                      <a:solidFill>
-                        <a:schemeClr val="bg1">
-                          <a:lumMod val="65000"/>
-                        </a:schemeClr>
-                      </a:solidFill>
-                      <a:prstDash val="solid"/>
-                      <a:round/>
-                      <a:headEnd type="none" w="med" len="med"/>
-                      <a:tailEnd type="none" w="med" len="med"/>
-                    </a:lnB>
-                    <a:noFill/>
-                  </a:tcPr>
-                </a:tc>
-                <a:extLst>
-                  <a:ext uri="{0D108BD9-81ED-4DB2-BD59-A6C34878D82A}">
-                    <a16:rowId xmlns:a16="http://schemas.microsoft.com/office/drawing/2014/main" val="376303497"/>
-                  </a:ext>
-                </a:extLst>
-              </a:tr>
-            </a:tbl>
-          </a:graphicData>
-        </a:graphic>
-      </p:graphicFrame>
-    </p:spTree>
-    <p:extLst>
-      <p:ext uri="{BB962C8B-B14F-4D97-AF65-F5344CB8AC3E}">
-        <p14:creationId xmlns:p14="http://schemas.microsoft.com/office/powerpoint/2010/main" val="207521694"/>
-      </p:ext>
-    </p:extLst>
-  </p:cSld>
-  <p:clrMapOvr>
-    <a:masterClrMapping/>
-  </p:clrMapOvr>
-</p:sld>
-</file>
-
-<file path=ppt/slides/slide30.xml><?xml version="1.0" encoding="utf-8"?>
+<file path=ppt/slides/slide32.xml><?xml version="1.0" encoding="utf-8"?>
 <p:sld xmlns:a="http://schemas.openxmlformats.org/drawingml/2006/main" xmlns:r="http://schemas.openxmlformats.org/officeDocument/2006/relationships" xmlns:p="http://schemas.openxmlformats.org/presentationml/2006/main">
   <p:cSld>
     <p:spTree>
@@ -25584,7 +26005,7 @@
 </p:sld>
 </file>
 
-<file path=ppt/slides/slide31.xml><?xml version="1.0" encoding="utf-8"?>
+<file path=ppt/slides/slide33.xml><?xml version="1.0" encoding="utf-8"?>
 <p:sld xmlns:a="http://schemas.openxmlformats.org/drawingml/2006/main" xmlns:r="http://schemas.openxmlformats.org/officeDocument/2006/relationships" xmlns:p="http://schemas.openxmlformats.org/presentationml/2006/main">
   <p:cSld>
     <p:spTree>
@@ -25965,1699 +26386,7 @@
 </p:sld>
 </file>
 
-<file path=ppt/slides/slide32.xml><?xml version="1.0" encoding="utf-8"?>
-<p:sld xmlns:a="http://schemas.openxmlformats.org/drawingml/2006/main" xmlns:r="http://schemas.openxmlformats.org/officeDocument/2006/relationships" xmlns:p="http://schemas.openxmlformats.org/presentationml/2006/main">
-  <p:cSld>
-    <p:spTree>
-      <p:nvGrpSpPr>
-        <p:cNvPr id="1" name=""/>
-        <p:cNvGrpSpPr/>
-        <p:nvPr/>
-      </p:nvGrpSpPr>
-      <p:grpSpPr>
-        <a:xfrm>
-          <a:off x="0" y="0"/>
-          <a:ext cx="0" cy="0"/>
-          <a:chOff x="0" y="0"/>
-          <a:chExt cx="0" cy="0"/>
-        </a:xfrm>
-      </p:grpSpPr>
-      <p:sp>
-        <p:nvSpPr>
-          <p:cNvPr id="3" name="Content Placeholder 2"/>
-          <p:cNvSpPr>
-            <a:spLocks noGrp="1"/>
-          </p:cNvSpPr>
-          <p:nvPr>
-            <p:ph idx="1"/>
-          </p:nvPr>
-        </p:nvSpPr>
-        <p:spPr/>
-        <p:txBody>
-          <a:bodyPr/>
-          <a:lstStyle/>
-          <a:p>
-            <a:r>
-              <a:rPr lang="en-US" dirty="0"/>
-              <a:t>Different models have different strengths and weaknesses</a:t>
-            </a:r>
-          </a:p>
-          <a:p>
-            <a:r>
-              <a:rPr lang="en-US" dirty="0"/>
-              <a:t>Ensemble learning provides techniques to run multiple different models and blend them together to often return a more reliable result</a:t>
-            </a:r>
-          </a:p>
-          <a:p>
-            <a:r>
-              <a:rPr lang="en-US" dirty="0"/>
-              <a:t>There are different techniques that are often used:</a:t>
-            </a:r>
-          </a:p>
-          <a:p>
-            <a:pPr lvl="1"/>
-            <a:r>
-              <a:rPr lang="en-US" dirty="0"/>
-              <a:t>Max voting</a:t>
-            </a:r>
-          </a:p>
-          <a:p>
-            <a:pPr lvl="2"/>
-            <a:r>
-              <a:rPr lang="en-US" dirty="0"/>
-              <a:t>The result of each model are considered a vote and the majority of predictions indicates the prediction for the group</a:t>
-            </a:r>
-          </a:p>
-          <a:p>
-            <a:pPr lvl="2"/>
-            <a:r>
-              <a:rPr lang="en-US" dirty="0"/>
-              <a:t>Works well for classification models</a:t>
-            </a:r>
-          </a:p>
-          <a:p>
-            <a:pPr marL="0" indent="0">
-              <a:buNone/>
-            </a:pPr>
-            <a:endParaRPr lang="en-US" dirty="0"/>
-          </a:p>
-          <a:p>
-            <a:endParaRPr lang="en-US" dirty="0"/>
-          </a:p>
-          <a:p>
-            <a:endParaRPr lang="en-US" dirty="0"/>
-          </a:p>
-          <a:p>
-            <a:endParaRPr lang="en-US" dirty="0"/>
-          </a:p>
-          <a:p>
-            <a:endParaRPr lang="en-US" dirty="0"/>
-          </a:p>
-          <a:p>
-            <a:endParaRPr lang="en-US" dirty="0"/>
-          </a:p>
-          <a:p>
-            <a:endParaRPr lang="en-US" dirty="0"/>
-          </a:p>
-          <a:p>
-            <a:endParaRPr lang="en-US" dirty="0"/>
-          </a:p>
-          <a:p>
-            <a:endParaRPr lang="en-US" dirty="0"/>
-          </a:p>
-          <a:p>
-            <a:pPr marL="0" indent="0">
-              <a:buNone/>
-            </a:pPr>
-            <a:endParaRPr lang="en-US" dirty="0"/>
-          </a:p>
-          <a:p>
-            <a:pPr lvl="1"/>
-            <a:endParaRPr lang="en-US" dirty="0"/>
-          </a:p>
-        </p:txBody>
-      </p:sp>
-      <p:sp>
-        <p:nvSpPr>
-          <p:cNvPr id="2" name="Title 1"/>
-          <p:cNvSpPr>
-            <a:spLocks noGrp="1"/>
-          </p:cNvSpPr>
-          <p:nvPr>
-            <p:ph type="title"/>
-          </p:nvPr>
-        </p:nvSpPr>
-        <p:spPr/>
-        <p:txBody>
-          <a:bodyPr/>
-          <a:lstStyle/>
-          <a:p>
-            <a:r>
-              <a:rPr lang="en-US" dirty="0"/>
-              <a:t>Ensemble Learning</a:t>
-            </a:r>
-          </a:p>
-        </p:txBody>
-      </p:sp>
-      <p:sp>
-        <p:nvSpPr>
-          <p:cNvPr id="4" name="TextBox 3">
-            <a:extLst>
-              <a:ext uri="{FF2B5EF4-FFF2-40B4-BE49-F238E27FC236}">
-                <a16:creationId xmlns:a16="http://schemas.microsoft.com/office/drawing/2014/main" id="{B25BD5BC-E8B9-4540-A404-A5C6B4AFC25D}"/>
-              </a:ext>
-            </a:extLst>
-          </p:cNvPr>
-          <p:cNvSpPr txBox="1"/>
-          <p:nvPr/>
-        </p:nvSpPr>
-        <p:spPr>
-          <a:xfrm>
-            <a:off x="1050925" y="4026917"/>
-            <a:ext cx="6702731" cy="2169825"/>
-          </a:xfrm>
-          <a:prstGeom prst="rect">
-            <a:avLst/>
-          </a:prstGeom>
-          <a:noFill/>
-          <a:ln w="28575" algn="ctr">
-            <a:solidFill>
-              <a:schemeClr val="accent2">
-                <a:lumMod val="20000"/>
-                <a:lumOff val="80000"/>
-              </a:schemeClr>
-            </a:solidFill>
-            <a:miter lim="800000"/>
-            <a:headEnd/>
-            <a:tailEnd/>
-          </a:ln>
-          <a:effectLst/>
-        </p:spPr>
-        <p:txBody>
-          <a:bodyPr wrap="square">
-            <a:spAutoFit/>
-          </a:bodyPr>
-          <a:lstStyle>
-            <a:defPPr>
-              <a:defRPr lang="en-US"/>
-            </a:defPPr>
-            <a:lvl1pPr marL="0" defTabSz="914400" eaLnBrk="1" latinLnBrk="0" hangingPunct="1">
-              <a:defRPr sz="1400">
-                <a:solidFill>
-                  <a:schemeClr val="tx1"/>
-                </a:solidFill>
-                <a:latin typeface="Courier New" pitchFamily="49" charset="0"/>
-                <a:cs typeface="+mn-cs"/>
-              </a:defRPr>
-            </a:lvl1pPr>
-            <a:lvl2pPr marL="742950" indent="-285750" defTabSz="914400" latinLnBrk="0">
-              <a:defRPr sz="1400">
-                <a:solidFill>
-                  <a:schemeClr val="tx1"/>
-                </a:solidFill>
-                <a:latin typeface="Arial" charset="0"/>
-                <a:cs typeface="+mn-cs"/>
-              </a:defRPr>
-            </a:lvl2pPr>
-            <a:lvl3pPr marL="1143000" indent="-228600" defTabSz="914400" latinLnBrk="0">
-              <a:defRPr sz="1400">
-                <a:solidFill>
-                  <a:schemeClr val="tx1"/>
-                </a:solidFill>
-                <a:latin typeface="Arial" charset="0"/>
-                <a:cs typeface="+mn-cs"/>
-              </a:defRPr>
-            </a:lvl3pPr>
-            <a:lvl4pPr marL="1600200" indent="-228600" defTabSz="914400" latinLnBrk="0">
-              <a:defRPr sz="1400">
-                <a:solidFill>
-                  <a:schemeClr val="tx1"/>
-                </a:solidFill>
-                <a:latin typeface="Arial" charset="0"/>
-                <a:cs typeface="+mn-cs"/>
-              </a:defRPr>
-            </a:lvl4pPr>
-            <a:lvl5pPr marL="2057400" indent="-228600" defTabSz="914400" latinLnBrk="0">
-              <a:defRPr sz="1400">
-                <a:solidFill>
-                  <a:schemeClr val="tx1"/>
-                </a:solidFill>
-                <a:latin typeface="Arial" charset="0"/>
-                <a:cs typeface="+mn-cs"/>
-              </a:defRPr>
-            </a:lvl5pPr>
-            <a:lvl6pPr marL="2514600" indent="-228600" eaLnBrk="0" fontAlgn="base" hangingPunct="0">
-              <a:spcBef>
-                <a:spcPct val="0"/>
-              </a:spcBef>
-              <a:spcAft>
-                <a:spcPct val="0"/>
-              </a:spcAft>
-              <a:defRPr sz="1400">
-                <a:solidFill>
-                  <a:schemeClr val="tx1"/>
-                </a:solidFill>
-                <a:latin typeface="Arial" charset="0"/>
-                <a:cs typeface="+mn-cs"/>
-              </a:defRPr>
-            </a:lvl6pPr>
-            <a:lvl7pPr marL="2971800" indent="-228600" eaLnBrk="0" fontAlgn="base" hangingPunct="0">
-              <a:spcBef>
-                <a:spcPct val="0"/>
-              </a:spcBef>
-              <a:spcAft>
-                <a:spcPct val="0"/>
-              </a:spcAft>
-              <a:defRPr sz="1400">
-                <a:solidFill>
-                  <a:schemeClr val="tx1"/>
-                </a:solidFill>
-                <a:latin typeface="Arial" charset="0"/>
-                <a:cs typeface="+mn-cs"/>
-              </a:defRPr>
-            </a:lvl7pPr>
-            <a:lvl8pPr marL="3429000" indent="-228600" eaLnBrk="0" fontAlgn="base" hangingPunct="0">
-              <a:spcBef>
-                <a:spcPct val="0"/>
-              </a:spcBef>
-              <a:spcAft>
-                <a:spcPct val="0"/>
-              </a:spcAft>
-              <a:defRPr sz="1400">
-                <a:solidFill>
-                  <a:schemeClr val="tx1"/>
-                </a:solidFill>
-                <a:latin typeface="Arial" charset="0"/>
-                <a:cs typeface="+mn-cs"/>
-              </a:defRPr>
-            </a:lvl8pPr>
-            <a:lvl9pPr marL="3886200" indent="-228600" eaLnBrk="0" fontAlgn="base" hangingPunct="0">
-              <a:spcBef>
-                <a:spcPct val="0"/>
-              </a:spcBef>
-              <a:spcAft>
-                <a:spcPct val="0"/>
-              </a:spcAft>
-              <a:defRPr sz="1400">
-                <a:solidFill>
-                  <a:schemeClr val="tx1"/>
-                </a:solidFill>
-                <a:latin typeface="Arial" charset="0"/>
-                <a:cs typeface="+mn-cs"/>
-              </a:defRPr>
-            </a:lvl9pPr>
-          </a:lstStyle>
-          <a:p>
-            <a:r>
-              <a:rPr lang="en-US" sz="1500" b="1" dirty="0"/>
-              <a:t>from </a:t>
-            </a:r>
-            <a:r>
-              <a:rPr lang="en-US" sz="1500" b="1" dirty="0" err="1"/>
-              <a:t>sklearn.ensemble</a:t>
-            </a:r>
-            <a:r>
-              <a:rPr lang="en-US" sz="1500" b="1" dirty="0"/>
-              <a:t> import </a:t>
-            </a:r>
-            <a:r>
-              <a:rPr lang="en-US" sz="1500" b="1" dirty="0" err="1"/>
-              <a:t>VotingClassifier</a:t>
-            </a:r>
-            <a:endParaRPr lang="en-US" sz="1500" b="1" dirty="0"/>
-          </a:p>
-          <a:p>
-            <a:r>
-              <a:rPr lang="en-US" sz="1500" b="1" dirty="0" err="1"/>
-              <a:t>modelVC</a:t>
-            </a:r>
-            <a:r>
-              <a:rPr lang="en-US" sz="1500" b="1" dirty="0"/>
-              <a:t> = </a:t>
-            </a:r>
-            <a:r>
-              <a:rPr lang="en-US" sz="1500" b="1" dirty="0" err="1"/>
-              <a:t>VotingClassifier</a:t>
-            </a:r>
-            <a:r>
-              <a:rPr lang="en-US" sz="1500" b="1" dirty="0"/>
-              <a:t>(estimators=[('</a:t>
-            </a:r>
-            <a:r>
-              <a:rPr lang="en-US" sz="1500" b="1" dirty="0" err="1"/>
-              <a:t>lr</a:t>
-            </a:r>
-            <a:r>
-              <a:rPr lang="en-US" sz="1500" b="1" dirty="0"/>
-              <a:t>', </a:t>
-            </a:r>
-            <a:r>
-              <a:rPr lang="en-US" sz="1500" b="1" dirty="0" err="1"/>
-              <a:t>modelLR</a:t>
-            </a:r>
-            <a:r>
-              <a:rPr lang="en-US" sz="1500" b="1" dirty="0"/>
-              <a:t>), ('</a:t>
-            </a:r>
-            <a:r>
-              <a:rPr lang="en-US" sz="1500" b="1" dirty="0" err="1"/>
-              <a:t>nb</a:t>
-            </a:r>
-            <a:r>
-              <a:rPr lang="en-US" sz="1500" b="1" dirty="0"/>
-              <a:t>', </a:t>
-            </a:r>
-            <a:r>
-              <a:rPr lang="en-US" sz="1500" b="1" dirty="0" err="1"/>
-              <a:t>modelNB</a:t>
-            </a:r>
-            <a:r>
-              <a:rPr lang="en-US" sz="1500" b="1" dirty="0"/>
-              <a:t>), ('</a:t>
-            </a:r>
-            <a:r>
-              <a:rPr lang="en-US" sz="1500" b="1" dirty="0" err="1"/>
-              <a:t>rf</a:t>
-            </a:r>
-            <a:r>
-              <a:rPr lang="en-US" sz="1500" b="1" dirty="0"/>
-              <a:t>', </a:t>
-            </a:r>
-            <a:r>
-              <a:rPr lang="en-US" sz="1500" b="1" dirty="0" err="1"/>
-              <a:t>modelRF</a:t>
-            </a:r>
-            <a:r>
-              <a:rPr lang="en-US" sz="1500" b="1" dirty="0"/>
-              <a:t>)], voting='hard')</a:t>
-            </a:r>
-          </a:p>
-          <a:p>
-            <a:r>
-              <a:rPr lang="en-US" sz="1500" b="1" dirty="0" err="1"/>
-              <a:t>modelVC.fit</a:t>
-            </a:r>
-            <a:r>
-              <a:rPr lang="en-US" sz="1500" b="1" dirty="0"/>
-              <a:t>(</a:t>
-            </a:r>
-            <a:r>
-              <a:rPr lang="en-US" sz="1500" b="1" dirty="0" err="1"/>
-              <a:t>trainX</a:t>
-            </a:r>
-            <a:r>
-              <a:rPr lang="en-US" sz="1500" b="1" dirty="0"/>
-              <a:t>, </a:t>
-            </a:r>
-            <a:r>
-              <a:rPr lang="en-US" sz="1500" b="1" dirty="0" err="1"/>
-              <a:t>trainY</a:t>
-            </a:r>
-            <a:r>
-              <a:rPr lang="en-US" sz="1500" b="1" dirty="0"/>
-              <a:t>)</a:t>
-            </a:r>
-          </a:p>
-          <a:p>
-            <a:r>
-              <a:rPr lang="en-US" sz="1500" b="1" dirty="0"/>
-              <a:t>print(</a:t>
-            </a:r>
-            <a:r>
-              <a:rPr lang="en-US" sz="1500" b="1" dirty="0" err="1"/>
-              <a:t>modelVC.score</a:t>
-            </a:r>
-            <a:r>
-              <a:rPr lang="en-US" sz="1500" b="1" dirty="0"/>
-              <a:t>(</a:t>
-            </a:r>
-            <a:r>
-              <a:rPr lang="en-US" sz="1500" b="1" dirty="0" err="1"/>
-              <a:t>testX,testY</a:t>
-            </a:r>
-            <a:r>
-              <a:rPr lang="en-US" sz="1500" b="1" dirty="0"/>
-              <a:t>))</a:t>
-            </a:r>
-          </a:p>
-          <a:p>
-            <a:endParaRPr lang="en-US" sz="1500" b="1" dirty="0"/>
-          </a:p>
-          <a:p>
-            <a:r>
-              <a:rPr lang="en-US" sz="1500" b="1" dirty="0" err="1"/>
-              <a:t>predY</a:t>
-            </a:r>
-            <a:r>
-              <a:rPr lang="en-US" sz="1500" b="1" dirty="0"/>
-              <a:t> = </a:t>
-            </a:r>
-            <a:r>
-              <a:rPr lang="en-US" sz="1500" b="1" dirty="0" err="1"/>
-              <a:t>modelVC.predict</a:t>
-            </a:r>
-            <a:r>
-              <a:rPr lang="en-US" sz="1500" b="1" dirty="0"/>
-              <a:t>(</a:t>
-            </a:r>
-            <a:r>
-              <a:rPr lang="en-US" sz="1500" b="1" dirty="0" err="1"/>
-              <a:t>testX</a:t>
-            </a:r>
-            <a:r>
-              <a:rPr lang="en-US" sz="1500" b="1" dirty="0"/>
-              <a:t>)</a:t>
-            </a:r>
-          </a:p>
-          <a:p>
-            <a:r>
-              <a:rPr lang="en-US" sz="1500" b="1" dirty="0"/>
-              <a:t>cm = </a:t>
-            </a:r>
-            <a:r>
-              <a:rPr lang="en-US" sz="1500" b="1" dirty="0" err="1"/>
-              <a:t>confusion_matrix</a:t>
-            </a:r>
-            <a:r>
-              <a:rPr lang="en-US" sz="1500" b="1" dirty="0"/>
-              <a:t>(</a:t>
-            </a:r>
-            <a:r>
-              <a:rPr lang="en-US" sz="1500" b="1" dirty="0" err="1"/>
-              <a:t>testY</a:t>
-            </a:r>
-            <a:r>
-              <a:rPr lang="en-US" sz="1500" b="1" dirty="0"/>
-              <a:t>, </a:t>
-            </a:r>
-            <a:r>
-              <a:rPr lang="en-US" sz="1500" b="1" dirty="0" err="1"/>
-              <a:t>predY</a:t>
-            </a:r>
-            <a:r>
-              <a:rPr lang="en-US" sz="1500" b="1" dirty="0"/>
-              <a:t>)</a:t>
-            </a:r>
-          </a:p>
-          <a:p>
-            <a:r>
-              <a:rPr lang="en-US" sz="1500" b="1" dirty="0"/>
-              <a:t>print (cm)</a:t>
-            </a:r>
-          </a:p>
-        </p:txBody>
-      </p:sp>
-    </p:spTree>
-    <p:extLst>
-      <p:ext uri="{BB962C8B-B14F-4D97-AF65-F5344CB8AC3E}">
-        <p14:creationId xmlns:p14="http://schemas.microsoft.com/office/powerpoint/2010/main" val="3391962881"/>
-      </p:ext>
-    </p:extLst>
-  </p:cSld>
-  <p:clrMapOvr>
-    <a:masterClrMapping/>
-  </p:clrMapOvr>
-</p:sld>
-</file>
-
-<file path=ppt/slides/slide33.xml><?xml version="1.0" encoding="utf-8"?>
-<p:sld xmlns:a="http://schemas.openxmlformats.org/drawingml/2006/main" xmlns:r="http://schemas.openxmlformats.org/officeDocument/2006/relationships" xmlns:p="http://schemas.openxmlformats.org/presentationml/2006/main">
-  <p:cSld>
-    <p:spTree>
-      <p:nvGrpSpPr>
-        <p:cNvPr id="1" name=""/>
-        <p:cNvGrpSpPr/>
-        <p:nvPr/>
-      </p:nvGrpSpPr>
-      <p:grpSpPr>
-        <a:xfrm>
-          <a:off x="0" y="0"/>
-          <a:ext cx="0" cy="0"/>
-          <a:chOff x="0" y="0"/>
-          <a:chExt cx="0" cy="0"/>
-        </a:xfrm>
-      </p:grpSpPr>
-      <p:sp>
-        <p:nvSpPr>
-          <p:cNvPr id="3" name="Content Placeholder 2"/>
-          <p:cNvSpPr>
-            <a:spLocks noGrp="1"/>
-          </p:cNvSpPr>
-          <p:nvPr>
-            <p:ph idx="1"/>
-          </p:nvPr>
-        </p:nvSpPr>
-        <p:spPr/>
-        <p:txBody>
-          <a:bodyPr/>
-          <a:lstStyle/>
-          <a:p>
-            <a:r>
-              <a:rPr lang="en-US" dirty="0"/>
-              <a:t>Averaging method works better when trying to predict a value such as with regression or a prediction probability with classification</a:t>
-            </a:r>
-          </a:p>
-          <a:p>
-            <a:pPr lvl="1"/>
-            <a:r>
-              <a:rPr lang="en-US" dirty="0"/>
-              <a:t>could do a normal or a weighted average</a:t>
-            </a:r>
-          </a:p>
-          <a:p>
-            <a:endParaRPr lang="en-US" dirty="0"/>
-          </a:p>
-          <a:p>
-            <a:endParaRPr lang="en-US" dirty="0"/>
-          </a:p>
-          <a:p>
-            <a:endParaRPr lang="en-US" dirty="0"/>
-          </a:p>
-          <a:p>
-            <a:endParaRPr lang="en-US" dirty="0"/>
-          </a:p>
-          <a:p>
-            <a:endParaRPr lang="en-US" dirty="0"/>
-          </a:p>
-          <a:p>
-            <a:endParaRPr lang="en-US" dirty="0"/>
-          </a:p>
-          <a:p>
-            <a:endParaRPr lang="en-US" dirty="0"/>
-          </a:p>
-          <a:p>
-            <a:endParaRPr lang="en-US" dirty="0"/>
-          </a:p>
-          <a:p>
-            <a:endParaRPr lang="en-US" dirty="0"/>
-          </a:p>
-          <a:p>
-            <a:pPr marL="0" indent="0">
-              <a:buNone/>
-            </a:pPr>
-            <a:endParaRPr lang="en-US" dirty="0"/>
-          </a:p>
-          <a:p>
-            <a:pPr lvl="1"/>
-            <a:endParaRPr lang="en-US" dirty="0"/>
-          </a:p>
-        </p:txBody>
-      </p:sp>
-      <p:sp>
-        <p:nvSpPr>
-          <p:cNvPr id="2" name="Title 1"/>
-          <p:cNvSpPr>
-            <a:spLocks noGrp="1"/>
-          </p:cNvSpPr>
-          <p:nvPr>
-            <p:ph type="title"/>
-          </p:nvPr>
-        </p:nvSpPr>
-        <p:spPr/>
-        <p:txBody>
-          <a:bodyPr/>
-          <a:lstStyle/>
-          <a:p>
-            <a:r>
-              <a:rPr lang="en-US" dirty="0"/>
-              <a:t>Ensemble Learning</a:t>
-            </a:r>
-          </a:p>
-        </p:txBody>
-      </p:sp>
-      <p:sp>
-        <p:nvSpPr>
-          <p:cNvPr id="4" name="TextBox 3">
-            <a:extLst>
-              <a:ext uri="{FF2B5EF4-FFF2-40B4-BE49-F238E27FC236}">
-                <a16:creationId xmlns:a16="http://schemas.microsoft.com/office/drawing/2014/main" id="{B25BD5BC-E8B9-4540-A404-A5C6B4AFC25D}"/>
-              </a:ext>
-            </a:extLst>
-          </p:cNvPr>
-          <p:cNvSpPr txBox="1"/>
-          <p:nvPr/>
-        </p:nvSpPr>
-        <p:spPr>
-          <a:xfrm>
-            <a:off x="946422" y="2202261"/>
-            <a:ext cx="6702731" cy="2400657"/>
-          </a:xfrm>
-          <a:prstGeom prst="rect">
-            <a:avLst/>
-          </a:prstGeom>
-          <a:noFill/>
-          <a:ln w="28575" algn="ctr">
-            <a:solidFill>
-              <a:schemeClr val="accent2">
-                <a:lumMod val="20000"/>
-                <a:lumOff val="80000"/>
-              </a:schemeClr>
-            </a:solidFill>
-            <a:miter lim="800000"/>
-            <a:headEnd/>
-            <a:tailEnd/>
-          </a:ln>
-          <a:effectLst/>
-        </p:spPr>
-        <p:txBody>
-          <a:bodyPr wrap="square">
-            <a:spAutoFit/>
-          </a:bodyPr>
-          <a:lstStyle>
-            <a:defPPr>
-              <a:defRPr lang="en-US"/>
-            </a:defPPr>
-            <a:lvl1pPr marL="0" defTabSz="914400" eaLnBrk="1" latinLnBrk="0" hangingPunct="1">
-              <a:defRPr sz="1400">
-                <a:solidFill>
-                  <a:schemeClr val="tx1"/>
-                </a:solidFill>
-                <a:latin typeface="Courier New" pitchFamily="49" charset="0"/>
-                <a:cs typeface="+mn-cs"/>
-              </a:defRPr>
-            </a:lvl1pPr>
-            <a:lvl2pPr marL="742950" indent="-285750" defTabSz="914400" latinLnBrk="0">
-              <a:defRPr sz="1400">
-                <a:solidFill>
-                  <a:schemeClr val="tx1"/>
-                </a:solidFill>
-                <a:latin typeface="Arial" charset="0"/>
-                <a:cs typeface="+mn-cs"/>
-              </a:defRPr>
-            </a:lvl2pPr>
-            <a:lvl3pPr marL="1143000" indent="-228600" defTabSz="914400" latinLnBrk="0">
-              <a:defRPr sz="1400">
-                <a:solidFill>
-                  <a:schemeClr val="tx1"/>
-                </a:solidFill>
-                <a:latin typeface="Arial" charset="0"/>
-                <a:cs typeface="+mn-cs"/>
-              </a:defRPr>
-            </a:lvl3pPr>
-            <a:lvl4pPr marL="1600200" indent="-228600" defTabSz="914400" latinLnBrk="0">
-              <a:defRPr sz="1400">
-                <a:solidFill>
-                  <a:schemeClr val="tx1"/>
-                </a:solidFill>
-                <a:latin typeface="Arial" charset="0"/>
-                <a:cs typeface="+mn-cs"/>
-              </a:defRPr>
-            </a:lvl4pPr>
-            <a:lvl5pPr marL="2057400" indent="-228600" defTabSz="914400" latinLnBrk="0">
-              <a:defRPr sz="1400">
-                <a:solidFill>
-                  <a:schemeClr val="tx1"/>
-                </a:solidFill>
-                <a:latin typeface="Arial" charset="0"/>
-                <a:cs typeface="+mn-cs"/>
-              </a:defRPr>
-            </a:lvl5pPr>
-            <a:lvl6pPr marL="2514600" indent="-228600" eaLnBrk="0" fontAlgn="base" hangingPunct="0">
-              <a:spcBef>
-                <a:spcPct val="0"/>
-              </a:spcBef>
-              <a:spcAft>
-                <a:spcPct val="0"/>
-              </a:spcAft>
-              <a:defRPr sz="1400">
-                <a:solidFill>
-                  <a:schemeClr val="tx1"/>
-                </a:solidFill>
-                <a:latin typeface="Arial" charset="0"/>
-                <a:cs typeface="+mn-cs"/>
-              </a:defRPr>
-            </a:lvl6pPr>
-            <a:lvl7pPr marL="2971800" indent="-228600" eaLnBrk="0" fontAlgn="base" hangingPunct="0">
-              <a:spcBef>
-                <a:spcPct val="0"/>
-              </a:spcBef>
-              <a:spcAft>
-                <a:spcPct val="0"/>
-              </a:spcAft>
-              <a:defRPr sz="1400">
-                <a:solidFill>
-                  <a:schemeClr val="tx1"/>
-                </a:solidFill>
-                <a:latin typeface="Arial" charset="0"/>
-                <a:cs typeface="+mn-cs"/>
-              </a:defRPr>
-            </a:lvl7pPr>
-            <a:lvl8pPr marL="3429000" indent="-228600" eaLnBrk="0" fontAlgn="base" hangingPunct="0">
-              <a:spcBef>
-                <a:spcPct val="0"/>
-              </a:spcBef>
-              <a:spcAft>
-                <a:spcPct val="0"/>
-              </a:spcAft>
-              <a:defRPr sz="1400">
-                <a:solidFill>
-                  <a:schemeClr val="tx1"/>
-                </a:solidFill>
-                <a:latin typeface="Arial" charset="0"/>
-                <a:cs typeface="+mn-cs"/>
-              </a:defRPr>
-            </a:lvl8pPr>
-            <a:lvl9pPr marL="3886200" indent="-228600" eaLnBrk="0" fontAlgn="base" hangingPunct="0">
-              <a:spcBef>
-                <a:spcPct val="0"/>
-              </a:spcBef>
-              <a:spcAft>
-                <a:spcPct val="0"/>
-              </a:spcAft>
-              <a:defRPr sz="1400">
-                <a:solidFill>
-                  <a:schemeClr val="tx1"/>
-                </a:solidFill>
-                <a:latin typeface="Arial" charset="0"/>
-                <a:cs typeface="+mn-cs"/>
-              </a:defRPr>
-            </a:lvl9pPr>
-          </a:lstStyle>
-          <a:p>
-            <a:r>
-              <a:rPr lang="en-US" sz="1500" b="1" dirty="0" err="1"/>
-              <a:t>predLR</a:t>
-            </a:r>
-            <a:r>
-              <a:rPr lang="en-US" sz="1500" b="1" dirty="0"/>
-              <a:t> = </a:t>
-            </a:r>
-            <a:r>
-              <a:rPr lang="en-US" sz="1500" b="1" dirty="0" err="1"/>
-              <a:t>modelLR.predict_proba</a:t>
-            </a:r>
-            <a:r>
-              <a:rPr lang="en-US" sz="1500" b="1" dirty="0"/>
-              <a:t>(</a:t>
-            </a:r>
-            <a:r>
-              <a:rPr lang="en-US" sz="1500" b="1" dirty="0" err="1"/>
-              <a:t>testX</a:t>
-            </a:r>
-            <a:r>
-              <a:rPr lang="en-US" sz="1500" b="1" dirty="0"/>
-              <a:t>)</a:t>
-            </a:r>
-          </a:p>
-          <a:p>
-            <a:r>
-              <a:rPr lang="en-US" sz="1500" b="1" dirty="0" err="1"/>
-              <a:t>predNN</a:t>
-            </a:r>
-            <a:r>
-              <a:rPr lang="en-US" sz="1500" b="1" dirty="0"/>
-              <a:t> = </a:t>
-            </a:r>
-            <a:r>
-              <a:rPr lang="en-US" sz="1500" b="1" dirty="0" err="1"/>
-              <a:t>modelNN.predict_proba</a:t>
-            </a:r>
-            <a:r>
-              <a:rPr lang="en-US" sz="1500" b="1" dirty="0"/>
-              <a:t>(</a:t>
-            </a:r>
-            <a:r>
-              <a:rPr lang="en-US" sz="1500" b="1" dirty="0" err="1"/>
-              <a:t>testX</a:t>
-            </a:r>
-            <a:r>
-              <a:rPr lang="en-US" sz="1500" b="1" dirty="0"/>
-              <a:t>)</a:t>
-            </a:r>
-          </a:p>
-          <a:p>
-            <a:r>
-              <a:rPr lang="en-US" sz="1500" b="1" dirty="0" err="1"/>
-              <a:t>predSVN</a:t>
-            </a:r>
-            <a:r>
-              <a:rPr lang="en-US" sz="1500" b="1" dirty="0"/>
-              <a:t> = </a:t>
-            </a:r>
-            <a:r>
-              <a:rPr lang="en-US" sz="1500" b="1" dirty="0" err="1"/>
-              <a:t>modelSVN.predict_proba</a:t>
-            </a:r>
-            <a:r>
-              <a:rPr lang="en-US" sz="1500" b="1" dirty="0"/>
-              <a:t>(</a:t>
-            </a:r>
-            <a:r>
-              <a:rPr lang="en-US" sz="1500" b="1" dirty="0" err="1"/>
-              <a:t>testX</a:t>
-            </a:r>
-            <a:r>
-              <a:rPr lang="en-US" sz="1500" b="1" dirty="0"/>
-              <a:t>)</a:t>
-            </a:r>
-          </a:p>
-          <a:p>
-            <a:endParaRPr lang="en-US" sz="1500" b="1" dirty="0"/>
-          </a:p>
-          <a:p>
-            <a:r>
-              <a:rPr lang="en-US" sz="1500" b="1" dirty="0" err="1"/>
-              <a:t>predAVG</a:t>
-            </a:r>
-            <a:r>
-              <a:rPr lang="en-US" sz="1500" b="1" dirty="0"/>
-              <a:t> = (</a:t>
-            </a:r>
-            <a:r>
-              <a:rPr lang="en-US" sz="1500" b="1" dirty="0" err="1"/>
-              <a:t>predLR</a:t>
-            </a:r>
-            <a:r>
-              <a:rPr lang="en-US" sz="1500" b="1" dirty="0"/>
-              <a:t> + </a:t>
-            </a:r>
-            <a:r>
-              <a:rPr lang="en-US" sz="1500" b="1" dirty="0" err="1"/>
-              <a:t>predNN</a:t>
-            </a:r>
-            <a:r>
-              <a:rPr lang="en-US" sz="1500" b="1" dirty="0"/>
-              <a:t> + </a:t>
-            </a:r>
-            <a:r>
-              <a:rPr lang="en-US" sz="1500" b="1" dirty="0" err="1"/>
-              <a:t>predSVN</a:t>
-            </a:r>
-            <a:r>
-              <a:rPr lang="en-US" sz="1500" b="1" dirty="0"/>
-              <a:t>)/3</a:t>
-            </a:r>
-          </a:p>
-          <a:p>
-            <a:r>
-              <a:rPr lang="en-US" sz="1500" b="1" dirty="0"/>
-              <a:t>print (</a:t>
-            </a:r>
-            <a:r>
-              <a:rPr lang="en-US" sz="1500" b="1" dirty="0" err="1"/>
-              <a:t>confusion_matrix</a:t>
-            </a:r>
-            <a:r>
-              <a:rPr lang="en-US" sz="1500" b="1" dirty="0"/>
-              <a:t>(</a:t>
-            </a:r>
-            <a:r>
-              <a:rPr lang="en-US" sz="1500" b="1" dirty="0" err="1"/>
-              <a:t>testX</a:t>
-            </a:r>
-            <a:r>
-              <a:rPr lang="en-US" sz="1500" b="1" dirty="0"/>
-              <a:t>, </a:t>
-            </a:r>
-            <a:r>
-              <a:rPr lang="en-US" sz="1500" b="1" dirty="0" err="1"/>
-              <a:t>predAVG</a:t>
-            </a:r>
-            <a:r>
-              <a:rPr lang="en-US" sz="1500" b="1" dirty="0"/>
-              <a:t>)</a:t>
-            </a:r>
-          </a:p>
-          <a:p>
-            <a:endParaRPr lang="en-US" sz="1500" b="1" dirty="0"/>
-          </a:p>
-          <a:p>
-            <a:r>
-              <a:rPr lang="en-US" sz="1500" b="1" dirty="0" err="1"/>
-              <a:t>predAVG</a:t>
-            </a:r>
-            <a:r>
-              <a:rPr lang="en-US" sz="1500" b="1" dirty="0"/>
-              <a:t> = (</a:t>
-            </a:r>
-            <a:r>
-              <a:rPr lang="en-US" sz="1500" b="1" dirty="0" err="1"/>
-              <a:t>predLR</a:t>
-            </a:r>
-            <a:r>
-              <a:rPr lang="en-US" sz="1500" b="1" dirty="0"/>
-              <a:t> * .4 + </a:t>
-            </a:r>
-            <a:r>
-              <a:rPr lang="en-US" sz="1500" b="1" dirty="0" err="1"/>
-              <a:t>predNN</a:t>
-            </a:r>
-            <a:r>
-              <a:rPr lang="en-US" sz="1500" b="1" dirty="0"/>
-              <a:t> * .35 + </a:t>
-            </a:r>
-            <a:r>
-              <a:rPr lang="en-US" sz="1500" b="1" dirty="0" err="1"/>
-              <a:t>predSVN</a:t>
-            </a:r>
-            <a:r>
-              <a:rPr lang="en-US" sz="1500" b="1" dirty="0"/>
-              <a:t> * .25)/3</a:t>
-            </a:r>
-          </a:p>
-          <a:p>
-            <a:r>
-              <a:rPr lang="en-US" sz="1500" b="1" dirty="0"/>
-              <a:t>print (</a:t>
-            </a:r>
-            <a:r>
-              <a:rPr lang="en-US" sz="1500" b="1" dirty="0" err="1"/>
-              <a:t>confusion_matrix</a:t>
-            </a:r>
-            <a:r>
-              <a:rPr lang="en-US" sz="1500" b="1" dirty="0"/>
-              <a:t>(</a:t>
-            </a:r>
-            <a:r>
-              <a:rPr lang="en-US" sz="1500" b="1" dirty="0" err="1"/>
-              <a:t>testX</a:t>
-            </a:r>
-            <a:r>
-              <a:rPr lang="en-US" sz="1500" b="1" dirty="0"/>
-              <a:t>, </a:t>
-            </a:r>
-            <a:r>
-              <a:rPr lang="en-US" sz="1500" b="1" dirty="0" err="1"/>
-              <a:t>predAVG</a:t>
-            </a:r>
-            <a:r>
-              <a:rPr lang="en-US" sz="1500" b="1" dirty="0"/>
-              <a:t>)</a:t>
-            </a:r>
-          </a:p>
-          <a:p>
-            <a:endParaRPr lang="en-US" sz="1500" b="1" dirty="0"/>
-          </a:p>
-        </p:txBody>
-      </p:sp>
-    </p:spTree>
-    <p:extLst>
-      <p:ext uri="{BB962C8B-B14F-4D97-AF65-F5344CB8AC3E}">
-        <p14:creationId xmlns:p14="http://schemas.microsoft.com/office/powerpoint/2010/main" val="2658446287"/>
-      </p:ext>
-    </p:extLst>
-  </p:cSld>
-  <p:clrMapOvr>
-    <a:masterClrMapping/>
-  </p:clrMapOvr>
-</p:sld>
-</file>
-
 <file path=ppt/slides/slide34.xml><?xml version="1.0" encoding="utf-8"?>
-<p:sld xmlns:a="http://schemas.openxmlformats.org/drawingml/2006/main" xmlns:r="http://schemas.openxmlformats.org/officeDocument/2006/relationships" xmlns:p="http://schemas.openxmlformats.org/presentationml/2006/main">
-  <p:cSld>
-    <p:spTree>
-      <p:nvGrpSpPr>
-        <p:cNvPr id="1" name=""/>
-        <p:cNvGrpSpPr/>
-        <p:nvPr/>
-      </p:nvGrpSpPr>
-      <p:grpSpPr>
-        <a:xfrm>
-          <a:off x="0" y="0"/>
-          <a:ext cx="0" cy="0"/>
-          <a:chOff x="0" y="0"/>
-          <a:chExt cx="0" cy="0"/>
-        </a:xfrm>
-      </p:grpSpPr>
-      <p:sp>
-        <p:nvSpPr>
-          <p:cNvPr id="3" name="Content Placeholder 2"/>
-          <p:cNvSpPr>
-            <a:spLocks noGrp="1"/>
-          </p:cNvSpPr>
-          <p:nvPr>
-            <p:ph idx="1"/>
-          </p:nvPr>
-        </p:nvSpPr>
-        <p:spPr/>
-        <p:txBody>
-          <a:bodyPr/>
-          <a:lstStyle/>
-          <a:p>
-            <a:r>
-              <a:rPr lang="en-US" dirty="0"/>
-              <a:t>Creates Decision Trees on randomly selected samples of the training set</a:t>
-            </a:r>
-          </a:p>
-          <a:p>
-            <a:r>
-              <a:rPr lang="en-US" dirty="0"/>
-              <a:t>Performs multiple iterations and gets prediction results</a:t>
-            </a:r>
-          </a:p>
-          <a:p>
-            <a:r>
-              <a:rPr lang="en-US" dirty="0"/>
-              <a:t>Votes on the best random sample</a:t>
-            </a:r>
-          </a:p>
-          <a:p>
-            <a:r>
-              <a:rPr lang="en-US" dirty="0"/>
-              <a:t>Pros</a:t>
-            </a:r>
-          </a:p>
-          <a:p>
-            <a:pPr lvl="1"/>
-            <a:r>
-              <a:rPr lang="en-US" dirty="0"/>
-              <a:t>Often highly accurate due to the strength of multiple predictions</a:t>
-            </a:r>
-          </a:p>
-          <a:p>
-            <a:pPr lvl="1"/>
-            <a:r>
-              <a:rPr lang="en-US" dirty="0"/>
-              <a:t>Usually does not suffer from overfitting</a:t>
-            </a:r>
-          </a:p>
-          <a:p>
-            <a:pPr lvl="1"/>
-            <a:r>
-              <a:rPr lang="en-US" dirty="0"/>
-              <a:t>Can see the relative feature importance which is useful in revising the model</a:t>
-            </a:r>
-          </a:p>
-          <a:p>
-            <a:r>
-              <a:rPr lang="en-US" dirty="0"/>
-              <a:t>Cons</a:t>
-            </a:r>
-          </a:p>
-          <a:p>
-            <a:pPr lvl="1"/>
-            <a:r>
-              <a:rPr lang="en-US" dirty="0"/>
-              <a:t>Slow to generate because of multiple iterations</a:t>
-            </a:r>
-          </a:p>
-          <a:p>
-            <a:pPr lvl="1"/>
-            <a:r>
-              <a:rPr lang="en-US" dirty="0"/>
-              <a:t>Compared to a Decision Tree you cannot really see the path of the tree</a:t>
-            </a:r>
-          </a:p>
-        </p:txBody>
-      </p:sp>
-      <p:sp>
-        <p:nvSpPr>
-          <p:cNvPr id="2" name="Title 1"/>
-          <p:cNvSpPr>
-            <a:spLocks noGrp="1"/>
-          </p:cNvSpPr>
-          <p:nvPr>
-            <p:ph type="title"/>
-          </p:nvPr>
-        </p:nvSpPr>
-        <p:spPr/>
-        <p:txBody>
-          <a:bodyPr/>
-          <a:lstStyle/>
-          <a:p>
-            <a:r>
-              <a:rPr lang="en-US" dirty="0"/>
-              <a:t>Random Forest</a:t>
-            </a:r>
-          </a:p>
-        </p:txBody>
-      </p:sp>
-    </p:spTree>
-    <p:extLst>
-      <p:ext uri="{BB962C8B-B14F-4D97-AF65-F5344CB8AC3E}">
-        <p14:creationId xmlns:p14="http://schemas.microsoft.com/office/powerpoint/2010/main" val="412271066"/>
-      </p:ext>
-    </p:extLst>
-  </p:cSld>
-  <p:clrMapOvr>
-    <a:masterClrMapping/>
-  </p:clrMapOvr>
-</p:sld>
-</file>
-
-<file path=ppt/slides/slide35.xml><?xml version="1.0" encoding="utf-8"?>
-<p:sld xmlns:a="http://schemas.openxmlformats.org/drawingml/2006/main" xmlns:r="http://schemas.openxmlformats.org/officeDocument/2006/relationships" xmlns:p="http://schemas.openxmlformats.org/presentationml/2006/main">
-  <p:cSld>
-    <p:spTree>
-      <p:nvGrpSpPr>
-        <p:cNvPr id="1" name=""/>
-        <p:cNvGrpSpPr/>
-        <p:nvPr/>
-      </p:nvGrpSpPr>
-      <p:grpSpPr>
-        <a:xfrm>
-          <a:off x="0" y="0"/>
-          <a:ext cx="0" cy="0"/>
-          <a:chOff x="0" y="0"/>
-          <a:chExt cx="0" cy="0"/>
-        </a:xfrm>
-      </p:grpSpPr>
-      <p:sp>
-        <p:nvSpPr>
-          <p:cNvPr id="3" name="Content Placeholder 2"/>
-          <p:cNvSpPr>
-            <a:spLocks noGrp="1"/>
-          </p:cNvSpPr>
-          <p:nvPr>
-            <p:ph idx="1"/>
-          </p:nvPr>
-        </p:nvSpPr>
-        <p:spPr/>
-        <p:txBody>
-          <a:bodyPr/>
-          <a:lstStyle/>
-          <a:p>
-            <a:r>
-              <a:rPr lang="en-US" dirty="0"/>
-              <a:t>Load the module, create a model and train it</a:t>
-            </a:r>
-          </a:p>
-          <a:p>
-            <a:endParaRPr lang="en-US" dirty="0"/>
-          </a:p>
-          <a:p>
-            <a:endParaRPr lang="en-US" dirty="0"/>
-          </a:p>
-          <a:p>
-            <a:pPr lvl="1"/>
-            <a:endParaRPr lang="en-US" dirty="0"/>
-          </a:p>
-          <a:p>
-            <a:r>
-              <a:rPr lang="en-US" dirty="0"/>
-              <a:t>Run a prediction on the reserved testing set and compare the predicted values to the known values</a:t>
-            </a:r>
-          </a:p>
-          <a:p>
-            <a:pPr marL="0" indent="0">
-              <a:buNone/>
-            </a:pPr>
-            <a:endParaRPr lang="en-US" dirty="0"/>
-          </a:p>
-          <a:p>
-            <a:pPr lvl="1"/>
-            <a:endParaRPr lang="en-US" dirty="0"/>
-          </a:p>
-        </p:txBody>
-      </p:sp>
-      <p:sp>
-        <p:nvSpPr>
-          <p:cNvPr id="2" name="Title 1"/>
-          <p:cNvSpPr>
-            <a:spLocks noGrp="1"/>
-          </p:cNvSpPr>
-          <p:nvPr>
-            <p:ph type="title"/>
-          </p:nvPr>
-        </p:nvSpPr>
-        <p:spPr/>
-        <p:txBody>
-          <a:bodyPr/>
-          <a:lstStyle/>
-          <a:p>
-            <a:r>
-              <a:rPr lang="en-US" dirty="0"/>
-              <a:t>Apply Random Forest</a:t>
-            </a:r>
-          </a:p>
-        </p:txBody>
-      </p:sp>
-      <p:sp>
-        <p:nvSpPr>
-          <p:cNvPr id="4" name="TextBox 3">
-            <a:extLst>
-              <a:ext uri="{FF2B5EF4-FFF2-40B4-BE49-F238E27FC236}">
-                <a16:creationId xmlns:a16="http://schemas.microsoft.com/office/drawing/2014/main" id="{B25BD5BC-E8B9-4540-A404-A5C6B4AFC25D}"/>
-              </a:ext>
-            </a:extLst>
-          </p:cNvPr>
-          <p:cNvSpPr txBox="1"/>
-          <p:nvPr/>
-        </p:nvSpPr>
-        <p:spPr>
-          <a:xfrm>
-            <a:off x="1330508" y="1588198"/>
-            <a:ext cx="6482985" cy="830997"/>
-          </a:xfrm>
-          <a:prstGeom prst="rect">
-            <a:avLst/>
-          </a:prstGeom>
-          <a:noFill/>
-          <a:ln w="28575" algn="ctr">
-            <a:solidFill>
-              <a:schemeClr val="accent2">
-                <a:lumMod val="20000"/>
-                <a:lumOff val="80000"/>
-              </a:schemeClr>
-            </a:solidFill>
-            <a:miter lim="800000"/>
-            <a:headEnd/>
-            <a:tailEnd/>
-          </a:ln>
-          <a:effectLst/>
-        </p:spPr>
-        <p:txBody>
-          <a:bodyPr wrap="square">
-            <a:spAutoFit/>
-          </a:bodyPr>
-          <a:lstStyle>
-            <a:defPPr>
-              <a:defRPr lang="en-US"/>
-            </a:defPPr>
-            <a:lvl1pPr marL="0" defTabSz="914400" eaLnBrk="1" latinLnBrk="0" hangingPunct="1">
-              <a:defRPr sz="1400">
-                <a:solidFill>
-                  <a:schemeClr val="tx1"/>
-                </a:solidFill>
-                <a:latin typeface="Courier New" pitchFamily="49" charset="0"/>
-                <a:cs typeface="+mn-cs"/>
-              </a:defRPr>
-            </a:lvl1pPr>
-            <a:lvl2pPr marL="742950" indent="-285750" defTabSz="914400" latinLnBrk="0">
-              <a:defRPr sz="1400">
-                <a:solidFill>
-                  <a:schemeClr val="tx1"/>
-                </a:solidFill>
-                <a:latin typeface="Arial" charset="0"/>
-                <a:cs typeface="+mn-cs"/>
-              </a:defRPr>
-            </a:lvl2pPr>
-            <a:lvl3pPr marL="1143000" indent="-228600" defTabSz="914400" latinLnBrk="0">
-              <a:defRPr sz="1400">
-                <a:solidFill>
-                  <a:schemeClr val="tx1"/>
-                </a:solidFill>
-                <a:latin typeface="Arial" charset="0"/>
-                <a:cs typeface="+mn-cs"/>
-              </a:defRPr>
-            </a:lvl3pPr>
-            <a:lvl4pPr marL="1600200" indent="-228600" defTabSz="914400" latinLnBrk="0">
-              <a:defRPr sz="1400">
-                <a:solidFill>
-                  <a:schemeClr val="tx1"/>
-                </a:solidFill>
-                <a:latin typeface="Arial" charset="0"/>
-                <a:cs typeface="+mn-cs"/>
-              </a:defRPr>
-            </a:lvl4pPr>
-            <a:lvl5pPr marL="2057400" indent="-228600" defTabSz="914400" latinLnBrk="0">
-              <a:defRPr sz="1400">
-                <a:solidFill>
-                  <a:schemeClr val="tx1"/>
-                </a:solidFill>
-                <a:latin typeface="Arial" charset="0"/>
-                <a:cs typeface="+mn-cs"/>
-              </a:defRPr>
-            </a:lvl5pPr>
-            <a:lvl6pPr marL="2514600" indent="-228600" eaLnBrk="0" fontAlgn="base" hangingPunct="0">
-              <a:spcBef>
-                <a:spcPct val="0"/>
-              </a:spcBef>
-              <a:spcAft>
-                <a:spcPct val="0"/>
-              </a:spcAft>
-              <a:defRPr sz="1400">
-                <a:solidFill>
-                  <a:schemeClr val="tx1"/>
-                </a:solidFill>
-                <a:latin typeface="Arial" charset="0"/>
-                <a:cs typeface="+mn-cs"/>
-              </a:defRPr>
-            </a:lvl6pPr>
-            <a:lvl7pPr marL="2971800" indent="-228600" eaLnBrk="0" fontAlgn="base" hangingPunct="0">
-              <a:spcBef>
-                <a:spcPct val="0"/>
-              </a:spcBef>
-              <a:spcAft>
-                <a:spcPct val="0"/>
-              </a:spcAft>
-              <a:defRPr sz="1400">
-                <a:solidFill>
-                  <a:schemeClr val="tx1"/>
-                </a:solidFill>
-                <a:latin typeface="Arial" charset="0"/>
-                <a:cs typeface="+mn-cs"/>
-              </a:defRPr>
-            </a:lvl7pPr>
-            <a:lvl8pPr marL="3429000" indent="-228600" eaLnBrk="0" fontAlgn="base" hangingPunct="0">
-              <a:spcBef>
-                <a:spcPct val="0"/>
-              </a:spcBef>
-              <a:spcAft>
-                <a:spcPct val="0"/>
-              </a:spcAft>
-              <a:defRPr sz="1400">
-                <a:solidFill>
-                  <a:schemeClr val="tx1"/>
-                </a:solidFill>
-                <a:latin typeface="Arial" charset="0"/>
-                <a:cs typeface="+mn-cs"/>
-              </a:defRPr>
-            </a:lvl8pPr>
-            <a:lvl9pPr marL="3886200" indent="-228600" eaLnBrk="0" fontAlgn="base" hangingPunct="0">
-              <a:spcBef>
-                <a:spcPct val="0"/>
-              </a:spcBef>
-              <a:spcAft>
-                <a:spcPct val="0"/>
-              </a:spcAft>
-              <a:defRPr sz="1400">
-                <a:solidFill>
-                  <a:schemeClr val="tx1"/>
-                </a:solidFill>
-                <a:latin typeface="Arial" charset="0"/>
-                <a:cs typeface="+mn-cs"/>
-              </a:defRPr>
-            </a:lvl9pPr>
-          </a:lstStyle>
-          <a:p>
-            <a:r>
-              <a:rPr lang="en-US" sz="1600" b="1" dirty="0"/>
-              <a:t>from sklearn.ensemble import RandomForestClassifier</a:t>
-            </a:r>
-          </a:p>
-          <a:p>
-            <a:r>
-              <a:rPr lang="en-US" sz="1600" b="1" dirty="0"/>
-              <a:t>modelRF = RandomForestClassifier(n_estimators=10)</a:t>
-            </a:r>
-          </a:p>
-          <a:p>
-            <a:r>
-              <a:rPr lang="en-US" sz="1600" b="1" dirty="0"/>
-              <a:t>modelRF.fit(trainX, trainY)</a:t>
-            </a:r>
-            <a:endParaRPr lang="en-US" sz="1600" dirty="0"/>
-          </a:p>
-        </p:txBody>
-      </p:sp>
-      <p:sp>
-        <p:nvSpPr>
-          <p:cNvPr id="5" name="TextBox 4">
-            <a:extLst>
-              <a:ext uri="{FF2B5EF4-FFF2-40B4-BE49-F238E27FC236}">
-                <a16:creationId xmlns:a16="http://schemas.microsoft.com/office/drawing/2014/main" id="{B25BD5BC-E8B9-4540-A404-A5C6B4AFC25D}"/>
-              </a:ext>
-            </a:extLst>
-          </p:cNvPr>
-          <p:cNvSpPr txBox="1"/>
-          <p:nvPr/>
-        </p:nvSpPr>
-        <p:spPr>
-          <a:xfrm>
-            <a:off x="908477" y="3445325"/>
-            <a:ext cx="7327046" cy="2554545"/>
-          </a:xfrm>
-          <a:prstGeom prst="rect">
-            <a:avLst/>
-          </a:prstGeom>
-          <a:noFill/>
-          <a:ln w="28575" algn="ctr">
-            <a:solidFill>
-              <a:schemeClr val="accent2">
-                <a:lumMod val="20000"/>
-                <a:lumOff val="80000"/>
-              </a:schemeClr>
-            </a:solidFill>
-            <a:miter lim="800000"/>
-            <a:headEnd/>
-            <a:tailEnd/>
-          </a:ln>
-          <a:effectLst/>
-        </p:spPr>
-        <p:txBody>
-          <a:bodyPr wrap="square">
-            <a:spAutoFit/>
-          </a:bodyPr>
-          <a:lstStyle>
-            <a:defPPr>
-              <a:defRPr lang="en-US"/>
-            </a:defPPr>
-            <a:lvl1pPr marL="0" defTabSz="914400" eaLnBrk="1" latinLnBrk="0" hangingPunct="1">
-              <a:defRPr sz="1400">
-                <a:solidFill>
-                  <a:schemeClr val="tx1"/>
-                </a:solidFill>
-                <a:latin typeface="Courier New" pitchFamily="49" charset="0"/>
-                <a:cs typeface="+mn-cs"/>
-              </a:defRPr>
-            </a:lvl1pPr>
-            <a:lvl2pPr marL="742950" indent="-285750" defTabSz="914400" latinLnBrk="0">
-              <a:defRPr sz="1400">
-                <a:solidFill>
-                  <a:schemeClr val="tx1"/>
-                </a:solidFill>
-                <a:latin typeface="Arial" charset="0"/>
-                <a:cs typeface="+mn-cs"/>
-              </a:defRPr>
-            </a:lvl2pPr>
-            <a:lvl3pPr marL="1143000" indent="-228600" defTabSz="914400" latinLnBrk="0">
-              <a:defRPr sz="1400">
-                <a:solidFill>
-                  <a:schemeClr val="tx1"/>
-                </a:solidFill>
-                <a:latin typeface="Arial" charset="0"/>
-                <a:cs typeface="+mn-cs"/>
-              </a:defRPr>
-            </a:lvl3pPr>
-            <a:lvl4pPr marL="1600200" indent="-228600" defTabSz="914400" latinLnBrk="0">
-              <a:defRPr sz="1400">
-                <a:solidFill>
-                  <a:schemeClr val="tx1"/>
-                </a:solidFill>
-                <a:latin typeface="Arial" charset="0"/>
-                <a:cs typeface="+mn-cs"/>
-              </a:defRPr>
-            </a:lvl4pPr>
-            <a:lvl5pPr marL="2057400" indent="-228600" defTabSz="914400" latinLnBrk="0">
-              <a:defRPr sz="1400">
-                <a:solidFill>
-                  <a:schemeClr val="tx1"/>
-                </a:solidFill>
-                <a:latin typeface="Arial" charset="0"/>
-                <a:cs typeface="+mn-cs"/>
-              </a:defRPr>
-            </a:lvl5pPr>
-            <a:lvl6pPr marL="2514600" indent="-228600" eaLnBrk="0" fontAlgn="base" hangingPunct="0">
-              <a:spcBef>
-                <a:spcPct val="0"/>
-              </a:spcBef>
-              <a:spcAft>
-                <a:spcPct val="0"/>
-              </a:spcAft>
-              <a:defRPr sz="1400">
-                <a:solidFill>
-                  <a:schemeClr val="tx1"/>
-                </a:solidFill>
-                <a:latin typeface="Arial" charset="0"/>
-                <a:cs typeface="+mn-cs"/>
-              </a:defRPr>
-            </a:lvl6pPr>
-            <a:lvl7pPr marL="2971800" indent="-228600" eaLnBrk="0" fontAlgn="base" hangingPunct="0">
-              <a:spcBef>
-                <a:spcPct val="0"/>
-              </a:spcBef>
-              <a:spcAft>
-                <a:spcPct val="0"/>
-              </a:spcAft>
-              <a:defRPr sz="1400">
-                <a:solidFill>
-                  <a:schemeClr val="tx1"/>
-                </a:solidFill>
-                <a:latin typeface="Arial" charset="0"/>
-                <a:cs typeface="+mn-cs"/>
-              </a:defRPr>
-            </a:lvl7pPr>
-            <a:lvl8pPr marL="3429000" indent="-228600" eaLnBrk="0" fontAlgn="base" hangingPunct="0">
-              <a:spcBef>
-                <a:spcPct val="0"/>
-              </a:spcBef>
-              <a:spcAft>
-                <a:spcPct val="0"/>
-              </a:spcAft>
-              <a:defRPr sz="1400">
-                <a:solidFill>
-                  <a:schemeClr val="tx1"/>
-                </a:solidFill>
-                <a:latin typeface="Arial" charset="0"/>
-                <a:cs typeface="+mn-cs"/>
-              </a:defRPr>
-            </a:lvl8pPr>
-            <a:lvl9pPr marL="3886200" indent="-228600" eaLnBrk="0" fontAlgn="base" hangingPunct="0">
-              <a:spcBef>
-                <a:spcPct val="0"/>
-              </a:spcBef>
-              <a:spcAft>
-                <a:spcPct val="0"/>
-              </a:spcAft>
-              <a:defRPr sz="1400">
-                <a:solidFill>
-                  <a:schemeClr val="tx1"/>
-                </a:solidFill>
-                <a:latin typeface="Arial" charset="0"/>
-                <a:cs typeface="+mn-cs"/>
-              </a:defRPr>
-            </a:lvl9pPr>
-          </a:lstStyle>
-          <a:p>
-            <a:r>
-              <a:rPr lang="en-US" sz="1600" b="1" dirty="0"/>
-              <a:t>predY = modelRF.predict(testX)</a:t>
-            </a:r>
-          </a:p>
-          <a:p>
-            <a:r>
-              <a:rPr lang="en-US" sz="1600" b="1" dirty="0"/>
-              <a:t>from sklearn import metrics</a:t>
-            </a:r>
-          </a:p>
-          <a:p>
-            <a:r>
-              <a:rPr lang="en-US" sz="1600" b="1" dirty="0"/>
-              <a:t>print ("Accuracy:",metrics.accuracy_score(testY, predY))</a:t>
-            </a:r>
-          </a:p>
-          <a:p>
-            <a:r>
-              <a:rPr lang="en-US" sz="1600" b="1" dirty="0"/>
-              <a:t>cm = confusion_matrix(testY, predY)</a:t>
-            </a:r>
-          </a:p>
-          <a:p>
-            <a:r>
-              <a:rPr lang="en-US" sz="1600" b="1" dirty="0"/>
-              <a:t>print (cm)</a:t>
-            </a:r>
-          </a:p>
-          <a:p>
-            <a:endParaRPr lang="en-US" sz="1600" b="1" dirty="0"/>
-          </a:p>
-          <a:p>
-            <a:r>
-              <a:rPr lang="en-US" sz="1600" b="1" dirty="0"/>
-              <a:t>import pandas as pd</a:t>
-            </a:r>
-          </a:p>
-          <a:p>
-            <a:r>
-              <a:rPr lang="en-US" sz="1600" b="1" dirty="0"/>
-              <a:t>feature_imp = pd.Series(modelRF.feature_importances_,\    </a:t>
-            </a:r>
-            <a:br>
-              <a:rPr lang="en-US" sz="1600" b="1" dirty="0"/>
-            </a:br>
-            <a:r>
-              <a:rPr lang="en-US" sz="1600" b="1" dirty="0"/>
-              <a:t>    index=trainX.columns).sort_values(ascending=False)</a:t>
-            </a:r>
-          </a:p>
-          <a:p>
-            <a:r>
-              <a:rPr lang="en-US" sz="1600" b="1" dirty="0"/>
-              <a:t>print (feature_imp)</a:t>
-            </a:r>
-          </a:p>
-        </p:txBody>
-      </p:sp>
-    </p:spTree>
-    <p:extLst>
-      <p:ext uri="{BB962C8B-B14F-4D97-AF65-F5344CB8AC3E}">
-        <p14:creationId xmlns:p14="http://schemas.microsoft.com/office/powerpoint/2010/main" val="3391049089"/>
-      </p:ext>
-    </p:extLst>
-  </p:cSld>
-  <p:clrMapOvr>
-    <a:masterClrMapping/>
-  </p:clrMapOvr>
-</p:sld>
-</file>
-
-<file path=ppt/slides/slide36.xml><?xml version="1.0" encoding="utf-8"?>
-<p:sld xmlns:a="http://schemas.openxmlformats.org/drawingml/2006/main" xmlns:r="http://schemas.openxmlformats.org/officeDocument/2006/relationships" xmlns:p="http://schemas.openxmlformats.org/presentationml/2006/main">
-  <p:cSld>
-    <p:spTree>
-      <p:nvGrpSpPr>
-        <p:cNvPr id="1" name=""/>
-        <p:cNvGrpSpPr/>
-        <p:nvPr/>
-      </p:nvGrpSpPr>
-      <p:grpSpPr>
-        <a:xfrm>
-          <a:off x="0" y="0"/>
-          <a:ext cx="0" cy="0"/>
-          <a:chOff x="0" y="0"/>
-          <a:chExt cx="0" cy="0"/>
-        </a:xfrm>
-      </p:grpSpPr>
-      <p:sp>
-        <p:nvSpPr>
-          <p:cNvPr id="3" name="Content Placeholder 2"/>
-          <p:cNvSpPr>
-            <a:spLocks noGrp="1"/>
-          </p:cNvSpPr>
-          <p:nvPr>
-            <p:ph idx="1"/>
-          </p:nvPr>
-        </p:nvSpPr>
-        <p:spPr/>
-        <p:txBody>
-          <a:bodyPr/>
-          <a:lstStyle/>
-          <a:p>
-            <a:r>
-              <a:rPr lang="en-US" dirty="0"/>
-              <a:t>Overfitting is when the model predictions too closely fit the data and gives a good score but fails to produce good results on new data</a:t>
-            </a:r>
-          </a:p>
-          <a:p>
-            <a:r>
-              <a:rPr lang="en-US" dirty="0"/>
-              <a:t>Underfitting occurs when the model does not make good predictions and is usually because the model is too simple or does not have enough data</a:t>
-            </a:r>
-          </a:p>
-          <a:p>
-            <a:r>
-              <a:rPr lang="en-US" dirty="0"/>
-              <a:t>Bagging is a technique to decrease the variance of the predictions by generating more data from the original dataset by duplicating rows and helps improve accuracy &amp; reduce overfitting</a:t>
-            </a:r>
-          </a:p>
-          <a:p>
-            <a:r>
-              <a:rPr lang="en-US" dirty="0"/>
-              <a:t>Boosting combines many average models and uses voting to come up with a blended model that often is more accurate helps reduce underfitting</a:t>
-            </a:r>
-          </a:p>
-          <a:p>
-            <a:r>
-              <a:rPr lang="en-US" dirty="0"/>
-              <a:t>Stacking uses the results of many models to create another model</a:t>
-            </a:r>
-          </a:p>
-          <a:p>
-            <a:r>
-              <a:rPr lang="en-US" dirty="0"/>
-              <a:t>Blending is a variation on stacking that uses a training, validation and then testing set, building up the results of the previous steps</a:t>
-            </a:r>
-          </a:p>
-        </p:txBody>
-      </p:sp>
-      <p:sp>
-        <p:nvSpPr>
-          <p:cNvPr id="2" name="Title 1"/>
-          <p:cNvSpPr>
-            <a:spLocks noGrp="1"/>
-          </p:cNvSpPr>
-          <p:nvPr>
-            <p:ph type="title"/>
-          </p:nvPr>
-        </p:nvSpPr>
-        <p:spPr/>
-        <p:txBody>
-          <a:bodyPr/>
-          <a:lstStyle/>
-          <a:p>
-            <a:r>
-              <a:rPr lang="en-US" dirty="0"/>
-              <a:t>Other Options</a:t>
-            </a:r>
-          </a:p>
-        </p:txBody>
-      </p:sp>
-    </p:spTree>
-    <p:extLst>
-      <p:ext uri="{BB962C8B-B14F-4D97-AF65-F5344CB8AC3E}">
-        <p14:creationId xmlns:p14="http://schemas.microsoft.com/office/powerpoint/2010/main" val="3196788732"/>
-      </p:ext>
-    </p:extLst>
-  </p:cSld>
-  <p:clrMapOvr>
-    <a:masterClrMapping/>
-  </p:clrMapOvr>
-</p:sld>
-</file>
-
-<file path=ppt/slides/slide37.xml><?xml version="1.0" encoding="utf-8"?>
 <p:sld xmlns:a="http://schemas.openxmlformats.org/drawingml/2006/main" xmlns:r="http://schemas.openxmlformats.org/officeDocument/2006/relationships" xmlns:p="http://schemas.openxmlformats.org/presentationml/2006/main">
   <p:cSld>
     <p:spTree>
@@ -27916,7 +26645,7 @@
 </p:sld>
 </file>
 
-<file path=ppt/slides/slide38.xml><?xml version="1.0" encoding="utf-8"?>
+<file path=ppt/slides/slide35.xml><?xml version="1.0" encoding="utf-8"?>
 <p:sld xmlns:a="http://schemas.openxmlformats.org/drawingml/2006/main" xmlns:r="http://schemas.openxmlformats.org/officeDocument/2006/relationships" xmlns:p="http://schemas.openxmlformats.org/presentationml/2006/main">
   <p:cSld>
     <p:spTree>
@@ -28020,7 +26749,7 @@
 </p:sld>
 </file>
 
-<file path=ppt/slides/slide39.xml><?xml version="1.0" encoding="utf-8"?>
+<file path=ppt/slides/slide36.xml><?xml version="1.0" encoding="utf-8"?>
 <p:sld xmlns:a="http://schemas.openxmlformats.org/drawingml/2006/main" xmlns:r="http://schemas.openxmlformats.org/officeDocument/2006/relationships" xmlns:p="http://schemas.openxmlformats.org/presentationml/2006/main">
   <p:cSld>
     <p:spTree>
@@ -28073,7 +26802,21 @@
             <a:pPr lvl="1"/>
             <a:r>
               <a:rPr lang="en-US" dirty="0"/>
+              <a:t>Support Vector Machines</a:t>
+            </a:r>
+          </a:p>
+          <a:p>
+            <a:pPr lvl="1"/>
+            <a:r>
+              <a:rPr lang="en-US" dirty="0"/>
               <a:t>Boosted Trees</a:t>
+            </a:r>
+          </a:p>
+          <a:p>
+            <a:pPr lvl="1"/>
+            <a:r>
+              <a:rPr lang="en-US" dirty="0"/>
+              <a:t>Random Forests</a:t>
             </a:r>
           </a:p>
           <a:p>
@@ -28088,20 +26831,6 @@
             <a:r>
               <a:rPr lang="en-US" dirty="0"/>
               <a:t>Stochastic Gradient Descent</a:t>
-            </a:r>
-          </a:p>
-          <a:p>
-            <a:pPr lvl="1"/>
-            <a:r>
-              <a:rPr lang="en-US" dirty="0"/>
-              <a:t>Ensemble techniques</a:t>
-            </a:r>
-          </a:p>
-          <a:p>
-            <a:pPr lvl="1"/>
-            <a:r>
-              <a:rPr lang="en-US" dirty="0"/>
-              <a:t>AdaBoost</a:t>
             </a:r>
           </a:p>
         </p:txBody>
@@ -28132,6 +26861,138 @@
     <p:extLst>
       <p:ext uri="{BB962C8B-B14F-4D97-AF65-F5344CB8AC3E}">
         <p14:creationId xmlns:p14="http://schemas.microsoft.com/office/powerpoint/2010/main" val="861507163"/>
+      </p:ext>
+    </p:extLst>
+  </p:cSld>
+  <p:clrMapOvr>
+    <a:masterClrMapping/>
+  </p:clrMapOvr>
+</p:sld>
+</file>
+
+<file path=ppt/slides/slide37.xml><?xml version="1.0" encoding="utf-8"?>
+<p:sld xmlns:a="http://schemas.openxmlformats.org/drawingml/2006/main" xmlns:r="http://schemas.openxmlformats.org/officeDocument/2006/relationships" xmlns:p="http://schemas.openxmlformats.org/presentationml/2006/main">
+  <p:cSld>
+    <p:spTree>
+      <p:nvGrpSpPr>
+        <p:cNvPr id="1" name=""/>
+        <p:cNvGrpSpPr/>
+        <p:nvPr/>
+      </p:nvGrpSpPr>
+      <p:grpSpPr>
+        <a:xfrm>
+          <a:off x="0" y="0"/>
+          <a:ext cx="0" cy="0"/>
+          <a:chOff x="0" y="0"/>
+          <a:chExt cx="0" cy="0"/>
+        </a:xfrm>
+      </p:grpSpPr>
+      <p:sp>
+        <p:nvSpPr>
+          <p:cNvPr id="5" name="Content Placeholder 4"/>
+          <p:cNvSpPr>
+            <a:spLocks noGrp="1"/>
+          </p:cNvSpPr>
+          <p:nvPr>
+            <p:ph idx="1"/>
+          </p:nvPr>
+        </p:nvSpPr>
+        <p:spPr/>
+        <p:txBody>
+          <a:bodyPr/>
+          <a:lstStyle/>
+          <a:p>
+            <a:pPr marL="0" indent="0">
+              <a:buNone/>
+            </a:pPr>
+            <a:r>
+              <a:rPr lang="en-US" dirty="0"/>
+              <a:t>In this chapter, we have:</a:t>
+            </a:r>
+          </a:p>
+          <a:p>
+            <a:r>
+              <a:rPr lang="en-US" dirty="0"/>
+              <a:t>Understood the use cases for Classification models</a:t>
+            </a:r>
+          </a:p>
+          <a:p>
+            <a:r>
+              <a:rPr lang="en-US" dirty="0"/>
+              <a:t>Discussed and compared various algorithms</a:t>
+            </a:r>
+          </a:p>
+          <a:p>
+            <a:pPr lvl="1"/>
+            <a:r>
+              <a:rPr lang="en-US" dirty="0"/>
+              <a:t>Naive Bayes</a:t>
+            </a:r>
+          </a:p>
+          <a:p>
+            <a:pPr lvl="1"/>
+            <a:r>
+              <a:rPr lang="en-US" dirty="0"/>
+              <a:t>Decision Tree</a:t>
+            </a:r>
+          </a:p>
+          <a:p>
+            <a:pPr lvl="1"/>
+            <a:r>
+              <a:rPr lang="en-US" dirty="0"/>
+              <a:t>Logistic Regression</a:t>
+            </a:r>
+          </a:p>
+          <a:p>
+            <a:pPr lvl="1"/>
+            <a:r>
+              <a:rPr lang="en-US" dirty="0"/>
+              <a:t>Neural Network</a:t>
+            </a:r>
+          </a:p>
+          <a:p>
+            <a:pPr marL="0" indent="0">
+              <a:buNone/>
+            </a:pPr>
+            <a:endParaRPr lang="en-US" dirty="0"/>
+          </a:p>
+          <a:p>
+            <a:endParaRPr lang="en-US" dirty="0"/>
+          </a:p>
+          <a:p>
+            <a:pPr marL="0" indent="0">
+              <a:buNone/>
+            </a:pPr>
+            <a:endParaRPr lang="en-US" dirty="0"/>
+          </a:p>
+        </p:txBody>
+      </p:sp>
+      <p:sp>
+        <p:nvSpPr>
+          <p:cNvPr id="4" name="Title 3"/>
+          <p:cNvSpPr>
+            <a:spLocks noGrp="1"/>
+          </p:cNvSpPr>
+          <p:nvPr>
+            <p:ph type="title"/>
+          </p:nvPr>
+        </p:nvSpPr>
+        <p:spPr/>
+        <p:txBody>
+          <a:bodyPr/>
+          <a:lstStyle/>
+          <a:p>
+            <a:r>
+              <a:rPr lang="en-US" dirty="0"/>
+              <a:t>Chapter Summary</a:t>
+            </a:r>
+          </a:p>
+        </p:txBody>
+      </p:sp>
+    </p:spTree>
+    <p:extLst>
+      <p:ext uri="{BB962C8B-B14F-4D97-AF65-F5344CB8AC3E}">
+        <p14:creationId xmlns:p14="http://schemas.microsoft.com/office/powerpoint/2010/main" val="23848925"/>
       </p:ext>
     </p:extLst>
   </p:cSld>
@@ -28261,138 +27122,6 @@
     <p:extLst>
       <p:ext uri="{BB962C8B-B14F-4D97-AF65-F5344CB8AC3E}">
         <p14:creationId xmlns:p14="http://schemas.microsoft.com/office/powerpoint/2010/main" val="3309313356"/>
-      </p:ext>
-    </p:extLst>
-  </p:cSld>
-  <p:clrMapOvr>
-    <a:masterClrMapping/>
-  </p:clrMapOvr>
-</p:sld>
-</file>
-
-<file path=ppt/slides/slide40.xml><?xml version="1.0" encoding="utf-8"?>
-<p:sld xmlns:a="http://schemas.openxmlformats.org/drawingml/2006/main" xmlns:r="http://schemas.openxmlformats.org/officeDocument/2006/relationships" xmlns:p="http://schemas.openxmlformats.org/presentationml/2006/main">
-  <p:cSld>
-    <p:spTree>
-      <p:nvGrpSpPr>
-        <p:cNvPr id="1" name=""/>
-        <p:cNvGrpSpPr/>
-        <p:nvPr/>
-      </p:nvGrpSpPr>
-      <p:grpSpPr>
-        <a:xfrm>
-          <a:off x="0" y="0"/>
-          <a:ext cx="0" cy="0"/>
-          <a:chOff x="0" y="0"/>
-          <a:chExt cx="0" cy="0"/>
-        </a:xfrm>
-      </p:grpSpPr>
-      <p:sp>
-        <p:nvSpPr>
-          <p:cNvPr id="5" name="Content Placeholder 4"/>
-          <p:cNvSpPr>
-            <a:spLocks noGrp="1"/>
-          </p:cNvSpPr>
-          <p:nvPr>
-            <p:ph idx="1"/>
-          </p:nvPr>
-        </p:nvSpPr>
-        <p:spPr/>
-        <p:txBody>
-          <a:bodyPr/>
-          <a:lstStyle/>
-          <a:p>
-            <a:pPr marL="0" indent="0">
-              <a:buNone/>
-            </a:pPr>
-            <a:r>
-              <a:rPr lang="en-US" dirty="0"/>
-              <a:t>In this chapter, we have:</a:t>
-            </a:r>
-          </a:p>
-          <a:p>
-            <a:r>
-              <a:rPr lang="en-US" dirty="0"/>
-              <a:t>Understood the use cases for Classification models</a:t>
-            </a:r>
-          </a:p>
-          <a:p>
-            <a:r>
-              <a:rPr lang="en-US" dirty="0"/>
-              <a:t>Discussed and compared various algorithms</a:t>
-            </a:r>
-          </a:p>
-          <a:p>
-            <a:pPr lvl="1"/>
-            <a:r>
-              <a:rPr lang="en-US" dirty="0"/>
-              <a:t>Naive Bayes</a:t>
-            </a:r>
-          </a:p>
-          <a:p>
-            <a:pPr lvl="1"/>
-            <a:r>
-              <a:rPr lang="en-US" dirty="0"/>
-              <a:t>Decision Tree</a:t>
-            </a:r>
-          </a:p>
-          <a:p>
-            <a:pPr lvl="1"/>
-            <a:r>
-              <a:rPr lang="en-US" dirty="0"/>
-              <a:t>Logistic Regression</a:t>
-            </a:r>
-          </a:p>
-          <a:p>
-            <a:pPr lvl="1"/>
-            <a:r>
-              <a:rPr lang="en-US" dirty="0"/>
-              <a:t>Neural Network</a:t>
-            </a:r>
-          </a:p>
-          <a:p>
-            <a:pPr marL="0" indent="0">
-              <a:buNone/>
-            </a:pPr>
-            <a:endParaRPr lang="en-US" dirty="0"/>
-          </a:p>
-          <a:p>
-            <a:endParaRPr lang="en-US" dirty="0"/>
-          </a:p>
-          <a:p>
-            <a:pPr marL="0" indent="0">
-              <a:buNone/>
-            </a:pPr>
-            <a:endParaRPr lang="en-US" dirty="0"/>
-          </a:p>
-        </p:txBody>
-      </p:sp>
-      <p:sp>
-        <p:nvSpPr>
-          <p:cNvPr id="4" name="Title 3"/>
-          <p:cNvSpPr>
-            <a:spLocks noGrp="1"/>
-          </p:cNvSpPr>
-          <p:nvPr>
-            <p:ph type="title"/>
-          </p:nvPr>
-        </p:nvSpPr>
-        <p:spPr/>
-        <p:txBody>
-          <a:bodyPr/>
-          <a:lstStyle/>
-          <a:p>
-            <a:r>
-              <a:rPr lang="en-US" dirty="0"/>
-              <a:t>Chapter Summary</a:t>
-            </a:r>
-          </a:p>
-        </p:txBody>
-      </p:sp>
-    </p:spTree>
-    <p:extLst>
-      <p:ext uri="{BB962C8B-B14F-4D97-AF65-F5344CB8AC3E}">
-        <p14:creationId xmlns:p14="http://schemas.microsoft.com/office/powerpoint/2010/main" val="23848925"/>
       </p:ext>
     </p:extLst>
   </p:cSld>

--- a/811M-Ch07_ClassificationModels.pptx
+++ b/811M-Ch07_ClassificationModels.pptx
@@ -2845,7 +2845,12 @@
             <p:ph type="sldImg"/>
           </p:nvPr>
         </p:nvSpPr>
-        <p:spPr/>
+        <p:spPr>
+          <a:xfrm>
+            <a:off x="1189038" y="701675"/>
+            <a:ext cx="4676775" cy="3508375"/>
+          </a:xfrm>
+        </p:spPr>
       </p:sp>
       <p:sp>
         <p:nvSpPr>
@@ -25960,7 +25965,7 @@
           <p:spPr>
             <a:xfrm>
               <a:off x="6937608" y="4574783"/>
-              <a:ext cx="295274" cy="276999"/>
+              <a:ext cx="245731" cy="243755"/>
             </a:xfrm>
             <a:prstGeom prst="rect">
               <a:avLst/>
@@ -25986,7 +25991,7 @@
                     <a:schemeClr val="tx1"/>
                   </a:solidFill>
                 </a:rPr>
-                <a:t>Y</a:t>
+                <a:t>Z</a:t>
               </a:r>
             </a:p>
           </p:txBody>
@@ -29673,18 +29678,18 @@
 </file>
 
 <file path=customXml/item1.xml><?xml version="1.0" encoding="utf-8"?>
+<p:properties xmlns:p="http://schemas.microsoft.com/office/2006/metadata/properties" xmlns:xsi="http://www.w3.org/2001/XMLSchema-instance" xmlns:pc="http://schemas.microsoft.com/office/infopath/2007/PartnerControls">
+  <documentManagement/>
+</p:properties>
+</file>
+
+<file path=customXml/item2.xml><?xml version="1.0" encoding="utf-8"?>
 <?mso-contentType ?>
 <FormTemplates xmlns="http://schemas.microsoft.com/sharepoint/v3/contenttype/forms">
   <Display>DocumentLibraryForm</Display>
   <Edit>DocumentLibraryForm</Edit>
   <New>DocumentLibraryForm</New>
 </FormTemplates>
-</file>
-
-<file path=customXml/item2.xml><?xml version="1.0" encoding="utf-8"?>
-<p:properties xmlns:p="http://schemas.microsoft.com/office/2006/metadata/properties" xmlns:xsi="http://www.w3.org/2001/XMLSchema-instance" xmlns:pc="http://schemas.microsoft.com/office/infopath/2007/PartnerControls">
-  <documentManagement/>
-</p:properties>
 </file>
 
 <file path=customXml/item3.xml><?xml version="1.0" encoding="utf-8"?>
@@ -29840,14 +29845,6 @@
 </file>
 
 <file path=customXml/itemProps1.xml><?xml version="1.0" encoding="utf-8"?>
-<ds:datastoreItem xmlns:ds="http://schemas.openxmlformats.org/officeDocument/2006/customXml" ds:itemID="{2DA015F3-603C-4688-A5F3-81D587DAB8C9}">
-  <ds:schemaRefs>
-    <ds:schemaRef ds:uri="http://schemas.microsoft.com/sharepoint/v3/contenttype/forms"/>
-  </ds:schemaRefs>
-</ds:datastoreItem>
-</file>
-
-<file path=customXml/itemProps2.xml><?xml version="1.0" encoding="utf-8"?>
 <ds:datastoreItem xmlns:ds="http://schemas.openxmlformats.org/officeDocument/2006/customXml" ds:itemID="{F47B9207-CE5C-49AD-B414-15CBFA246D65}">
   <ds:schemaRefs>
     <ds:schemaRef ds:uri="http://purl.org/dc/terms/"/>
@@ -29859,6 +29856,14 @@
     <ds:schemaRef ds:uri="http://schemas.openxmlformats.org/package/2006/metadata/core-properties"/>
     <ds:schemaRef ds:uri="http://www.w3.org/XML/1998/namespace"/>
     <ds:schemaRef ds:uri="http://purl.org/dc/dcmitype/"/>
+  </ds:schemaRefs>
+</ds:datastoreItem>
+</file>
+
+<file path=customXml/itemProps2.xml><?xml version="1.0" encoding="utf-8"?>
+<ds:datastoreItem xmlns:ds="http://schemas.openxmlformats.org/officeDocument/2006/customXml" ds:itemID="{2DA015F3-603C-4688-A5F3-81D587DAB8C9}">
+  <ds:schemaRefs>
+    <ds:schemaRef ds:uri="http://schemas.microsoft.com/sharepoint/v3/contenttype/forms"/>
   </ds:schemaRefs>
 </ds:datastoreItem>
 </file>
